--- a/dokuments/предзащита.pptx
+++ b/dokuments/предзащита.pptx
@@ -12,13 +12,13 @@
   </p:handoutMasterIdLst>
   <p:sldIdLst>
     <p:sldId id="256" r:id="rId5"/>
-    <p:sldId id="277" r:id="rId6"/>
+    <p:sldId id="304" r:id="rId6"/>
     <p:sldId id="262" r:id="rId7"/>
     <p:sldId id="261" r:id="rId8"/>
     <p:sldId id="295" r:id="rId9"/>
-    <p:sldId id="296" r:id="rId10"/>
-    <p:sldId id="289" r:id="rId11"/>
-    <p:sldId id="297" r:id="rId12"/>
+    <p:sldId id="289" r:id="rId10"/>
+    <p:sldId id="305" r:id="rId11"/>
+    <p:sldId id="303" r:id="rId12"/>
     <p:sldId id="302" r:id="rId13"/>
     <p:sldId id="268" r:id="rId14"/>
     <p:sldId id="298" r:id="rId15"/>
@@ -125,7 +125,7 @@
   </p:defaultTextStyle>
   <p:extLst>
     <p:ext uri="{EFAFB233-063F-42B5-8137-9DF3F51BA10A}">
-      <p15:sldGuideLst xmlns:p15="http://schemas.microsoft.com/office/powerpoint/2012/main" xmlns="">
+      <p15:sldGuideLst xmlns="" xmlns:p15="http://schemas.microsoft.com/office/powerpoint/2012/main">
         <p15:guide id="1" orient="horz" pos="3360" userDrawn="1">
           <p15:clr>
             <a:srgbClr val="A4A3A4"/>
@@ -139,7 +139,7 @@
       </p15:sldGuideLst>
     </p:ext>
     <p:ext uri="{2D200454-40CA-4A62-9FC3-DE9A4176ACB9}">
-      <p15:notesGuideLst xmlns:p15="http://schemas.microsoft.com/office/powerpoint/2012/main" xmlns=""/>
+      <p15:notesGuideLst xmlns="" xmlns:p15="http://schemas.microsoft.com/office/powerpoint/2012/main"/>
     </p:ext>
   </p:extLst>
 </p:presentation>
@@ -184,7 +184,7 @@
           <p:cNvPr id="2" name="Верхний колонтитул 1">
             <a:extLst>
               <a:ext uri="{FF2B5EF4-FFF2-40B4-BE49-F238E27FC236}">
-                <a16:creationId xmlns:a16="http://schemas.microsoft.com/office/drawing/2014/main" xmlns="" id="{53F6ED8B-CF52-4A64-BACC-61D9C1041E04}"/>
+                <a16:creationId xmlns="" xmlns:a16="http://schemas.microsoft.com/office/drawing/2014/main" id="{53F6ED8B-CF52-4A64-BACC-61D9C1041E04}"/>
               </a:ext>
             </a:extLst>
           </p:cNvPr>
@@ -222,7 +222,7 @@
           <p:cNvPr id="3" name="Дата 2">
             <a:extLst>
               <a:ext uri="{FF2B5EF4-FFF2-40B4-BE49-F238E27FC236}">
-                <a16:creationId xmlns:a16="http://schemas.microsoft.com/office/drawing/2014/main" xmlns="" id="{0D7022B2-02C5-4E03-99BC-0BA3C57AC49B}"/>
+                <a16:creationId xmlns="" xmlns:a16="http://schemas.microsoft.com/office/drawing/2014/main" id="{0D7022B2-02C5-4E03-99BC-0BA3C57AC49B}"/>
               </a:ext>
             </a:extLst>
           </p:cNvPr>
@@ -254,7 +254,7 @@
             <a:fld id="{FC0F8075-1A65-4E2D-86FD-3149223795BF}" type="datetime1">
               <a:rPr lang="ru-RU" smtClean="0"/>
               <a:pPr rtl="0"/>
-              <a:t>03.06.2025</a:t>
+              <a:t>04.06.2025</a:t>
             </a:fld>
             <a:endParaRPr lang="ru-RU"/>
           </a:p>
@@ -265,7 +265,7 @@
           <p:cNvPr id="4" name="Нижний колонтитул 3">
             <a:extLst>
               <a:ext uri="{FF2B5EF4-FFF2-40B4-BE49-F238E27FC236}">
-                <a16:creationId xmlns:a16="http://schemas.microsoft.com/office/drawing/2014/main" xmlns="" id="{BC3FEE8C-8D38-4F2A-950E-071C6823E271}"/>
+                <a16:creationId xmlns="" xmlns:a16="http://schemas.microsoft.com/office/drawing/2014/main" id="{BC3FEE8C-8D38-4F2A-950E-071C6823E271}"/>
               </a:ext>
             </a:extLst>
           </p:cNvPr>
@@ -303,7 +303,7 @@
           <p:cNvPr id="5" name="Номер слайда 4">
             <a:extLst>
               <a:ext uri="{FF2B5EF4-FFF2-40B4-BE49-F238E27FC236}">
-                <a16:creationId xmlns:a16="http://schemas.microsoft.com/office/drawing/2014/main" xmlns="" id="{8C567A6D-959B-4552-AB8D-4CCA819CAA71}"/>
+                <a16:creationId xmlns="" xmlns:a16="http://schemas.microsoft.com/office/drawing/2014/main" id="{8C567A6D-959B-4552-AB8D-4CCA819CAA71}"/>
               </a:ext>
             </a:extLst>
           </p:cNvPr>
@@ -437,7 +437,7 @@
             <a:fld id="{3D7F6790-AAC1-45DA-A380-9B168CABEF7B}" type="datetime1">
               <a:rPr lang="ru-RU" smtClean="0"/>
               <a:pPr/>
-              <a:t>03.06.2025</a:t>
+              <a:t>04.06.2025</a:t>
             </a:fld>
             <a:endParaRPr lang="ru-RU" dirty="0"/>
           </a:p>
@@ -1302,7 +1302,7 @@
     </p:spTree>
     <p:extLst>
       <p:ext uri="{BB962C8B-B14F-4D97-AF65-F5344CB8AC3E}">
-        <p14:creationId xmlns:p14="http://schemas.microsoft.com/office/powerpoint/2010/main" val="1013428699"/>
+        <p14:creationId xmlns:p14="http://schemas.microsoft.com/office/powerpoint/2010/main" val="2744565236"/>
       </p:ext>
     </p:extLst>
   </p:cSld>
@@ -1646,7 +1646,7 @@
     </p:spTree>
     <p:extLst>
       <p:ext uri="{BB962C8B-B14F-4D97-AF65-F5344CB8AC3E}">
-        <p14:creationId xmlns:p14="http://schemas.microsoft.com/office/powerpoint/2010/main" val="672631527"/>
+        <p14:creationId xmlns:p14="http://schemas.microsoft.com/office/powerpoint/2010/main" val="2744565236"/>
       </p:ext>
     </p:extLst>
   </p:cSld>
@@ -1818,7 +1818,7 @@
     </p:spTree>
     <p:extLst>
       <p:ext uri="{BB962C8B-B14F-4D97-AF65-F5344CB8AC3E}">
-        <p14:creationId xmlns:p14="http://schemas.microsoft.com/office/powerpoint/2010/main" val="1566646797"/>
+        <p14:creationId xmlns:p14="http://schemas.microsoft.com/office/powerpoint/2010/main" val="1013428699"/>
       </p:ext>
     </p:extLst>
   </p:cSld>
@@ -1944,7 +1944,7 @@
           <p:cNvPr id="2" name="Заголовок 1">
             <a:extLst>
               <a:ext uri="{FF2B5EF4-FFF2-40B4-BE49-F238E27FC236}">
-                <a16:creationId xmlns:a16="http://schemas.microsoft.com/office/drawing/2014/main" xmlns="" id="{415B3628-62D7-4A6D-A79F-34DE91DBA31E}"/>
+                <a16:creationId xmlns="" xmlns:a16="http://schemas.microsoft.com/office/drawing/2014/main" id="{415B3628-62D7-4A6D-A79F-34DE91DBA31E}"/>
               </a:ext>
             </a:extLst>
           </p:cNvPr>
@@ -1991,7 +1991,7 @@
           <p:cNvPr id="3" name="Подзаголовок 2">
             <a:extLst>
               <a:ext uri="{FF2B5EF4-FFF2-40B4-BE49-F238E27FC236}">
-                <a16:creationId xmlns:a16="http://schemas.microsoft.com/office/drawing/2014/main" xmlns="" id="{55457758-A125-4CEA-A3D5-CBD010417BD2}"/>
+                <a16:creationId xmlns="" xmlns:a16="http://schemas.microsoft.com/office/drawing/2014/main" id="{55457758-A125-4CEA-A3D5-CBD010417BD2}"/>
               </a:ext>
             </a:extLst>
           </p:cNvPr>
@@ -2074,7 +2074,7 @@
           <p:cNvPr id="8" name="Графический объект 7">
             <a:extLst>
               <a:ext uri="{FF2B5EF4-FFF2-40B4-BE49-F238E27FC236}">
-                <a16:creationId xmlns:a16="http://schemas.microsoft.com/office/drawing/2014/main" xmlns="" id="{A04F1E16-9A84-4D0E-9706-79C396AF6AE6}"/>
+                <a16:creationId xmlns="" xmlns:a16="http://schemas.microsoft.com/office/drawing/2014/main" id="{A04F1E16-9A84-4D0E-9706-79C396AF6AE6}"/>
               </a:ext>
             </a:extLst>
           </p:cNvPr>
@@ -2087,7 +2087,7 @@
           <a:blip r:embed="rId2">
             <a:extLst>
               <a:ext uri="{96DAC541-7B7A-43D3-8B79-37D633B846F1}">
-                <asvg:svgBlip xmlns:asvg="http://schemas.microsoft.com/office/drawing/2016/SVG/main" xmlns="" r:embed="rId3"/>
+                <asvg:svgBlip xmlns="" xmlns:asvg="http://schemas.microsoft.com/office/drawing/2016/SVG/main" r:embed="rId3"/>
               </a:ext>
             </a:extLst>
           </a:blip>
@@ -2147,7 +2147,7 @@
           <p:cNvPr id="2" name="Заголовок 1">
             <a:extLst>
               <a:ext uri="{FF2B5EF4-FFF2-40B4-BE49-F238E27FC236}">
-                <a16:creationId xmlns:a16="http://schemas.microsoft.com/office/drawing/2014/main" xmlns="" id="{81CF3B5C-31C4-46BA-9FAD-72DF917A84DA}"/>
+                <a16:creationId xmlns="" xmlns:a16="http://schemas.microsoft.com/office/drawing/2014/main" id="{81CF3B5C-31C4-46BA-9FAD-72DF917A84DA}"/>
               </a:ext>
             </a:extLst>
           </p:cNvPr>
@@ -2197,7 +2197,7 @@
           <p:cNvPr id="3" name="Текст 2">
             <a:extLst>
               <a:ext uri="{FF2B5EF4-FFF2-40B4-BE49-F238E27FC236}">
-                <a16:creationId xmlns:a16="http://schemas.microsoft.com/office/drawing/2014/main" xmlns="" id="{B659CD1F-9DFB-4048-9B9B-2BD7D4EC6400}"/>
+                <a16:creationId xmlns="" xmlns:a16="http://schemas.microsoft.com/office/drawing/2014/main" id="{B659CD1F-9DFB-4048-9B9B-2BD7D4EC6400}"/>
               </a:ext>
             </a:extLst>
           </p:cNvPr>
@@ -2280,7 +2280,7 @@
           <p:cNvPr id="23" name="Текст 2">
             <a:extLst>
               <a:ext uri="{FF2B5EF4-FFF2-40B4-BE49-F238E27FC236}">
-                <a16:creationId xmlns:a16="http://schemas.microsoft.com/office/drawing/2014/main" xmlns="" id="{A066E2EA-C6EA-4A02-818E-33BD582D92E7}"/>
+                <a16:creationId xmlns="" xmlns:a16="http://schemas.microsoft.com/office/drawing/2014/main" id="{A066E2EA-C6EA-4A02-818E-33BD582D92E7}"/>
               </a:ext>
             </a:extLst>
           </p:cNvPr>
@@ -2363,7 +2363,7 @@
           <p:cNvPr id="24" name="Текст 2">
             <a:extLst>
               <a:ext uri="{FF2B5EF4-FFF2-40B4-BE49-F238E27FC236}">
-                <a16:creationId xmlns:a16="http://schemas.microsoft.com/office/drawing/2014/main" xmlns="" id="{97B9C3B0-3522-407C-B662-631E19ECC95F}"/>
+                <a16:creationId xmlns="" xmlns:a16="http://schemas.microsoft.com/office/drawing/2014/main" id="{97B9C3B0-3522-407C-B662-631E19ECC95F}"/>
               </a:ext>
             </a:extLst>
           </p:cNvPr>
@@ -2446,7 +2446,7 @@
           <p:cNvPr id="4" name="Объект 3">
             <a:extLst>
               <a:ext uri="{FF2B5EF4-FFF2-40B4-BE49-F238E27FC236}">
-                <a16:creationId xmlns:a16="http://schemas.microsoft.com/office/drawing/2014/main" xmlns="" id="{AC9B20CF-6B91-4562-B799-0ABDAEBC0D2A}"/>
+                <a16:creationId xmlns="" xmlns:a16="http://schemas.microsoft.com/office/drawing/2014/main" id="{AC9B20CF-6B91-4562-B799-0ABDAEBC0D2A}"/>
               </a:ext>
             </a:extLst>
           </p:cNvPr>
@@ -2541,7 +2541,7 @@
           <p:cNvPr id="6" name="Объект 5">
             <a:extLst>
               <a:ext uri="{FF2B5EF4-FFF2-40B4-BE49-F238E27FC236}">
-                <a16:creationId xmlns:a16="http://schemas.microsoft.com/office/drawing/2014/main" xmlns="" id="{B36EE64B-44BF-4634-97BC-5ED74C6DF280}"/>
+                <a16:creationId xmlns="" xmlns:a16="http://schemas.microsoft.com/office/drawing/2014/main" id="{B36EE64B-44BF-4634-97BC-5ED74C6DF280}"/>
               </a:ext>
             </a:extLst>
           </p:cNvPr>
@@ -2636,7 +2636,7 @@
           <p:cNvPr id="22" name="Объект 3">
             <a:extLst>
               <a:ext uri="{FF2B5EF4-FFF2-40B4-BE49-F238E27FC236}">
-                <a16:creationId xmlns:a16="http://schemas.microsoft.com/office/drawing/2014/main" xmlns="" id="{C464A9BD-B815-4632-8F54-6EB70E48BAFF}"/>
+                <a16:creationId xmlns="" xmlns:a16="http://schemas.microsoft.com/office/drawing/2014/main" id="{C464A9BD-B815-4632-8F54-6EB70E48BAFF}"/>
               </a:ext>
             </a:extLst>
           </p:cNvPr>
@@ -2731,10 +2731,10 @@
           <p:cNvPr id="11" name="Графический объект 10">
             <a:extLst>
               <a:ext uri="{FF2B5EF4-FFF2-40B4-BE49-F238E27FC236}">
-                <a16:creationId xmlns:a16="http://schemas.microsoft.com/office/drawing/2014/main" xmlns="" id="{B38B0D13-BD5F-460B-B337-F4A9342026D0}"/>
+                <a16:creationId xmlns="" xmlns:a16="http://schemas.microsoft.com/office/drawing/2014/main" id="{B38B0D13-BD5F-460B-B337-F4A9342026D0}"/>
               </a:ext>
               <a:ext uri="{C183D7F6-B498-43B3-948B-1728B52AA6E4}">
-                <adec:decorative xmlns:adec="http://schemas.microsoft.com/office/drawing/2017/decorative" xmlns="" val="1"/>
+                <adec:decorative xmlns="" xmlns:adec="http://schemas.microsoft.com/office/drawing/2017/decorative" val="1"/>
               </a:ext>
             </a:extLst>
           </p:cNvPr>
@@ -2747,7 +2747,7 @@
           <a:blip r:embed="rId2">
             <a:extLst>
               <a:ext uri="{96DAC541-7B7A-43D3-8B79-37D633B846F1}">
-                <asvg:svgBlip xmlns:asvg="http://schemas.microsoft.com/office/drawing/2016/SVG/main" xmlns="" r:embed="rId3"/>
+                <asvg:svgBlip xmlns="" xmlns:asvg="http://schemas.microsoft.com/office/drawing/2016/SVG/main" r:embed="rId3"/>
               </a:ext>
             </a:extLst>
           </a:blip>
@@ -2770,10 +2770,10 @@
           <p:cNvPr id="13" name="Графический объект 12">
             <a:extLst>
               <a:ext uri="{FF2B5EF4-FFF2-40B4-BE49-F238E27FC236}">
-                <a16:creationId xmlns:a16="http://schemas.microsoft.com/office/drawing/2014/main" xmlns="" id="{BE72876B-D3DA-4462-9E24-3354D8D02A27}"/>
+                <a16:creationId xmlns="" xmlns:a16="http://schemas.microsoft.com/office/drawing/2014/main" id="{BE72876B-D3DA-4462-9E24-3354D8D02A27}"/>
               </a:ext>
               <a:ext uri="{C183D7F6-B498-43B3-948B-1728B52AA6E4}">
-                <adec:decorative xmlns:adec="http://schemas.microsoft.com/office/drawing/2017/decorative" xmlns="" val="1"/>
+                <adec:decorative xmlns="" xmlns:adec="http://schemas.microsoft.com/office/drawing/2017/decorative" val="1"/>
               </a:ext>
             </a:extLst>
           </p:cNvPr>
@@ -2786,7 +2786,7 @@
           <a:blip r:embed="rId4">
             <a:extLst>
               <a:ext uri="{96DAC541-7B7A-43D3-8B79-37D633B846F1}">
-                <asvg:svgBlip xmlns:asvg="http://schemas.microsoft.com/office/drawing/2016/SVG/main" xmlns="" r:embed="rId5"/>
+                <asvg:svgBlip xmlns="" xmlns:asvg="http://schemas.microsoft.com/office/drawing/2016/SVG/main" r:embed="rId5"/>
               </a:ext>
             </a:extLst>
           </a:blip>
@@ -2809,10 +2809,10 @@
           <p:cNvPr id="15" name="Графический объект 14">
             <a:extLst>
               <a:ext uri="{FF2B5EF4-FFF2-40B4-BE49-F238E27FC236}">
-                <a16:creationId xmlns:a16="http://schemas.microsoft.com/office/drawing/2014/main" xmlns="" id="{14A539B6-6E3F-41BA-ACE2-76E8BB651636}"/>
+                <a16:creationId xmlns="" xmlns:a16="http://schemas.microsoft.com/office/drawing/2014/main" id="{14A539B6-6E3F-41BA-ACE2-76E8BB651636}"/>
               </a:ext>
               <a:ext uri="{C183D7F6-B498-43B3-948B-1728B52AA6E4}">
-                <adec:decorative xmlns:adec="http://schemas.microsoft.com/office/drawing/2017/decorative" xmlns="" val="1"/>
+                <adec:decorative xmlns="" xmlns:adec="http://schemas.microsoft.com/office/drawing/2017/decorative" val="1"/>
               </a:ext>
             </a:extLst>
           </p:cNvPr>
@@ -2825,7 +2825,7 @@
           <a:blip r:embed="rId6">
             <a:extLst>
               <a:ext uri="{96DAC541-7B7A-43D3-8B79-37D633B846F1}">
-                <asvg:svgBlip xmlns:asvg="http://schemas.microsoft.com/office/drawing/2016/SVG/main" xmlns="" r:embed="rId7"/>
+                <asvg:svgBlip xmlns="" xmlns:asvg="http://schemas.microsoft.com/office/drawing/2016/SVG/main" r:embed="rId7"/>
               </a:ext>
             </a:extLst>
           </a:blip>
@@ -2848,7 +2848,7 @@
           <p:cNvPr id="25" name="Объект 3">
             <a:extLst>
               <a:ext uri="{FF2B5EF4-FFF2-40B4-BE49-F238E27FC236}">
-                <a16:creationId xmlns:a16="http://schemas.microsoft.com/office/drawing/2014/main" xmlns="" id="{82D8880F-3EAC-45C9-91F2-19A193791A18}"/>
+                <a16:creationId xmlns="" xmlns:a16="http://schemas.microsoft.com/office/drawing/2014/main" id="{82D8880F-3EAC-45C9-91F2-19A193791A18}"/>
               </a:ext>
             </a:extLst>
           </p:cNvPr>
@@ -2943,7 +2943,7 @@
           <p:cNvPr id="26" name="Объект 5">
             <a:extLst>
               <a:ext uri="{FF2B5EF4-FFF2-40B4-BE49-F238E27FC236}">
-                <a16:creationId xmlns:a16="http://schemas.microsoft.com/office/drawing/2014/main" xmlns="" id="{9019518E-E850-403D-A5B5-4B53F8C4A56B}"/>
+                <a16:creationId xmlns="" xmlns:a16="http://schemas.microsoft.com/office/drawing/2014/main" id="{9019518E-E850-403D-A5B5-4B53F8C4A56B}"/>
               </a:ext>
             </a:extLst>
           </p:cNvPr>
@@ -3045,7 +3045,7 @@
           <p:cNvPr id="27" name="Объект 3">
             <a:extLst>
               <a:ext uri="{FF2B5EF4-FFF2-40B4-BE49-F238E27FC236}">
-                <a16:creationId xmlns:a16="http://schemas.microsoft.com/office/drawing/2014/main" xmlns="" id="{A8058154-45E5-403E-B714-AC85774F391F}"/>
+                <a16:creationId xmlns="" xmlns:a16="http://schemas.microsoft.com/office/drawing/2014/main" id="{A8058154-45E5-403E-B714-AC85774F391F}"/>
               </a:ext>
             </a:extLst>
           </p:cNvPr>
@@ -3140,7 +3140,7 @@
           <p:cNvPr id="7" name="Дата 6">
             <a:extLst>
               <a:ext uri="{FF2B5EF4-FFF2-40B4-BE49-F238E27FC236}">
-                <a16:creationId xmlns:a16="http://schemas.microsoft.com/office/drawing/2014/main" xmlns="" id="{F255C16C-AA88-4BBF-8040-11ECFED618E0}"/>
+                <a16:creationId xmlns="" xmlns:a16="http://schemas.microsoft.com/office/drawing/2014/main" id="{F255C16C-AA88-4BBF-8040-11ECFED618E0}"/>
               </a:ext>
             </a:extLst>
           </p:cNvPr>
@@ -3173,7 +3173,7 @@
           <p:cNvPr id="8" name="Нижний колонтитул 7">
             <a:extLst>
               <a:ext uri="{FF2B5EF4-FFF2-40B4-BE49-F238E27FC236}">
-                <a16:creationId xmlns:a16="http://schemas.microsoft.com/office/drawing/2014/main" xmlns="" id="{CBE560E3-F935-488F-8F0E-191D7B6B54B8}"/>
+                <a16:creationId xmlns="" xmlns:a16="http://schemas.microsoft.com/office/drawing/2014/main" id="{CBE560E3-F935-488F-8F0E-191D7B6B54B8}"/>
               </a:ext>
             </a:extLst>
           </p:cNvPr>
@@ -3206,7 +3206,7 @@
           <p:cNvPr id="9" name="Номер слайда 8">
             <a:extLst>
               <a:ext uri="{FF2B5EF4-FFF2-40B4-BE49-F238E27FC236}">
-                <a16:creationId xmlns:a16="http://schemas.microsoft.com/office/drawing/2014/main" xmlns="" id="{9B9CD8B2-CC23-467F-B0EE-2CC06D6308BD}"/>
+                <a16:creationId xmlns="" xmlns:a16="http://schemas.microsoft.com/office/drawing/2014/main" id="{9B9CD8B2-CC23-467F-B0EE-2CC06D6308BD}"/>
               </a:ext>
             </a:extLst>
           </p:cNvPr>
@@ -3279,7 +3279,7 @@
           <p:cNvPr id="2" name="Заголовок 1">
             <a:extLst>
               <a:ext uri="{FF2B5EF4-FFF2-40B4-BE49-F238E27FC236}">
-                <a16:creationId xmlns:a16="http://schemas.microsoft.com/office/drawing/2014/main" xmlns="" id="{81CF3B5C-31C4-46BA-9FAD-72DF917A84DA}"/>
+                <a16:creationId xmlns="" xmlns:a16="http://schemas.microsoft.com/office/drawing/2014/main" id="{81CF3B5C-31C4-46BA-9FAD-72DF917A84DA}"/>
               </a:ext>
             </a:extLst>
           </p:cNvPr>
@@ -3329,7 +3329,7 @@
           <p:cNvPr id="3" name="Текст 2">
             <a:extLst>
               <a:ext uri="{FF2B5EF4-FFF2-40B4-BE49-F238E27FC236}">
-                <a16:creationId xmlns:a16="http://schemas.microsoft.com/office/drawing/2014/main" xmlns="" id="{B659CD1F-9DFB-4048-9B9B-2BD7D4EC6400}"/>
+                <a16:creationId xmlns="" xmlns:a16="http://schemas.microsoft.com/office/drawing/2014/main" id="{B659CD1F-9DFB-4048-9B9B-2BD7D4EC6400}"/>
               </a:ext>
             </a:extLst>
           </p:cNvPr>
@@ -3412,7 +3412,7 @@
           <p:cNvPr id="4" name="Объект 3">
             <a:extLst>
               <a:ext uri="{FF2B5EF4-FFF2-40B4-BE49-F238E27FC236}">
-                <a16:creationId xmlns:a16="http://schemas.microsoft.com/office/drawing/2014/main" xmlns="" id="{AC9B20CF-6B91-4562-B799-0ABDAEBC0D2A}"/>
+                <a16:creationId xmlns="" xmlns:a16="http://schemas.microsoft.com/office/drawing/2014/main" id="{AC9B20CF-6B91-4562-B799-0ABDAEBC0D2A}"/>
               </a:ext>
             </a:extLst>
           </p:cNvPr>
@@ -3547,7 +3547,7 @@
           <p:cNvPr id="5" name="Текст 4">
             <a:extLst>
               <a:ext uri="{FF2B5EF4-FFF2-40B4-BE49-F238E27FC236}">
-                <a16:creationId xmlns:a16="http://schemas.microsoft.com/office/drawing/2014/main" xmlns="" id="{B374FC39-67F6-42EA-BCD1-F69AE2F0F22D}"/>
+                <a16:creationId xmlns="" xmlns:a16="http://schemas.microsoft.com/office/drawing/2014/main" id="{B374FC39-67F6-42EA-BCD1-F69AE2F0F22D}"/>
               </a:ext>
             </a:extLst>
           </p:cNvPr>
@@ -3639,7 +3639,7 @@
           <p:cNvPr id="6" name="Объект 5">
             <a:extLst>
               <a:ext uri="{FF2B5EF4-FFF2-40B4-BE49-F238E27FC236}">
-                <a16:creationId xmlns:a16="http://schemas.microsoft.com/office/drawing/2014/main" xmlns="" id="{B36EE64B-44BF-4634-97BC-5ED74C6DF280}"/>
+                <a16:creationId xmlns="" xmlns:a16="http://schemas.microsoft.com/office/drawing/2014/main" id="{B36EE64B-44BF-4634-97BC-5ED74C6DF280}"/>
               </a:ext>
             </a:extLst>
           </p:cNvPr>
@@ -3774,7 +3774,7 @@
           <p:cNvPr id="7" name="Дата 6">
             <a:extLst>
               <a:ext uri="{FF2B5EF4-FFF2-40B4-BE49-F238E27FC236}">
-                <a16:creationId xmlns:a16="http://schemas.microsoft.com/office/drawing/2014/main" xmlns="" id="{F255C16C-AA88-4BBF-8040-11ECFED618E0}"/>
+                <a16:creationId xmlns="" xmlns:a16="http://schemas.microsoft.com/office/drawing/2014/main" id="{F255C16C-AA88-4BBF-8040-11ECFED618E0}"/>
               </a:ext>
             </a:extLst>
           </p:cNvPr>
@@ -3807,7 +3807,7 @@
           <p:cNvPr id="8" name="Нижний колонтитул 7">
             <a:extLst>
               <a:ext uri="{FF2B5EF4-FFF2-40B4-BE49-F238E27FC236}">
-                <a16:creationId xmlns:a16="http://schemas.microsoft.com/office/drawing/2014/main" xmlns="" id="{CBE560E3-F935-488F-8F0E-191D7B6B54B8}"/>
+                <a16:creationId xmlns="" xmlns:a16="http://schemas.microsoft.com/office/drawing/2014/main" id="{CBE560E3-F935-488F-8F0E-191D7B6B54B8}"/>
               </a:ext>
             </a:extLst>
           </p:cNvPr>
@@ -3840,7 +3840,7 @@
           <p:cNvPr id="9" name="Номер слайда 8">
             <a:extLst>
               <a:ext uri="{FF2B5EF4-FFF2-40B4-BE49-F238E27FC236}">
-                <a16:creationId xmlns:a16="http://schemas.microsoft.com/office/drawing/2014/main" xmlns="" id="{9B9CD8B2-CC23-467F-B0EE-2CC06D6308BD}"/>
+                <a16:creationId xmlns="" xmlns:a16="http://schemas.microsoft.com/office/drawing/2014/main" id="{9B9CD8B2-CC23-467F-B0EE-2CC06D6308BD}"/>
               </a:ext>
             </a:extLst>
           </p:cNvPr>
@@ -3875,7 +3875,7 @@
           <p:cNvPr id="11" name="Графический объект 10">
             <a:extLst>
               <a:ext uri="{FF2B5EF4-FFF2-40B4-BE49-F238E27FC236}">
-                <a16:creationId xmlns:a16="http://schemas.microsoft.com/office/drawing/2014/main" xmlns="" id="{EE24E1DB-1F20-4C28-8069-D9219D1F8BBD}"/>
+                <a16:creationId xmlns="" xmlns:a16="http://schemas.microsoft.com/office/drawing/2014/main" id="{EE24E1DB-1F20-4C28-8069-D9219D1F8BBD}"/>
               </a:ext>
             </a:extLst>
           </p:cNvPr>
@@ -3888,7 +3888,7 @@
           <a:blip r:embed="rId2">
             <a:extLst>
               <a:ext uri="{96DAC541-7B7A-43D3-8B79-37D633B846F1}">
-                <asvg:svgBlip xmlns:asvg="http://schemas.microsoft.com/office/drawing/2016/SVG/main" xmlns="" r:embed="rId3"/>
+                <asvg:svgBlip xmlns="" xmlns:asvg="http://schemas.microsoft.com/office/drawing/2016/SVG/main" r:embed="rId3"/>
               </a:ext>
             </a:extLst>
           </a:blip>
@@ -3940,10 +3940,10 @@
           <p:cNvPr id="14" name="Графический объект 13">
             <a:extLst>
               <a:ext uri="{FF2B5EF4-FFF2-40B4-BE49-F238E27FC236}">
-                <a16:creationId xmlns:a16="http://schemas.microsoft.com/office/drawing/2014/main" xmlns="" id="{AE202E03-5C65-4305-B969-65220AD41002}"/>
+                <a16:creationId xmlns="" xmlns:a16="http://schemas.microsoft.com/office/drawing/2014/main" id="{AE202E03-5C65-4305-B969-65220AD41002}"/>
               </a:ext>
               <a:ext uri="{C183D7F6-B498-43B3-948B-1728B52AA6E4}">
-                <adec:decorative xmlns:adec="http://schemas.microsoft.com/office/drawing/2017/decorative" xmlns="" val="1"/>
+                <adec:decorative xmlns="" xmlns:adec="http://schemas.microsoft.com/office/drawing/2017/decorative" val="1"/>
               </a:ext>
             </a:extLst>
           </p:cNvPr>
@@ -3956,7 +3956,7 @@
           <a:blip r:embed="rId2">
             <a:extLst>
               <a:ext uri="{96DAC541-7B7A-43D3-8B79-37D633B846F1}">
-                <asvg:svgBlip xmlns:asvg="http://schemas.microsoft.com/office/drawing/2016/SVG/main" xmlns="" r:embed="rId3"/>
+                <asvg:svgBlip xmlns="" xmlns:asvg="http://schemas.microsoft.com/office/drawing/2016/SVG/main" r:embed="rId3"/>
               </a:ext>
             </a:extLst>
           </a:blip>
@@ -4021,7 +4021,7 @@
           <p:cNvPr id="19" name="Заголовок 1">
             <a:extLst>
               <a:ext uri="{FF2B5EF4-FFF2-40B4-BE49-F238E27FC236}">
-                <a16:creationId xmlns:a16="http://schemas.microsoft.com/office/drawing/2014/main" xmlns="" id="{1E1C8C6D-0530-475B-A7F7-0E00C33ACFEB}"/>
+                <a16:creationId xmlns="" xmlns:a16="http://schemas.microsoft.com/office/drawing/2014/main" id="{1E1C8C6D-0530-475B-A7F7-0E00C33ACFEB}"/>
               </a:ext>
             </a:extLst>
           </p:cNvPr>
@@ -4071,7 +4071,7 @@
           <p:cNvPr id="20" name="Текст 15">
             <a:extLst>
               <a:ext uri="{FF2B5EF4-FFF2-40B4-BE49-F238E27FC236}">
-                <a16:creationId xmlns:a16="http://schemas.microsoft.com/office/drawing/2014/main" xmlns="" id="{3D2778A3-7084-4333-8349-03B1FEB5FE75}"/>
+                <a16:creationId xmlns="" xmlns:a16="http://schemas.microsoft.com/office/drawing/2014/main" id="{3D2778A3-7084-4333-8349-03B1FEB5FE75}"/>
               </a:ext>
             </a:extLst>
           </p:cNvPr>
@@ -4122,7 +4122,7 @@
           <p:cNvPr id="25" name="Текст 18">
             <a:extLst>
               <a:ext uri="{FF2B5EF4-FFF2-40B4-BE49-F238E27FC236}">
-                <a16:creationId xmlns:a16="http://schemas.microsoft.com/office/drawing/2014/main" xmlns="" id="{70ED2545-F96B-400C-B6F4-F1D2D83B7243}"/>
+                <a16:creationId xmlns="" xmlns:a16="http://schemas.microsoft.com/office/drawing/2014/main" id="{70ED2545-F96B-400C-B6F4-F1D2D83B7243}"/>
               </a:ext>
             </a:extLst>
           </p:cNvPr>
@@ -4174,7 +4174,7 @@
           <p:cNvPr id="26" name="Текст 15">
             <a:extLst>
               <a:ext uri="{FF2B5EF4-FFF2-40B4-BE49-F238E27FC236}">
-                <a16:creationId xmlns:a16="http://schemas.microsoft.com/office/drawing/2014/main" xmlns="" id="{4A2FECA2-3808-47DC-84EB-CD3395C2052D}"/>
+                <a16:creationId xmlns="" xmlns:a16="http://schemas.microsoft.com/office/drawing/2014/main" id="{4A2FECA2-3808-47DC-84EB-CD3395C2052D}"/>
               </a:ext>
             </a:extLst>
           </p:cNvPr>
@@ -4225,7 +4225,7 @@
           <p:cNvPr id="27" name="Текст 18">
             <a:extLst>
               <a:ext uri="{FF2B5EF4-FFF2-40B4-BE49-F238E27FC236}">
-                <a16:creationId xmlns:a16="http://schemas.microsoft.com/office/drawing/2014/main" xmlns="" id="{24393B9A-03C4-45C1-8172-F8B354458A48}"/>
+                <a16:creationId xmlns="" xmlns:a16="http://schemas.microsoft.com/office/drawing/2014/main" id="{24393B9A-03C4-45C1-8172-F8B354458A48}"/>
               </a:ext>
             </a:extLst>
           </p:cNvPr>
@@ -4277,7 +4277,7 @@
           <p:cNvPr id="28" name="Текст 15">
             <a:extLst>
               <a:ext uri="{FF2B5EF4-FFF2-40B4-BE49-F238E27FC236}">
-                <a16:creationId xmlns:a16="http://schemas.microsoft.com/office/drawing/2014/main" xmlns="" id="{18EC24A5-B4A5-4BAB-AE40-30EB69D6EF73}"/>
+                <a16:creationId xmlns="" xmlns:a16="http://schemas.microsoft.com/office/drawing/2014/main" id="{18EC24A5-B4A5-4BAB-AE40-30EB69D6EF73}"/>
               </a:ext>
             </a:extLst>
           </p:cNvPr>
@@ -4328,7 +4328,7 @@
           <p:cNvPr id="29" name="Текст 18">
             <a:extLst>
               <a:ext uri="{FF2B5EF4-FFF2-40B4-BE49-F238E27FC236}">
-                <a16:creationId xmlns:a16="http://schemas.microsoft.com/office/drawing/2014/main" xmlns="" id="{726F36C0-4E6A-4A10-960D-11D78D044478}"/>
+                <a16:creationId xmlns="" xmlns:a16="http://schemas.microsoft.com/office/drawing/2014/main" id="{726F36C0-4E6A-4A10-960D-11D78D044478}"/>
               </a:ext>
             </a:extLst>
           </p:cNvPr>
@@ -4380,7 +4380,7 @@
           <p:cNvPr id="21" name="Дата 6">
             <a:extLst>
               <a:ext uri="{FF2B5EF4-FFF2-40B4-BE49-F238E27FC236}">
-                <a16:creationId xmlns:a16="http://schemas.microsoft.com/office/drawing/2014/main" xmlns="" id="{71F34533-9677-48AF-9374-976825F4BB7E}"/>
+                <a16:creationId xmlns="" xmlns:a16="http://schemas.microsoft.com/office/drawing/2014/main" id="{71F34533-9677-48AF-9374-976825F4BB7E}"/>
               </a:ext>
             </a:extLst>
           </p:cNvPr>
@@ -4418,7 +4418,7 @@
           <p:cNvPr id="22" name="Нижний колонтитул 7">
             <a:extLst>
               <a:ext uri="{FF2B5EF4-FFF2-40B4-BE49-F238E27FC236}">
-                <a16:creationId xmlns:a16="http://schemas.microsoft.com/office/drawing/2014/main" xmlns="" id="{4FAB8A26-B99E-4F96-8327-A932A14F2C03}"/>
+                <a16:creationId xmlns="" xmlns:a16="http://schemas.microsoft.com/office/drawing/2014/main" id="{4FAB8A26-B99E-4F96-8327-A932A14F2C03}"/>
               </a:ext>
             </a:extLst>
           </p:cNvPr>
@@ -4456,7 +4456,7 @@
           <p:cNvPr id="24" name="Номер слайда 8">
             <a:extLst>
               <a:ext uri="{FF2B5EF4-FFF2-40B4-BE49-F238E27FC236}">
-                <a16:creationId xmlns:a16="http://schemas.microsoft.com/office/drawing/2014/main" xmlns="" id="{EB0962D2-BCC3-48AB-A769-2A7327D29191}"/>
+                <a16:creationId xmlns="" xmlns:a16="http://schemas.microsoft.com/office/drawing/2014/main" id="{EB0962D2-BCC3-48AB-A769-2A7327D29191}"/>
               </a:ext>
             </a:extLst>
           </p:cNvPr>
@@ -4503,7 +4503,7 @@
   </p:clrMapOvr>
   <p:extLst>
     <p:ext uri="{DCECCB84-F9BA-43D5-87BE-67443E8EF086}">
-      <p15:sldGuideLst xmlns:p15="http://schemas.microsoft.com/office/powerpoint/2012/main" xmlns="">
+      <p15:sldGuideLst xmlns="" xmlns:p15="http://schemas.microsoft.com/office/powerpoint/2012/main">
         <p15:guide id="1" pos="3000">
           <p15:clr>
             <a:srgbClr val="FBAE40"/>
@@ -4537,7 +4537,7 @@
           <p:cNvPr id="4" name="Прямоугольник 3">
             <a:extLst>
               <a:ext uri="{FF2B5EF4-FFF2-40B4-BE49-F238E27FC236}">
-                <a16:creationId xmlns:a16="http://schemas.microsoft.com/office/drawing/2014/main" xmlns="" id="{7D46070C-E825-43D0-99F4-8B4614131131}"/>
+                <a16:creationId xmlns="" xmlns:a16="http://schemas.microsoft.com/office/drawing/2014/main" id="{7D46070C-E825-43D0-99F4-8B4614131131}"/>
               </a:ext>
             </a:extLst>
           </p:cNvPr>
@@ -4594,7 +4594,7 @@
           <p:cNvPr id="2" name="Заголовок 1">
             <a:extLst>
               <a:ext uri="{FF2B5EF4-FFF2-40B4-BE49-F238E27FC236}">
-                <a16:creationId xmlns:a16="http://schemas.microsoft.com/office/drawing/2014/main" xmlns="" id="{A1F8C642-49FB-4E16-A3A0-B2ACBEABFFD6}"/>
+                <a16:creationId xmlns="" xmlns:a16="http://schemas.microsoft.com/office/drawing/2014/main" id="{A1F8C642-49FB-4E16-A3A0-B2ACBEABFFD6}"/>
               </a:ext>
             </a:extLst>
           </p:cNvPr>
@@ -4639,7 +4639,7 @@
           <p:cNvPr id="6" name="Текст 10">
             <a:extLst>
               <a:ext uri="{FF2B5EF4-FFF2-40B4-BE49-F238E27FC236}">
-                <a16:creationId xmlns:a16="http://schemas.microsoft.com/office/drawing/2014/main" xmlns="" id="{E4E92FC5-6FC2-45C2-9200-3244F9EA69A0}"/>
+                <a16:creationId xmlns="" xmlns:a16="http://schemas.microsoft.com/office/drawing/2014/main" id="{E4E92FC5-6FC2-45C2-9200-3244F9EA69A0}"/>
               </a:ext>
             </a:extLst>
           </p:cNvPr>
@@ -4686,7 +4686,7 @@
           <p:cNvPr id="7" name="Текст 10">
             <a:extLst>
               <a:ext uri="{FF2B5EF4-FFF2-40B4-BE49-F238E27FC236}">
-                <a16:creationId xmlns:a16="http://schemas.microsoft.com/office/drawing/2014/main" xmlns="" id="{4D75C136-D6C3-4431-8776-997070627AAB}"/>
+                <a16:creationId xmlns="" xmlns:a16="http://schemas.microsoft.com/office/drawing/2014/main" id="{4D75C136-D6C3-4431-8776-997070627AAB}"/>
               </a:ext>
             </a:extLst>
           </p:cNvPr>
@@ -4734,7 +4734,7 @@
           <p:cNvPr id="8" name="Текст 10">
             <a:extLst>
               <a:ext uri="{FF2B5EF4-FFF2-40B4-BE49-F238E27FC236}">
-                <a16:creationId xmlns:a16="http://schemas.microsoft.com/office/drawing/2014/main" xmlns="" id="{FD15D323-BFE3-4ACE-9A2E-C9EB69458B12}"/>
+                <a16:creationId xmlns="" xmlns:a16="http://schemas.microsoft.com/office/drawing/2014/main" id="{FD15D323-BFE3-4ACE-9A2E-C9EB69458B12}"/>
               </a:ext>
             </a:extLst>
           </p:cNvPr>
@@ -4782,7 +4782,7 @@
           <p:cNvPr id="9" name="Текст 10">
             <a:extLst>
               <a:ext uri="{FF2B5EF4-FFF2-40B4-BE49-F238E27FC236}">
-                <a16:creationId xmlns:a16="http://schemas.microsoft.com/office/drawing/2014/main" xmlns="" id="{3B520767-B49F-4503-8120-B66E411F33E4}"/>
+                <a16:creationId xmlns="" xmlns:a16="http://schemas.microsoft.com/office/drawing/2014/main" id="{3B520767-B49F-4503-8120-B66E411F33E4}"/>
               </a:ext>
             </a:extLst>
           </p:cNvPr>
@@ -4830,7 +4830,7 @@
           <p:cNvPr id="10" name="Текст 10">
             <a:extLst>
               <a:ext uri="{FF2B5EF4-FFF2-40B4-BE49-F238E27FC236}">
-                <a16:creationId xmlns:a16="http://schemas.microsoft.com/office/drawing/2014/main" xmlns="" id="{30C2F5A0-E03E-4C89-B9EB-8D48889F5F91}"/>
+                <a16:creationId xmlns="" xmlns:a16="http://schemas.microsoft.com/office/drawing/2014/main" id="{30C2F5A0-E03E-4C89-B9EB-8D48889F5F91}"/>
               </a:ext>
             </a:extLst>
           </p:cNvPr>
@@ -4878,7 +4878,7 @@
           <p:cNvPr id="11" name="Текст 10">
             <a:extLst>
               <a:ext uri="{FF2B5EF4-FFF2-40B4-BE49-F238E27FC236}">
-                <a16:creationId xmlns:a16="http://schemas.microsoft.com/office/drawing/2014/main" xmlns="" id="{AB3645A3-D681-45BF-B195-452D000802CA}"/>
+                <a16:creationId xmlns="" xmlns:a16="http://schemas.microsoft.com/office/drawing/2014/main" id="{AB3645A3-D681-45BF-B195-452D000802CA}"/>
               </a:ext>
             </a:extLst>
           </p:cNvPr>
@@ -4925,7 +4925,7 @@
           <p:cNvPr id="12" name="Текст 10">
             <a:extLst>
               <a:ext uri="{FF2B5EF4-FFF2-40B4-BE49-F238E27FC236}">
-                <a16:creationId xmlns:a16="http://schemas.microsoft.com/office/drawing/2014/main" xmlns="" id="{59D3CBFE-13C8-4DB1-A831-9393264923E7}"/>
+                <a16:creationId xmlns="" xmlns:a16="http://schemas.microsoft.com/office/drawing/2014/main" id="{59D3CBFE-13C8-4DB1-A831-9393264923E7}"/>
               </a:ext>
             </a:extLst>
           </p:cNvPr>
@@ -4973,7 +4973,7 @@
           <p:cNvPr id="13" name="Текст 10">
             <a:extLst>
               <a:ext uri="{FF2B5EF4-FFF2-40B4-BE49-F238E27FC236}">
-                <a16:creationId xmlns:a16="http://schemas.microsoft.com/office/drawing/2014/main" xmlns="" id="{82385A0A-C61D-4BBD-AC77-D7642F895E22}"/>
+                <a16:creationId xmlns="" xmlns:a16="http://schemas.microsoft.com/office/drawing/2014/main" id="{82385A0A-C61D-4BBD-AC77-D7642F895E22}"/>
               </a:ext>
             </a:extLst>
           </p:cNvPr>
@@ -5021,7 +5021,7 @@
           <p:cNvPr id="14" name="Текст 10">
             <a:extLst>
               <a:ext uri="{FF2B5EF4-FFF2-40B4-BE49-F238E27FC236}">
-                <a16:creationId xmlns:a16="http://schemas.microsoft.com/office/drawing/2014/main" xmlns="" id="{FED89FCE-7507-4C8C-923F-922290589466}"/>
+                <a16:creationId xmlns="" xmlns:a16="http://schemas.microsoft.com/office/drawing/2014/main" id="{FED89FCE-7507-4C8C-923F-922290589466}"/>
               </a:ext>
             </a:extLst>
           </p:cNvPr>
@@ -5069,7 +5069,7 @@
           <p:cNvPr id="15" name="Текст 10">
             <a:extLst>
               <a:ext uri="{FF2B5EF4-FFF2-40B4-BE49-F238E27FC236}">
-                <a16:creationId xmlns:a16="http://schemas.microsoft.com/office/drawing/2014/main" xmlns="" id="{F2F73935-BF53-4510-8B8F-EDB1CD56A1BB}"/>
+                <a16:creationId xmlns="" xmlns:a16="http://schemas.microsoft.com/office/drawing/2014/main" id="{F2F73935-BF53-4510-8B8F-EDB1CD56A1BB}"/>
               </a:ext>
             </a:extLst>
           </p:cNvPr>
@@ -5117,7 +5117,7 @@
           <p:cNvPr id="16" name="Текст 10">
             <a:extLst>
               <a:ext uri="{FF2B5EF4-FFF2-40B4-BE49-F238E27FC236}">
-                <a16:creationId xmlns:a16="http://schemas.microsoft.com/office/drawing/2014/main" xmlns="" id="{2A9276DB-F427-4F8E-8E4C-466600F390FD}"/>
+                <a16:creationId xmlns="" xmlns:a16="http://schemas.microsoft.com/office/drawing/2014/main" id="{2A9276DB-F427-4F8E-8E4C-466600F390FD}"/>
               </a:ext>
             </a:extLst>
           </p:cNvPr>
@@ -5165,7 +5165,7 @@
           <p:cNvPr id="17" name="Текст 10">
             <a:extLst>
               <a:ext uri="{FF2B5EF4-FFF2-40B4-BE49-F238E27FC236}">
-                <a16:creationId xmlns:a16="http://schemas.microsoft.com/office/drawing/2014/main" xmlns="" id="{79023948-0C1E-4DAB-B885-1C713409AA08}"/>
+                <a16:creationId xmlns="" xmlns:a16="http://schemas.microsoft.com/office/drawing/2014/main" id="{79023948-0C1E-4DAB-B885-1C713409AA08}"/>
               </a:ext>
             </a:extLst>
           </p:cNvPr>
@@ -5213,7 +5213,7 @@
           <p:cNvPr id="18" name="Текст 10">
             <a:extLst>
               <a:ext uri="{FF2B5EF4-FFF2-40B4-BE49-F238E27FC236}">
-                <a16:creationId xmlns:a16="http://schemas.microsoft.com/office/drawing/2014/main" xmlns="" id="{4AB6A03C-6180-41ED-A88D-ECBB80D160F2}"/>
+                <a16:creationId xmlns="" xmlns:a16="http://schemas.microsoft.com/office/drawing/2014/main" id="{4AB6A03C-6180-41ED-A88D-ECBB80D160F2}"/>
               </a:ext>
             </a:extLst>
           </p:cNvPr>
@@ -5261,7 +5261,7 @@
           <p:cNvPr id="19" name="Текст 10">
             <a:extLst>
               <a:ext uri="{FF2B5EF4-FFF2-40B4-BE49-F238E27FC236}">
-                <a16:creationId xmlns:a16="http://schemas.microsoft.com/office/drawing/2014/main" xmlns="" id="{145AD645-55F0-41A9-AC53-ED30BF1340BA}"/>
+                <a16:creationId xmlns="" xmlns:a16="http://schemas.microsoft.com/office/drawing/2014/main" id="{145AD645-55F0-41A9-AC53-ED30BF1340BA}"/>
               </a:ext>
             </a:extLst>
           </p:cNvPr>
@@ -5309,7 +5309,7 @@
           <p:cNvPr id="20" name="Текст 10">
             <a:extLst>
               <a:ext uri="{FF2B5EF4-FFF2-40B4-BE49-F238E27FC236}">
-                <a16:creationId xmlns:a16="http://schemas.microsoft.com/office/drawing/2014/main" xmlns="" id="{C39F248D-01B4-40EE-B483-E8E81806DFBE}"/>
+                <a16:creationId xmlns="" xmlns:a16="http://schemas.microsoft.com/office/drawing/2014/main" id="{C39F248D-01B4-40EE-B483-E8E81806DFBE}"/>
               </a:ext>
             </a:extLst>
           </p:cNvPr>
@@ -5357,7 +5357,7 @@
           <p:cNvPr id="21" name="Текст 10">
             <a:extLst>
               <a:ext uri="{FF2B5EF4-FFF2-40B4-BE49-F238E27FC236}">
-                <a16:creationId xmlns:a16="http://schemas.microsoft.com/office/drawing/2014/main" xmlns="" id="{1D0F1859-7A34-42DF-873E-2CF864E4C4BE}"/>
+                <a16:creationId xmlns="" xmlns:a16="http://schemas.microsoft.com/office/drawing/2014/main" id="{1D0F1859-7A34-42DF-873E-2CF864E4C4BE}"/>
               </a:ext>
             </a:extLst>
           </p:cNvPr>
@@ -5405,7 +5405,7 @@
           <p:cNvPr id="22" name="Текст 10">
             <a:extLst>
               <a:ext uri="{FF2B5EF4-FFF2-40B4-BE49-F238E27FC236}">
-                <a16:creationId xmlns:a16="http://schemas.microsoft.com/office/drawing/2014/main" xmlns="" id="{6EB397AF-B5C1-40FE-86D4-BA660E4C6E46}"/>
+                <a16:creationId xmlns="" xmlns:a16="http://schemas.microsoft.com/office/drawing/2014/main" id="{6EB397AF-B5C1-40FE-86D4-BA660E4C6E46}"/>
               </a:ext>
             </a:extLst>
           </p:cNvPr>
@@ -5453,7 +5453,7 @@
           <p:cNvPr id="23" name="Текст 10">
             <a:extLst>
               <a:ext uri="{FF2B5EF4-FFF2-40B4-BE49-F238E27FC236}">
-                <a16:creationId xmlns:a16="http://schemas.microsoft.com/office/drawing/2014/main" xmlns="" id="{AF1343D5-DC0F-4C7E-967F-CFC300A2C807}"/>
+                <a16:creationId xmlns="" xmlns:a16="http://schemas.microsoft.com/office/drawing/2014/main" id="{AF1343D5-DC0F-4C7E-967F-CFC300A2C807}"/>
               </a:ext>
             </a:extLst>
           </p:cNvPr>
@@ -5501,7 +5501,7 @@
           <p:cNvPr id="24" name="Текст 10">
             <a:extLst>
               <a:ext uri="{FF2B5EF4-FFF2-40B4-BE49-F238E27FC236}">
-                <a16:creationId xmlns:a16="http://schemas.microsoft.com/office/drawing/2014/main" xmlns="" id="{9AD688A5-D2DF-4FC3-8171-FAEA8C4F5566}"/>
+                <a16:creationId xmlns="" xmlns:a16="http://schemas.microsoft.com/office/drawing/2014/main" id="{9AD688A5-D2DF-4FC3-8171-FAEA8C4F5566}"/>
               </a:ext>
             </a:extLst>
           </p:cNvPr>
@@ -5549,7 +5549,7 @@
           <p:cNvPr id="25" name="Текст 10">
             <a:extLst>
               <a:ext uri="{FF2B5EF4-FFF2-40B4-BE49-F238E27FC236}">
-                <a16:creationId xmlns:a16="http://schemas.microsoft.com/office/drawing/2014/main" xmlns="" id="{EA05A5D4-01B0-4932-B03E-571986E282EA}"/>
+                <a16:creationId xmlns="" xmlns:a16="http://schemas.microsoft.com/office/drawing/2014/main" id="{EA05A5D4-01B0-4932-B03E-571986E282EA}"/>
               </a:ext>
             </a:extLst>
           </p:cNvPr>
@@ -5597,7 +5597,7 @@
           <p:cNvPr id="26" name="Текст 10">
             <a:extLst>
               <a:ext uri="{FF2B5EF4-FFF2-40B4-BE49-F238E27FC236}">
-                <a16:creationId xmlns:a16="http://schemas.microsoft.com/office/drawing/2014/main" xmlns="" id="{72A84601-CD4F-49ED-8D51-CEF032363058}"/>
+                <a16:creationId xmlns="" xmlns:a16="http://schemas.microsoft.com/office/drawing/2014/main" id="{72A84601-CD4F-49ED-8D51-CEF032363058}"/>
               </a:ext>
             </a:extLst>
           </p:cNvPr>
@@ -5645,7 +5645,7 @@
           <p:cNvPr id="27" name="Текст 10">
             <a:extLst>
               <a:ext uri="{FF2B5EF4-FFF2-40B4-BE49-F238E27FC236}">
-                <a16:creationId xmlns:a16="http://schemas.microsoft.com/office/drawing/2014/main" xmlns="" id="{C49FB196-753D-4A12-9460-57D8AB4B540B}"/>
+                <a16:creationId xmlns="" xmlns:a16="http://schemas.microsoft.com/office/drawing/2014/main" id="{C49FB196-753D-4A12-9460-57D8AB4B540B}"/>
               </a:ext>
             </a:extLst>
           </p:cNvPr>
@@ -5693,7 +5693,7 @@
           <p:cNvPr id="28" name="Текст 10">
             <a:extLst>
               <a:ext uri="{FF2B5EF4-FFF2-40B4-BE49-F238E27FC236}">
-                <a16:creationId xmlns:a16="http://schemas.microsoft.com/office/drawing/2014/main" xmlns="" id="{DFC05EC7-9D6C-486B-9E2F-D3612013C0A1}"/>
+                <a16:creationId xmlns="" xmlns:a16="http://schemas.microsoft.com/office/drawing/2014/main" id="{DFC05EC7-9D6C-486B-9E2F-D3612013C0A1}"/>
               </a:ext>
             </a:extLst>
           </p:cNvPr>
@@ -5741,7 +5741,7 @@
           <p:cNvPr id="29" name="Текст 10">
             <a:extLst>
               <a:ext uri="{FF2B5EF4-FFF2-40B4-BE49-F238E27FC236}">
-                <a16:creationId xmlns:a16="http://schemas.microsoft.com/office/drawing/2014/main" xmlns="" id="{98F455FB-241B-4E1F-B581-FA6CBA239545}"/>
+                <a16:creationId xmlns="" xmlns:a16="http://schemas.microsoft.com/office/drawing/2014/main" id="{98F455FB-241B-4E1F-B581-FA6CBA239545}"/>
               </a:ext>
             </a:extLst>
           </p:cNvPr>
@@ -5789,7 +5789,7 @@
           <p:cNvPr id="30" name="Текст 10">
             <a:extLst>
               <a:ext uri="{FF2B5EF4-FFF2-40B4-BE49-F238E27FC236}">
-                <a16:creationId xmlns:a16="http://schemas.microsoft.com/office/drawing/2014/main" xmlns="" id="{9E38664A-8108-4E24-800B-3C32ADA43978}"/>
+                <a16:creationId xmlns="" xmlns:a16="http://schemas.microsoft.com/office/drawing/2014/main" id="{9E38664A-8108-4E24-800B-3C32ADA43978}"/>
               </a:ext>
             </a:extLst>
           </p:cNvPr>
@@ -5837,7 +5837,7 @@
           <p:cNvPr id="31" name="Текст 10">
             <a:extLst>
               <a:ext uri="{FF2B5EF4-FFF2-40B4-BE49-F238E27FC236}">
-                <a16:creationId xmlns:a16="http://schemas.microsoft.com/office/drawing/2014/main" xmlns="" id="{2908458B-A3ED-4855-9E08-108D7C4A8D36}"/>
+                <a16:creationId xmlns="" xmlns:a16="http://schemas.microsoft.com/office/drawing/2014/main" id="{2908458B-A3ED-4855-9E08-108D7C4A8D36}"/>
               </a:ext>
             </a:extLst>
           </p:cNvPr>
@@ -5885,7 +5885,7 @@
           <p:cNvPr id="32" name="Прямоугольник 31">
             <a:extLst>
               <a:ext uri="{FF2B5EF4-FFF2-40B4-BE49-F238E27FC236}">
-                <a16:creationId xmlns:a16="http://schemas.microsoft.com/office/drawing/2014/main" xmlns="" id="{FFA35437-CCDE-4D92-B879-F23B329C8EC3}"/>
+                <a16:creationId xmlns="" xmlns:a16="http://schemas.microsoft.com/office/drawing/2014/main" id="{FFA35437-CCDE-4D92-B879-F23B329C8EC3}"/>
               </a:ext>
             </a:extLst>
           </p:cNvPr>
@@ -5947,7 +5947,7 @@
           <p:cNvPr id="36" name="Дата 2">
             <a:extLst>
               <a:ext uri="{FF2B5EF4-FFF2-40B4-BE49-F238E27FC236}">
-                <a16:creationId xmlns:a16="http://schemas.microsoft.com/office/drawing/2014/main" xmlns="" id="{1CDC588F-73BC-4108-974B-0EAAB8213CE0}"/>
+                <a16:creationId xmlns="" xmlns:a16="http://schemas.microsoft.com/office/drawing/2014/main" id="{1CDC588F-73BC-4108-974B-0EAAB8213CE0}"/>
               </a:ext>
             </a:extLst>
           </p:cNvPr>
@@ -5985,7 +5985,7 @@
           <p:cNvPr id="37" name="Нижний колонтитул 3">
             <a:extLst>
               <a:ext uri="{FF2B5EF4-FFF2-40B4-BE49-F238E27FC236}">
-                <a16:creationId xmlns:a16="http://schemas.microsoft.com/office/drawing/2014/main" xmlns="" id="{B2AC1EB2-9B8F-4077-8B66-64F9549F2C99}"/>
+                <a16:creationId xmlns="" xmlns:a16="http://schemas.microsoft.com/office/drawing/2014/main" id="{B2AC1EB2-9B8F-4077-8B66-64F9549F2C99}"/>
               </a:ext>
             </a:extLst>
           </p:cNvPr>
@@ -6023,7 +6023,7 @@
           <p:cNvPr id="38" name="Номер слайда 4">
             <a:extLst>
               <a:ext uri="{FF2B5EF4-FFF2-40B4-BE49-F238E27FC236}">
-                <a16:creationId xmlns:a16="http://schemas.microsoft.com/office/drawing/2014/main" xmlns="" id="{28DE3E33-346A-45AF-B164-CB5DF04FAE6D}"/>
+                <a16:creationId xmlns="" xmlns:a16="http://schemas.microsoft.com/office/drawing/2014/main" id="{28DE3E33-346A-45AF-B164-CB5DF04FAE6D}"/>
               </a:ext>
             </a:extLst>
           </p:cNvPr>
@@ -6098,7 +6098,7 @@
           <p:cNvPr id="7" name="Заполнитель графического элемента SmartArt 6">
             <a:extLst>
               <a:ext uri="{FF2B5EF4-FFF2-40B4-BE49-F238E27FC236}">
-                <a16:creationId xmlns:a16="http://schemas.microsoft.com/office/drawing/2014/main" xmlns="" id="{156CA116-0F6E-4EE9-B34F-03BA07161A7A}"/>
+                <a16:creationId xmlns="" xmlns:a16="http://schemas.microsoft.com/office/drawing/2014/main" id="{156CA116-0F6E-4EE9-B34F-03BA07161A7A}"/>
               </a:ext>
             </a:extLst>
           </p:cNvPr>
@@ -6143,7 +6143,7 @@
           <p:cNvPr id="2" name="Заголовок 1">
             <a:extLst>
               <a:ext uri="{FF2B5EF4-FFF2-40B4-BE49-F238E27FC236}">
-                <a16:creationId xmlns:a16="http://schemas.microsoft.com/office/drawing/2014/main" xmlns="" id="{EE5C4E19-B78B-4E39-B661-7E6A2E6C5002}"/>
+                <a16:creationId xmlns="" xmlns:a16="http://schemas.microsoft.com/office/drawing/2014/main" id="{EE5C4E19-B78B-4E39-B661-7E6A2E6C5002}"/>
               </a:ext>
             </a:extLst>
           </p:cNvPr>
@@ -6188,7 +6188,7 @@
           <p:cNvPr id="3" name="Дата 2">
             <a:extLst>
               <a:ext uri="{FF2B5EF4-FFF2-40B4-BE49-F238E27FC236}">
-                <a16:creationId xmlns:a16="http://schemas.microsoft.com/office/drawing/2014/main" xmlns="" id="{7E085D26-FA83-4414-959E-98936A772670}"/>
+                <a16:creationId xmlns="" xmlns:a16="http://schemas.microsoft.com/office/drawing/2014/main" id="{7E085D26-FA83-4414-959E-98936A772670}"/>
               </a:ext>
             </a:extLst>
           </p:cNvPr>
@@ -6221,7 +6221,7 @@
           <p:cNvPr id="4" name="Нижний колонтитул 3">
             <a:extLst>
               <a:ext uri="{FF2B5EF4-FFF2-40B4-BE49-F238E27FC236}">
-                <a16:creationId xmlns:a16="http://schemas.microsoft.com/office/drawing/2014/main" xmlns="" id="{1FB52E93-DE4C-4341-8D83-F0230E38B1A1}"/>
+                <a16:creationId xmlns="" xmlns:a16="http://schemas.microsoft.com/office/drawing/2014/main" id="{1FB52E93-DE4C-4341-8D83-F0230E38B1A1}"/>
               </a:ext>
             </a:extLst>
           </p:cNvPr>
@@ -6254,7 +6254,7 @@
           <p:cNvPr id="10" name="Прямая соединительная линия 9">
             <a:extLst>
               <a:ext uri="{FF2B5EF4-FFF2-40B4-BE49-F238E27FC236}">
-                <a16:creationId xmlns:a16="http://schemas.microsoft.com/office/drawing/2014/main" xmlns="" id="{66988B2D-0240-4256-8268-4B9FF1E72363}"/>
+                <a16:creationId xmlns="" xmlns:a16="http://schemas.microsoft.com/office/drawing/2014/main" id="{66988B2D-0240-4256-8268-4B9FF1E72363}"/>
               </a:ext>
             </a:extLst>
           </p:cNvPr>
@@ -6299,7 +6299,7 @@
           <p:cNvPr id="12" name="Прямая соединительная линия 11">
             <a:extLst>
               <a:ext uri="{FF2B5EF4-FFF2-40B4-BE49-F238E27FC236}">
-                <a16:creationId xmlns:a16="http://schemas.microsoft.com/office/drawing/2014/main" xmlns="" id="{D8EEAAE1-3D04-41C3-B2D2-B3BEF34C3B27}"/>
+                <a16:creationId xmlns="" xmlns:a16="http://schemas.microsoft.com/office/drawing/2014/main" id="{D8EEAAE1-3D04-41C3-B2D2-B3BEF34C3B27}"/>
               </a:ext>
             </a:extLst>
           </p:cNvPr>
@@ -6344,7 +6344,7 @@
           <p:cNvPr id="5" name="Номер слайда 4">
             <a:extLst>
               <a:ext uri="{FF2B5EF4-FFF2-40B4-BE49-F238E27FC236}">
-                <a16:creationId xmlns:a16="http://schemas.microsoft.com/office/drawing/2014/main" xmlns="" id="{AC467230-4A0F-4B18-8BA9-C3B2FDD59CB0}"/>
+                <a16:creationId xmlns="" xmlns:a16="http://schemas.microsoft.com/office/drawing/2014/main" id="{AC467230-4A0F-4B18-8BA9-C3B2FDD59CB0}"/>
               </a:ext>
             </a:extLst>
           </p:cNvPr>
@@ -6414,7 +6414,7 @@
           <p:cNvPr id="2" name="Заголовок 1">
             <a:extLst>
               <a:ext uri="{FF2B5EF4-FFF2-40B4-BE49-F238E27FC236}">
-                <a16:creationId xmlns:a16="http://schemas.microsoft.com/office/drawing/2014/main" xmlns="" id="{81CF3B5C-31C4-46BA-9FAD-72DF917A84DA}"/>
+                <a16:creationId xmlns="" xmlns:a16="http://schemas.microsoft.com/office/drawing/2014/main" id="{81CF3B5C-31C4-46BA-9FAD-72DF917A84DA}"/>
               </a:ext>
             </a:extLst>
           </p:cNvPr>
@@ -6464,7 +6464,7 @@
           <p:cNvPr id="11" name="Рисунок 10">
             <a:extLst>
               <a:ext uri="{FF2B5EF4-FFF2-40B4-BE49-F238E27FC236}">
-                <a16:creationId xmlns:a16="http://schemas.microsoft.com/office/drawing/2014/main" xmlns="" id="{B0BDE76A-30A6-4268-9656-28A484C3DCC9}"/>
+                <a16:creationId xmlns="" xmlns:a16="http://schemas.microsoft.com/office/drawing/2014/main" id="{B0BDE76A-30A6-4268-9656-28A484C3DCC9}"/>
               </a:ext>
             </a:extLst>
           </p:cNvPr>
@@ -6520,7 +6520,7 @@
           <p:cNvPr id="17" name="Рисунок 10">
             <a:extLst>
               <a:ext uri="{FF2B5EF4-FFF2-40B4-BE49-F238E27FC236}">
-                <a16:creationId xmlns:a16="http://schemas.microsoft.com/office/drawing/2014/main" xmlns="" id="{C4CA5C9C-91D5-44B1-A82A-A49732B4691A}"/>
+                <a16:creationId xmlns="" xmlns:a16="http://schemas.microsoft.com/office/drawing/2014/main" id="{C4CA5C9C-91D5-44B1-A82A-A49732B4691A}"/>
               </a:ext>
             </a:extLst>
           </p:cNvPr>
@@ -6576,7 +6576,7 @@
           <p:cNvPr id="18" name="Рисунок 10">
             <a:extLst>
               <a:ext uri="{FF2B5EF4-FFF2-40B4-BE49-F238E27FC236}">
-                <a16:creationId xmlns:a16="http://schemas.microsoft.com/office/drawing/2014/main" xmlns="" id="{4EBC7D6F-397D-4C5A-AA62-F683F88531A2}"/>
+                <a16:creationId xmlns="" xmlns:a16="http://schemas.microsoft.com/office/drawing/2014/main" id="{4EBC7D6F-397D-4C5A-AA62-F683F88531A2}"/>
               </a:ext>
             </a:extLst>
           </p:cNvPr>
@@ -6636,7 +6636,7 @@
           <p:cNvPr id="19" name="Рисунок 10">
             <a:extLst>
               <a:ext uri="{FF2B5EF4-FFF2-40B4-BE49-F238E27FC236}">
-                <a16:creationId xmlns:a16="http://schemas.microsoft.com/office/drawing/2014/main" xmlns="" id="{92E6B581-A522-4758-A9A4-8B9C7B860CF2}"/>
+                <a16:creationId xmlns="" xmlns:a16="http://schemas.microsoft.com/office/drawing/2014/main" id="{92E6B581-A522-4758-A9A4-8B9C7B860CF2}"/>
               </a:ext>
             </a:extLst>
           </p:cNvPr>
@@ -6692,7 +6692,7 @@
           <p:cNvPr id="3" name="Текст 2">
             <a:extLst>
               <a:ext uri="{FF2B5EF4-FFF2-40B4-BE49-F238E27FC236}">
-                <a16:creationId xmlns:a16="http://schemas.microsoft.com/office/drawing/2014/main" xmlns="" id="{B659CD1F-9DFB-4048-9B9B-2BD7D4EC6400}"/>
+                <a16:creationId xmlns="" xmlns:a16="http://schemas.microsoft.com/office/drawing/2014/main" id="{B659CD1F-9DFB-4048-9B9B-2BD7D4EC6400}"/>
               </a:ext>
             </a:extLst>
           </p:cNvPr>
@@ -6775,7 +6775,7 @@
           <p:cNvPr id="23" name="Текст 2">
             <a:extLst>
               <a:ext uri="{FF2B5EF4-FFF2-40B4-BE49-F238E27FC236}">
-                <a16:creationId xmlns:a16="http://schemas.microsoft.com/office/drawing/2014/main" xmlns="" id="{572D0301-10F1-41B4-BEF8-C53FA4D66214}"/>
+                <a16:creationId xmlns="" xmlns:a16="http://schemas.microsoft.com/office/drawing/2014/main" id="{572D0301-10F1-41B4-BEF8-C53FA4D66214}"/>
               </a:ext>
             </a:extLst>
           </p:cNvPr>
@@ -6858,7 +6858,7 @@
           <p:cNvPr id="24" name="Текст 2">
             <a:extLst>
               <a:ext uri="{FF2B5EF4-FFF2-40B4-BE49-F238E27FC236}">
-                <a16:creationId xmlns:a16="http://schemas.microsoft.com/office/drawing/2014/main" xmlns="" id="{E767B9DE-7410-43CC-90CF-52D67EF03D48}"/>
+                <a16:creationId xmlns="" xmlns:a16="http://schemas.microsoft.com/office/drawing/2014/main" id="{E767B9DE-7410-43CC-90CF-52D67EF03D48}"/>
               </a:ext>
             </a:extLst>
           </p:cNvPr>
@@ -6941,7 +6941,7 @@
           <p:cNvPr id="25" name="Текст 2">
             <a:extLst>
               <a:ext uri="{FF2B5EF4-FFF2-40B4-BE49-F238E27FC236}">
-                <a16:creationId xmlns:a16="http://schemas.microsoft.com/office/drawing/2014/main" xmlns="" id="{E13DFE1F-4534-4828-990E-B052F51FC65C}"/>
+                <a16:creationId xmlns="" xmlns:a16="http://schemas.microsoft.com/office/drawing/2014/main" id="{E13DFE1F-4534-4828-990E-B052F51FC65C}"/>
               </a:ext>
             </a:extLst>
           </p:cNvPr>
@@ -7024,7 +7024,7 @@
           <p:cNvPr id="26" name="Текст 2">
             <a:extLst>
               <a:ext uri="{FF2B5EF4-FFF2-40B4-BE49-F238E27FC236}">
-                <a16:creationId xmlns:a16="http://schemas.microsoft.com/office/drawing/2014/main" xmlns="" id="{A02C0876-23F7-41FA-9AC9-721097D1A3CD}"/>
+                <a16:creationId xmlns="" xmlns:a16="http://schemas.microsoft.com/office/drawing/2014/main" id="{A02C0876-23F7-41FA-9AC9-721097D1A3CD}"/>
               </a:ext>
             </a:extLst>
           </p:cNvPr>
@@ -7107,7 +7107,7 @@
           <p:cNvPr id="27" name="Текст 2">
             <a:extLst>
               <a:ext uri="{FF2B5EF4-FFF2-40B4-BE49-F238E27FC236}">
-                <a16:creationId xmlns:a16="http://schemas.microsoft.com/office/drawing/2014/main" xmlns="" id="{7ADEB263-F204-4A78-A5E0-7361EFE0B921}"/>
+                <a16:creationId xmlns="" xmlns:a16="http://schemas.microsoft.com/office/drawing/2014/main" id="{7ADEB263-F204-4A78-A5E0-7361EFE0B921}"/>
               </a:ext>
             </a:extLst>
           </p:cNvPr>
@@ -7190,7 +7190,7 @@
           <p:cNvPr id="28" name="Текст 2">
             <a:extLst>
               <a:ext uri="{FF2B5EF4-FFF2-40B4-BE49-F238E27FC236}">
-                <a16:creationId xmlns:a16="http://schemas.microsoft.com/office/drawing/2014/main" xmlns="" id="{103678F5-B025-46E2-BD45-E77861487165}"/>
+                <a16:creationId xmlns="" xmlns:a16="http://schemas.microsoft.com/office/drawing/2014/main" id="{103678F5-B025-46E2-BD45-E77861487165}"/>
               </a:ext>
             </a:extLst>
           </p:cNvPr>
@@ -7273,7 +7273,7 @@
           <p:cNvPr id="29" name="Текст 2">
             <a:extLst>
               <a:ext uri="{FF2B5EF4-FFF2-40B4-BE49-F238E27FC236}">
-                <a16:creationId xmlns:a16="http://schemas.microsoft.com/office/drawing/2014/main" xmlns="" id="{7E3F385B-4DD9-4F3C-A02B-179B9FA61292}"/>
+                <a16:creationId xmlns="" xmlns:a16="http://schemas.microsoft.com/office/drawing/2014/main" id="{7E3F385B-4DD9-4F3C-A02B-179B9FA61292}"/>
               </a:ext>
             </a:extLst>
           </p:cNvPr>
@@ -7356,7 +7356,7 @@
           <p:cNvPr id="7" name="Дата 6">
             <a:extLst>
               <a:ext uri="{FF2B5EF4-FFF2-40B4-BE49-F238E27FC236}">
-                <a16:creationId xmlns:a16="http://schemas.microsoft.com/office/drawing/2014/main" xmlns="" id="{F255C16C-AA88-4BBF-8040-11ECFED618E0}"/>
+                <a16:creationId xmlns="" xmlns:a16="http://schemas.microsoft.com/office/drawing/2014/main" id="{F255C16C-AA88-4BBF-8040-11ECFED618E0}"/>
               </a:ext>
             </a:extLst>
           </p:cNvPr>
@@ -7389,7 +7389,7 @@
           <p:cNvPr id="8" name="Нижний колонтитул 7">
             <a:extLst>
               <a:ext uri="{FF2B5EF4-FFF2-40B4-BE49-F238E27FC236}">
-                <a16:creationId xmlns:a16="http://schemas.microsoft.com/office/drawing/2014/main" xmlns="" id="{CBE560E3-F935-488F-8F0E-191D7B6B54B8}"/>
+                <a16:creationId xmlns="" xmlns:a16="http://schemas.microsoft.com/office/drawing/2014/main" id="{CBE560E3-F935-488F-8F0E-191D7B6B54B8}"/>
               </a:ext>
             </a:extLst>
           </p:cNvPr>
@@ -7422,7 +7422,7 @@
           <p:cNvPr id="9" name="Номер слайда 8">
             <a:extLst>
               <a:ext uri="{FF2B5EF4-FFF2-40B4-BE49-F238E27FC236}">
-                <a16:creationId xmlns:a16="http://schemas.microsoft.com/office/drawing/2014/main" xmlns="" id="{9B9CD8B2-CC23-467F-B0EE-2CC06D6308BD}"/>
+                <a16:creationId xmlns="" xmlns:a16="http://schemas.microsoft.com/office/drawing/2014/main" id="{9B9CD8B2-CC23-467F-B0EE-2CC06D6308BD}"/>
               </a:ext>
             </a:extLst>
           </p:cNvPr>
@@ -7457,10 +7457,10 @@
           <p:cNvPr id="10" name="Прямая соединительная линия 9">
             <a:extLst>
               <a:ext uri="{FF2B5EF4-FFF2-40B4-BE49-F238E27FC236}">
-                <a16:creationId xmlns:a16="http://schemas.microsoft.com/office/drawing/2014/main" xmlns="" id="{4E4B72DA-52CB-4D39-A342-8857B4D959B2}"/>
+                <a16:creationId xmlns="" xmlns:a16="http://schemas.microsoft.com/office/drawing/2014/main" id="{4E4B72DA-52CB-4D39-A342-8857B4D959B2}"/>
               </a:ext>
               <a:ext uri="{C183D7F6-B498-43B3-948B-1728B52AA6E4}">
-                <adec:decorative xmlns:adec="http://schemas.microsoft.com/office/drawing/2017/decorative" xmlns="" val="1"/>
+                <adec:decorative xmlns="" xmlns:adec="http://schemas.microsoft.com/office/drawing/2017/decorative" val="1"/>
               </a:ext>
             </a:extLst>
           </p:cNvPr>
@@ -7503,10 +7503,10 @@
           <p:cNvPr id="15" name="Прямая соединительная линия 14">
             <a:extLst>
               <a:ext uri="{FF2B5EF4-FFF2-40B4-BE49-F238E27FC236}">
-                <a16:creationId xmlns:a16="http://schemas.microsoft.com/office/drawing/2014/main" xmlns="" id="{21D9BCDA-DFB7-41A4-A7C7-CEE86CEDCBE5}"/>
+                <a16:creationId xmlns="" xmlns:a16="http://schemas.microsoft.com/office/drawing/2014/main" id="{21D9BCDA-DFB7-41A4-A7C7-CEE86CEDCBE5}"/>
               </a:ext>
               <a:ext uri="{C183D7F6-B498-43B3-948B-1728B52AA6E4}">
-                <adec:decorative xmlns:adec="http://schemas.microsoft.com/office/drawing/2017/decorative" xmlns="" val="1"/>
+                <adec:decorative xmlns="" xmlns:adec="http://schemas.microsoft.com/office/drawing/2017/decorative" val="1"/>
               </a:ext>
             </a:extLst>
           </p:cNvPr>
@@ -7558,7 +7558,7 @@
   </p:clrMapOvr>
   <p:extLst>
     <p:ext uri="{DCECCB84-F9BA-43D5-87BE-67443E8EF086}">
-      <p15:sldGuideLst xmlns:p15="http://schemas.microsoft.com/office/powerpoint/2012/main" xmlns="">
+      <p15:sldGuideLst xmlns="" xmlns:p15="http://schemas.microsoft.com/office/powerpoint/2012/main">
         <p15:guide id="2" pos="936">
           <p15:clr>
             <a:srgbClr val="FBAE40"/>
@@ -7600,7 +7600,7 @@
           <p:cNvPr id="2" name="Заголовок 1">
             <a:extLst>
               <a:ext uri="{FF2B5EF4-FFF2-40B4-BE49-F238E27FC236}">
-                <a16:creationId xmlns:a16="http://schemas.microsoft.com/office/drawing/2014/main" xmlns="" id="{81CF3B5C-31C4-46BA-9FAD-72DF917A84DA}"/>
+                <a16:creationId xmlns="" xmlns:a16="http://schemas.microsoft.com/office/drawing/2014/main" id="{81CF3B5C-31C4-46BA-9FAD-72DF917A84DA}"/>
               </a:ext>
             </a:extLst>
           </p:cNvPr>
@@ -7650,7 +7650,7 @@
           <p:cNvPr id="11" name="Рисунок 10">
             <a:extLst>
               <a:ext uri="{FF2B5EF4-FFF2-40B4-BE49-F238E27FC236}">
-                <a16:creationId xmlns:a16="http://schemas.microsoft.com/office/drawing/2014/main" xmlns="" id="{B0BDE76A-30A6-4268-9656-28A484C3DCC9}"/>
+                <a16:creationId xmlns="" xmlns:a16="http://schemas.microsoft.com/office/drawing/2014/main" id="{B0BDE76A-30A6-4268-9656-28A484C3DCC9}"/>
               </a:ext>
             </a:extLst>
           </p:cNvPr>
@@ -7704,7 +7704,7 @@
           <p:cNvPr id="17" name="Рисунок 10">
             <a:extLst>
               <a:ext uri="{FF2B5EF4-FFF2-40B4-BE49-F238E27FC236}">
-                <a16:creationId xmlns:a16="http://schemas.microsoft.com/office/drawing/2014/main" xmlns="" id="{C4CA5C9C-91D5-44B1-A82A-A49732B4691A}"/>
+                <a16:creationId xmlns="" xmlns:a16="http://schemas.microsoft.com/office/drawing/2014/main" id="{C4CA5C9C-91D5-44B1-A82A-A49732B4691A}"/>
               </a:ext>
             </a:extLst>
           </p:cNvPr>
@@ -7758,7 +7758,7 @@
           <p:cNvPr id="18" name="Рисунок 10">
             <a:extLst>
               <a:ext uri="{FF2B5EF4-FFF2-40B4-BE49-F238E27FC236}">
-                <a16:creationId xmlns:a16="http://schemas.microsoft.com/office/drawing/2014/main" xmlns="" id="{4EBC7D6F-397D-4C5A-AA62-F683F88531A2}"/>
+                <a16:creationId xmlns="" xmlns:a16="http://schemas.microsoft.com/office/drawing/2014/main" id="{4EBC7D6F-397D-4C5A-AA62-F683F88531A2}"/>
               </a:ext>
             </a:extLst>
           </p:cNvPr>
@@ -7823,7 +7823,7 @@
           <p:cNvPr id="19" name="Рисунок 10">
             <a:extLst>
               <a:ext uri="{FF2B5EF4-FFF2-40B4-BE49-F238E27FC236}">
-                <a16:creationId xmlns:a16="http://schemas.microsoft.com/office/drawing/2014/main" xmlns="" id="{92E6B581-A522-4758-A9A4-8B9C7B860CF2}"/>
+                <a16:creationId xmlns="" xmlns:a16="http://schemas.microsoft.com/office/drawing/2014/main" id="{92E6B581-A522-4758-A9A4-8B9C7B860CF2}"/>
               </a:ext>
             </a:extLst>
           </p:cNvPr>
@@ -7877,7 +7877,7 @@
           <p:cNvPr id="3" name="Текст 2">
             <a:extLst>
               <a:ext uri="{FF2B5EF4-FFF2-40B4-BE49-F238E27FC236}">
-                <a16:creationId xmlns:a16="http://schemas.microsoft.com/office/drawing/2014/main" xmlns="" id="{B659CD1F-9DFB-4048-9B9B-2BD7D4EC6400}"/>
+                <a16:creationId xmlns="" xmlns:a16="http://schemas.microsoft.com/office/drawing/2014/main" id="{B659CD1F-9DFB-4048-9B9B-2BD7D4EC6400}"/>
               </a:ext>
             </a:extLst>
           </p:cNvPr>
@@ -7960,7 +7960,7 @@
           <p:cNvPr id="26" name="Текст 2">
             <a:extLst>
               <a:ext uri="{FF2B5EF4-FFF2-40B4-BE49-F238E27FC236}">
-                <a16:creationId xmlns:a16="http://schemas.microsoft.com/office/drawing/2014/main" xmlns="" id="{A02C0876-23F7-41FA-9AC9-721097D1A3CD}"/>
+                <a16:creationId xmlns="" xmlns:a16="http://schemas.microsoft.com/office/drawing/2014/main" id="{A02C0876-23F7-41FA-9AC9-721097D1A3CD}"/>
               </a:ext>
             </a:extLst>
           </p:cNvPr>
@@ -8043,7 +8043,7 @@
           <p:cNvPr id="23" name="Текст 2">
             <a:extLst>
               <a:ext uri="{FF2B5EF4-FFF2-40B4-BE49-F238E27FC236}">
-                <a16:creationId xmlns:a16="http://schemas.microsoft.com/office/drawing/2014/main" xmlns="" id="{572D0301-10F1-41B4-BEF8-C53FA4D66214}"/>
+                <a16:creationId xmlns="" xmlns:a16="http://schemas.microsoft.com/office/drawing/2014/main" id="{572D0301-10F1-41B4-BEF8-C53FA4D66214}"/>
               </a:ext>
             </a:extLst>
           </p:cNvPr>
@@ -8126,7 +8126,7 @@
           <p:cNvPr id="27" name="Текст 2">
             <a:extLst>
               <a:ext uri="{FF2B5EF4-FFF2-40B4-BE49-F238E27FC236}">
-                <a16:creationId xmlns:a16="http://schemas.microsoft.com/office/drawing/2014/main" xmlns="" id="{7ADEB263-F204-4A78-A5E0-7361EFE0B921}"/>
+                <a16:creationId xmlns="" xmlns:a16="http://schemas.microsoft.com/office/drawing/2014/main" id="{7ADEB263-F204-4A78-A5E0-7361EFE0B921}"/>
               </a:ext>
             </a:extLst>
           </p:cNvPr>
@@ -8209,7 +8209,7 @@
           <p:cNvPr id="24" name="Текст 2">
             <a:extLst>
               <a:ext uri="{FF2B5EF4-FFF2-40B4-BE49-F238E27FC236}">
-                <a16:creationId xmlns:a16="http://schemas.microsoft.com/office/drawing/2014/main" xmlns="" id="{E767B9DE-7410-43CC-90CF-52D67EF03D48}"/>
+                <a16:creationId xmlns="" xmlns:a16="http://schemas.microsoft.com/office/drawing/2014/main" id="{E767B9DE-7410-43CC-90CF-52D67EF03D48}"/>
               </a:ext>
             </a:extLst>
           </p:cNvPr>
@@ -8292,7 +8292,7 @@
           <p:cNvPr id="28" name="Текст 2">
             <a:extLst>
               <a:ext uri="{FF2B5EF4-FFF2-40B4-BE49-F238E27FC236}">
-                <a16:creationId xmlns:a16="http://schemas.microsoft.com/office/drawing/2014/main" xmlns="" id="{103678F5-B025-46E2-BD45-E77861487165}"/>
+                <a16:creationId xmlns="" xmlns:a16="http://schemas.microsoft.com/office/drawing/2014/main" id="{103678F5-B025-46E2-BD45-E77861487165}"/>
               </a:ext>
             </a:extLst>
           </p:cNvPr>
@@ -8375,7 +8375,7 @@
           <p:cNvPr id="25" name="Текст 2">
             <a:extLst>
               <a:ext uri="{FF2B5EF4-FFF2-40B4-BE49-F238E27FC236}">
-                <a16:creationId xmlns:a16="http://schemas.microsoft.com/office/drawing/2014/main" xmlns="" id="{E13DFE1F-4534-4828-990E-B052F51FC65C}"/>
+                <a16:creationId xmlns="" xmlns:a16="http://schemas.microsoft.com/office/drawing/2014/main" id="{E13DFE1F-4534-4828-990E-B052F51FC65C}"/>
               </a:ext>
             </a:extLst>
           </p:cNvPr>
@@ -8458,7 +8458,7 @@
           <p:cNvPr id="29" name="Текст 2">
             <a:extLst>
               <a:ext uri="{FF2B5EF4-FFF2-40B4-BE49-F238E27FC236}">
-                <a16:creationId xmlns:a16="http://schemas.microsoft.com/office/drawing/2014/main" xmlns="" id="{7E3F385B-4DD9-4F3C-A02B-179B9FA61292}"/>
+                <a16:creationId xmlns="" xmlns:a16="http://schemas.microsoft.com/office/drawing/2014/main" id="{7E3F385B-4DD9-4F3C-A02B-179B9FA61292}"/>
               </a:ext>
             </a:extLst>
           </p:cNvPr>
@@ -8541,7 +8541,7 @@
           <p:cNvPr id="55" name="Рисунок 10">
             <a:extLst>
               <a:ext uri="{FF2B5EF4-FFF2-40B4-BE49-F238E27FC236}">
-                <a16:creationId xmlns:a16="http://schemas.microsoft.com/office/drawing/2014/main" xmlns="" id="{1EBAEB1D-A7F9-4F90-B642-4277D3802BAB}"/>
+                <a16:creationId xmlns="" xmlns:a16="http://schemas.microsoft.com/office/drawing/2014/main" id="{1EBAEB1D-A7F9-4F90-B642-4277D3802BAB}"/>
               </a:ext>
             </a:extLst>
           </p:cNvPr>
@@ -8595,7 +8595,7 @@
           <p:cNvPr id="56" name="Рисунок 10">
             <a:extLst>
               <a:ext uri="{FF2B5EF4-FFF2-40B4-BE49-F238E27FC236}">
-                <a16:creationId xmlns:a16="http://schemas.microsoft.com/office/drawing/2014/main" xmlns="" id="{9461A69E-14C8-4325-89AF-D4257C1C05BA}"/>
+                <a16:creationId xmlns="" xmlns:a16="http://schemas.microsoft.com/office/drawing/2014/main" id="{9461A69E-14C8-4325-89AF-D4257C1C05BA}"/>
               </a:ext>
             </a:extLst>
           </p:cNvPr>
@@ -8649,7 +8649,7 @@
           <p:cNvPr id="57" name="Рисунок 10">
             <a:extLst>
               <a:ext uri="{FF2B5EF4-FFF2-40B4-BE49-F238E27FC236}">
-                <a16:creationId xmlns:a16="http://schemas.microsoft.com/office/drawing/2014/main" xmlns="" id="{0FB38616-82FB-4DAD-A82E-3777ACB41148}"/>
+                <a16:creationId xmlns="" xmlns:a16="http://schemas.microsoft.com/office/drawing/2014/main" id="{0FB38616-82FB-4DAD-A82E-3777ACB41148}"/>
               </a:ext>
             </a:extLst>
           </p:cNvPr>
@@ -8714,7 +8714,7 @@
           <p:cNvPr id="58" name="Рисунок 10">
             <a:extLst>
               <a:ext uri="{FF2B5EF4-FFF2-40B4-BE49-F238E27FC236}">
-                <a16:creationId xmlns:a16="http://schemas.microsoft.com/office/drawing/2014/main" xmlns="" id="{622ED9F4-EB9B-4588-8501-BFECB846EE73}"/>
+                <a16:creationId xmlns="" xmlns:a16="http://schemas.microsoft.com/office/drawing/2014/main" id="{622ED9F4-EB9B-4588-8501-BFECB846EE73}"/>
               </a:ext>
             </a:extLst>
           </p:cNvPr>
@@ -8768,7 +8768,7 @@
           <p:cNvPr id="54" name="Текст 2">
             <a:extLst>
               <a:ext uri="{FF2B5EF4-FFF2-40B4-BE49-F238E27FC236}">
-                <a16:creationId xmlns:a16="http://schemas.microsoft.com/office/drawing/2014/main" xmlns="" id="{22930C5B-603C-494E-A467-8B394D01D406}"/>
+                <a16:creationId xmlns="" xmlns:a16="http://schemas.microsoft.com/office/drawing/2014/main" id="{22930C5B-603C-494E-A467-8B394D01D406}"/>
               </a:ext>
             </a:extLst>
           </p:cNvPr>
@@ -8851,7 +8851,7 @@
           <p:cNvPr id="62" name="Текст 2">
             <a:extLst>
               <a:ext uri="{FF2B5EF4-FFF2-40B4-BE49-F238E27FC236}">
-                <a16:creationId xmlns:a16="http://schemas.microsoft.com/office/drawing/2014/main" xmlns="" id="{540C455F-A23B-493F-B95E-AB485D91DA6A}"/>
+                <a16:creationId xmlns="" xmlns:a16="http://schemas.microsoft.com/office/drawing/2014/main" id="{540C455F-A23B-493F-B95E-AB485D91DA6A}"/>
               </a:ext>
             </a:extLst>
           </p:cNvPr>
@@ -8934,7 +8934,7 @@
           <p:cNvPr id="59" name="Текст 2">
             <a:extLst>
               <a:ext uri="{FF2B5EF4-FFF2-40B4-BE49-F238E27FC236}">
-                <a16:creationId xmlns:a16="http://schemas.microsoft.com/office/drawing/2014/main" xmlns="" id="{6D1C374C-DAF7-40EF-B279-4EC7A2AFE6A2}"/>
+                <a16:creationId xmlns="" xmlns:a16="http://schemas.microsoft.com/office/drawing/2014/main" id="{6D1C374C-DAF7-40EF-B279-4EC7A2AFE6A2}"/>
               </a:ext>
             </a:extLst>
           </p:cNvPr>
@@ -9017,7 +9017,7 @@
           <p:cNvPr id="63" name="Текст 2">
             <a:extLst>
               <a:ext uri="{FF2B5EF4-FFF2-40B4-BE49-F238E27FC236}">
-                <a16:creationId xmlns:a16="http://schemas.microsoft.com/office/drawing/2014/main" xmlns="" id="{421FF438-E4E8-4643-BCB3-4A1C12429042}"/>
+                <a16:creationId xmlns="" xmlns:a16="http://schemas.microsoft.com/office/drawing/2014/main" id="{421FF438-E4E8-4643-BCB3-4A1C12429042}"/>
               </a:ext>
             </a:extLst>
           </p:cNvPr>
@@ -9100,7 +9100,7 @@
           <p:cNvPr id="60" name="Текст 2">
             <a:extLst>
               <a:ext uri="{FF2B5EF4-FFF2-40B4-BE49-F238E27FC236}">
-                <a16:creationId xmlns:a16="http://schemas.microsoft.com/office/drawing/2014/main" xmlns="" id="{D4FEDD19-A7BA-45BB-93A0-F1E896C9F26D}"/>
+                <a16:creationId xmlns="" xmlns:a16="http://schemas.microsoft.com/office/drawing/2014/main" id="{D4FEDD19-A7BA-45BB-93A0-F1E896C9F26D}"/>
               </a:ext>
             </a:extLst>
           </p:cNvPr>
@@ -9183,7 +9183,7 @@
           <p:cNvPr id="64" name="Текст 2">
             <a:extLst>
               <a:ext uri="{FF2B5EF4-FFF2-40B4-BE49-F238E27FC236}">
-                <a16:creationId xmlns:a16="http://schemas.microsoft.com/office/drawing/2014/main" xmlns="" id="{A12F0175-7AEE-46B1-9590-D4A427680DC7}"/>
+                <a16:creationId xmlns="" xmlns:a16="http://schemas.microsoft.com/office/drawing/2014/main" id="{A12F0175-7AEE-46B1-9590-D4A427680DC7}"/>
               </a:ext>
             </a:extLst>
           </p:cNvPr>
@@ -9266,7 +9266,7 @@
           <p:cNvPr id="61" name="Текст 2">
             <a:extLst>
               <a:ext uri="{FF2B5EF4-FFF2-40B4-BE49-F238E27FC236}">
-                <a16:creationId xmlns:a16="http://schemas.microsoft.com/office/drawing/2014/main" xmlns="" id="{5026D39F-46AB-4680-9A52-F367344A3531}"/>
+                <a16:creationId xmlns="" xmlns:a16="http://schemas.microsoft.com/office/drawing/2014/main" id="{5026D39F-46AB-4680-9A52-F367344A3531}"/>
               </a:ext>
             </a:extLst>
           </p:cNvPr>
@@ -9349,7 +9349,7 @@
           <p:cNvPr id="65" name="Текст 2">
             <a:extLst>
               <a:ext uri="{FF2B5EF4-FFF2-40B4-BE49-F238E27FC236}">
-                <a16:creationId xmlns:a16="http://schemas.microsoft.com/office/drawing/2014/main" xmlns="" id="{04E11FE2-6320-4E8C-A5B3-8104AF329ADA}"/>
+                <a16:creationId xmlns="" xmlns:a16="http://schemas.microsoft.com/office/drawing/2014/main" id="{04E11FE2-6320-4E8C-A5B3-8104AF329ADA}"/>
               </a:ext>
             </a:extLst>
           </p:cNvPr>
@@ -9432,7 +9432,7 @@
           <p:cNvPr id="7" name="Дата 6">
             <a:extLst>
               <a:ext uri="{FF2B5EF4-FFF2-40B4-BE49-F238E27FC236}">
-                <a16:creationId xmlns:a16="http://schemas.microsoft.com/office/drawing/2014/main" xmlns="" id="{F255C16C-AA88-4BBF-8040-11ECFED618E0}"/>
+                <a16:creationId xmlns="" xmlns:a16="http://schemas.microsoft.com/office/drawing/2014/main" id="{F255C16C-AA88-4BBF-8040-11ECFED618E0}"/>
               </a:ext>
             </a:extLst>
           </p:cNvPr>
@@ -9469,7 +9469,7 @@
           <p:cNvPr id="8" name="Нижний колонтитул 7">
             <a:extLst>
               <a:ext uri="{FF2B5EF4-FFF2-40B4-BE49-F238E27FC236}">
-                <a16:creationId xmlns:a16="http://schemas.microsoft.com/office/drawing/2014/main" xmlns="" id="{CBE560E3-F935-488F-8F0E-191D7B6B54B8}"/>
+                <a16:creationId xmlns="" xmlns:a16="http://schemas.microsoft.com/office/drawing/2014/main" id="{CBE560E3-F935-488F-8F0E-191D7B6B54B8}"/>
               </a:ext>
             </a:extLst>
           </p:cNvPr>
@@ -9506,7 +9506,7 @@
           <p:cNvPr id="9" name="Номер слайда 8">
             <a:extLst>
               <a:ext uri="{FF2B5EF4-FFF2-40B4-BE49-F238E27FC236}">
-                <a16:creationId xmlns:a16="http://schemas.microsoft.com/office/drawing/2014/main" xmlns="" id="{9B9CD8B2-CC23-467F-B0EE-2CC06D6308BD}"/>
+                <a16:creationId xmlns="" xmlns:a16="http://schemas.microsoft.com/office/drawing/2014/main" id="{9B9CD8B2-CC23-467F-B0EE-2CC06D6308BD}"/>
               </a:ext>
             </a:extLst>
           </p:cNvPr>
@@ -9545,10 +9545,10 @@
           <p:cNvPr id="13" name="Графический объект 12">
             <a:extLst>
               <a:ext uri="{FF2B5EF4-FFF2-40B4-BE49-F238E27FC236}">
-                <a16:creationId xmlns:a16="http://schemas.microsoft.com/office/drawing/2014/main" xmlns="" id="{B0DFD584-E5CF-41EF-B51E-679CE22DDF93}"/>
+                <a16:creationId xmlns="" xmlns:a16="http://schemas.microsoft.com/office/drawing/2014/main" id="{B0DFD584-E5CF-41EF-B51E-679CE22DDF93}"/>
               </a:ext>
               <a:ext uri="{C183D7F6-B498-43B3-948B-1728B52AA6E4}">
-                <adec:decorative xmlns:adec="http://schemas.microsoft.com/office/drawing/2017/decorative" xmlns="" val="1"/>
+                <adec:decorative xmlns="" xmlns:adec="http://schemas.microsoft.com/office/drawing/2017/decorative" val="1"/>
               </a:ext>
             </a:extLst>
           </p:cNvPr>
@@ -9561,7 +9561,7 @@
           <a:blip r:embed="rId2">
             <a:extLst>
               <a:ext uri="{96DAC541-7B7A-43D3-8B79-37D633B846F1}">
-                <asvg:svgBlip xmlns:asvg="http://schemas.microsoft.com/office/drawing/2016/SVG/main" xmlns="" r:embed="rId3"/>
+                <asvg:svgBlip xmlns="" xmlns:asvg="http://schemas.microsoft.com/office/drawing/2016/SVG/main" r:embed="rId3"/>
               </a:ext>
             </a:extLst>
           </a:blip>
@@ -9584,10 +9584,10 @@
           <p:cNvPr id="14" name="Графический объект 13">
             <a:extLst>
               <a:ext uri="{FF2B5EF4-FFF2-40B4-BE49-F238E27FC236}">
-                <a16:creationId xmlns:a16="http://schemas.microsoft.com/office/drawing/2014/main" xmlns="" id="{E5C02DDF-25A6-42C7-9525-F279CE2095C0}"/>
+                <a16:creationId xmlns="" xmlns:a16="http://schemas.microsoft.com/office/drawing/2014/main" id="{E5C02DDF-25A6-42C7-9525-F279CE2095C0}"/>
               </a:ext>
               <a:ext uri="{C183D7F6-B498-43B3-948B-1728B52AA6E4}">
-                <adec:decorative xmlns:adec="http://schemas.microsoft.com/office/drawing/2017/decorative" xmlns="" val="1"/>
+                <adec:decorative xmlns="" xmlns:adec="http://schemas.microsoft.com/office/drawing/2017/decorative" val="1"/>
               </a:ext>
             </a:extLst>
           </p:cNvPr>
@@ -9600,7 +9600,7 @@
           <a:blip r:embed="rId4">
             <a:extLst>
               <a:ext uri="{96DAC541-7B7A-43D3-8B79-37D633B846F1}">
-                <asvg:svgBlip xmlns:asvg="http://schemas.microsoft.com/office/drawing/2016/SVG/main" xmlns="" r:embed="rId5"/>
+                <asvg:svgBlip xmlns="" xmlns:asvg="http://schemas.microsoft.com/office/drawing/2016/SVG/main" r:embed="rId5"/>
               </a:ext>
             </a:extLst>
           </a:blip>
@@ -9661,7 +9661,7 @@
           <p:cNvPr id="2" name="Заголовок 1">
             <a:extLst>
               <a:ext uri="{FF2B5EF4-FFF2-40B4-BE49-F238E27FC236}">
-                <a16:creationId xmlns:a16="http://schemas.microsoft.com/office/drawing/2014/main" xmlns="" id="{81CF3B5C-31C4-46BA-9FAD-72DF917A84DA}"/>
+                <a16:creationId xmlns="" xmlns:a16="http://schemas.microsoft.com/office/drawing/2014/main" id="{81CF3B5C-31C4-46BA-9FAD-72DF917A84DA}"/>
               </a:ext>
             </a:extLst>
           </p:cNvPr>
@@ -9711,7 +9711,7 @@
           <p:cNvPr id="11" name="Объект 10">
             <a:extLst>
               <a:ext uri="{FF2B5EF4-FFF2-40B4-BE49-F238E27FC236}">
-                <a16:creationId xmlns:a16="http://schemas.microsoft.com/office/drawing/2014/main" xmlns="" id="{ADC2540D-94C4-405B-8607-0CEDD6F54B9C}"/>
+                <a16:creationId xmlns="" xmlns:a16="http://schemas.microsoft.com/office/drawing/2014/main" id="{ADC2540D-94C4-405B-8607-0CEDD6F54B9C}"/>
               </a:ext>
             </a:extLst>
           </p:cNvPr>
@@ -9768,7 +9768,7 @@
           <p:cNvPr id="3" name="Текст 2">
             <a:extLst>
               <a:ext uri="{FF2B5EF4-FFF2-40B4-BE49-F238E27FC236}">
-                <a16:creationId xmlns:a16="http://schemas.microsoft.com/office/drawing/2014/main" xmlns="" id="{B659CD1F-9DFB-4048-9B9B-2BD7D4EC6400}"/>
+                <a16:creationId xmlns="" xmlns:a16="http://schemas.microsoft.com/office/drawing/2014/main" id="{B659CD1F-9DFB-4048-9B9B-2BD7D4EC6400}"/>
               </a:ext>
             </a:extLst>
           </p:cNvPr>
@@ -9851,7 +9851,7 @@
           <p:cNvPr id="17" name="Текст 2">
             <a:extLst>
               <a:ext uri="{FF2B5EF4-FFF2-40B4-BE49-F238E27FC236}">
-                <a16:creationId xmlns:a16="http://schemas.microsoft.com/office/drawing/2014/main" xmlns="" id="{E43D2F47-FAF2-42C2-967D-251DD4B940D7}"/>
+                <a16:creationId xmlns="" xmlns:a16="http://schemas.microsoft.com/office/drawing/2014/main" id="{E43D2F47-FAF2-42C2-967D-251DD4B940D7}"/>
               </a:ext>
             </a:extLst>
           </p:cNvPr>
@@ -9934,7 +9934,7 @@
           <p:cNvPr id="4" name="Объект 3">
             <a:extLst>
               <a:ext uri="{FF2B5EF4-FFF2-40B4-BE49-F238E27FC236}">
-                <a16:creationId xmlns:a16="http://schemas.microsoft.com/office/drawing/2014/main" xmlns="" id="{AC9B20CF-6B91-4562-B799-0ABDAEBC0D2A}"/>
+                <a16:creationId xmlns="" xmlns:a16="http://schemas.microsoft.com/office/drawing/2014/main" id="{AC9B20CF-6B91-4562-B799-0ABDAEBC0D2A}"/>
               </a:ext>
             </a:extLst>
           </p:cNvPr>
@@ -10013,7 +10013,7 @@
           <p:cNvPr id="24" name="Объект 10">
             <a:extLst>
               <a:ext uri="{FF2B5EF4-FFF2-40B4-BE49-F238E27FC236}">
-                <a16:creationId xmlns:a16="http://schemas.microsoft.com/office/drawing/2014/main" xmlns="" id="{11C6EC54-ADFA-4CFF-9E9B-DC7E96C854C2}"/>
+                <a16:creationId xmlns="" xmlns:a16="http://schemas.microsoft.com/office/drawing/2014/main" id="{11C6EC54-ADFA-4CFF-9E9B-DC7E96C854C2}"/>
               </a:ext>
             </a:extLst>
           </p:cNvPr>
@@ -10070,7 +10070,7 @@
           <p:cNvPr id="5" name="Текст 4">
             <a:extLst>
               <a:ext uri="{FF2B5EF4-FFF2-40B4-BE49-F238E27FC236}">
-                <a16:creationId xmlns:a16="http://schemas.microsoft.com/office/drawing/2014/main" xmlns="" id="{B374FC39-67F6-42EA-BCD1-F69AE2F0F22D}"/>
+                <a16:creationId xmlns="" xmlns:a16="http://schemas.microsoft.com/office/drawing/2014/main" id="{B374FC39-67F6-42EA-BCD1-F69AE2F0F22D}"/>
               </a:ext>
             </a:extLst>
           </p:cNvPr>
@@ -10153,7 +10153,7 @@
           <p:cNvPr id="18" name="Текст 4">
             <a:extLst>
               <a:ext uri="{FF2B5EF4-FFF2-40B4-BE49-F238E27FC236}">
-                <a16:creationId xmlns:a16="http://schemas.microsoft.com/office/drawing/2014/main" xmlns="" id="{3322C250-87FC-4F14-A42C-FFDA120D0D64}"/>
+                <a16:creationId xmlns="" xmlns:a16="http://schemas.microsoft.com/office/drawing/2014/main" id="{3322C250-87FC-4F14-A42C-FFDA120D0D64}"/>
               </a:ext>
             </a:extLst>
           </p:cNvPr>
@@ -10245,7 +10245,7 @@
           <p:cNvPr id="6" name="Объект 5">
             <a:extLst>
               <a:ext uri="{FF2B5EF4-FFF2-40B4-BE49-F238E27FC236}">
-                <a16:creationId xmlns:a16="http://schemas.microsoft.com/office/drawing/2014/main" xmlns="" id="{B36EE64B-44BF-4634-97BC-5ED74C6DF280}"/>
+                <a16:creationId xmlns="" xmlns:a16="http://schemas.microsoft.com/office/drawing/2014/main" id="{B36EE64B-44BF-4634-97BC-5ED74C6DF280}"/>
               </a:ext>
             </a:extLst>
           </p:cNvPr>
@@ -10324,7 +10324,7 @@
           <p:cNvPr id="25" name="Объект 10">
             <a:extLst>
               <a:ext uri="{FF2B5EF4-FFF2-40B4-BE49-F238E27FC236}">
-                <a16:creationId xmlns:a16="http://schemas.microsoft.com/office/drawing/2014/main" xmlns="" id="{1B6DD41C-FCE2-4AC6-A235-2FF1B905DAAD}"/>
+                <a16:creationId xmlns="" xmlns:a16="http://schemas.microsoft.com/office/drawing/2014/main" id="{1B6DD41C-FCE2-4AC6-A235-2FF1B905DAAD}"/>
               </a:ext>
             </a:extLst>
           </p:cNvPr>
@@ -10381,7 +10381,7 @@
           <p:cNvPr id="21" name="Текст 2">
             <a:extLst>
               <a:ext uri="{FF2B5EF4-FFF2-40B4-BE49-F238E27FC236}">
-                <a16:creationId xmlns:a16="http://schemas.microsoft.com/office/drawing/2014/main" xmlns="" id="{1F60A771-8BBC-4565-AB09-402DA7CB2780}"/>
+                <a16:creationId xmlns="" xmlns:a16="http://schemas.microsoft.com/office/drawing/2014/main" id="{1F60A771-8BBC-4565-AB09-402DA7CB2780}"/>
               </a:ext>
             </a:extLst>
           </p:cNvPr>
@@ -10464,7 +10464,7 @@
           <p:cNvPr id="19" name="Текст 2">
             <a:extLst>
               <a:ext uri="{FF2B5EF4-FFF2-40B4-BE49-F238E27FC236}">
-                <a16:creationId xmlns:a16="http://schemas.microsoft.com/office/drawing/2014/main" xmlns="" id="{D3C675D6-83FA-4036-B516-098EDCAF2506}"/>
+                <a16:creationId xmlns="" xmlns:a16="http://schemas.microsoft.com/office/drawing/2014/main" id="{D3C675D6-83FA-4036-B516-098EDCAF2506}"/>
               </a:ext>
             </a:extLst>
           </p:cNvPr>
@@ -10547,7 +10547,7 @@
           <p:cNvPr id="22" name="Объект 3">
             <a:extLst>
               <a:ext uri="{FF2B5EF4-FFF2-40B4-BE49-F238E27FC236}">
-                <a16:creationId xmlns:a16="http://schemas.microsoft.com/office/drawing/2014/main" xmlns="" id="{C464A9BD-B815-4632-8F54-6EB70E48BAFF}"/>
+                <a16:creationId xmlns="" xmlns:a16="http://schemas.microsoft.com/office/drawing/2014/main" id="{C464A9BD-B815-4632-8F54-6EB70E48BAFF}"/>
               </a:ext>
             </a:extLst>
           </p:cNvPr>
@@ -10626,7 +10626,7 @@
           <p:cNvPr id="26" name="Объект 10">
             <a:extLst>
               <a:ext uri="{FF2B5EF4-FFF2-40B4-BE49-F238E27FC236}">
-                <a16:creationId xmlns:a16="http://schemas.microsoft.com/office/drawing/2014/main" xmlns="" id="{CEB4C3DB-E51E-4479-90C2-DFE5DB4B2482}"/>
+                <a16:creationId xmlns="" xmlns:a16="http://schemas.microsoft.com/office/drawing/2014/main" id="{CEB4C3DB-E51E-4479-90C2-DFE5DB4B2482}"/>
               </a:ext>
             </a:extLst>
           </p:cNvPr>
@@ -10683,7 +10683,7 @@
           <p:cNvPr id="14" name="Текст 2">
             <a:extLst>
               <a:ext uri="{FF2B5EF4-FFF2-40B4-BE49-F238E27FC236}">
-                <a16:creationId xmlns:a16="http://schemas.microsoft.com/office/drawing/2014/main" xmlns="" id="{84A1E92D-A5BF-4268-BFF3-1418A1F03589}"/>
+                <a16:creationId xmlns="" xmlns:a16="http://schemas.microsoft.com/office/drawing/2014/main" id="{84A1E92D-A5BF-4268-BFF3-1418A1F03589}"/>
               </a:ext>
             </a:extLst>
           </p:cNvPr>
@@ -10766,7 +10766,7 @@
           <p:cNvPr id="23" name="Текст 2">
             <a:extLst>
               <a:ext uri="{FF2B5EF4-FFF2-40B4-BE49-F238E27FC236}">
-                <a16:creationId xmlns:a16="http://schemas.microsoft.com/office/drawing/2014/main" xmlns="" id="{B6439AAC-8A96-4015-8A87-ED8DF7027B60}"/>
+                <a16:creationId xmlns="" xmlns:a16="http://schemas.microsoft.com/office/drawing/2014/main" id="{B6439AAC-8A96-4015-8A87-ED8DF7027B60}"/>
               </a:ext>
             </a:extLst>
           </p:cNvPr>
@@ -10849,10 +10849,10 @@
           <p:cNvPr id="16" name="Прямая соединительная линия 15">
             <a:extLst>
               <a:ext uri="{FF2B5EF4-FFF2-40B4-BE49-F238E27FC236}">
-                <a16:creationId xmlns:a16="http://schemas.microsoft.com/office/drawing/2014/main" xmlns="" id="{463D7850-C2A6-43CE-BBE4-8E81A0A593BF}"/>
+                <a16:creationId xmlns="" xmlns:a16="http://schemas.microsoft.com/office/drawing/2014/main" id="{463D7850-C2A6-43CE-BBE4-8E81A0A593BF}"/>
               </a:ext>
               <a:ext uri="{C183D7F6-B498-43B3-948B-1728B52AA6E4}">
-                <adec:decorative xmlns:adec="http://schemas.microsoft.com/office/drawing/2017/decorative" xmlns="" val="1"/>
+                <adec:decorative xmlns="" xmlns:adec="http://schemas.microsoft.com/office/drawing/2017/decorative" val="1"/>
               </a:ext>
             </a:extLst>
           </p:cNvPr>
@@ -10897,10 +10897,10 @@
           <p:cNvPr id="20" name="Прямая соединительная линия 19">
             <a:extLst>
               <a:ext uri="{FF2B5EF4-FFF2-40B4-BE49-F238E27FC236}">
-                <a16:creationId xmlns:a16="http://schemas.microsoft.com/office/drawing/2014/main" xmlns="" id="{EBAD3E03-2E3B-440C-9105-6F9D33006D66}"/>
+                <a16:creationId xmlns="" xmlns:a16="http://schemas.microsoft.com/office/drawing/2014/main" id="{EBAD3E03-2E3B-440C-9105-6F9D33006D66}"/>
               </a:ext>
               <a:ext uri="{C183D7F6-B498-43B3-948B-1728B52AA6E4}">
-                <adec:decorative xmlns:adec="http://schemas.microsoft.com/office/drawing/2017/decorative" xmlns="" val="1"/>
+                <adec:decorative xmlns="" xmlns:adec="http://schemas.microsoft.com/office/drawing/2017/decorative" val="1"/>
               </a:ext>
             </a:extLst>
           </p:cNvPr>
@@ -10945,7 +10945,7 @@
           <p:cNvPr id="15" name="Объект 3">
             <a:extLst>
               <a:ext uri="{FF2B5EF4-FFF2-40B4-BE49-F238E27FC236}">
-                <a16:creationId xmlns:a16="http://schemas.microsoft.com/office/drawing/2014/main" xmlns="" id="{492F9083-A886-4EEB-94D6-1FAE6DC33000}"/>
+                <a16:creationId xmlns="" xmlns:a16="http://schemas.microsoft.com/office/drawing/2014/main" id="{492F9083-A886-4EEB-94D6-1FAE6DC33000}"/>
               </a:ext>
             </a:extLst>
           </p:cNvPr>
@@ -11024,7 +11024,7 @@
           <p:cNvPr id="7" name="Дата 6">
             <a:extLst>
               <a:ext uri="{FF2B5EF4-FFF2-40B4-BE49-F238E27FC236}">
-                <a16:creationId xmlns:a16="http://schemas.microsoft.com/office/drawing/2014/main" xmlns="" id="{F255C16C-AA88-4BBF-8040-11ECFED618E0}"/>
+                <a16:creationId xmlns="" xmlns:a16="http://schemas.microsoft.com/office/drawing/2014/main" id="{F255C16C-AA88-4BBF-8040-11ECFED618E0}"/>
               </a:ext>
             </a:extLst>
           </p:cNvPr>
@@ -11057,7 +11057,7 @@
           <p:cNvPr id="8" name="Нижний колонтитул 7">
             <a:extLst>
               <a:ext uri="{FF2B5EF4-FFF2-40B4-BE49-F238E27FC236}">
-                <a16:creationId xmlns:a16="http://schemas.microsoft.com/office/drawing/2014/main" xmlns="" id="{CBE560E3-F935-488F-8F0E-191D7B6B54B8}"/>
+                <a16:creationId xmlns="" xmlns:a16="http://schemas.microsoft.com/office/drawing/2014/main" id="{CBE560E3-F935-488F-8F0E-191D7B6B54B8}"/>
               </a:ext>
             </a:extLst>
           </p:cNvPr>
@@ -11090,7 +11090,7 @@
           <p:cNvPr id="9" name="Номер слайда 8">
             <a:extLst>
               <a:ext uri="{FF2B5EF4-FFF2-40B4-BE49-F238E27FC236}">
-                <a16:creationId xmlns:a16="http://schemas.microsoft.com/office/drawing/2014/main" xmlns="" id="{9B9CD8B2-CC23-467F-B0EE-2CC06D6308BD}"/>
+                <a16:creationId xmlns="" xmlns:a16="http://schemas.microsoft.com/office/drawing/2014/main" id="{9B9CD8B2-CC23-467F-B0EE-2CC06D6308BD}"/>
               </a:ext>
             </a:extLst>
           </p:cNvPr>
@@ -11155,7 +11155,7 @@
           <p:cNvPr id="2" name="Заголовок 1">
             <a:extLst>
               <a:ext uri="{FF2B5EF4-FFF2-40B4-BE49-F238E27FC236}">
-                <a16:creationId xmlns:a16="http://schemas.microsoft.com/office/drawing/2014/main" xmlns="" id="{23A3821F-4537-4AE7-8829-C2E3AE60F6E1}"/>
+                <a16:creationId xmlns="" xmlns:a16="http://schemas.microsoft.com/office/drawing/2014/main" id="{23A3821F-4537-4AE7-8829-C2E3AE60F6E1}"/>
               </a:ext>
             </a:extLst>
           </p:cNvPr>
@@ -11205,7 +11205,7 @@
           <p:cNvPr id="3" name="Текст 2">
             <a:extLst>
               <a:ext uri="{FF2B5EF4-FFF2-40B4-BE49-F238E27FC236}">
-                <a16:creationId xmlns:a16="http://schemas.microsoft.com/office/drawing/2014/main" xmlns="" id="{92FD4279-EA62-4397-878A-73F4948DB176}"/>
+                <a16:creationId xmlns="" xmlns:a16="http://schemas.microsoft.com/office/drawing/2014/main" id="{92FD4279-EA62-4397-878A-73F4948DB176}"/>
               </a:ext>
             </a:extLst>
           </p:cNvPr>
@@ -11336,7 +11336,7 @@
           <p:cNvPr id="23" name="Прямая соединительная линия 22">
             <a:extLst>
               <a:ext uri="{FF2B5EF4-FFF2-40B4-BE49-F238E27FC236}">
-                <a16:creationId xmlns:a16="http://schemas.microsoft.com/office/drawing/2014/main" xmlns="" id="{D87F08D6-2CA7-4A5A-BE34-07113DCA535D}"/>
+                <a16:creationId xmlns="" xmlns:a16="http://schemas.microsoft.com/office/drawing/2014/main" id="{D87F08D6-2CA7-4A5A-BE34-07113DCA535D}"/>
               </a:ext>
             </a:extLst>
           </p:cNvPr>
@@ -11381,7 +11381,7 @@
           <p:cNvPr id="12" name="Прямая соединительная линия 11">
             <a:extLst>
               <a:ext uri="{FF2B5EF4-FFF2-40B4-BE49-F238E27FC236}">
-                <a16:creationId xmlns:a16="http://schemas.microsoft.com/office/drawing/2014/main" xmlns="" id="{A768C87F-B9C3-4DFF-8454-F3F52CE4346B}"/>
+                <a16:creationId xmlns="" xmlns:a16="http://schemas.microsoft.com/office/drawing/2014/main" id="{A768C87F-B9C3-4DFF-8454-F3F52CE4346B}"/>
               </a:ext>
             </a:extLst>
           </p:cNvPr>
@@ -11426,7 +11426,7 @@
           <p:cNvPr id="21" name="Дата 6">
             <a:extLst>
               <a:ext uri="{FF2B5EF4-FFF2-40B4-BE49-F238E27FC236}">
-                <a16:creationId xmlns:a16="http://schemas.microsoft.com/office/drawing/2014/main" xmlns="" id="{71F34533-9677-48AF-9374-976825F4BB7E}"/>
+                <a16:creationId xmlns="" xmlns:a16="http://schemas.microsoft.com/office/drawing/2014/main" id="{71F34533-9677-48AF-9374-976825F4BB7E}"/>
               </a:ext>
             </a:extLst>
           </p:cNvPr>
@@ -11464,7 +11464,7 @@
           <p:cNvPr id="22" name="Нижний колонтитул 7">
             <a:extLst>
               <a:ext uri="{FF2B5EF4-FFF2-40B4-BE49-F238E27FC236}">
-                <a16:creationId xmlns:a16="http://schemas.microsoft.com/office/drawing/2014/main" xmlns="" id="{4FAB8A26-B99E-4F96-8327-A932A14F2C03}"/>
+                <a16:creationId xmlns="" xmlns:a16="http://schemas.microsoft.com/office/drawing/2014/main" id="{4FAB8A26-B99E-4F96-8327-A932A14F2C03}"/>
               </a:ext>
             </a:extLst>
           </p:cNvPr>
@@ -11502,7 +11502,7 @@
           <p:cNvPr id="24" name="Номер слайда 8">
             <a:extLst>
               <a:ext uri="{FF2B5EF4-FFF2-40B4-BE49-F238E27FC236}">
-                <a16:creationId xmlns:a16="http://schemas.microsoft.com/office/drawing/2014/main" xmlns="" id="{EB0962D2-BCC3-48AB-A769-2A7327D29191}"/>
+                <a16:creationId xmlns="" xmlns:a16="http://schemas.microsoft.com/office/drawing/2014/main" id="{EB0962D2-BCC3-48AB-A769-2A7327D29191}"/>
               </a:ext>
             </a:extLst>
           </p:cNvPr>
@@ -11549,7 +11549,7 @@
   </p:clrMapOvr>
   <p:extLst>
     <p:ext uri="{DCECCB84-F9BA-43D5-87BE-67443E8EF086}">
-      <p15:sldGuideLst xmlns:p15="http://schemas.microsoft.com/office/powerpoint/2012/main" xmlns="">
+      <p15:sldGuideLst xmlns="" xmlns:p15="http://schemas.microsoft.com/office/powerpoint/2012/main">
         <p15:guide id="1" pos="3000">
           <p15:clr>
             <a:srgbClr val="FBAE40"/>
@@ -11591,7 +11591,7 @@
           <p:cNvPr id="2" name="Заголовок 1">
             <a:extLst>
               <a:ext uri="{FF2B5EF4-FFF2-40B4-BE49-F238E27FC236}">
-                <a16:creationId xmlns:a16="http://schemas.microsoft.com/office/drawing/2014/main" xmlns="" id="{415B3628-62D7-4A6D-A79F-34DE91DBA31E}"/>
+                <a16:creationId xmlns="" xmlns:a16="http://schemas.microsoft.com/office/drawing/2014/main" id="{415B3628-62D7-4A6D-A79F-34DE91DBA31E}"/>
               </a:ext>
             </a:extLst>
           </p:cNvPr>
@@ -11638,7 +11638,7 @@
           <p:cNvPr id="3" name="Подзаголовок 2">
             <a:extLst>
               <a:ext uri="{FF2B5EF4-FFF2-40B4-BE49-F238E27FC236}">
-                <a16:creationId xmlns:a16="http://schemas.microsoft.com/office/drawing/2014/main" xmlns="" id="{55457758-A125-4CEA-A3D5-CBD010417BD2}"/>
+                <a16:creationId xmlns="" xmlns:a16="http://schemas.microsoft.com/office/drawing/2014/main" id="{55457758-A125-4CEA-A3D5-CBD010417BD2}"/>
               </a:ext>
             </a:extLst>
           </p:cNvPr>
@@ -11721,7 +11721,7 @@
           <p:cNvPr id="6" name="Графический объект 5">
             <a:extLst>
               <a:ext uri="{FF2B5EF4-FFF2-40B4-BE49-F238E27FC236}">
-                <a16:creationId xmlns:a16="http://schemas.microsoft.com/office/drawing/2014/main" xmlns="" id="{ED3361C9-310A-4255-A94E-B77588962DA5}"/>
+                <a16:creationId xmlns="" xmlns:a16="http://schemas.microsoft.com/office/drawing/2014/main" id="{ED3361C9-310A-4255-A94E-B77588962DA5}"/>
               </a:ext>
             </a:extLst>
           </p:cNvPr>
@@ -11734,7 +11734,7 @@
           <a:blip r:embed="rId2">
             <a:extLst>
               <a:ext uri="{96DAC541-7B7A-43D3-8B79-37D633B846F1}">
-                <asvg:svgBlip xmlns:asvg="http://schemas.microsoft.com/office/drawing/2016/SVG/main" xmlns="" r:embed="rId3"/>
+                <asvg:svgBlip xmlns="" xmlns:asvg="http://schemas.microsoft.com/office/drawing/2016/SVG/main" r:embed="rId3"/>
               </a:ext>
             </a:extLst>
           </a:blip>
@@ -11757,7 +11757,7 @@
           <p:cNvPr id="9" name="Дата 6">
             <a:extLst>
               <a:ext uri="{FF2B5EF4-FFF2-40B4-BE49-F238E27FC236}">
-                <a16:creationId xmlns:a16="http://schemas.microsoft.com/office/drawing/2014/main" xmlns="" id="{BF358517-D7B7-40D0-A9D0-B650C80898AC}"/>
+                <a16:creationId xmlns="" xmlns:a16="http://schemas.microsoft.com/office/drawing/2014/main" id="{BF358517-D7B7-40D0-A9D0-B650C80898AC}"/>
               </a:ext>
             </a:extLst>
           </p:cNvPr>
@@ -11795,7 +11795,7 @@
           <p:cNvPr id="10" name="Нижний колонтитул 7">
             <a:extLst>
               <a:ext uri="{FF2B5EF4-FFF2-40B4-BE49-F238E27FC236}">
-                <a16:creationId xmlns:a16="http://schemas.microsoft.com/office/drawing/2014/main" xmlns="" id="{6026D44C-0B39-4DE1-A0FC-5615DDAAE3CE}"/>
+                <a16:creationId xmlns="" xmlns:a16="http://schemas.microsoft.com/office/drawing/2014/main" id="{6026D44C-0B39-4DE1-A0FC-5615DDAAE3CE}"/>
               </a:ext>
             </a:extLst>
           </p:cNvPr>
@@ -11833,7 +11833,7 @@
           <p:cNvPr id="11" name="Номер слайда 8">
             <a:extLst>
               <a:ext uri="{FF2B5EF4-FFF2-40B4-BE49-F238E27FC236}">
-                <a16:creationId xmlns:a16="http://schemas.microsoft.com/office/drawing/2014/main" xmlns="" id="{0F8222B4-B618-42C4-8BDB-D2E4DF2F22C3}"/>
+                <a16:creationId xmlns="" xmlns:a16="http://schemas.microsoft.com/office/drawing/2014/main" id="{0F8222B4-B618-42C4-8BDB-D2E4DF2F22C3}"/>
               </a:ext>
             </a:extLst>
           </p:cNvPr>
@@ -11911,7 +11911,7 @@
           <p:cNvPr id="8" name="Графический объект 7">
             <a:extLst>
               <a:ext uri="{FF2B5EF4-FFF2-40B4-BE49-F238E27FC236}">
-                <a16:creationId xmlns:a16="http://schemas.microsoft.com/office/drawing/2014/main" xmlns="" id="{D514C6BF-376E-43E8-881D-2E767426990A}"/>
+                <a16:creationId xmlns="" xmlns:a16="http://schemas.microsoft.com/office/drawing/2014/main" id="{D514C6BF-376E-43E8-881D-2E767426990A}"/>
               </a:ext>
             </a:extLst>
           </p:cNvPr>
@@ -11924,7 +11924,7 @@
           <a:blip r:embed="rId2">
             <a:extLst>
               <a:ext uri="{96DAC541-7B7A-43D3-8B79-37D633B846F1}">
-                <asvg:svgBlip xmlns:asvg="http://schemas.microsoft.com/office/drawing/2016/SVG/main" xmlns="" r:embed="rId3"/>
+                <asvg:svgBlip xmlns="" xmlns:asvg="http://schemas.microsoft.com/office/drawing/2016/SVG/main" r:embed="rId3"/>
               </a:ext>
             </a:extLst>
           </a:blip>
@@ -11946,7 +11946,7 @@
           <p:cNvPr id="2" name="Заголовок 1">
             <a:extLst>
               <a:ext uri="{FF2B5EF4-FFF2-40B4-BE49-F238E27FC236}">
-                <a16:creationId xmlns:a16="http://schemas.microsoft.com/office/drawing/2014/main" xmlns="" id="{3F0A9B92-C2D0-466A-A680-A35832C452B3}"/>
+                <a16:creationId xmlns="" xmlns:a16="http://schemas.microsoft.com/office/drawing/2014/main" id="{3F0A9B92-C2D0-466A-A680-A35832C452B3}"/>
               </a:ext>
             </a:extLst>
           </p:cNvPr>
@@ -11993,7 +11993,7 @@
           <p:cNvPr id="3" name="Объект 2">
             <a:extLst>
               <a:ext uri="{FF2B5EF4-FFF2-40B4-BE49-F238E27FC236}">
-                <a16:creationId xmlns:a16="http://schemas.microsoft.com/office/drawing/2014/main" xmlns="" id="{2DA41CE6-5A88-4C5C-B2A4-6A5D2153B16F}"/>
+                <a16:creationId xmlns="" xmlns:a16="http://schemas.microsoft.com/office/drawing/2014/main" id="{2DA41CE6-5A88-4C5C-B2A4-6A5D2153B16F}"/>
               </a:ext>
             </a:extLst>
           </p:cNvPr>
@@ -12143,7 +12143,7 @@
           <p:cNvPr id="4" name="Дата 3">
             <a:extLst>
               <a:ext uri="{FF2B5EF4-FFF2-40B4-BE49-F238E27FC236}">
-                <a16:creationId xmlns:a16="http://schemas.microsoft.com/office/drawing/2014/main" xmlns="" id="{A39F5093-3C53-4152-B8FE-0522E0795269}"/>
+                <a16:creationId xmlns="" xmlns:a16="http://schemas.microsoft.com/office/drawing/2014/main" id="{A39F5093-3C53-4152-B8FE-0522E0795269}"/>
               </a:ext>
             </a:extLst>
           </p:cNvPr>
@@ -12181,7 +12181,7 @@
           <p:cNvPr id="5" name="Нижний колонтитул 4">
             <a:extLst>
               <a:ext uri="{FF2B5EF4-FFF2-40B4-BE49-F238E27FC236}">
-                <a16:creationId xmlns:a16="http://schemas.microsoft.com/office/drawing/2014/main" xmlns="" id="{7727F11D-8AF8-44D6-A48B-D8C7779B8B08}"/>
+                <a16:creationId xmlns="" xmlns:a16="http://schemas.microsoft.com/office/drawing/2014/main" id="{7727F11D-8AF8-44D6-A48B-D8C7779B8B08}"/>
               </a:ext>
             </a:extLst>
           </p:cNvPr>
@@ -12219,7 +12219,7 @@
           <p:cNvPr id="6" name="Номер слайда 5">
             <a:extLst>
               <a:ext uri="{FF2B5EF4-FFF2-40B4-BE49-F238E27FC236}">
-                <a16:creationId xmlns:a16="http://schemas.microsoft.com/office/drawing/2014/main" xmlns="" id="{658C0879-6B0F-4AF6-A997-EC61DA8964AE}"/>
+                <a16:creationId xmlns="" xmlns:a16="http://schemas.microsoft.com/office/drawing/2014/main" id="{658C0879-6B0F-4AF6-A997-EC61DA8964AE}"/>
               </a:ext>
             </a:extLst>
           </p:cNvPr>
@@ -12289,10 +12289,10 @@
           <p:cNvPr id="12" name="Графический объект 10">
             <a:extLst>
               <a:ext uri="{FF2B5EF4-FFF2-40B4-BE49-F238E27FC236}">
-                <a16:creationId xmlns:a16="http://schemas.microsoft.com/office/drawing/2014/main" xmlns="" id="{9D2AF524-D4B4-4A3A-9CE4-EDAFE1D5A37B}"/>
+                <a16:creationId xmlns="" xmlns:a16="http://schemas.microsoft.com/office/drawing/2014/main" id="{9D2AF524-D4B4-4A3A-9CE4-EDAFE1D5A37B}"/>
               </a:ext>
               <a:ext uri="{C183D7F6-B498-43B3-948B-1728B52AA6E4}">
-                <adec:decorative xmlns:adec="http://schemas.microsoft.com/office/drawing/2017/decorative" xmlns="" val="1"/>
+                <adec:decorative xmlns="" xmlns:adec="http://schemas.microsoft.com/office/drawing/2017/decorative" val="1"/>
               </a:ext>
             </a:extLst>
           </p:cNvPr>
@@ -12375,7 +12375,7 @@
           <p:cNvPr id="2" name="Заголовок 1">
             <a:extLst>
               <a:ext uri="{FF2B5EF4-FFF2-40B4-BE49-F238E27FC236}">
-                <a16:creationId xmlns:a16="http://schemas.microsoft.com/office/drawing/2014/main" xmlns="" id="{6E3987A5-99A6-4B33-BAAF-53159635382E}"/>
+                <a16:creationId xmlns="" xmlns:a16="http://schemas.microsoft.com/office/drawing/2014/main" id="{6E3987A5-99A6-4B33-BAAF-53159635382E}"/>
               </a:ext>
             </a:extLst>
           </p:cNvPr>
@@ -12425,7 +12425,7 @@
           <p:cNvPr id="16" name="Текст 15">
             <a:extLst>
               <a:ext uri="{FF2B5EF4-FFF2-40B4-BE49-F238E27FC236}">
-                <a16:creationId xmlns:a16="http://schemas.microsoft.com/office/drawing/2014/main" xmlns="" id="{3BABF6CA-407C-4BF0-8234-1321A676E756}"/>
+                <a16:creationId xmlns="" xmlns:a16="http://schemas.microsoft.com/office/drawing/2014/main" id="{3BABF6CA-407C-4BF0-8234-1321A676E756}"/>
               </a:ext>
             </a:extLst>
           </p:cNvPr>
@@ -12473,7 +12473,7 @@
           <p:cNvPr id="17" name="Текст 15">
             <a:extLst>
               <a:ext uri="{FF2B5EF4-FFF2-40B4-BE49-F238E27FC236}">
-                <a16:creationId xmlns:a16="http://schemas.microsoft.com/office/drawing/2014/main" xmlns="" id="{76D8129B-5B68-421C-968C-3663C86EFC7C}"/>
+                <a16:creationId xmlns="" xmlns:a16="http://schemas.microsoft.com/office/drawing/2014/main" id="{76D8129B-5B68-421C-968C-3663C86EFC7C}"/>
               </a:ext>
             </a:extLst>
           </p:cNvPr>
@@ -12521,7 +12521,7 @@
           <p:cNvPr id="18" name="Текст 15">
             <a:extLst>
               <a:ext uri="{FF2B5EF4-FFF2-40B4-BE49-F238E27FC236}">
-                <a16:creationId xmlns:a16="http://schemas.microsoft.com/office/drawing/2014/main" xmlns="" id="{6C741DCA-8EBD-44F5-9D38-E938A628ADCD}"/>
+                <a16:creationId xmlns="" xmlns:a16="http://schemas.microsoft.com/office/drawing/2014/main" id="{6C741DCA-8EBD-44F5-9D38-E938A628ADCD}"/>
               </a:ext>
             </a:extLst>
           </p:cNvPr>
@@ -12569,7 +12569,7 @@
           <p:cNvPr id="19" name="Текст 15">
             <a:extLst>
               <a:ext uri="{FF2B5EF4-FFF2-40B4-BE49-F238E27FC236}">
-                <a16:creationId xmlns:a16="http://schemas.microsoft.com/office/drawing/2014/main" xmlns="" id="{5C43C6B1-A1BD-4A90-8B4B-F361C1BEDD26}"/>
+                <a16:creationId xmlns="" xmlns:a16="http://schemas.microsoft.com/office/drawing/2014/main" id="{5C43C6B1-A1BD-4A90-8B4B-F361C1BEDD26}"/>
               </a:ext>
             </a:extLst>
           </p:cNvPr>
@@ -12617,7 +12617,7 @@
           <p:cNvPr id="34" name="Текст 15">
             <a:extLst>
               <a:ext uri="{FF2B5EF4-FFF2-40B4-BE49-F238E27FC236}">
-                <a16:creationId xmlns:a16="http://schemas.microsoft.com/office/drawing/2014/main" xmlns="" id="{0C66E1BD-33F0-4B94-BF94-CD4698F85C3D}"/>
+                <a16:creationId xmlns="" xmlns:a16="http://schemas.microsoft.com/office/drawing/2014/main" id="{0C66E1BD-33F0-4B94-BF94-CD4698F85C3D}"/>
               </a:ext>
             </a:extLst>
           </p:cNvPr>
@@ -12668,7 +12668,7 @@
           <p:cNvPr id="35" name="Текст 15">
             <a:extLst>
               <a:ext uri="{FF2B5EF4-FFF2-40B4-BE49-F238E27FC236}">
-                <a16:creationId xmlns:a16="http://schemas.microsoft.com/office/drawing/2014/main" xmlns="" id="{2D4661B1-6559-407A-9AEC-A46A0570AE8F}"/>
+                <a16:creationId xmlns="" xmlns:a16="http://schemas.microsoft.com/office/drawing/2014/main" id="{2D4661B1-6559-407A-9AEC-A46A0570AE8F}"/>
               </a:ext>
             </a:extLst>
           </p:cNvPr>
@@ -12719,7 +12719,7 @@
           <p:cNvPr id="36" name="Текст 15">
             <a:extLst>
               <a:ext uri="{FF2B5EF4-FFF2-40B4-BE49-F238E27FC236}">
-                <a16:creationId xmlns:a16="http://schemas.microsoft.com/office/drawing/2014/main" xmlns="" id="{DCC983F7-6A25-42C0-811C-EA32138C5B80}"/>
+                <a16:creationId xmlns="" xmlns:a16="http://schemas.microsoft.com/office/drawing/2014/main" id="{DCC983F7-6A25-42C0-811C-EA32138C5B80}"/>
               </a:ext>
             </a:extLst>
           </p:cNvPr>
@@ -12770,7 +12770,7 @@
           <p:cNvPr id="37" name="Текст 15">
             <a:extLst>
               <a:ext uri="{FF2B5EF4-FFF2-40B4-BE49-F238E27FC236}">
-                <a16:creationId xmlns:a16="http://schemas.microsoft.com/office/drawing/2014/main" xmlns="" id="{E83DA0EB-27DD-416A-8DA5-4AFDC8587E5C}"/>
+                <a16:creationId xmlns="" xmlns:a16="http://schemas.microsoft.com/office/drawing/2014/main" id="{E83DA0EB-27DD-416A-8DA5-4AFDC8587E5C}"/>
               </a:ext>
             </a:extLst>
           </p:cNvPr>
@@ -12821,10 +12821,10 @@
           <p:cNvPr id="3" name="Прямая соединительная линия 2">
             <a:extLst>
               <a:ext uri="{FF2B5EF4-FFF2-40B4-BE49-F238E27FC236}">
-                <a16:creationId xmlns:a16="http://schemas.microsoft.com/office/drawing/2014/main" xmlns="" id="{D3795F91-C721-4363-956D-756673AE7957}"/>
+                <a16:creationId xmlns="" xmlns:a16="http://schemas.microsoft.com/office/drawing/2014/main" id="{D3795F91-C721-4363-956D-756673AE7957}"/>
               </a:ext>
               <a:ext uri="{C183D7F6-B498-43B3-948B-1728B52AA6E4}">
-                <adec:decorative xmlns:adec="http://schemas.microsoft.com/office/drawing/2017/decorative" xmlns="" val="1"/>
+                <adec:decorative xmlns="" xmlns:adec="http://schemas.microsoft.com/office/drawing/2017/decorative" val="1"/>
               </a:ext>
             </a:extLst>
           </p:cNvPr>
@@ -12869,10 +12869,10 @@
           <p:cNvPr id="4" name="Прямая соединительная линия 3">
             <a:extLst>
               <a:ext uri="{FF2B5EF4-FFF2-40B4-BE49-F238E27FC236}">
-                <a16:creationId xmlns:a16="http://schemas.microsoft.com/office/drawing/2014/main" xmlns="" id="{8AC14461-E27D-413D-B31A-47B74646AF25}"/>
+                <a16:creationId xmlns="" xmlns:a16="http://schemas.microsoft.com/office/drawing/2014/main" id="{8AC14461-E27D-413D-B31A-47B74646AF25}"/>
               </a:ext>
               <a:ext uri="{C183D7F6-B498-43B3-948B-1728B52AA6E4}">
-                <adec:decorative xmlns:adec="http://schemas.microsoft.com/office/drawing/2017/decorative" xmlns="" val="1"/>
+                <adec:decorative xmlns="" xmlns:adec="http://schemas.microsoft.com/office/drawing/2017/decorative" val="1"/>
               </a:ext>
             </a:extLst>
           </p:cNvPr>
@@ -12917,10 +12917,10 @@
           <p:cNvPr id="8" name="Прямая соединительная линия 7">
             <a:extLst>
               <a:ext uri="{FF2B5EF4-FFF2-40B4-BE49-F238E27FC236}">
-                <a16:creationId xmlns:a16="http://schemas.microsoft.com/office/drawing/2014/main" xmlns="" id="{4D6AEA4C-7710-4829-BA87-8DD77F15932C}"/>
+                <a16:creationId xmlns="" xmlns:a16="http://schemas.microsoft.com/office/drawing/2014/main" id="{4D6AEA4C-7710-4829-BA87-8DD77F15932C}"/>
               </a:ext>
               <a:ext uri="{C183D7F6-B498-43B3-948B-1728B52AA6E4}">
-                <adec:decorative xmlns:adec="http://schemas.microsoft.com/office/drawing/2017/decorative" xmlns="" val="1"/>
+                <adec:decorative xmlns="" xmlns:adec="http://schemas.microsoft.com/office/drawing/2017/decorative" val="1"/>
               </a:ext>
             </a:extLst>
           </p:cNvPr>
@@ -12965,10 +12965,10 @@
           <p:cNvPr id="9" name="Прямая соединительная линия 8">
             <a:extLst>
               <a:ext uri="{FF2B5EF4-FFF2-40B4-BE49-F238E27FC236}">
-                <a16:creationId xmlns:a16="http://schemas.microsoft.com/office/drawing/2014/main" xmlns="" id="{E9BD473E-6203-491C-87AC-54AC0AB23333}"/>
+                <a16:creationId xmlns="" xmlns:a16="http://schemas.microsoft.com/office/drawing/2014/main" id="{E9BD473E-6203-491C-87AC-54AC0AB23333}"/>
               </a:ext>
               <a:ext uri="{C183D7F6-B498-43B3-948B-1728B52AA6E4}">
-                <adec:decorative xmlns:adec="http://schemas.microsoft.com/office/drawing/2017/decorative" xmlns="" val="1"/>
+                <adec:decorative xmlns="" xmlns:adec="http://schemas.microsoft.com/office/drawing/2017/decorative" val="1"/>
               </a:ext>
             </a:extLst>
           </p:cNvPr>
@@ -13013,7 +13013,7 @@
           <p:cNvPr id="5" name="Дата 4">
             <a:extLst>
               <a:ext uri="{FF2B5EF4-FFF2-40B4-BE49-F238E27FC236}">
-                <a16:creationId xmlns:a16="http://schemas.microsoft.com/office/drawing/2014/main" xmlns="" id="{874DC36F-5D3E-439D-80B5-32633FC34434}"/>
+                <a16:creationId xmlns="" xmlns:a16="http://schemas.microsoft.com/office/drawing/2014/main" id="{874DC36F-5D3E-439D-80B5-32633FC34434}"/>
               </a:ext>
             </a:extLst>
           </p:cNvPr>
@@ -13050,7 +13050,7 @@
           <p:cNvPr id="6" name="Нижний колонтитул 5">
             <a:extLst>
               <a:ext uri="{FF2B5EF4-FFF2-40B4-BE49-F238E27FC236}">
-                <a16:creationId xmlns:a16="http://schemas.microsoft.com/office/drawing/2014/main" xmlns="" id="{6C710A8A-CEC9-4787-A745-C28DD965F7DD}"/>
+                <a16:creationId xmlns="" xmlns:a16="http://schemas.microsoft.com/office/drawing/2014/main" id="{6C710A8A-CEC9-4787-A745-C28DD965F7DD}"/>
               </a:ext>
             </a:extLst>
           </p:cNvPr>
@@ -13088,7 +13088,7 @@
           <p:cNvPr id="7" name="Номер слайда 6">
             <a:extLst>
               <a:ext uri="{FF2B5EF4-FFF2-40B4-BE49-F238E27FC236}">
-                <a16:creationId xmlns:a16="http://schemas.microsoft.com/office/drawing/2014/main" xmlns="" id="{4162BD04-8F01-472A-9456-4702A2218BB5}"/>
+                <a16:creationId xmlns="" xmlns:a16="http://schemas.microsoft.com/office/drawing/2014/main" id="{4162BD04-8F01-472A-9456-4702A2218BB5}"/>
               </a:ext>
             </a:extLst>
           </p:cNvPr>
@@ -13166,7 +13166,7 @@
           <p:cNvPr id="14" name="Заголовок 1">
             <a:extLst>
               <a:ext uri="{FF2B5EF4-FFF2-40B4-BE49-F238E27FC236}">
-                <a16:creationId xmlns:a16="http://schemas.microsoft.com/office/drawing/2014/main" xmlns="" id="{42ACEF30-0520-40B3-A1F1-F3D2530563D6}"/>
+                <a16:creationId xmlns="" xmlns:a16="http://schemas.microsoft.com/office/drawing/2014/main" id="{42ACEF30-0520-40B3-A1F1-F3D2530563D6}"/>
               </a:ext>
             </a:extLst>
           </p:cNvPr>
@@ -13216,7 +13216,7 @@
           <p:cNvPr id="15" name="Текст 15">
             <a:extLst>
               <a:ext uri="{FF2B5EF4-FFF2-40B4-BE49-F238E27FC236}">
-                <a16:creationId xmlns:a16="http://schemas.microsoft.com/office/drawing/2014/main" xmlns="" id="{A1FB681F-A94D-4BF8-8290-0811E98D49D4}"/>
+                <a16:creationId xmlns="" xmlns:a16="http://schemas.microsoft.com/office/drawing/2014/main" id="{A1FB681F-A94D-4BF8-8290-0811E98D49D4}"/>
               </a:ext>
             </a:extLst>
           </p:cNvPr>
@@ -13267,7 +13267,7 @@
           <p:cNvPr id="17" name="Текст 18">
             <a:extLst>
               <a:ext uri="{FF2B5EF4-FFF2-40B4-BE49-F238E27FC236}">
-                <a16:creationId xmlns:a16="http://schemas.microsoft.com/office/drawing/2014/main" xmlns="" id="{61E8C129-EF62-46A8-97F3-3CB5D014FBDD}"/>
+                <a16:creationId xmlns="" xmlns:a16="http://schemas.microsoft.com/office/drawing/2014/main" id="{61E8C129-EF62-46A8-97F3-3CB5D014FBDD}"/>
               </a:ext>
             </a:extLst>
           </p:cNvPr>
@@ -13319,7 +13319,7 @@
           <p:cNvPr id="31" name="Текст 15">
             <a:extLst>
               <a:ext uri="{FF2B5EF4-FFF2-40B4-BE49-F238E27FC236}">
-                <a16:creationId xmlns:a16="http://schemas.microsoft.com/office/drawing/2014/main" xmlns="" id="{87DD41A9-B6B3-48D9-A3A6-831B39C9158C}"/>
+                <a16:creationId xmlns="" xmlns:a16="http://schemas.microsoft.com/office/drawing/2014/main" id="{87DD41A9-B6B3-48D9-A3A6-831B39C9158C}"/>
               </a:ext>
             </a:extLst>
           </p:cNvPr>
@@ -13379,7 +13379,7 @@
           <p:cNvPr id="32" name="Текст 18">
             <a:extLst>
               <a:ext uri="{FF2B5EF4-FFF2-40B4-BE49-F238E27FC236}">
-                <a16:creationId xmlns:a16="http://schemas.microsoft.com/office/drawing/2014/main" xmlns="" id="{FB791E68-EDF5-4CC2-8774-A27AEF1D25E6}"/>
+                <a16:creationId xmlns="" xmlns:a16="http://schemas.microsoft.com/office/drawing/2014/main" id="{FB791E68-EDF5-4CC2-8774-A27AEF1D25E6}"/>
               </a:ext>
             </a:extLst>
           </p:cNvPr>
@@ -13431,7 +13431,7 @@
           <p:cNvPr id="33" name="Текст 15">
             <a:extLst>
               <a:ext uri="{FF2B5EF4-FFF2-40B4-BE49-F238E27FC236}">
-                <a16:creationId xmlns:a16="http://schemas.microsoft.com/office/drawing/2014/main" xmlns="" id="{AA224F82-7E0C-4EBF-97D3-132481DBCDA9}"/>
+                <a16:creationId xmlns="" xmlns:a16="http://schemas.microsoft.com/office/drawing/2014/main" id="{AA224F82-7E0C-4EBF-97D3-132481DBCDA9}"/>
               </a:ext>
             </a:extLst>
           </p:cNvPr>
@@ -13491,7 +13491,7 @@
           <p:cNvPr id="34" name="Текст 18">
             <a:extLst>
               <a:ext uri="{FF2B5EF4-FFF2-40B4-BE49-F238E27FC236}">
-                <a16:creationId xmlns:a16="http://schemas.microsoft.com/office/drawing/2014/main" xmlns="" id="{699D24C6-4AFB-4222-8E0C-4D11CD9C0FF7}"/>
+                <a16:creationId xmlns="" xmlns:a16="http://schemas.microsoft.com/office/drawing/2014/main" id="{699D24C6-4AFB-4222-8E0C-4D11CD9C0FF7}"/>
               </a:ext>
             </a:extLst>
           </p:cNvPr>
@@ -13543,7 +13543,7 @@
           <p:cNvPr id="12" name="Текст 15">
             <a:extLst>
               <a:ext uri="{FF2B5EF4-FFF2-40B4-BE49-F238E27FC236}">
-                <a16:creationId xmlns:a16="http://schemas.microsoft.com/office/drawing/2014/main" xmlns="" id="{3B05E19C-DF33-4515-AC52-F95850810EC1}"/>
+                <a16:creationId xmlns="" xmlns:a16="http://schemas.microsoft.com/office/drawing/2014/main" id="{3B05E19C-DF33-4515-AC52-F95850810EC1}"/>
               </a:ext>
             </a:extLst>
           </p:cNvPr>
@@ -13603,7 +13603,7 @@
           <p:cNvPr id="13" name="Текст 18">
             <a:extLst>
               <a:ext uri="{FF2B5EF4-FFF2-40B4-BE49-F238E27FC236}">
-                <a16:creationId xmlns:a16="http://schemas.microsoft.com/office/drawing/2014/main" xmlns="" id="{C0EBC62D-442C-45D3-B66B-C6578FBB3370}"/>
+                <a16:creationId xmlns="" xmlns:a16="http://schemas.microsoft.com/office/drawing/2014/main" id="{C0EBC62D-442C-45D3-B66B-C6578FBB3370}"/>
               </a:ext>
             </a:extLst>
           </p:cNvPr>
@@ -13655,7 +13655,7 @@
           <p:cNvPr id="3" name="Дата 2">
             <a:extLst>
               <a:ext uri="{FF2B5EF4-FFF2-40B4-BE49-F238E27FC236}">
-                <a16:creationId xmlns:a16="http://schemas.microsoft.com/office/drawing/2014/main" xmlns="" id="{98EC90C5-A811-4E5C-ADD1-A89DB4E94DAA}"/>
+                <a16:creationId xmlns="" xmlns:a16="http://schemas.microsoft.com/office/drawing/2014/main" id="{98EC90C5-A811-4E5C-ADD1-A89DB4E94DAA}"/>
               </a:ext>
             </a:extLst>
           </p:cNvPr>
@@ -13684,7 +13684,7 @@
           <p:cNvPr id="4" name="Нижний колонтитул 3">
             <a:extLst>
               <a:ext uri="{FF2B5EF4-FFF2-40B4-BE49-F238E27FC236}">
-                <a16:creationId xmlns:a16="http://schemas.microsoft.com/office/drawing/2014/main" xmlns="" id="{3356B621-AE19-45D3-B25F-23256C242DDD}"/>
+                <a16:creationId xmlns="" xmlns:a16="http://schemas.microsoft.com/office/drawing/2014/main" id="{3356B621-AE19-45D3-B25F-23256C242DDD}"/>
               </a:ext>
             </a:extLst>
           </p:cNvPr>
@@ -13713,7 +13713,7 @@
           <p:cNvPr id="5" name="Номер слайда 4">
             <a:extLst>
               <a:ext uri="{FF2B5EF4-FFF2-40B4-BE49-F238E27FC236}">
-                <a16:creationId xmlns:a16="http://schemas.microsoft.com/office/drawing/2014/main" xmlns="" id="{158BDCB2-D8C3-4571-8154-76BEA9AE41A8}"/>
+                <a16:creationId xmlns="" xmlns:a16="http://schemas.microsoft.com/office/drawing/2014/main" id="{158BDCB2-D8C3-4571-8154-76BEA9AE41A8}"/>
               </a:ext>
             </a:extLst>
           </p:cNvPr>
@@ -13744,10 +13744,10 @@
           <p:cNvPr id="2" name="Прямая соединительная линия 1">
             <a:extLst>
               <a:ext uri="{FF2B5EF4-FFF2-40B4-BE49-F238E27FC236}">
-                <a16:creationId xmlns:a16="http://schemas.microsoft.com/office/drawing/2014/main" xmlns="" id="{9298DCF7-7DC1-4618-8133-F63847B0AFE2}"/>
+                <a16:creationId xmlns="" xmlns:a16="http://schemas.microsoft.com/office/drawing/2014/main" id="{9298DCF7-7DC1-4618-8133-F63847B0AFE2}"/>
               </a:ext>
               <a:ext uri="{C183D7F6-B498-43B3-948B-1728B52AA6E4}">
-                <adec:decorative xmlns:adec="http://schemas.microsoft.com/office/drawing/2017/decorative" xmlns="" val="1"/>
+                <adec:decorative xmlns="" xmlns:adec="http://schemas.microsoft.com/office/drawing/2017/decorative" val="1"/>
               </a:ext>
             </a:extLst>
           </p:cNvPr>
@@ -13785,10 +13785,10 @@
           <p:cNvPr id="6" name="Прямая соединительная линия 5">
             <a:extLst>
               <a:ext uri="{FF2B5EF4-FFF2-40B4-BE49-F238E27FC236}">
-                <a16:creationId xmlns:a16="http://schemas.microsoft.com/office/drawing/2014/main" xmlns="" id="{653A6567-233D-4A3B-B52B-DE7E5E35A175}"/>
+                <a16:creationId xmlns="" xmlns:a16="http://schemas.microsoft.com/office/drawing/2014/main" id="{653A6567-233D-4A3B-B52B-DE7E5E35A175}"/>
               </a:ext>
               <a:ext uri="{C183D7F6-B498-43B3-948B-1728B52AA6E4}">
-                <adec:decorative xmlns:adec="http://schemas.microsoft.com/office/drawing/2017/decorative" xmlns="" val="1"/>
+                <adec:decorative xmlns="" xmlns:adec="http://schemas.microsoft.com/office/drawing/2017/decorative" val="1"/>
               </a:ext>
             </a:extLst>
           </p:cNvPr>
@@ -13826,10 +13826,10 @@
           <p:cNvPr id="7" name="Графический объект 6">
             <a:extLst>
               <a:ext uri="{FF2B5EF4-FFF2-40B4-BE49-F238E27FC236}">
-                <a16:creationId xmlns:a16="http://schemas.microsoft.com/office/drawing/2014/main" xmlns="" id="{64D564EB-CA78-42C6-AD76-3C4E7B3AEA8D}"/>
+                <a16:creationId xmlns="" xmlns:a16="http://schemas.microsoft.com/office/drawing/2014/main" id="{64D564EB-CA78-42C6-AD76-3C4E7B3AEA8D}"/>
               </a:ext>
               <a:ext uri="{C183D7F6-B498-43B3-948B-1728B52AA6E4}">
-                <adec:decorative xmlns:adec="http://schemas.microsoft.com/office/drawing/2017/decorative" xmlns="" val="1"/>
+                <adec:decorative xmlns="" xmlns:adec="http://schemas.microsoft.com/office/drawing/2017/decorative" val="1"/>
               </a:ext>
             </a:extLst>
           </p:cNvPr>
@@ -13842,7 +13842,7 @@
           <a:blip r:embed="rId2">
             <a:extLst>
               <a:ext uri="{96DAC541-7B7A-43D3-8B79-37D633B846F1}">
-                <asvg:svgBlip xmlns:asvg="http://schemas.microsoft.com/office/drawing/2016/SVG/main" xmlns="" r:embed="rId3"/>
+                <asvg:svgBlip xmlns="" xmlns:asvg="http://schemas.microsoft.com/office/drawing/2016/SVG/main" r:embed="rId3"/>
               </a:ext>
             </a:extLst>
           </a:blip>
@@ -13865,10 +13865,10 @@
           <p:cNvPr id="8" name="Графический объект 7">
             <a:extLst>
               <a:ext uri="{FF2B5EF4-FFF2-40B4-BE49-F238E27FC236}">
-                <a16:creationId xmlns:a16="http://schemas.microsoft.com/office/drawing/2014/main" xmlns="" id="{1CFFBB3A-BDCF-4878-8D04-E8BB9A050E71}"/>
+                <a16:creationId xmlns="" xmlns:a16="http://schemas.microsoft.com/office/drawing/2014/main" id="{1CFFBB3A-BDCF-4878-8D04-E8BB9A050E71}"/>
               </a:ext>
               <a:ext uri="{C183D7F6-B498-43B3-948B-1728B52AA6E4}">
-                <adec:decorative xmlns:adec="http://schemas.microsoft.com/office/drawing/2017/decorative" xmlns="" val="1"/>
+                <adec:decorative xmlns="" xmlns:adec="http://schemas.microsoft.com/office/drawing/2017/decorative" val="1"/>
               </a:ext>
             </a:extLst>
           </p:cNvPr>
@@ -13881,7 +13881,7 @@
           <a:blip r:embed="rId4">
             <a:extLst>
               <a:ext uri="{96DAC541-7B7A-43D3-8B79-37D633B846F1}">
-                <asvg:svgBlip xmlns:asvg="http://schemas.microsoft.com/office/drawing/2016/SVG/main" xmlns="" r:embed="rId5"/>
+                <asvg:svgBlip xmlns="" xmlns:asvg="http://schemas.microsoft.com/office/drawing/2016/SVG/main" r:embed="rId5"/>
               </a:ext>
             </a:extLst>
           </a:blip>
@@ -13942,7 +13942,7 @@
           <p:cNvPr id="14" name="Заголовок 1">
             <a:extLst>
               <a:ext uri="{FF2B5EF4-FFF2-40B4-BE49-F238E27FC236}">
-                <a16:creationId xmlns:a16="http://schemas.microsoft.com/office/drawing/2014/main" xmlns="" id="{42ACEF30-0520-40B3-A1F1-F3D2530563D6}"/>
+                <a16:creationId xmlns="" xmlns:a16="http://schemas.microsoft.com/office/drawing/2014/main" id="{42ACEF30-0520-40B3-A1F1-F3D2530563D6}"/>
               </a:ext>
             </a:extLst>
           </p:cNvPr>
@@ -13992,7 +13992,7 @@
           <p:cNvPr id="15" name="Текст 15">
             <a:extLst>
               <a:ext uri="{FF2B5EF4-FFF2-40B4-BE49-F238E27FC236}">
-                <a16:creationId xmlns:a16="http://schemas.microsoft.com/office/drawing/2014/main" xmlns="" id="{A1FB681F-A94D-4BF8-8290-0811E98D49D4}"/>
+                <a16:creationId xmlns="" xmlns:a16="http://schemas.microsoft.com/office/drawing/2014/main" id="{A1FB681F-A94D-4BF8-8290-0811E98D49D4}"/>
               </a:ext>
             </a:extLst>
           </p:cNvPr>
@@ -14043,7 +14043,7 @@
           <p:cNvPr id="17" name="Текст 18">
             <a:extLst>
               <a:ext uri="{FF2B5EF4-FFF2-40B4-BE49-F238E27FC236}">
-                <a16:creationId xmlns:a16="http://schemas.microsoft.com/office/drawing/2014/main" xmlns="" id="{61E8C129-EF62-46A8-97F3-3CB5D014FBDD}"/>
+                <a16:creationId xmlns="" xmlns:a16="http://schemas.microsoft.com/office/drawing/2014/main" id="{61E8C129-EF62-46A8-97F3-3CB5D014FBDD}"/>
               </a:ext>
             </a:extLst>
           </p:cNvPr>
@@ -14095,7 +14095,7 @@
           <p:cNvPr id="16" name="Текст 15">
             <a:extLst>
               <a:ext uri="{FF2B5EF4-FFF2-40B4-BE49-F238E27FC236}">
-                <a16:creationId xmlns:a16="http://schemas.microsoft.com/office/drawing/2014/main" xmlns="" id="{07D6A00C-D56B-4E8B-B992-7DA51D3C7261}"/>
+                <a16:creationId xmlns="" xmlns:a16="http://schemas.microsoft.com/office/drawing/2014/main" id="{07D6A00C-D56B-4E8B-B992-7DA51D3C7261}"/>
               </a:ext>
             </a:extLst>
           </p:cNvPr>
@@ -14146,7 +14146,7 @@
           <p:cNvPr id="18" name="Текст 18">
             <a:extLst>
               <a:ext uri="{FF2B5EF4-FFF2-40B4-BE49-F238E27FC236}">
-                <a16:creationId xmlns:a16="http://schemas.microsoft.com/office/drawing/2014/main" xmlns="" id="{DA90DA32-7E6A-4713-BDC9-73910E2A0E68}"/>
+                <a16:creationId xmlns="" xmlns:a16="http://schemas.microsoft.com/office/drawing/2014/main" id="{DA90DA32-7E6A-4713-BDC9-73910E2A0E68}"/>
               </a:ext>
             </a:extLst>
           </p:cNvPr>
@@ -14198,7 +14198,7 @@
           <p:cNvPr id="19" name="Текст 15">
             <a:extLst>
               <a:ext uri="{FF2B5EF4-FFF2-40B4-BE49-F238E27FC236}">
-                <a16:creationId xmlns:a16="http://schemas.microsoft.com/office/drawing/2014/main" xmlns="" id="{D7E57261-C874-4DFD-AF7D-F9EC50B3BFD0}"/>
+                <a16:creationId xmlns="" xmlns:a16="http://schemas.microsoft.com/office/drawing/2014/main" id="{D7E57261-C874-4DFD-AF7D-F9EC50B3BFD0}"/>
               </a:ext>
             </a:extLst>
           </p:cNvPr>
@@ -14249,7 +14249,7 @@
           <p:cNvPr id="20" name="Текст 18">
             <a:extLst>
               <a:ext uri="{FF2B5EF4-FFF2-40B4-BE49-F238E27FC236}">
-                <a16:creationId xmlns:a16="http://schemas.microsoft.com/office/drawing/2014/main" xmlns="" id="{843F77CE-098F-4777-8C30-5CEE7954D140}"/>
+                <a16:creationId xmlns="" xmlns:a16="http://schemas.microsoft.com/office/drawing/2014/main" id="{843F77CE-098F-4777-8C30-5CEE7954D140}"/>
               </a:ext>
             </a:extLst>
           </p:cNvPr>
@@ -14301,7 +14301,7 @@
           <p:cNvPr id="23" name="Текст 15">
             <a:extLst>
               <a:ext uri="{FF2B5EF4-FFF2-40B4-BE49-F238E27FC236}">
-                <a16:creationId xmlns:a16="http://schemas.microsoft.com/office/drawing/2014/main" xmlns="" id="{4CAE269A-B6AB-42A6-9575-6057FA25A29E}"/>
+                <a16:creationId xmlns="" xmlns:a16="http://schemas.microsoft.com/office/drawing/2014/main" id="{4CAE269A-B6AB-42A6-9575-6057FA25A29E}"/>
               </a:ext>
             </a:extLst>
           </p:cNvPr>
@@ -14352,7 +14352,7 @@
           <p:cNvPr id="24" name="Текст 18">
             <a:extLst>
               <a:ext uri="{FF2B5EF4-FFF2-40B4-BE49-F238E27FC236}">
-                <a16:creationId xmlns:a16="http://schemas.microsoft.com/office/drawing/2014/main" xmlns="" id="{46866A49-A3A8-4869-961C-EB41F6BC7843}"/>
+                <a16:creationId xmlns="" xmlns:a16="http://schemas.microsoft.com/office/drawing/2014/main" id="{46866A49-A3A8-4869-961C-EB41F6BC7843}"/>
               </a:ext>
             </a:extLst>
           </p:cNvPr>
@@ -14404,7 +14404,7 @@
           <p:cNvPr id="3" name="Дата 2">
             <a:extLst>
               <a:ext uri="{FF2B5EF4-FFF2-40B4-BE49-F238E27FC236}">
-                <a16:creationId xmlns:a16="http://schemas.microsoft.com/office/drawing/2014/main" xmlns="" id="{98EC90C5-A811-4E5C-ADD1-A89DB4E94DAA}"/>
+                <a16:creationId xmlns="" xmlns:a16="http://schemas.microsoft.com/office/drawing/2014/main" id="{98EC90C5-A811-4E5C-ADD1-A89DB4E94DAA}"/>
               </a:ext>
             </a:extLst>
           </p:cNvPr>
@@ -14442,7 +14442,7 @@
           <p:cNvPr id="4" name="Нижний колонтитул 3">
             <a:extLst>
               <a:ext uri="{FF2B5EF4-FFF2-40B4-BE49-F238E27FC236}">
-                <a16:creationId xmlns:a16="http://schemas.microsoft.com/office/drawing/2014/main" xmlns="" id="{3356B621-AE19-45D3-B25F-23256C242DDD}"/>
+                <a16:creationId xmlns="" xmlns:a16="http://schemas.microsoft.com/office/drawing/2014/main" id="{3356B621-AE19-45D3-B25F-23256C242DDD}"/>
               </a:ext>
             </a:extLst>
           </p:cNvPr>
@@ -14480,7 +14480,7 @@
           <p:cNvPr id="5" name="Номер слайда 4">
             <a:extLst>
               <a:ext uri="{FF2B5EF4-FFF2-40B4-BE49-F238E27FC236}">
-                <a16:creationId xmlns:a16="http://schemas.microsoft.com/office/drawing/2014/main" xmlns="" id="{158BDCB2-D8C3-4571-8154-76BEA9AE41A8}"/>
+                <a16:creationId xmlns="" xmlns:a16="http://schemas.microsoft.com/office/drawing/2014/main" id="{158BDCB2-D8C3-4571-8154-76BEA9AE41A8}"/>
               </a:ext>
             </a:extLst>
           </p:cNvPr>
@@ -14520,10 +14520,10 @@
           <p:cNvPr id="2" name="Графический объект 1">
             <a:extLst>
               <a:ext uri="{FF2B5EF4-FFF2-40B4-BE49-F238E27FC236}">
-                <a16:creationId xmlns:a16="http://schemas.microsoft.com/office/drawing/2014/main" xmlns="" id="{6D8D9106-8780-461D-9091-E074B0A3C956}"/>
+                <a16:creationId xmlns="" xmlns:a16="http://schemas.microsoft.com/office/drawing/2014/main" id="{6D8D9106-8780-461D-9091-E074B0A3C956}"/>
               </a:ext>
               <a:ext uri="{C183D7F6-B498-43B3-948B-1728B52AA6E4}">
-                <adec:decorative xmlns:adec="http://schemas.microsoft.com/office/drawing/2017/decorative" xmlns="" val="1"/>
+                <adec:decorative xmlns="" xmlns:adec="http://schemas.microsoft.com/office/drawing/2017/decorative" val="1"/>
               </a:ext>
             </a:extLst>
           </p:cNvPr>
@@ -14536,7 +14536,7 @@
           <a:blip r:embed="rId2">
             <a:extLst>
               <a:ext uri="{96DAC541-7B7A-43D3-8B79-37D633B846F1}">
-                <asvg:svgBlip xmlns:asvg="http://schemas.microsoft.com/office/drawing/2016/SVG/main" xmlns="" r:embed="rId3"/>
+                <asvg:svgBlip xmlns="" xmlns:asvg="http://schemas.microsoft.com/office/drawing/2016/SVG/main" r:embed="rId3"/>
               </a:ext>
             </a:extLst>
           </a:blip>
@@ -14596,7 +14596,7 @@
           <p:cNvPr id="2" name="Заголовок 1">
             <a:extLst>
               <a:ext uri="{FF2B5EF4-FFF2-40B4-BE49-F238E27FC236}">
-                <a16:creationId xmlns:a16="http://schemas.microsoft.com/office/drawing/2014/main" xmlns="" id="{23A3821F-4537-4AE7-8829-C2E3AE60F6E1}"/>
+                <a16:creationId xmlns="" xmlns:a16="http://schemas.microsoft.com/office/drawing/2014/main" id="{23A3821F-4537-4AE7-8829-C2E3AE60F6E1}"/>
               </a:ext>
             </a:extLst>
           </p:cNvPr>
@@ -14646,7 +14646,7 @@
           <p:cNvPr id="3" name="Текст 2">
             <a:extLst>
               <a:ext uri="{FF2B5EF4-FFF2-40B4-BE49-F238E27FC236}">
-                <a16:creationId xmlns:a16="http://schemas.microsoft.com/office/drawing/2014/main" xmlns="" id="{92FD4279-EA62-4397-878A-73F4948DB176}"/>
+                <a16:creationId xmlns="" xmlns:a16="http://schemas.microsoft.com/office/drawing/2014/main" id="{92FD4279-EA62-4397-878A-73F4948DB176}"/>
               </a:ext>
             </a:extLst>
           </p:cNvPr>
@@ -14777,7 +14777,7 @@
           <p:cNvPr id="14" name="Прямая соединительная линия 13">
             <a:extLst>
               <a:ext uri="{FF2B5EF4-FFF2-40B4-BE49-F238E27FC236}">
-                <a16:creationId xmlns:a16="http://schemas.microsoft.com/office/drawing/2014/main" xmlns="" id="{49FBD260-5143-4B12-B9F8-33E48D548909}"/>
+                <a16:creationId xmlns="" xmlns:a16="http://schemas.microsoft.com/office/drawing/2014/main" id="{49FBD260-5143-4B12-B9F8-33E48D548909}"/>
               </a:ext>
             </a:extLst>
           </p:cNvPr>
@@ -14820,7 +14820,7 @@
           <p:cNvPr id="23" name="Прямая соединительная линия 22">
             <a:extLst>
               <a:ext uri="{FF2B5EF4-FFF2-40B4-BE49-F238E27FC236}">
-                <a16:creationId xmlns:a16="http://schemas.microsoft.com/office/drawing/2014/main" xmlns="" id="{D87F08D6-2CA7-4A5A-BE34-07113DCA535D}"/>
+                <a16:creationId xmlns="" xmlns:a16="http://schemas.microsoft.com/office/drawing/2014/main" id="{D87F08D6-2CA7-4A5A-BE34-07113DCA535D}"/>
               </a:ext>
             </a:extLst>
           </p:cNvPr>
@@ -14863,7 +14863,7 @@
           <p:cNvPr id="9" name="Дата 6">
             <a:extLst>
               <a:ext uri="{FF2B5EF4-FFF2-40B4-BE49-F238E27FC236}">
-                <a16:creationId xmlns:a16="http://schemas.microsoft.com/office/drawing/2014/main" xmlns="" id="{70146B66-4F07-44BE-8AAB-48EA5170DA81}"/>
+                <a16:creationId xmlns="" xmlns:a16="http://schemas.microsoft.com/office/drawing/2014/main" id="{70146B66-4F07-44BE-8AAB-48EA5170DA81}"/>
               </a:ext>
             </a:extLst>
           </p:cNvPr>
@@ -14901,7 +14901,7 @@
           <p:cNvPr id="10" name="Нижний колонтитул 7">
             <a:extLst>
               <a:ext uri="{FF2B5EF4-FFF2-40B4-BE49-F238E27FC236}">
-                <a16:creationId xmlns:a16="http://schemas.microsoft.com/office/drawing/2014/main" xmlns="" id="{3A927BE5-2F4C-4EBD-9093-C4ED6E3025B1}"/>
+                <a16:creationId xmlns="" xmlns:a16="http://schemas.microsoft.com/office/drawing/2014/main" id="{3A927BE5-2F4C-4EBD-9093-C4ED6E3025B1}"/>
               </a:ext>
             </a:extLst>
           </p:cNvPr>
@@ -14939,7 +14939,7 @@
           <p:cNvPr id="11" name="Номер слайда 8">
             <a:extLst>
               <a:ext uri="{FF2B5EF4-FFF2-40B4-BE49-F238E27FC236}">
-                <a16:creationId xmlns:a16="http://schemas.microsoft.com/office/drawing/2014/main" xmlns="" id="{C4C1336B-CF5E-42FF-80E8-7D33A2D64E17}"/>
+                <a16:creationId xmlns="" xmlns:a16="http://schemas.microsoft.com/office/drawing/2014/main" id="{C4C1336B-CF5E-42FF-80E8-7D33A2D64E17}"/>
               </a:ext>
             </a:extLst>
           </p:cNvPr>
@@ -15017,7 +15017,7 @@
           <p:cNvPr id="2" name="Заголовок 1">
             <a:extLst>
               <a:ext uri="{FF2B5EF4-FFF2-40B4-BE49-F238E27FC236}">
-                <a16:creationId xmlns:a16="http://schemas.microsoft.com/office/drawing/2014/main" xmlns="" id="{415B3628-62D7-4A6D-A79F-34DE91DBA31E}"/>
+                <a16:creationId xmlns="" xmlns:a16="http://schemas.microsoft.com/office/drawing/2014/main" id="{415B3628-62D7-4A6D-A79F-34DE91DBA31E}"/>
               </a:ext>
             </a:extLst>
           </p:cNvPr>
@@ -15064,7 +15064,7 @@
           <p:cNvPr id="5" name="Графический объект 4">
             <a:extLst>
               <a:ext uri="{FF2B5EF4-FFF2-40B4-BE49-F238E27FC236}">
-                <a16:creationId xmlns:a16="http://schemas.microsoft.com/office/drawing/2014/main" xmlns="" id="{F05D2CCB-CCFC-4A8A-ADA9-C1E4D13B9681}"/>
+                <a16:creationId xmlns="" xmlns:a16="http://schemas.microsoft.com/office/drawing/2014/main" id="{F05D2CCB-CCFC-4A8A-ADA9-C1E4D13B9681}"/>
               </a:ext>
             </a:extLst>
           </p:cNvPr>
@@ -15077,7 +15077,7 @@
           <a:blip r:embed="rId2">
             <a:extLst>
               <a:ext uri="{96DAC541-7B7A-43D3-8B79-37D633B846F1}">
-                <asvg:svgBlip xmlns:asvg="http://schemas.microsoft.com/office/drawing/2016/SVG/main" xmlns="" r:embed="rId3"/>
+                <asvg:svgBlip xmlns="" xmlns:asvg="http://schemas.microsoft.com/office/drawing/2016/SVG/main" r:embed="rId3"/>
               </a:ext>
             </a:extLst>
           </a:blip>
@@ -15130,7 +15130,7 @@
           <p:cNvPr id="7" name="Графический объект 6">
             <a:extLst>
               <a:ext uri="{FF2B5EF4-FFF2-40B4-BE49-F238E27FC236}">
-                <a16:creationId xmlns:a16="http://schemas.microsoft.com/office/drawing/2014/main" xmlns="" id="{AEE644D4-F9A4-4237-BD5C-4B97ABA9337E}"/>
+                <a16:creationId xmlns="" xmlns:a16="http://schemas.microsoft.com/office/drawing/2014/main" id="{AEE644D4-F9A4-4237-BD5C-4B97ABA9337E}"/>
               </a:ext>
             </a:extLst>
           </p:cNvPr>
@@ -15143,7 +15143,7 @@
           <a:blip r:embed="rId2">
             <a:extLst>
               <a:ext uri="{96DAC541-7B7A-43D3-8B79-37D633B846F1}">
-                <asvg:svgBlip xmlns:asvg="http://schemas.microsoft.com/office/drawing/2016/SVG/main" xmlns="" r:embed="rId3"/>
+                <asvg:svgBlip xmlns="" xmlns:asvg="http://schemas.microsoft.com/office/drawing/2016/SVG/main" r:embed="rId3"/>
               </a:ext>
             </a:extLst>
           </a:blip>
@@ -15166,7 +15166,7 @@
           <p:cNvPr id="2" name="Заголовок 1">
             <a:extLst>
               <a:ext uri="{FF2B5EF4-FFF2-40B4-BE49-F238E27FC236}">
-                <a16:creationId xmlns:a16="http://schemas.microsoft.com/office/drawing/2014/main" xmlns="" id="{C2FF67A8-55FA-435D-A18C-96D63D22B53E}"/>
+                <a16:creationId xmlns="" xmlns:a16="http://schemas.microsoft.com/office/drawing/2014/main" id="{C2FF67A8-55FA-435D-A18C-96D63D22B53E}"/>
               </a:ext>
             </a:extLst>
           </p:cNvPr>
@@ -15216,7 +15216,7 @@
           <p:cNvPr id="9" name="Прямая соединительная линия 8">
             <a:extLst>
               <a:ext uri="{FF2B5EF4-FFF2-40B4-BE49-F238E27FC236}">
-                <a16:creationId xmlns:a16="http://schemas.microsoft.com/office/drawing/2014/main" xmlns="" id="{BDAC7E4E-FE06-4E90-8107-6B543E5515ED}"/>
+                <a16:creationId xmlns="" xmlns:a16="http://schemas.microsoft.com/office/drawing/2014/main" id="{BDAC7E4E-FE06-4E90-8107-6B543E5515ED}"/>
               </a:ext>
             </a:extLst>
           </p:cNvPr>
@@ -15259,7 +15259,7 @@
           <p:cNvPr id="11" name="Текст 15">
             <a:extLst>
               <a:ext uri="{FF2B5EF4-FFF2-40B4-BE49-F238E27FC236}">
-                <a16:creationId xmlns:a16="http://schemas.microsoft.com/office/drawing/2014/main" xmlns="" id="{3864668D-D640-4ABF-BB9A-D60176660F07}"/>
+                <a16:creationId xmlns="" xmlns:a16="http://schemas.microsoft.com/office/drawing/2014/main" id="{3864668D-D640-4ABF-BB9A-D60176660F07}"/>
               </a:ext>
             </a:extLst>
           </p:cNvPr>
@@ -15310,7 +15310,7 @@
           <p:cNvPr id="12" name="Текст 18">
             <a:extLst>
               <a:ext uri="{FF2B5EF4-FFF2-40B4-BE49-F238E27FC236}">
-                <a16:creationId xmlns:a16="http://schemas.microsoft.com/office/drawing/2014/main" xmlns="" id="{2E289D5A-B06B-43D4-A3CA-3B06C4D49FDD}"/>
+                <a16:creationId xmlns="" xmlns:a16="http://schemas.microsoft.com/office/drawing/2014/main" id="{2E289D5A-B06B-43D4-A3CA-3B06C4D49FDD}"/>
               </a:ext>
             </a:extLst>
           </p:cNvPr>
@@ -15362,7 +15362,7 @@
           <p:cNvPr id="13" name="Текст 15">
             <a:extLst>
               <a:ext uri="{FF2B5EF4-FFF2-40B4-BE49-F238E27FC236}">
-                <a16:creationId xmlns:a16="http://schemas.microsoft.com/office/drawing/2014/main" xmlns="" id="{1DCC2995-DE17-436D-82AE-6E107865CB79}"/>
+                <a16:creationId xmlns="" xmlns:a16="http://schemas.microsoft.com/office/drawing/2014/main" id="{1DCC2995-DE17-436D-82AE-6E107865CB79}"/>
               </a:ext>
             </a:extLst>
           </p:cNvPr>
@@ -15413,7 +15413,7 @@
           <p:cNvPr id="14" name="Текст 18">
             <a:extLst>
               <a:ext uri="{FF2B5EF4-FFF2-40B4-BE49-F238E27FC236}">
-                <a16:creationId xmlns:a16="http://schemas.microsoft.com/office/drawing/2014/main" xmlns="" id="{C7E70A65-1FB1-4F42-854B-8213ED73F792}"/>
+                <a16:creationId xmlns="" xmlns:a16="http://schemas.microsoft.com/office/drawing/2014/main" id="{C7E70A65-1FB1-4F42-854B-8213ED73F792}"/>
               </a:ext>
             </a:extLst>
           </p:cNvPr>
@@ -15465,7 +15465,7 @@
           <p:cNvPr id="15" name="Текст 15">
             <a:extLst>
               <a:ext uri="{FF2B5EF4-FFF2-40B4-BE49-F238E27FC236}">
-                <a16:creationId xmlns:a16="http://schemas.microsoft.com/office/drawing/2014/main" xmlns="" id="{45657994-DC61-4DEB-BB2B-65DFCA997AF1}"/>
+                <a16:creationId xmlns="" xmlns:a16="http://schemas.microsoft.com/office/drawing/2014/main" id="{45657994-DC61-4DEB-BB2B-65DFCA997AF1}"/>
               </a:ext>
             </a:extLst>
           </p:cNvPr>
@@ -15516,7 +15516,7 @@
           <p:cNvPr id="16" name="Текст 18">
             <a:extLst>
               <a:ext uri="{FF2B5EF4-FFF2-40B4-BE49-F238E27FC236}">
-                <a16:creationId xmlns:a16="http://schemas.microsoft.com/office/drawing/2014/main" xmlns="" id="{18397EE2-60CD-47FD-AF8F-83A5324D9D18}"/>
+                <a16:creationId xmlns="" xmlns:a16="http://schemas.microsoft.com/office/drawing/2014/main" id="{18397EE2-60CD-47FD-AF8F-83A5324D9D18}"/>
               </a:ext>
             </a:extLst>
           </p:cNvPr>
@@ -15568,7 +15568,7 @@
           <p:cNvPr id="17" name="Дата 2">
             <a:extLst>
               <a:ext uri="{FF2B5EF4-FFF2-40B4-BE49-F238E27FC236}">
-                <a16:creationId xmlns:a16="http://schemas.microsoft.com/office/drawing/2014/main" xmlns="" id="{1E25EFF1-65C7-4F93-8740-46885C6BEA57}"/>
+                <a16:creationId xmlns="" xmlns:a16="http://schemas.microsoft.com/office/drawing/2014/main" id="{1E25EFF1-65C7-4F93-8740-46885C6BEA57}"/>
               </a:ext>
             </a:extLst>
           </p:cNvPr>
@@ -15606,7 +15606,7 @@
           <p:cNvPr id="18" name="Нижний колонтитул 3">
             <a:extLst>
               <a:ext uri="{FF2B5EF4-FFF2-40B4-BE49-F238E27FC236}">
-                <a16:creationId xmlns:a16="http://schemas.microsoft.com/office/drawing/2014/main" xmlns="" id="{C16D80BF-B599-4FC0-ABD5-98777872FE5F}"/>
+                <a16:creationId xmlns="" xmlns:a16="http://schemas.microsoft.com/office/drawing/2014/main" id="{C16D80BF-B599-4FC0-ABD5-98777872FE5F}"/>
               </a:ext>
             </a:extLst>
           </p:cNvPr>
@@ -15644,7 +15644,7 @@
           <p:cNvPr id="19" name="Номер слайда 4">
             <a:extLst>
               <a:ext uri="{FF2B5EF4-FFF2-40B4-BE49-F238E27FC236}">
-                <a16:creationId xmlns:a16="http://schemas.microsoft.com/office/drawing/2014/main" xmlns="" id="{F64421B1-FF90-4939-90BD-8206DE5036D0}"/>
+                <a16:creationId xmlns="" xmlns:a16="http://schemas.microsoft.com/office/drawing/2014/main" id="{F64421B1-FF90-4939-90BD-8206DE5036D0}"/>
               </a:ext>
             </a:extLst>
           </p:cNvPr>
@@ -15719,7 +15719,7 @@
           <p:cNvPr id="2" name="Заголовок 1">
             <a:extLst>
               <a:ext uri="{FF2B5EF4-FFF2-40B4-BE49-F238E27FC236}">
-                <a16:creationId xmlns:a16="http://schemas.microsoft.com/office/drawing/2014/main" xmlns="" id="{81CF3B5C-31C4-46BA-9FAD-72DF917A84DA}"/>
+                <a16:creationId xmlns="" xmlns:a16="http://schemas.microsoft.com/office/drawing/2014/main" id="{81CF3B5C-31C4-46BA-9FAD-72DF917A84DA}"/>
               </a:ext>
             </a:extLst>
           </p:cNvPr>
@@ -15769,7 +15769,7 @@
           <p:cNvPr id="3" name="Текст 2">
             <a:extLst>
               <a:ext uri="{FF2B5EF4-FFF2-40B4-BE49-F238E27FC236}">
-                <a16:creationId xmlns:a16="http://schemas.microsoft.com/office/drawing/2014/main" xmlns="" id="{B659CD1F-9DFB-4048-9B9B-2BD7D4EC6400}"/>
+                <a16:creationId xmlns="" xmlns:a16="http://schemas.microsoft.com/office/drawing/2014/main" id="{B659CD1F-9DFB-4048-9B9B-2BD7D4EC6400}"/>
               </a:ext>
             </a:extLst>
           </p:cNvPr>
@@ -15852,7 +15852,7 @@
           <p:cNvPr id="4" name="Объект 3">
             <a:extLst>
               <a:ext uri="{FF2B5EF4-FFF2-40B4-BE49-F238E27FC236}">
-                <a16:creationId xmlns:a16="http://schemas.microsoft.com/office/drawing/2014/main" xmlns="" id="{AC9B20CF-6B91-4562-B799-0ABDAEBC0D2A}"/>
+                <a16:creationId xmlns="" xmlns:a16="http://schemas.microsoft.com/office/drawing/2014/main" id="{AC9B20CF-6B91-4562-B799-0ABDAEBC0D2A}"/>
               </a:ext>
             </a:extLst>
           </p:cNvPr>
@@ -15987,7 +15987,7 @@
           <p:cNvPr id="5" name="Текст 4">
             <a:extLst>
               <a:ext uri="{FF2B5EF4-FFF2-40B4-BE49-F238E27FC236}">
-                <a16:creationId xmlns:a16="http://schemas.microsoft.com/office/drawing/2014/main" xmlns="" id="{B374FC39-67F6-42EA-BCD1-F69AE2F0F22D}"/>
+                <a16:creationId xmlns="" xmlns:a16="http://schemas.microsoft.com/office/drawing/2014/main" id="{B374FC39-67F6-42EA-BCD1-F69AE2F0F22D}"/>
               </a:ext>
             </a:extLst>
           </p:cNvPr>
@@ -16079,7 +16079,7 @@
           <p:cNvPr id="6" name="Объект 5">
             <a:extLst>
               <a:ext uri="{FF2B5EF4-FFF2-40B4-BE49-F238E27FC236}">
-                <a16:creationId xmlns:a16="http://schemas.microsoft.com/office/drawing/2014/main" xmlns="" id="{B36EE64B-44BF-4634-97BC-5ED74C6DF280}"/>
+                <a16:creationId xmlns="" xmlns:a16="http://schemas.microsoft.com/office/drawing/2014/main" id="{B36EE64B-44BF-4634-97BC-5ED74C6DF280}"/>
               </a:ext>
             </a:extLst>
           </p:cNvPr>
@@ -16214,7 +16214,7 @@
           <p:cNvPr id="21" name="Текст 2">
             <a:extLst>
               <a:ext uri="{FF2B5EF4-FFF2-40B4-BE49-F238E27FC236}">
-                <a16:creationId xmlns:a16="http://schemas.microsoft.com/office/drawing/2014/main" xmlns="" id="{1F60A771-8BBC-4565-AB09-402DA7CB2780}"/>
+                <a16:creationId xmlns="" xmlns:a16="http://schemas.microsoft.com/office/drawing/2014/main" id="{1F60A771-8BBC-4565-AB09-402DA7CB2780}"/>
               </a:ext>
             </a:extLst>
           </p:cNvPr>
@@ -16297,7 +16297,7 @@
           <p:cNvPr id="22" name="Объект 3">
             <a:extLst>
               <a:ext uri="{FF2B5EF4-FFF2-40B4-BE49-F238E27FC236}">
-                <a16:creationId xmlns:a16="http://schemas.microsoft.com/office/drawing/2014/main" xmlns="" id="{C464A9BD-B815-4632-8F54-6EB70E48BAFF}"/>
+                <a16:creationId xmlns="" xmlns:a16="http://schemas.microsoft.com/office/drawing/2014/main" id="{C464A9BD-B815-4632-8F54-6EB70E48BAFF}"/>
               </a:ext>
             </a:extLst>
           </p:cNvPr>
@@ -16432,7 +16432,7 @@
           <p:cNvPr id="7" name="Дата 6">
             <a:extLst>
               <a:ext uri="{FF2B5EF4-FFF2-40B4-BE49-F238E27FC236}">
-                <a16:creationId xmlns:a16="http://schemas.microsoft.com/office/drawing/2014/main" xmlns="" id="{F255C16C-AA88-4BBF-8040-11ECFED618E0}"/>
+                <a16:creationId xmlns="" xmlns:a16="http://schemas.microsoft.com/office/drawing/2014/main" id="{F255C16C-AA88-4BBF-8040-11ECFED618E0}"/>
               </a:ext>
             </a:extLst>
           </p:cNvPr>
@@ -16465,7 +16465,7 @@
           <p:cNvPr id="8" name="Нижний колонтитул 7">
             <a:extLst>
               <a:ext uri="{FF2B5EF4-FFF2-40B4-BE49-F238E27FC236}">
-                <a16:creationId xmlns:a16="http://schemas.microsoft.com/office/drawing/2014/main" xmlns="" id="{CBE560E3-F935-488F-8F0E-191D7B6B54B8}"/>
+                <a16:creationId xmlns="" xmlns:a16="http://schemas.microsoft.com/office/drawing/2014/main" id="{CBE560E3-F935-488F-8F0E-191D7B6B54B8}"/>
               </a:ext>
             </a:extLst>
           </p:cNvPr>
@@ -16498,7 +16498,7 @@
           <p:cNvPr id="9" name="Номер слайда 8">
             <a:extLst>
               <a:ext uri="{FF2B5EF4-FFF2-40B4-BE49-F238E27FC236}">
-                <a16:creationId xmlns:a16="http://schemas.microsoft.com/office/drawing/2014/main" xmlns="" id="{9B9CD8B2-CC23-467F-B0EE-2CC06D6308BD}"/>
+                <a16:creationId xmlns="" xmlns:a16="http://schemas.microsoft.com/office/drawing/2014/main" id="{9B9CD8B2-CC23-467F-B0EE-2CC06D6308BD}"/>
               </a:ext>
             </a:extLst>
           </p:cNvPr>
@@ -16533,10 +16533,10 @@
           <p:cNvPr id="16" name="Прямая соединительная линия 15">
             <a:extLst>
               <a:ext uri="{FF2B5EF4-FFF2-40B4-BE49-F238E27FC236}">
-                <a16:creationId xmlns:a16="http://schemas.microsoft.com/office/drawing/2014/main" xmlns="" id="{463D7850-C2A6-43CE-BBE4-8E81A0A593BF}"/>
+                <a16:creationId xmlns="" xmlns:a16="http://schemas.microsoft.com/office/drawing/2014/main" id="{463D7850-C2A6-43CE-BBE4-8E81A0A593BF}"/>
               </a:ext>
               <a:ext uri="{C183D7F6-B498-43B3-948B-1728B52AA6E4}">
-                <adec:decorative xmlns:adec="http://schemas.microsoft.com/office/drawing/2017/decorative" xmlns="" val="1"/>
+                <adec:decorative xmlns="" xmlns:adec="http://schemas.microsoft.com/office/drawing/2017/decorative" val="1"/>
               </a:ext>
             </a:extLst>
           </p:cNvPr>
@@ -16581,10 +16581,10 @@
           <p:cNvPr id="20" name="Прямая соединительная линия 19">
             <a:extLst>
               <a:ext uri="{FF2B5EF4-FFF2-40B4-BE49-F238E27FC236}">
-                <a16:creationId xmlns:a16="http://schemas.microsoft.com/office/drawing/2014/main" xmlns="" id="{EBAD3E03-2E3B-440C-9105-6F9D33006D66}"/>
+                <a16:creationId xmlns="" xmlns:a16="http://schemas.microsoft.com/office/drawing/2014/main" id="{EBAD3E03-2E3B-440C-9105-6F9D33006D66}"/>
               </a:ext>
               <a:ext uri="{C183D7F6-B498-43B3-948B-1728B52AA6E4}">
-                <adec:decorative xmlns:adec="http://schemas.microsoft.com/office/drawing/2017/decorative" xmlns="" val="1"/>
+                <adec:decorative xmlns="" xmlns:adec="http://schemas.microsoft.com/office/drawing/2017/decorative" val="1"/>
               </a:ext>
             </a:extLst>
           </p:cNvPr>
@@ -16664,7 +16664,7 @@
           <p:cNvPr id="2" name="Заголовок 1">
             <a:extLst>
               <a:ext uri="{FF2B5EF4-FFF2-40B4-BE49-F238E27FC236}">
-                <a16:creationId xmlns:a16="http://schemas.microsoft.com/office/drawing/2014/main" xmlns="" id="{8F4C17E5-24ED-44BC-BA50-02EF903552E1}"/>
+                <a16:creationId xmlns="" xmlns:a16="http://schemas.microsoft.com/office/drawing/2014/main" id="{8F4C17E5-24ED-44BC-BA50-02EF903552E1}"/>
               </a:ext>
             </a:extLst>
           </p:cNvPr>
@@ -16703,7 +16703,7 @@
           <p:cNvPr id="3" name="Текст 2">
             <a:extLst>
               <a:ext uri="{FF2B5EF4-FFF2-40B4-BE49-F238E27FC236}">
-                <a16:creationId xmlns:a16="http://schemas.microsoft.com/office/drawing/2014/main" xmlns="" id="{4833D101-3AF0-4F06-90ED-B83615C36CE9}"/>
+                <a16:creationId xmlns="" xmlns:a16="http://schemas.microsoft.com/office/drawing/2014/main" id="{4833D101-3AF0-4F06-90ED-B83615C36CE9}"/>
               </a:ext>
             </a:extLst>
           </p:cNvPr>
@@ -16770,7 +16770,7 @@
           <p:cNvPr id="4" name="Дата 3">
             <a:extLst>
               <a:ext uri="{FF2B5EF4-FFF2-40B4-BE49-F238E27FC236}">
-                <a16:creationId xmlns:a16="http://schemas.microsoft.com/office/drawing/2014/main" xmlns="" id="{C2AE9FDE-AF95-49F8-A927-35A23C9E6532}"/>
+                <a16:creationId xmlns="" xmlns:a16="http://schemas.microsoft.com/office/drawing/2014/main" id="{C2AE9FDE-AF95-49F8-A927-35A23C9E6532}"/>
               </a:ext>
             </a:extLst>
           </p:cNvPr>
@@ -16822,7 +16822,7 @@
           <p:cNvPr id="5" name="Нижний колонтитул 4">
             <a:extLst>
               <a:ext uri="{FF2B5EF4-FFF2-40B4-BE49-F238E27FC236}">
-                <a16:creationId xmlns:a16="http://schemas.microsoft.com/office/drawing/2014/main" xmlns="" id="{CC2E900D-8FF9-4E80-860D-89C2D3B4E4E1}"/>
+                <a16:creationId xmlns="" xmlns:a16="http://schemas.microsoft.com/office/drawing/2014/main" id="{CC2E900D-8FF9-4E80-860D-89C2D3B4E4E1}"/>
               </a:ext>
             </a:extLst>
           </p:cNvPr>
@@ -16874,7 +16874,7 @@
           <p:cNvPr id="6" name="Номер слайда 5">
             <a:extLst>
               <a:ext uri="{FF2B5EF4-FFF2-40B4-BE49-F238E27FC236}">
-                <a16:creationId xmlns:a16="http://schemas.microsoft.com/office/drawing/2014/main" xmlns="" id="{F1A66A0C-1415-46A3-A1FF-BE18C70873E3}"/>
+                <a16:creationId xmlns="" xmlns:a16="http://schemas.microsoft.com/office/drawing/2014/main" id="{F1A66A0C-1415-46A3-A1FF-BE18C70873E3}"/>
               </a:ext>
             </a:extLst>
           </p:cNvPr>
@@ -17275,7 +17275,7 @@
           <p:cNvPr id="3" name="Подзаголовок 2">
             <a:extLst>
               <a:ext uri="{FF2B5EF4-FFF2-40B4-BE49-F238E27FC236}">
-                <a16:creationId xmlns:a16="http://schemas.microsoft.com/office/drawing/2014/main" xmlns="" id="{1901B20D-4C28-4DA3-ABBD-718C22A5E58B}"/>
+                <a16:creationId xmlns="" xmlns:a16="http://schemas.microsoft.com/office/drawing/2014/main" id="{1901B20D-4C28-4DA3-ABBD-718C22A5E58B}"/>
               </a:ext>
             </a:extLst>
           </p:cNvPr>
@@ -17300,7 +17300,7 @@
           <a:p>
             <a:pPr rtl="0"/>
             <a:r>
-              <a:rPr lang="ru-RU" sz="1800" dirty="0" smtClean="0">
+              <a:rPr lang="ru-RU" sz="2000" dirty="0" smtClean="0">
                 <a:latin typeface="Times New Roman" panose="02020603050405020304" pitchFamily="18" charset="0"/>
                 <a:cs typeface="Times New Roman" panose="02020603050405020304" pitchFamily="18" charset="0"/>
               </a:rPr>
@@ -17309,32 +17309,32 @@
           </a:p>
           <a:p>
             <a:r>
-              <a:rPr lang="ru-RU" sz="1800" dirty="0">
+              <a:rPr lang="ru-RU" sz="2000" dirty="0">
                 <a:latin typeface="Times New Roman" panose="02020603050405020304" pitchFamily="18" charset="0"/>
                 <a:cs typeface="Times New Roman" panose="02020603050405020304" pitchFamily="18" charset="0"/>
               </a:rPr>
               <a:t>Руководитель: Савичев А</a:t>
             </a:r>
             <a:r>
-              <a:rPr lang="ru-RU" sz="1800" dirty="0" smtClean="0">
+              <a:rPr lang="ru-RU" sz="2000" dirty="0" smtClean="0">
                 <a:latin typeface="Times New Roman" panose="02020603050405020304" pitchFamily="18" charset="0"/>
                 <a:cs typeface="Times New Roman" panose="02020603050405020304" pitchFamily="18" charset="0"/>
               </a:rPr>
               <a:t>. В.</a:t>
             </a:r>
-            <a:endParaRPr lang="ru-RU" sz="1800" dirty="0">
+            <a:endParaRPr lang="ru-RU" sz="2000" dirty="0">
               <a:latin typeface="Times New Roman" panose="02020603050405020304" pitchFamily="18" charset="0"/>
               <a:cs typeface="Times New Roman" panose="02020603050405020304" pitchFamily="18" charset="0"/>
             </a:endParaRPr>
           </a:p>
         </p:txBody>
       </p:sp>
-      <p:sp>
+      <p:sp useBgFill="1">
         <p:nvSpPr>
           <p:cNvPr id="4" name="Title 2">
             <a:extLst>
               <a:ext uri="{FF2B5EF4-FFF2-40B4-BE49-F238E27FC236}">
-                <a16:creationId xmlns="" xmlns:a16="http://schemas.microsoft.com/office/drawing/2014/main" id="{B45A4A65-E8B8-40CF-7ABD-97EA8FA97521}"/>
+                <a16:creationId xmlns:a16="http://schemas.microsoft.com/office/drawing/2014/main" xmlns="" id="{B45A4A65-E8B8-40CF-7ABD-97EA8FA97521}"/>
               </a:ext>
             </a:extLst>
           </p:cNvPr>
@@ -17351,7 +17351,6 @@
           <a:prstGeom prst="rect">
             <a:avLst/>
           </a:prstGeom>
-          <a:noFill/>
           <a:effectLst>
             <a:softEdge rad="114300"/>
           </a:effectLst>
@@ -17526,8 +17525,8 @@
         </p:nvSpPr>
         <p:spPr>
           <a:xfrm>
-            <a:off x="2356662" y="2319657"/>
-            <a:ext cx="7515307" cy="2246769"/>
+            <a:off x="638176" y="2319657"/>
+            <a:ext cx="11010900" cy="1815882"/>
           </a:xfrm>
           <a:prstGeom prst="rect">
             <a:avLst/>
@@ -17632,6 +17631,13 @@
   <p:clrMapOvr>
     <a:masterClrMapping/>
   </p:clrMapOvr>
+  <p:timing>
+    <p:tnLst>
+      <p:par>
+        <p:cTn id="1" dur="indefinite" restart="never" nodeType="tmRoot"/>
+      </p:par>
+    </p:tnLst>
+  </p:timing>
 </p:sld>
 </file>
 
@@ -17657,7 +17663,7 @@
           <p:cNvPr id="4" name="Заголовок 3">
             <a:extLst>
               <a:ext uri="{FF2B5EF4-FFF2-40B4-BE49-F238E27FC236}">
-                <a16:creationId xmlns:a16="http://schemas.microsoft.com/office/drawing/2014/main" xmlns="" id="{FAD2AE59-5630-4D5C-83A9-4CDEF4D7DCFB}"/>
+                <a16:creationId xmlns="" xmlns:a16="http://schemas.microsoft.com/office/drawing/2014/main" id="{FAD2AE59-5630-4D5C-83A9-4CDEF4D7DCFB}"/>
               </a:ext>
             </a:extLst>
           </p:cNvPr>
@@ -17706,7 +17712,7 @@
           <p:cNvPr id="14" name="Номер слайда 13">
             <a:extLst>
               <a:ext uri="{FF2B5EF4-FFF2-40B4-BE49-F238E27FC236}">
-                <a16:creationId xmlns:a16="http://schemas.microsoft.com/office/drawing/2014/main" xmlns="" id="{42152A75-1CD2-44EC-9374-C83D4604A5DD}"/>
+                <a16:creationId xmlns="" xmlns:a16="http://schemas.microsoft.com/office/drawing/2014/main" id="{42152A75-1CD2-44EC-9374-C83D4604A5DD}"/>
               </a:ext>
             </a:extLst>
           </p:cNvPr>
@@ -17878,6 +17884,13 @@
   <p:clrMapOvr>
     <a:masterClrMapping/>
   </p:clrMapOvr>
+  <p:timing>
+    <p:tnLst>
+      <p:par>
+        <p:cTn id="1" dur="indefinite" restart="never" nodeType="tmRoot"/>
+      </p:par>
+    </p:tnLst>
+  </p:timing>
 </p:sld>
 </file>
 
@@ -17903,7 +17916,7 @@
           <p:cNvPr id="4" name="Заголовок 3">
             <a:extLst>
               <a:ext uri="{FF2B5EF4-FFF2-40B4-BE49-F238E27FC236}">
-                <a16:creationId xmlns:a16="http://schemas.microsoft.com/office/drawing/2014/main" xmlns="" id="{FAD2AE59-5630-4D5C-83A9-4CDEF4D7DCFB}"/>
+                <a16:creationId xmlns="" xmlns:a16="http://schemas.microsoft.com/office/drawing/2014/main" id="{FAD2AE59-5630-4D5C-83A9-4CDEF4D7DCFB}"/>
               </a:ext>
             </a:extLst>
           </p:cNvPr>
@@ -17952,7 +17965,7 @@
           <p:cNvPr id="14" name="Номер слайда 13">
             <a:extLst>
               <a:ext uri="{FF2B5EF4-FFF2-40B4-BE49-F238E27FC236}">
-                <a16:creationId xmlns:a16="http://schemas.microsoft.com/office/drawing/2014/main" xmlns="" id="{42152A75-1CD2-44EC-9374-C83D4604A5DD}"/>
+                <a16:creationId xmlns="" xmlns:a16="http://schemas.microsoft.com/office/drawing/2014/main" id="{42152A75-1CD2-44EC-9374-C83D4604A5DD}"/>
               </a:ext>
             </a:extLst>
           </p:cNvPr>
@@ -18018,7 +18031,7 @@
         </p:blipFill>
         <p:spPr bwMode="auto">
           <a:xfrm>
-            <a:off x="449941" y="986971"/>
+            <a:off x="497566" y="977446"/>
             <a:ext cx="11509829" cy="4491944"/>
           </a:xfrm>
           <a:prstGeom prst="rect">
@@ -18026,7 +18039,9 @@
           </a:prstGeom>
           <a:noFill/>
           <a:ln>
-            <a:noFill/>
+            <a:solidFill>
+              <a:schemeClr val="tx1"/>
+            </a:solidFill>
           </a:ln>
           <a:extLst>
             <a:ext uri="{909E8E84-426E-40DD-AFC4-6F175D3DCCD1}">
@@ -18035,16 +18050,6 @@
                   <a:schemeClr val="accent1"/>
                 </a:solidFill>
               </a14:hiddenFill>
-            </a:ext>
-            <a:ext uri="{91240B29-F687-4F45-9708-019B960494DF}">
-              <a14:hiddenLine xmlns:a14="http://schemas.microsoft.com/office/drawing/2010/main" w="9525">
-                <a:solidFill>
-                  <a:schemeClr val="tx1"/>
-                </a:solidFill>
-                <a:miter lim="800000"/>
-                <a:headEnd/>
-                <a:tailEnd/>
-              </a14:hiddenLine>
             </a:ext>
           </a:extLst>
         </p:spPr>
@@ -18059,6 +18064,13 @@
   <p:clrMapOvr>
     <a:masterClrMapping/>
   </p:clrMapOvr>
+  <p:timing>
+    <p:tnLst>
+      <p:par>
+        <p:cTn id="1" dur="indefinite" restart="never" nodeType="tmRoot"/>
+      </p:par>
+    </p:tnLst>
+  </p:timing>
 </p:sld>
 </file>
 
@@ -18133,7 +18145,7 @@
           <p:cNvPr id="4" name="Заголовок 3">
             <a:extLst>
               <a:ext uri="{FF2B5EF4-FFF2-40B4-BE49-F238E27FC236}">
-                <a16:creationId xmlns:a16="http://schemas.microsoft.com/office/drawing/2014/main" xmlns="" id="{FAD2AE59-5630-4D5C-83A9-4CDEF4D7DCFB}"/>
+                <a16:creationId xmlns="" xmlns:a16="http://schemas.microsoft.com/office/drawing/2014/main" id="{FAD2AE59-5630-4D5C-83A9-4CDEF4D7DCFB}"/>
               </a:ext>
             </a:extLst>
           </p:cNvPr>
@@ -18182,7 +18194,7 @@
           <p:cNvPr id="14" name="Номер слайда 13">
             <a:extLst>
               <a:ext uri="{FF2B5EF4-FFF2-40B4-BE49-F238E27FC236}">
-                <a16:creationId xmlns:a16="http://schemas.microsoft.com/office/drawing/2014/main" xmlns="" id="{42152A75-1CD2-44EC-9374-C83D4604A5DD}"/>
+                <a16:creationId xmlns="" xmlns:a16="http://schemas.microsoft.com/office/drawing/2014/main" id="{42152A75-1CD2-44EC-9374-C83D4604A5DD}"/>
               </a:ext>
             </a:extLst>
           </p:cNvPr>
@@ -18284,6 +18296,13 @@
   <p:clrMapOvr>
     <a:masterClrMapping/>
   </p:clrMapOvr>
+  <p:timing>
+    <p:tnLst>
+      <p:par>
+        <p:cTn id="1" dur="indefinite" restart="never" nodeType="tmRoot"/>
+      </p:par>
+    </p:tnLst>
+  </p:timing>
 </p:sld>
 </file>
 
@@ -18309,7 +18328,7 @@
           <p:cNvPr id="4" name="Заголовок 3">
             <a:extLst>
               <a:ext uri="{FF2B5EF4-FFF2-40B4-BE49-F238E27FC236}">
-                <a16:creationId xmlns:a16="http://schemas.microsoft.com/office/drawing/2014/main" xmlns="" id="{FAD2AE59-5630-4D5C-83A9-4CDEF4D7DCFB}"/>
+                <a16:creationId xmlns="" xmlns:a16="http://schemas.microsoft.com/office/drawing/2014/main" id="{FAD2AE59-5630-4D5C-83A9-4CDEF4D7DCFB}"/>
               </a:ext>
             </a:extLst>
           </p:cNvPr>
@@ -18358,7 +18377,7 @@
           <p:cNvPr id="14" name="Номер слайда 13">
             <a:extLst>
               <a:ext uri="{FF2B5EF4-FFF2-40B4-BE49-F238E27FC236}">
-                <a16:creationId xmlns:a16="http://schemas.microsoft.com/office/drawing/2014/main" xmlns="" id="{42152A75-1CD2-44EC-9374-C83D4604A5DD}"/>
+                <a16:creationId xmlns="" xmlns:a16="http://schemas.microsoft.com/office/drawing/2014/main" id="{42152A75-1CD2-44EC-9374-C83D4604A5DD}"/>
               </a:ext>
             </a:extLst>
           </p:cNvPr>
@@ -18403,31 +18422,34 @@
       </p:sp>
       <p:pic>
         <p:nvPicPr>
-          <p:cNvPr id="6" name="Рисунок 5"/>
-          <p:cNvPicPr/>
+          <p:cNvPr id="1026" name="Picture 2"/>
+          <p:cNvPicPr>
+            <a:picLocks noChangeAspect="1" noChangeArrowheads="1"/>
+          </p:cNvPicPr>
           <p:nvPr/>
         </p:nvPicPr>
-        <p:blipFill rotWithShape="1">
+        <p:blipFill>
           <a:blip r:embed="rId3"/>
-          <a:srcRect l="-1" r="840"/>
-          <a:stretch/>
+          <a:srcRect/>
+          <a:stretch>
+            <a:fillRect/>
+          </a:stretch>
         </p:blipFill>
         <p:spPr bwMode="auto">
           <a:xfrm>
-            <a:off x="485773" y="1076324"/>
-            <a:ext cx="11268075" cy="5238751"/>
+            <a:off x="638176" y="1452563"/>
+            <a:ext cx="10479736" cy="4048989"/>
           </a:xfrm>
           <a:prstGeom prst="rect">
             <a:avLst/>
           </a:prstGeom>
-          <a:ln>
+          <a:noFill/>
+          <a:ln w="9525">
             <a:noFill/>
+            <a:miter lim="800000"/>
+            <a:headEnd/>
+            <a:tailEnd/>
           </a:ln>
-          <a:extLst>
-            <a:ext uri="{53640926-AAD7-44D8-BBD7-CCE9431645EC}">
-              <a14:shadowObscured xmlns:a14="http://schemas.microsoft.com/office/drawing/2010/main"/>
-            </a:ext>
-          </a:extLst>
         </p:spPr>
       </p:pic>
     </p:spTree>
@@ -18440,6 +18462,13 @@
   <p:clrMapOvr>
     <a:masterClrMapping/>
   </p:clrMapOvr>
+  <p:timing>
+    <p:tnLst>
+      <p:par>
+        <p:cTn id="1" dur="indefinite" restart="never" nodeType="tmRoot"/>
+      </p:par>
+    </p:tnLst>
+  </p:timing>
 </p:sld>
 </file>
 
@@ -18465,7 +18494,7 @@
           <p:cNvPr id="4" name="Заголовок 3">
             <a:extLst>
               <a:ext uri="{FF2B5EF4-FFF2-40B4-BE49-F238E27FC236}">
-                <a16:creationId xmlns:a16="http://schemas.microsoft.com/office/drawing/2014/main" xmlns="" id="{FAD2AE59-5630-4D5C-83A9-4CDEF4D7DCFB}"/>
+                <a16:creationId xmlns="" xmlns:a16="http://schemas.microsoft.com/office/drawing/2014/main" id="{FAD2AE59-5630-4D5C-83A9-4CDEF4D7DCFB}"/>
               </a:ext>
             </a:extLst>
           </p:cNvPr>
@@ -18524,7 +18553,7 @@
           <p:cNvPr id="14" name="Номер слайда 13">
             <a:extLst>
               <a:ext uri="{FF2B5EF4-FFF2-40B4-BE49-F238E27FC236}">
-                <a16:creationId xmlns:a16="http://schemas.microsoft.com/office/drawing/2014/main" xmlns="" id="{42152A75-1CD2-44EC-9374-C83D4604A5DD}"/>
+                <a16:creationId xmlns="" xmlns:a16="http://schemas.microsoft.com/office/drawing/2014/main" id="{42152A75-1CD2-44EC-9374-C83D4604A5DD}"/>
               </a:ext>
             </a:extLst>
           </p:cNvPr>
@@ -18569,23 +18598,34 @@
       </p:sp>
       <p:pic>
         <p:nvPicPr>
-          <p:cNvPr id="5" name="Рисунок 4"/>
-          <p:cNvPicPr/>
+          <p:cNvPr id="2050" name="Picture 2"/>
+          <p:cNvPicPr>
+            <a:picLocks noChangeAspect="1" noChangeArrowheads="1"/>
+          </p:cNvPicPr>
           <p:nvPr/>
         </p:nvPicPr>
-        <p:blipFill rotWithShape="1">
+        <p:blipFill>
           <a:blip r:embed="rId3"/>
-          <a:srcRect b="45010"/>
-          <a:stretch/>
+          <a:srcRect/>
+          <a:stretch>
+            <a:fillRect/>
+          </a:stretch>
         </p:blipFill>
-        <p:spPr>
-          <a:xfrm>
-            <a:off x="1211262" y="1137603"/>
-            <a:ext cx="9542463" cy="4758372"/>
+        <p:spPr bwMode="auto">
+          <a:xfrm>
+            <a:off x="609600" y="1021655"/>
+            <a:ext cx="10525124" cy="5399629"/>
           </a:xfrm>
           <a:prstGeom prst="rect">
             <a:avLst/>
           </a:prstGeom>
+          <a:noFill/>
+          <a:ln w="9525">
+            <a:noFill/>
+            <a:miter lim="800000"/>
+            <a:headEnd/>
+            <a:tailEnd/>
+          </a:ln>
         </p:spPr>
       </p:pic>
     </p:spTree>
@@ -18598,6 +18638,13 @@
   <p:clrMapOvr>
     <a:masterClrMapping/>
   </p:clrMapOvr>
+  <p:timing>
+    <p:tnLst>
+      <p:par>
+        <p:cTn id="1" dur="indefinite" restart="never" nodeType="tmRoot"/>
+      </p:par>
+    </p:tnLst>
+  </p:timing>
 </p:sld>
 </file>
 
@@ -18620,79 +18667,148 @@
       </p:grpSpPr>
       <p:sp>
         <p:nvSpPr>
-          <p:cNvPr id="2" name="Заголовок 1">
-            <a:extLst>
-              <a:ext uri="{FF2B5EF4-FFF2-40B4-BE49-F238E27FC236}">
-                <a16:creationId xmlns:a16="http://schemas.microsoft.com/office/drawing/2014/main" xmlns="" id="{6719F29B-F233-48AF-8261-F33A4E079E3E}"/>
+          <p:cNvPr id="22" name="Номер слайда 21">
+            <a:extLst>
+              <a:ext uri="{FF2B5EF4-FFF2-40B4-BE49-F238E27FC236}">
+                <a16:creationId xmlns="" xmlns:a16="http://schemas.microsoft.com/office/drawing/2014/main" id="{5D1BD041-3428-4D62-934F-F3FF6D36F90F}"/>
+              </a:ext>
+            </a:extLst>
+          </p:cNvPr>
+          <p:cNvSpPr>
+            <a:spLocks noGrp="1"/>
+          </p:cNvSpPr>
+          <p:nvPr>
+            <p:ph type="sldNum" sz="quarter" idx="22"/>
+          </p:nvPr>
+        </p:nvSpPr>
+        <p:spPr>
+          <a:xfrm>
+            <a:off x="10700656" y="6356350"/>
+            <a:ext cx="653143" cy="365125"/>
+          </a:xfrm>
+        </p:spPr>
+        <p:txBody>
+          <a:bodyPr rtlCol="0"/>
+          <a:lstStyle/>
+          <a:p>
+            <a:pPr rtl="0"/>
+            <a:fld id="{B5CEABB6-07DC-46E8-9B57-56EC44A396E5}" type="slidenum">
+              <a:rPr lang="ru-RU" smtClean="0"/>
+              <a:pPr rtl="0"/>
+              <a:t>2</a:t>
+            </a:fld>
+            <a:endParaRPr lang="ru-RU" dirty="0"/>
+          </a:p>
+        </p:txBody>
+      </p:sp>
+      <p:sp>
+        <p:nvSpPr>
+          <p:cNvPr id="6" name="Заголовок 1">
+            <a:extLst>
+              <a:ext uri="{FF2B5EF4-FFF2-40B4-BE49-F238E27FC236}">
+                <a16:creationId xmlns="" xmlns:a16="http://schemas.microsoft.com/office/drawing/2014/main" id="{6719F29B-F233-48AF-8261-F33A4E079E3E}"/>
               </a:ext>
               <a:ext uri="{C183D7F6-B498-43B3-948B-1728B52AA6E4}">
-                <adec:decorative xmlns:adec="http://schemas.microsoft.com/office/drawing/2017/decorative" xmlns="" val="0"/>
-              </a:ext>
-            </a:extLst>
-          </p:cNvPr>
-          <p:cNvSpPr>
-            <a:spLocks noGrp="1"/>
-          </p:cNvSpPr>
-          <p:nvPr>
-            <p:ph type="title"/>
-          </p:nvPr>
-        </p:nvSpPr>
-        <p:spPr>
-          <a:xfrm>
-            <a:off x="570020" y="150433"/>
-            <a:ext cx="5795269" cy="701823"/>
-          </a:xfrm>
-        </p:spPr>
-        <p:txBody>
-          <a:bodyPr rtlCol="0">
+                <adec:decorative xmlns="" xmlns:adec="http://schemas.microsoft.com/office/drawing/2017/decorative" val="0"/>
+              </a:ext>
+            </a:extLst>
+          </p:cNvPr>
+          <p:cNvSpPr txBox="1">
+            <a:spLocks/>
+          </p:cNvSpPr>
+          <p:nvPr/>
+        </p:nvSpPr>
+        <p:spPr>
+          <a:xfrm>
+            <a:off x="0" y="150433"/>
+            <a:ext cx="12192000" cy="701823"/>
+          </a:xfrm>
+          <a:prstGeom prst="rect">
+            <a:avLst/>
+          </a:prstGeom>
+        </p:spPr>
+        <p:txBody>
+          <a:bodyPr vert="horz" lIns="91440" tIns="45720" rIns="91440" bIns="45720" rtlCol="0" anchor="b">
             <a:noAutofit/>
           </a:bodyPr>
           <a:lstStyle/>
           <a:p>
-            <a:pPr marL="0" indent="0"/>
-            <a:r>
-              <a:rPr lang="ru-RU" sz="3600" b="1" dirty="0">
+            <a:pPr marL="0" marR="0" lvl="0" indent="0" algn="ctr" defTabSz="914400" rtl="0" eaLnBrk="1" fontAlgn="auto" latinLnBrk="0" hangingPunct="1">
+              <a:lnSpc>
+                <a:spcPct val="90000"/>
+              </a:lnSpc>
+              <a:spcBef>
+                <a:spcPct val="0"/>
+              </a:spcBef>
+              <a:spcAft>
+                <a:spcPts val="0"/>
+              </a:spcAft>
+              <a:buClrTx/>
+              <a:buSzTx/>
+              <a:buFontTx/>
+              <a:buNone/>
+              <a:tabLst/>
+              <a:defRPr/>
+            </a:pPr>
+            <a:r>
+              <a:rPr kumimoji="0" lang="ru-RU" sz="4000" b="0" i="0" u="none" strike="noStrike" kern="1200" cap="all" spc="150" normalizeH="0" baseline="0" noProof="0" dirty="0" smtClean="0">
+                <a:ln>
+                  <a:noFill/>
+                </a:ln>
                 <a:solidFill>
                   <a:schemeClr val="tx1"/>
                 </a:solidFill>
+                <a:effectLst/>
+                <a:uLnTx/>
+                <a:uFillTx/>
                 <a:latin typeface="Times New Roman"/>
                 <a:ea typeface="Times New Roman"/>
                 <a:cs typeface="Times New Roman"/>
               </a:rPr>
               <a:t>Цель разработки</a:t>
             </a:r>
-            <a:endParaRPr lang="ru-RU" sz="3600" dirty="0">
+            <a:endParaRPr kumimoji="0" lang="ru-RU" sz="4000" b="0" i="0" u="none" strike="noStrike" kern="1200" cap="all" spc="150" normalizeH="0" baseline="0" noProof="0" dirty="0">
+              <a:ln>
+                <a:noFill/>
+              </a:ln>
               <a:solidFill>
                 <a:schemeClr val="tx1"/>
               </a:solidFill>
+              <a:effectLst/>
+              <a:uLnTx/>
+              <a:uFillTx/>
+              <a:latin typeface="Arial" panose="020B0604020202020204" pitchFamily="34" charset="0"/>
+              <a:ea typeface="+mj-ea"/>
+              <a:cs typeface="+mj-cs"/>
             </a:endParaRPr>
           </a:p>
         </p:txBody>
       </p:sp>
       <p:sp>
         <p:nvSpPr>
-          <p:cNvPr id="3" name="Подзаголовок 2">
-            <a:extLst>
-              <a:ext uri="{FF2B5EF4-FFF2-40B4-BE49-F238E27FC236}">
-                <a16:creationId xmlns:a16="http://schemas.microsoft.com/office/drawing/2014/main" xmlns="" id="{35E3EA69-4E0E-41BD-8095-A124225A2647}"/>
+          <p:cNvPr id="7" name="Подзаголовок 2">
+            <a:extLst>
+              <a:ext uri="{FF2B5EF4-FFF2-40B4-BE49-F238E27FC236}">
+                <a16:creationId xmlns="" xmlns:a16="http://schemas.microsoft.com/office/drawing/2014/main" id="{35E3EA69-4E0E-41BD-8095-A124225A2647}"/>
               </a:ext>
               <a:ext uri="{C183D7F6-B498-43B3-948B-1728B52AA6E4}">
-                <adec:decorative xmlns:adec="http://schemas.microsoft.com/office/drawing/2017/decorative" xmlns="" val="0"/>
-              </a:ext>
-            </a:extLst>
-          </p:cNvPr>
-          <p:cNvSpPr>
-            <a:spLocks noGrp="1"/>
-          </p:cNvSpPr>
-          <p:nvPr>
-            <p:ph idx="1"/>
-          </p:nvPr>
-        </p:nvSpPr>
-        <p:spPr>
-          <a:xfrm>
-            <a:off x="496503" y="1007431"/>
-            <a:ext cx="5202314" cy="5713797"/>
-          </a:xfrm>
+                <adec:decorative xmlns="" xmlns:adec="http://schemas.microsoft.com/office/drawing/2017/decorative" val="0"/>
+              </a:ext>
+            </a:extLst>
+          </p:cNvPr>
+          <p:cNvSpPr txBox="1">
+            <a:spLocks/>
+          </p:cNvSpPr>
+          <p:nvPr/>
+        </p:nvSpPr>
+        <p:spPr>
+          <a:xfrm>
+            <a:off x="496502" y="1144204"/>
+            <a:ext cx="11162097" cy="3151572"/>
+          </a:xfrm>
+          <a:prstGeom prst="rect">
+            <a:avLst/>
+          </a:prstGeom>
         </p:spPr>
         <p:txBody>
           <a:bodyPr rtlCol="0">
@@ -18700,87 +18816,197 @@
           </a:bodyPr>
           <a:lstStyle/>
           <a:p>
-            <a:pPr indent="444500" algn="just">
+            <a:pPr marR="0" lvl="0" indent="444500" algn="just" defTabSz="914400" rtl="0" eaLnBrk="1" fontAlgn="auto" latinLnBrk="0" hangingPunct="1">
               <a:lnSpc>
                 <a:spcPct val="100000"/>
               </a:lnSpc>
+              <a:spcBef>
+                <a:spcPts val="1000"/>
+              </a:spcBef>
+              <a:spcAft>
+                <a:spcPts val="0"/>
+              </a:spcAft>
+              <a:buClrTx/>
+              <a:buSzTx/>
+              <a:tabLst/>
+              <a:defRPr/>
             </a:pPr>
             <a:r>
-              <a:rPr lang="ru-RU" sz="1800" dirty="0">
+              <a:rPr kumimoji="0" lang="ru-RU" sz="2000" b="0" i="0" u="none" strike="noStrike" kern="1200" cap="none" spc="0" normalizeH="0" baseline="0" noProof="0" dirty="0" smtClean="0">
+                <a:ln>
+                  <a:noFill/>
+                </a:ln>
                 <a:solidFill>
                   <a:schemeClr val="tx1"/>
                 </a:solidFill>
+                <a:effectLst/>
+                <a:uLnTx/>
+                <a:uFillTx/>
                 <a:latin typeface="Times New Roman" panose="02020603050405020304" pitchFamily="18" charset="0"/>
+                <a:ea typeface="+mn-ea"/>
                 <a:cs typeface="Times New Roman" panose="02020603050405020304" pitchFamily="18" charset="0"/>
               </a:rPr>
-              <a:t>Целью данной дипломной работы является разработка образовательного ресурса для изучения дисциплины «Архитектура компьютерных систем», обеспечивающего доступ к лекциям, практическим заданиям и автоматизированному тестированию.</a:t>
-            </a:r>
-          </a:p>
-          <a:p>
-            <a:pPr indent="444500" algn="just">
+              <a:t>Целью данной дипломной работы является разработка образовательного ресурса для изучения дисциплины «Архитектура компьютерных систем», обеспечивающего доступ к лекциям</a:t>
+            </a:r>
+            <a:r>
+              <a:rPr kumimoji="0" lang="ru-RU" sz="2000" b="0" i="0" u="none" strike="noStrike" kern="1200" cap="none" spc="0" normalizeH="0" noProof="0" dirty="0" smtClean="0">
+                <a:ln>
+                  <a:noFill/>
+                </a:ln>
+                <a:solidFill>
+                  <a:schemeClr val="tx1"/>
+                </a:solidFill>
+                <a:effectLst/>
+                <a:uLnTx/>
+                <a:uFillTx/>
+                <a:latin typeface="Times New Roman" panose="02020603050405020304" pitchFamily="18" charset="0"/>
+                <a:ea typeface="+mn-ea"/>
+                <a:cs typeface="Times New Roman" panose="02020603050405020304" pitchFamily="18" charset="0"/>
+              </a:rPr>
+              <a:t> </a:t>
+            </a:r>
+            <a:r>
+              <a:rPr kumimoji="0" lang="ru-RU" sz="2000" b="0" i="0" u="none" strike="noStrike" kern="1200" cap="none" spc="0" normalizeH="0" baseline="0" noProof="0" dirty="0" smtClean="0">
+                <a:ln>
+                  <a:noFill/>
+                </a:ln>
+                <a:solidFill>
+                  <a:schemeClr val="tx1"/>
+                </a:solidFill>
+                <a:effectLst/>
+                <a:uLnTx/>
+                <a:uFillTx/>
+                <a:latin typeface="Times New Roman" panose="02020603050405020304" pitchFamily="18" charset="0"/>
+                <a:ea typeface="+mn-ea"/>
+                <a:cs typeface="Times New Roman" panose="02020603050405020304" pitchFamily="18" charset="0"/>
+              </a:rPr>
+              <a:t>и автоматизированному тестированию.</a:t>
+            </a:r>
+          </a:p>
+          <a:p>
+            <a:pPr marL="228600" marR="0" lvl="0" indent="444500" algn="just" defTabSz="914400" rtl="0" eaLnBrk="1" fontAlgn="auto" latinLnBrk="0" hangingPunct="1">
               <a:lnSpc>
                 <a:spcPct val="100000"/>
               </a:lnSpc>
+              <a:spcBef>
+                <a:spcPts val="1000"/>
+              </a:spcBef>
+              <a:spcAft>
+                <a:spcPts val="0"/>
+              </a:spcAft>
+              <a:buClrTx/>
+              <a:buSzTx/>
+              <a:buFont typeface="Arial" panose="020B0604020202020204" pitchFamily="34" charset="0"/>
+              <a:buChar char="•"/>
+              <a:tabLst/>
+              <a:defRPr/>
             </a:pPr>
-            <a:r>
-              <a:rPr lang="ru-RU" sz="1800" dirty="0">
+            <a:endParaRPr lang="ru-RU" sz="2000" dirty="0" smtClean="0">
+              <a:latin typeface="Times New Roman" panose="02020603050405020304" pitchFamily="18" charset="0"/>
+              <a:cs typeface="Times New Roman" panose="02020603050405020304" pitchFamily="18" charset="0"/>
+            </a:endParaRPr>
+          </a:p>
+          <a:p>
+            <a:pPr marR="0" lvl="0" indent="444500" algn="just" defTabSz="914400" rtl="0" eaLnBrk="1" fontAlgn="auto" latinLnBrk="0" hangingPunct="1">
+              <a:lnSpc>
+                <a:spcPct val="100000"/>
+              </a:lnSpc>
+              <a:spcBef>
+                <a:spcPts val="1000"/>
+              </a:spcBef>
+              <a:spcAft>
+                <a:spcPts val="0"/>
+              </a:spcAft>
+              <a:buClrTx/>
+              <a:buSzTx/>
+              <a:tabLst/>
+              <a:defRPr/>
+            </a:pPr>
+            <a:r>
+              <a:rPr kumimoji="0" lang="ru-RU" sz="2000" b="0" i="0" u="none" strike="noStrike" kern="1200" cap="none" spc="0" normalizeH="0" baseline="0" noProof="0" dirty="0" smtClean="0">
+                <a:ln>
+                  <a:noFill/>
+                </a:ln>
                 <a:solidFill>
                   <a:schemeClr val="tx1"/>
                 </a:solidFill>
+                <a:effectLst/>
+                <a:uLnTx/>
+                <a:uFillTx/>
                 <a:latin typeface="Times New Roman" panose="02020603050405020304" pitchFamily="18" charset="0"/>
+                <a:ea typeface="+mn-ea"/>
                 <a:cs typeface="Times New Roman" panose="02020603050405020304" pitchFamily="18" charset="0"/>
               </a:rPr>
-              <a:t>В рамках работы поставлены следующие задачи: создать удобный пользовательский интерфейс для студентов и преподавателей; подготовить и интегрировать учебный контент, включающий лекции, практические материалы и тесты; реализовать систему автоматической проверки тестовых заданий с сохранением результатов; обеспечить функционал управления контентом для преподавателей.</a:t>
-            </a:r>
-          </a:p>
-        </p:txBody>
-      </p:sp>
-      <p:sp>
-        <p:nvSpPr>
-          <p:cNvPr id="4" name="Номер слайда 3">
-            <a:extLst>
-              <a:ext uri="{FF2B5EF4-FFF2-40B4-BE49-F238E27FC236}">
-                <a16:creationId xmlns:a16="http://schemas.microsoft.com/office/drawing/2014/main" xmlns="" id="{328F602C-7F98-4C02-99D4-ED65E00D66A4}"/>
-              </a:ext>
-            </a:extLst>
-          </p:cNvPr>
-          <p:cNvSpPr>
-            <a:spLocks noGrp="1"/>
-          </p:cNvSpPr>
-          <p:nvPr>
-            <p:ph type="sldNum" sz="quarter" idx="12"/>
-          </p:nvPr>
-        </p:nvSpPr>
-        <p:spPr>
-          <a:xfrm>
-            <a:off x="6196613" y="6356350"/>
-            <a:ext cx="327243" cy="365125"/>
-          </a:xfrm>
-        </p:spPr>
-        <p:txBody>
-          <a:bodyPr rtlCol="0"/>
-          <a:lstStyle/>
-          <a:p>
-            <a:pPr rtl="0"/>
-            <a:fld id="{19B51A1E-902D-48AF-9020-955120F399B6}" type="slidenum">
-              <a:rPr lang="ru-RU" smtClean="0"/>
-              <a:pPr rtl="0"/>
-              <a:t>2</a:t>
-            </a:fld>
-            <a:endParaRPr lang="ru-RU" dirty="0"/>
+              <a:t>В рамках работы поставлены следующие задачи: создать удобный пользовательский интерфейс для студентов и преподавателей; подготовить и интегрировать учебный контент, включающий лекции</a:t>
+            </a:r>
+            <a:r>
+              <a:rPr kumimoji="0" lang="ru-RU" sz="2000" b="0" i="0" u="none" strike="noStrike" kern="1200" cap="none" spc="0" normalizeH="0" noProof="0" dirty="0" smtClean="0">
+                <a:ln>
+                  <a:noFill/>
+                </a:ln>
+                <a:solidFill>
+                  <a:schemeClr val="tx1"/>
+                </a:solidFill>
+                <a:effectLst/>
+                <a:uLnTx/>
+                <a:uFillTx/>
+                <a:latin typeface="Times New Roman" panose="02020603050405020304" pitchFamily="18" charset="0"/>
+                <a:ea typeface="+mn-ea"/>
+                <a:cs typeface="Times New Roman" panose="02020603050405020304" pitchFamily="18" charset="0"/>
+              </a:rPr>
+              <a:t> </a:t>
+            </a:r>
+            <a:r>
+              <a:rPr kumimoji="0" lang="ru-RU" sz="2000" b="0" i="0" u="none" strike="noStrike" kern="1200" cap="none" spc="0" normalizeH="0" baseline="0" noProof="0" dirty="0" smtClean="0">
+                <a:ln>
+                  <a:noFill/>
+                </a:ln>
+                <a:solidFill>
+                  <a:schemeClr val="tx1"/>
+                </a:solidFill>
+                <a:effectLst/>
+                <a:uLnTx/>
+                <a:uFillTx/>
+                <a:latin typeface="Times New Roman" panose="02020603050405020304" pitchFamily="18" charset="0"/>
+                <a:ea typeface="+mn-ea"/>
+                <a:cs typeface="Times New Roman" panose="02020603050405020304" pitchFamily="18" charset="0"/>
+              </a:rPr>
+              <a:t>и тесты; реализовать систему автоматической проверки тестовых заданий с сохранением результатов; обеспечить функционал управления контентом для преподавателей.</a:t>
+            </a:r>
+            <a:endParaRPr kumimoji="0" lang="ru-RU" sz="2000" b="0" i="0" u="none" strike="noStrike" kern="1200" cap="none" spc="0" normalizeH="0" baseline="0" noProof="0" dirty="0">
+              <a:ln>
+                <a:noFill/>
+              </a:ln>
+              <a:solidFill>
+                <a:schemeClr val="tx1"/>
+              </a:solidFill>
+              <a:effectLst/>
+              <a:uLnTx/>
+              <a:uFillTx/>
+              <a:latin typeface="Times New Roman" panose="02020603050405020304" pitchFamily="18" charset="0"/>
+              <a:ea typeface="+mn-ea"/>
+              <a:cs typeface="Times New Roman" panose="02020603050405020304" pitchFamily="18" charset="0"/>
+            </a:endParaRPr>
           </a:p>
         </p:txBody>
       </p:sp>
     </p:spTree>
     <p:extLst>
       <p:ext uri="{BB962C8B-B14F-4D97-AF65-F5344CB8AC3E}">
-        <p14:creationId xmlns:p14="http://schemas.microsoft.com/office/powerpoint/2010/main" val="2243494996"/>
+        <p14:creationId xmlns:p14="http://schemas.microsoft.com/office/powerpoint/2010/main" val="1844941827"/>
       </p:ext>
     </p:extLst>
   </p:cSld>
   <p:clrMapOvr>
     <a:masterClrMapping/>
   </p:clrMapOvr>
+  <p:timing>
+    <p:tnLst>
+      <p:par>
+        <p:cTn id="1" dur="indefinite" restart="never" nodeType="tmRoot"/>
+      </p:par>
+    </p:tnLst>
+  </p:timing>
 </p:sld>
 </file>
 
@@ -18806,7 +19032,7 @@
           <p:cNvPr id="4" name="Текст 3">
             <a:extLst>
               <a:ext uri="{FF2B5EF4-FFF2-40B4-BE49-F238E27FC236}">
-                <a16:creationId xmlns:a16="http://schemas.microsoft.com/office/drawing/2014/main" xmlns="" id="{AC1C80FB-53F9-42EE-B1E6-D0F998EC5DFA}"/>
+                <a16:creationId xmlns="" xmlns:a16="http://schemas.microsoft.com/office/drawing/2014/main" id="{AC1C80FB-53F9-42EE-B1E6-D0F998EC5DFA}"/>
               </a:ext>
             </a:extLst>
           </p:cNvPr>
@@ -18819,76 +19045,57 @@
         </p:nvSpPr>
         <p:spPr>
           <a:xfrm>
-            <a:off x="1485664" y="2741862"/>
+            <a:off x="1485664" y="3212396"/>
             <a:ext cx="4031030" cy="651106"/>
           </a:xfrm>
         </p:spPr>
         <p:txBody>
           <a:bodyPr rtlCol="0">
-            <a:normAutofit/>
+            <a:noAutofit/>
           </a:bodyPr>
           <a:lstStyle/>
           <a:p>
             <a:r>
-              <a:rPr lang="ru-RU" sz="1800" dirty="0">
+              <a:rPr lang="ru-RU" sz="2000" dirty="0">
                 <a:solidFill>
                   <a:schemeClr val="tx1"/>
                 </a:solidFill>
                 <a:latin typeface="Times New Roman" panose="02020603050405020304" pitchFamily="18" charset="0"/>
                 <a:cs typeface="Times New Roman" panose="02020603050405020304" pitchFamily="18" charset="0"/>
               </a:rPr>
-              <a:t>Доступ к структурированным учебным материалам и проверочным тестам </a:t>
-            </a:r>
-          </a:p>
-        </p:txBody>
-      </p:sp>
-      <p:sp>
-        <p:nvSpPr>
-          <p:cNvPr id="6" name="Текст 5">
-            <a:extLst>
-              <a:ext uri="{FF2B5EF4-FFF2-40B4-BE49-F238E27FC236}">
-                <a16:creationId xmlns:a16="http://schemas.microsoft.com/office/drawing/2014/main" xmlns="" id="{7E7D4C34-22A0-4D54-A07D-E1E9A11463E5}"/>
-              </a:ext>
-            </a:extLst>
-          </p:cNvPr>
-          <p:cNvSpPr>
-            <a:spLocks noGrp="1"/>
-          </p:cNvSpPr>
-          <p:nvPr>
-            <p:ph type="body" sz="quarter" idx="17"/>
-          </p:nvPr>
-        </p:nvSpPr>
-        <p:spPr>
-          <a:xfrm>
-            <a:off x="6673143" y="2741862"/>
-            <a:ext cx="4031030" cy="651106"/>
-          </a:xfrm>
-        </p:spPr>
-        <p:txBody>
-          <a:bodyPr rtlCol="0"/>
-          <a:lstStyle/>
-          <a:p>
-            <a:r>
-              <a:rPr lang="ru-RU" sz="1800" dirty="0">
+              <a:t>Доступ к </a:t>
+            </a:r>
+            <a:r>
+              <a:rPr lang="ru-RU" sz="2000" dirty="0" smtClean="0">
                 <a:solidFill>
                   <a:schemeClr val="tx1"/>
                 </a:solidFill>
                 <a:latin typeface="Times New Roman" panose="02020603050405020304" pitchFamily="18" charset="0"/>
                 <a:cs typeface="Times New Roman" panose="02020603050405020304" pitchFamily="18" charset="0"/>
               </a:rPr>
-              <a:t>Возможность отслеживания прогресса и оценок </a:t>
-            </a:r>
-            <a:r>
-              <a:rPr lang="ru-RU" sz="1800" dirty="0" smtClean="0">
+              <a:t>материалам </a:t>
+            </a:r>
+            <a:r>
+              <a:rPr lang="ru-RU" sz="2000" dirty="0">
                 <a:solidFill>
                   <a:schemeClr val="tx1"/>
                 </a:solidFill>
                 <a:latin typeface="Times New Roman" panose="02020603050405020304" pitchFamily="18" charset="0"/>
                 <a:cs typeface="Times New Roman" panose="02020603050405020304" pitchFamily="18" charset="0"/>
               </a:rPr>
-              <a:t>студентами</a:t>
-            </a:r>
-            <a:endParaRPr lang="ru-RU" sz="1800" dirty="0">
+              <a:t>и </a:t>
+            </a:r>
+            <a:r>
+              <a:rPr lang="ru-RU" sz="2000" dirty="0" smtClean="0">
+                <a:solidFill>
+                  <a:schemeClr val="tx1"/>
+                </a:solidFill>
+                <a:latin typeface="Times New Roman" panose="02020603050405020304" pitchFamily="18" charset="0"/>
+                <a:cs typeface="Times New Roman" panose="02020603050405020304" pitchFamily="18" charset="0"/>
+              </a:rPr>
+              <a:t>тестам </a:t>
+            </a:r>
+            <a:endParaRPr lang="ru-RU" sz="2000" dirty="0">
               <a:solidFill>
                 <a:schemeClr val="tx1"/>
               </a:solidFill>
@@ -18900,63 +19107,24 @@
       </p:sp>
       <p:sp>
         <p:nvSpPr>
-          <p:cNvPr id="8" name="Текст 7">
-            <a:extLst>
-              <a:ext uri="{FF2B5EF4-FFF2-40B4-BE49-F238E27FC236}">
-                <a16:creationId xmlns:a16="http://schemas.microsoft.com/office/drawing/2014/main" xmlns="" id="{51C26CE0-2506-4B44-A26F-C12BFA5B18B5}"/>
-              </a:ext>
-            </a:extLst>
-          </p:cNvPr>
-          <p:cNvSpPr>
-            <a:spLocks noGrp="1"/>
-          </p:cNvSpPr>
-          <p:nvPr>
-            <p:ph type="body" sz="quarter" idx="19"/>
-          </p:nvPr>
-        </p:nvSpPr>
-        <p:spPr>
-          <a:xfrm>
-            <a:off x="1486412" y="4036514"/>
-            <a:ext cx="4031030" cy="1057308"/>
-          </a:xfrm>
-        </p:spPr>
-        <p:txBody>
-          <a:bodyPr rtlCol="0"/>
-          <a:lstStyle/>
-          <a:p>
-            <a:r>
-              <a:rPr lang="ru-RU" sz="1800" dirty="0">
-                <a:solidFill>
-                  <a:schemeClr val="tx1"/>
-                </a:solidFill>
-                <a:latin typeface="Times New Roman" panose="02020603050405020304" pitchFamily="18" charset="0"/>
-                <a:cs typeface="Times New Roman" panose="02020603050405020304" pitchFamily="18" charset="0"/>
-              </a:rPr>
-              <a:t>Инструменты для преподавателей: проверка тестов, добавление и обновление контента </a:t>
-            </a:r>
-          </a:p>
-        </p:txBody>
-      </p:sp>
-      <p:sp>
-        <p:nvSpPr>
-          <p:cNvPr id="10" name="Текст 9">
-            <a:extLst>
-              <a:ext uri="{FF2B5EF4-FFF2-40B4-BE49-F238E27FC236}">
-                <a16:creationId xmlns:a16="http://schemas.microsoft.com/office/drawing/2014/main" xmlns="" id="{7F39C97C-2DDC-4706-B96C-B02FAE53A426}"/>
-              </a:ext>
-            </a:extLst>
-          </p:cNvPr>
-          <p:cNvSpPr>
-            <a:spLocks noGrp="1"/>
-          </p:cNvSpPr>
-          <p:nvPr>
-            <p:ph type="body" sz="quarter" idx="24"/>
-          </p:nvPr>
-        </p:nvSpPr>
-        <p:spPr>
-          <a:xfrm>
-            <a:off x="6673143" y="4036514"/>
-            <a:ext cx="4031030" cy="650866"/>
+          <p:cNvPr id="6" name="Текст 5">
+            <a:extLst>
+              <a:ext uri="{FF2B5EF4-FFF2-40B4-BE49-F238E27FC236}">
+                <a16:creationId xmlns="" xmlns:a16="http://schemas.microsoft.com/office/drawing/2014/main" id="{7E7D4C34-22A0-4D54-A07D-E1E9A11463E5}"/>
+              </a:ext>
+            </a:extLst>
+          </p:cNvPr>
+          <p:cNvSpPr>
+            <a:spLocks noGrp="1"/>
+          </p:cNvSpPr>
+          <p:nvPr>
+            <p:ph type="body" sz="quarter" idx="17"/>
+          </p:nvPr>
+        </p:nvSpPr>
+        <p:spPr>
+          <a:xfrm>
+            <a:off x="6673143" y="3212396"/>
+            <a:ext cx="4031030" cy="651106"/>
           </a:xfrm>
         </p:spPr>
         <p:txBody>
@@ -18966,15 +19134,126 @@
           <a:lstStyle/>
           <a:p>
             <a:r>
-              <a:rPr lang="ru-RU" sz="1800" dirty="0">
+              <a:rPr lang="ru-RU" sz="2000" dirty="0" smtClean="0">
                 <a:solidFill>
                   <a:schemeClr val="tx1"/>
                 </a:solidFill>
                 <a:latin typeface="Times New Roman" panose="02020603050405020304" pitchFamily="18" charset="0"/>
                 <a:cs typeface="Times New Roman" panose="02020603050405020304" pitchFamily="18" charset="0"/>
               </a:rPr>
-              <a:t>Аналитика успеваемости для повышения качества обучения </a:t>
-            </a:r>
+              <a:t>Отслеживание прогресса </a:t>
+            </a:r>
+            <a:r>
+              <a:rPr lang="ru-RU" sz="2000" dirty="0">
+                <a:solidFill>
+                  <a:schemeClr val="tx1"/>
+                </a:solidFill>
+                <a:latin typeface="Times New Roman" panose="02020603050405020304" pitchFamily="18" charset="0"/>
+                <a:cs typeface="Times New Roman" panose="02020603050405020304" pitchFamily="18" charset="0"/>
+              </a:rPr>
+              <a:t>и </a:t>
+            </a:r>
+            <a:r>
+              <a:rPr lang="ru-RU" sz="2000" dirty="0" smtClean="0">
+                <a:solidFill>
+                  <a:schemeClr val="tx1"/>
+                </a:solidFill>
+                <a:latin typeface="Times New Roman" panose="02020603050405020304" pitchFamily="18" charset="0"/>
+                <a:cs typeface="Times New Roman" panose="02020603050405020304" pitchFamily="18" charset="0"/>
+              </a:rPr>
+              <a:t>оценок</a:t>
+            </a:r>
+            <a:endParaRPr lang="ru-RU" sz="2000" dirty="0">
+              <a:solidFill>
+                <a:schemeClr val="tx1"/>
+              </a:solidFill>
+              <a:latin typeface="Times New Roman" panose="02020603050405020304" pitchFamily="18" charset="0"/>
+              <a:cs typeface="Times New Roman" panose="02020603050405020304" pitchFamily="18" charset="0"/>
+            </a:endParaRPr>
+          </a:p>
+        </p:txBody>
+      </p:sp>
+      <p:sp>
+        <p:nvSpPr>
+          <p:cNvPr id="8" name="Текст 7">
+            <a:extLst>
+              <a:ext uri="{FF2B5EF4-FFF2-40B4-BE49-F238E27FC236}">
+                <a16:creationId xmlns="" xmlns:a16="http://schemas.microsoft.com/office/drawing/2014/main" id="{51C26CE0-2506-4B44-A26F-C12BFA5B18B5}"/>
+              </a:ext>
+            </a:extLst>
+          </p:cNvPr>
+          <p:cNvSpPr>
+            <a:spLocks noGrp="1"/>
+          </p:cNvSpPr>
+          <p:nvPr>
+            <p:ph type="body" sz="quarter" idx="19"/>
+          </p:nvPr>
+        </p:nvSpPr>
+        <p:spPr>
+          <a:xfrm>
+            <a:off x="1486412" y="4507048"/>
+            <a:ext cx="4031030" cy="1057308"/>
+          </a:xfrm>
+        </p:spPr>
+        <p:txBody>
+          <a:bodyPr rtlCol="0"/>
+          <a:lstStyle/>
+          <a:p>
+            <a:r>
+              <a:rPr lang="ru-RU" sz="2000" dirty="0">
+                <a:solidFill>
+                  <a:schemeClr val="tx1"/>
+                </a:solidFill>
+                <a:latin typeface="Times New Roman" panose="02020603050405020304" pitchFamily="18" charset="0"/>
+                <a:cs typeface="Times New Roman" panose="02020603050405020304" pitchFamily="18" charset="0"/>
+              </a:rPr>
+              <a:t>Инструменты для обновления контента преподавателями </a:t>
+            </a:r>
+          </a:p>
+        </p:txBody>
+      </p:sp>
+      <p:sp>
+        <p:nvSpPr>
+          <p:cNvPr id="10" name="Текст 9">
+            <a:extLst>
+              <a:ext uri="{FF2B5EF4-FFF2-40B4-BE49-F238E27FC236}">
+                <a16:creationId xmlns="" xmlns:a16="http://schemas.microsoft.com/office/drawing/2014/main" id="{7F39C97C-2DDC-4706-B96C-B02FAE53A426}"/>
+              </a:ext>
+            </a:extLst>
+          </p:cNvPr>
+          <p:cNvSpPr>
+            <a:spLocks noGrp="1"/>
+          </p:cNvSpPr>
+          <p:nvPr>
+            <p:ph type="body" sz="quarter" idx="24"/>
+          </p:nvPr>
+        </p:nvSpPr>
+        <p:spPr>
+          <a:xfrm>
+            <a:off x="6673143" y="4507048"/>
+            <a:ext cx="4031030" cy="650866"/>
+          </a:xfrm>
+        </p:spPr>
+        <p:txBody>
+          <a:bodyPr rtlCol="0">
+            <a:normAutofit lnSpcReduction="10000"/>
+          </a:bodyPr>
+          <a:lstStyle/>
+          <a:p>
+            <a:r>
+              <a:rPr lang="ru-RU" sz="2000" dirty="0">
+                <a:latin typeface="Times New Roman" panose="02020603050405020304" pitchFamily="18" charset="0"/>
+                <a:cs typeface="Times New Roman" panose="02020603050405020304" pitchFamily="18" charset="0"/>
+              </a:rPr>
+              <a:t>Аналитика успеваемости для улучшения качества обучения </a:t>
+            </a:r>
+            <a:endParaRPr lang="ru-RU" sz="2000" dirty="0">
+              <a:solidFill>
+                <a:schemeClr val="tx1"/>
+              </a:solidFill>
+              <a:latin typeface="Times New Roman" panose="02020603050405020304" pitchFamily="18" charset="0"/>
+              <a:cs typeface="Times New Roman" panose="02020603050405020304" pitchFamily="18" charset="0"/>
+            </a:endParaRPr>
           </a:p>
         </p:txBody>
       </p:sp>
@@ -18983,7 +19262,7 @@
           <p:cNvPr id="82" name="Номер слайда 81">
             <a:extLst>
               <a:ext uri="{FF2B5EF4-FFF2-40B4-BE49-F238E27FC236}">
-                <a16:creationId xmlns:a16="http://schemas.microsoft.com/office/drawing/2014/main" xmlns="" id="{CE36A058-BEC2-4BC5-A467-F2EB2A365051}"/>
+                <a16:creationId xmlns="" xmlns:a16="http://schemas.microsoft.com/office/drawing/2014/main" id="{CE36A058-BEC2-4BC5-A467-F2EB2A365051}"/>
               </a:ext>
             </a:extLst>
           </p:cNvPr>
@@ -19031,7 +19310,7 @@
           <p:cNvPr id="14" name="Заголовок 1">
             <a:extLst>
               <a:ext uri="{FF2B5EF4-FFF2-40B4-BE49-F238E27FC236}">
-                <a16:creationId xmlns:a16="http://schemas.microsoft.com/office/drawing/2014/main" xmlns="" id="{67708C79-A4AC-4B5D-92DF-600737E4D11A}"/>
+                <a16:creationId xmlns="" xmlns:a16="http://schemas.microsoft.com/office/drawing/2014/main" id="{67708C79-A4AC-4B5D-92DF-600737E4D11A}"/>
               </a:ext>
             </a:extLst>
           </p:cNvPr>
@@ -19073,10 +19352,10 @@
           <p:cNvPr id="16" name="Подзаголовок 2">
             <a:extLst>
               <a:ext uri="{FF2B5EF4-FFF2-40B4-BE49-F238E27FC236}">
-                <a16:creationId xmlns:a16="http://schemas.microsoft.com/office/drawing/2014/main" xmlns="" id="{35E3EA69-4E0E-41BD-8095-A124225A2647}"/>
+                <a16:creationId xmlns="" xmlns:a16="http://schemas.microsoft.com/office/drawing/2014/main" id="{35E3EA69-4E0E-41BD-8095-A124225A2647}"/>
               </a:ext>
               <a:ext uri="{C183D7F6-B498-43B3-948B-1728B52AA6E4}">
-                <adec:decorative xmlns:adec="http://schemas.microsoft.com/office/drawing/2017/decorative" xmlns="" val="0"/>
+                <adec:decorative xmlns="" xmlns:adec="http://schemas.microsoft.com/office/drawing/2017/decorative" val="0"/>
               </a:ext>
             </a:extLst>
           </p:cNvPr>
@@ -19088,7 +19367,7 @@
         <p:spPr>
           <a:xfrm>
             <a:off x="658427" y="1016956"/>
-            <a:ext cx="10704989" cy="953887"/>
+            <a:ext cx="10704989" cy="1983696"/>
           </a:xfrm>
           <a:prstGeom prst="rect">
             <a:avLst/>
@@ -19285,7 +19564,7 @@
               <a:buNone/>
             </a:pPr>
             <a:r>
-              <a:rPr lang="ru-RU" sz="1800" dirty="0" smtClean="0">
+              <a:rPr lang="ru-RU" sz="2000" dirty="0" smtClean="0">
                 <a:solidFill>
                   <a:schemeClr val="tx1"/>
                 </a:solidFill>
@@ -19295,14 +19574,62 @@
               <a:t>Данный </a:t>
             </a:r>
             <a:r>
-              <a:rPr lang="ru-RU" sz="1800" dirty="0">
+              <a:rPr lang="ru-RU" sz="2000" dirty="0">
                 <a:solidFill>
                   <a:schemeClr val="tx1"/>
                 </a:solidFill>
                 <a:latin typeface="Times New Roman" panose="02020603050405020304" pitchFamily="18" charset="0"/>
                 <a:cs typeface="Times New Roman" panose="02020603050405020304" pitchFamily="18" charset="0"/>
               </a:rPr>
-              <a:t>образовательный ресурс создан для дистанционного изучения дисциплины «Архитектура компьютерных систем». Разработанное электронное пособие может применяться как для самостоятельного обучения студентов, так и для поддержки преподавателей в организации учебного процесса.</a:t>
+              <a:t>образовательный ресурс создан для дистанционного изучения «Архитектуры компьютерных систем» и подходит для самостоятельного обучения студентов и поддержки преподавателей</a:t>
+            </a:r>
+            <a:r>
+              <a:rPr lang="ru-RU" sz="2000" dirty="0" smtClean="0">
+                <a:solidFill>
+                  <a:schemeClr val="tx1"/>
+                </a:solidFill>
+                <a:latin typeface="Times New Roman" panose="02020603050405020304" pitchFamily="18" charset="0"/>
+                <a:cs typeface="Times New Roman" panose="02020603050405020304" pitchFamily="18" charset="0"/>
+              </a:rPr>
+              <a:t>.</a:t>
+            </a:r>
+          </a:p>
+          <a:p>
+            <a:pPr marL="0" indent="444500" algn="just">
+              <a:lnSpc>
+                <a:spcPct val="100000"/>
+              </a:lnSpc>
+              <a:buNone/>
+            </a:pPr>
+            <a:r>
+              <a:rPr lang="ru-RU" sz="2000" dirty="0">
+                <a:solidFill>
+                  <a:schemeClr val="tx1"/>
+                </a:solidFill>
+                <a:latin typeface="Times New Roman" panose="02020603050405020304" pitchFamily="18" charset="0"/>
+                <a:cs typeface="Times New Roman" panose="02020603050405020304" pitchFamily="18" charset="0"/>
+              </a:rPr>
+              <a:t>Основные функции и инструменты, </a:t>
+            </a:r>
+            <a:r>
+              <a:rPr lang="ru-RU" sz="2000" dirty="0" smtClean="0">
+                <a:solidFill>
+                  <a:schemeClr val="tx1"/>
+                </a:solidFill>
+                <a:latin typeface="Times New Roman" panose="02020603050405020304" pitchFamily="18" charset="0"/>
+                <a:cs typeface="Times New Roman" panose="02020603050405020304" pitchFamily="18" charset="0"/>
+              </a:rPr>
+              <a:t>которые обеспечивают удобство </a:t>
+            </a:r>
+            <a:r>
+              <a:rPr lang="ru-RU" sz="2000" dirty="0">
+                <a:solidFill>
+                  <a:schemeClr val="tx1"/>
+                </a:solidFill>
+                <a:latin typeface="Times New Roman" panose="02020603050405020304" pitchFamily="18" charset="0"/>
+                <a:cs typeface="Times New Roman" panose="02020603050405020304" pitchFamily="18" charset="0"/>
+              </a:rPr>
+              <a:t>обучения для студентов и преподавателей:</a:t>
             </a:r>
           </a:p>
         </p:txBody>
@@ -19315,8 +19642,8 @@
         </p:nvSpPr>
         <p:spPr>
           <a:xfrm>
-            <a:off x="658425" y="5950688"/>
-            <a:ext cx="10704987" cy="369332"/>
+            <a:off x="658428" y="5908552"/>
+            <a:ext cx="11202134" cy="400110"/>
           </a:xfrm>
           <a:prstGeom prst="rect">
             <a:avLst/>
@@ -19328,12 +19655,20 @@
           </a:bodyPr>
           <a:lstStyle/>
           <a:p>
-            <a:r>
-              <a:rPr lang="ru-RU" dirty="0">
+            <a:pPr indent="444500"/>
+            <a:r>
+              <a:rPr lang="ru-RU" sz="2000" dirty="0" smtClean="0">
                 <a:latin typeface="Times New Roman" panose="02020603050405020304" pitchFamily="18" charset="0"/>
                 <a:cs typeface="Times New Roman" panose="02020603050405020304" pitchFamily="18" charset="0"/>
               </a:rPr>
-              <a:t>Платформа упрощает самостоятельное изучение и управление учебным процессом в онлайн-формате.</a:t>
+              <a:t>Платформа </a:t>
+            </a:r>
+            <a:r>
+              <a:rPr lang="ru-RU" sz="2000" dirty="0">
+                <a:latin typeface="Times New Roman" panose="02020603050405020304" pitchFamily="18" charset="0"/>
+                <a:cs typeface="Times New Roman" panose="02020603050405020304" pitchFamily="18" charset="0"/>
+              </a:rPr>
+              <a:t>облегчает самостоятельное обучение и управление учебным процессом онлайн.</a:t>
             </a:r>
           </a:p>
         </p:txBody>
@@ -19346,7 +19681,7 @@
         </p:nvGrpSpPr>
         <p:grpSpPr>
           <a:xfrm>
-            <a:off x="4980372" y="2734322"/>
+            <a:off x="4980372" y="3204856"/>
             <a:ext cx="541538" cy="461639"/>
             <a:chOff x="4998128" y="2752078"/>
             <a:chExt cx="541538" cy="461639"/>
@@ -19421,7 +19756,7 @@
         </p:nvGrpSpPr>
         <p:grpSpPr>
           <a:xfrm>
-            <a:off x="10175288" y="2725443"/>
+            <a:off x="10175288" y="3195977"/>
             <a:ext cx="541538" cy="461639"/>
             <a:chOff x="4998128" y="2752078"/>
             <a:chExt cx="541538" cy="461639"/>
@@ -19496,7 +19831,7 @@
         </p:nvGrpSpPr>
         <p:grpSpPr>
           <a:xfrm>
-            <a:off x="4980373" y="4023064"/>
+            <a:off x="4980373" y="4493598"/>
             <a:ext cx="541538" cy="461639"/>
             <a:chOff x="4998128" y="2752078"/>
             <a:chExt cx="541538" cy="461639"/>
@@ -19571,7 +19906,7 @@
         </p:nvGrpSpPr>
         <p:grpSpPr>
           <a:xfrm>
-            <a:off x="10176766" y="4040820"/>
+            <a:off x="10176766" y="4511354"/>
             <a:ext cx="541538" cy="461639"/>
             <a:chOff x="4998128" y="2752078"/>
             <a:chExt cx="541538" cy="461639"/>
@@ -19648,6 +19983,13 @@
   <p:clrMapOvr>
     <a:masterClrMapping/>
   </p:clrMapOvr>
+  <p:timing>
+    <p:tnLst>
+      <p:par>
+        <p:cTn id="1" dur="indefinite" restart="never" nodeType="tmRoot"/>
+      </p:par>
+    </p:tnLst>
+  </p:timing>
 </p:sld>
 </file>
 
@@ -19673,7 +20015,7 @@
           <p:cNvPr id="2" name="Заголовок 1">
             <a:extLst>
               <a:ext uri="{FF2B5EF4-FFF2-40B4-BE49-F238E27FC236}">
-                <a16:creationId xmlns:a16="http://schemas.microsoft.com/office/drawing/2014/main" xmlns="" id="{67708C79-A4AC-4B5D-92DF-600737E4D11A}"/>
+                <a16:creationId xmlns="" xmlns:a16="http://schemas.microsoft.com/office/drawing/2014/main" id="{67708C79-A4AC-4B5D-92DF-600737E4D11A}"/>
               </a:ext>
             </a:extLst>
           </p:cNvPr>
@@ -19715,7 +20057,7 @@
           <p:cNvPr id="3" name="Объект 2">
             <a:extLst>
               <a:ext uri="{FF2B5EF4-FFF2-40B4-BE49-F238E27FC236}">
-                <a16:creationId xmlns:a16="http://schemas.microsoft.com/office/drawing/2014/main" xmlns="" id="{7D779DE4-CAEA-4617-897E-FEC9A2AC2D6A}"/>
+                <a16:creationId xmlns="" xmlns:a16="http://schemas.microsoft.com/office/drawing/2014/main" id="{7D779DE4-CAEA-4617-897E-FEC9A2AC2D6A}"/>
               </a:ext>
             </a:extLst>
           </p:cNvPr>
@@ -19734,13 +20076,13 @@
         </p:spPr>
         <p:txBody>
           <a:bodyPr vert="horz" lIns="91440" tIns="45720" rIns="91440" bIns="45720" rtlCol="0" anchor="ctr">
-            <a:normAutofit fontScale="92500" lnSpcReduction="10000"/>
+            <a:noAutofit/>
           </a:bodyPr>
           <a:lstStyle/>
           <a:p>
             <a:pPr rtl="0"/>
             <a:r>
-              <a:rPr lang="ru-RU" sz="1800" dirty="0" smtClean="0">
+              <a:rPr lang="ru-RU" sz="2000" dirty="0" smtClean="0">
                 <a:solidFill>
                   <a:schemeClr val="tx1"/>
                 </a:solidFill>
@@ -19749,7 +20091,7 @@
               </a:rPr>
               <a:t>Главная страница</a:t>
             </a:r>
-            <a:endParaRPr lang="ru-RU" sz="1800" dirty="0">
+            <a:endParaRPr lang="ru-RU" sz="2000" dirty="0">
               <a:solidFill>
                 <a:schemeClr val="tx1"/>
               </a:solidFill>
@@ -19764,7 +20106,7 @@
           <p:cNvPr id="4" name="Текст 3">
             <a:extLst>
               <a:ext uri="{FF2B5EF4-FFF2-40B4-BE49-F238E27FC236}">
-                <a16:creationId xmlns:a16="http://schemas.microsoft.com/office/drawing/2014/main" xmlns="" id="{F5FF1291-56EB-4A7B-A198-1D91F9ECC5D3}"/>
+                <a16:creationId xmlns="" xmlns:a16="http://schemas.microsoft.com/office/drawing/2014/main" id="{F5FF1291-56EB-4A7B-A198-1D91F9ECC5D3}"/>
               </a:ext>
             </a:extLst>
           </p:cNvPr>
@@ -19777,8 +20119,8 @@
         </p:nvSpPr>
         <p:spPr>
           <a:xfrm>
-            <a:off x="874179" y="2628487"/>
-            <a:ext cx="2141764" cy="514350"/>
+            <a:off x="230818" y="2628487"/>
+            <a:ext cx="2785125" cy="514350"/>
           </a:xfrm>
         </p:spPr>
         <p:txBody>
@@ -19787,7 +20129,7 @@
           <a:p>
             <a:pPr rtl="0"/>
             <a:r>
-              <a:rPr lang="ru-RU" sz="1800" dirty="0" smtClean="0">
+              <a:rPr lang="ru-RU" sz="2000" dirty="0" smtClean="0">
                 <a:solidFill>
                   <a:schemeClr val="tx1"/>
                 </a:solidFill>
@@ -19796,7 +20138,7 @@
               </a:rPr>
               <a:t>Учебник</a:t>
             </a:r>
-            <a:endParaRPr lang="ru-RU" sz="1800" dirty="0">
+            <a:endParaRPr lang="ru-RU" sz="2000" dirty="0">
               <a:solidFill>
                 <a:schemeClr val="tx1"/>
               </a:solidFill>
@@ -19811,7 +20153,7 @@
           <p:cNvPr id="5" name="Текст 4">
             <a:extLst>
               <a:ext uri="{FF2B5EF4-FFF2-40B4-BE49-F238E27FC236}">
-                <a16:creationId xmlns:a16="http://schemas.microsoft.com/office/drawing/2014/main" xmlns="" id="{6184E21C-7534-4FB5-9709-F7D1A11034F3}"/>
+                <a16:creationId xmlns="" xmlns:a16="http://schemas.microsoft.com/office/drawing/2014/main" id="{6184E21C-7534-4FB5-9709-F7D1A11034F3}"/>
               </a:ext>
             </a:extLst>
           </p:cNvPr>
@@ -19824,8 +20166,8 @@
         </p:nvSpPr>
         <p:spPr>
           <a:xfrm>
-            <a:off x="719090" y="3704812"/>
-            <a:ext cx="2903277" cy="514350"/>
+            <a:off x="239697" y="3704812"/>
+            <a:ext cx="3382671" cy="514350"/>
           </a:xfrm>
         </p:spPr>
         <p:txBody>
@@ -19834,7 +20176,7 @@
           <a:p>
             <a:pPr rtl="0"/>
             <a:r>
-              <a:rPr lang="ru-RU" sz="1800" dirty="0" smtClean="0">
+              <a:rPr lang="ru-RU" sz="2000" dirty="0" smtClean="0">
                 <a:solidFill>
                   <a:schemeClr val="tx1"/>
                 </a:solidFill>
@@ -19843,7 +20185,7 @@
               </a:rPr>
               <a:t>Личный кабинет студента</a:t>
             </a:r>
-            <a:endParaRPr lang="ru-RU" sz="1800" dirty="0">
+            <a:endParaRPr lang="ru-RU" sz="2000" dirty="0">
               <a:solidFill>
                 <a:schemeClr val="tx1"/>
               </a:solidFill>
@@ -19858,7 +20200,7 @@
           <p:cNvPr id="6" name="Текст 5">
             <a:extLst>
               <a:ext uri="{FF2B5EF4-FFF2-40B4-BE49-F238E27FC236}">
-                <a16:creationId xmlns:a16="http://schemas.microsoft.com/office/drawing/2014/main" xmlns="" id="{5C594564-4FC6-401A-8586-44735EE819EC}"/>
+                <a16:creationId xmlns="" xmlns:a16="http://schemas.microsoft.com/office/drawing/2014/main" id="{5C594564-4FC6-401A-8586-44735EE819EC}"/>
               </a:ext>
             </a:extLst>
           </p:cNvPr>
@@ -19871,8 +20213,8 @@
         </p:nvSpPr>
         <p:spPr>
           <a:xfrm>
-            <a:off x="612559" y="4781138"/>
-            <a:ext cx="3594009" cy="514350"/>
+            <a:off x="275209" y="4781138"/>
+            <a:ext cx="3931360" cy="514350"/>
           </a:xfrm>
         </p:spPr>
         <p:txBody>
@@ -19880,7 +20222,7 @@
           <a:lstStyle/>
           <a:p>
             <a:r>
-              <a:rPr lang="ru-RU" sz="1800" dirty="0">
+              <a:rPr lang="ru-RU" sz="2000" dirty="0">
                 <a:solidFill>
                   <a:schemeClr val="tx1"/>
                 </a:solidFill>
@@ -19890,7 +20232,7 @@
               <a:t>Личный кабинет </a:t>
             </a:r>
             <a:r>
-              <a:rPr lang="ru-RU" sz="1800" dirty="0" smtClean="0">
+              <a:rPr lang="ru-RU" sz="2000" dirty="0" smtClean="0">
                 <a:solidFill>
                   <a:schemeClr val="tx1"/>
                 </a:solidFill>
@@ -19899,7 +20241,7 @@
               </a:rPr>
               <a:t>преподавателя</a:t>
             </a:r>
-            <a:endParaRPr lang="ru-RU" sz="1800" dirty="0">
+            <a:endParaRPr lang="ru-RU" sz="2000" dirty="0">
               <a:solidFill>
                 <a:schemeClr val="tx1"/>
               </a:solidFill>
@@ -19914,7 +20256,7 @@
           <p:cNvPr id="7" name="Текст 6">
             <a:extLst>
               <a:ext uri="{FF2B5EF4-FFF2-40B4-BE49-F238E27FC236}">
-                <a16:creationId xmlns:a16="http://schemas.microsoft.com/office/drawing/2014/main" xmlns="" id="{D7EB25CA-DA83-483D-AF83-0001BDF2DE2B}"/>
+                <a16:creationId xmlns="" xmlns:a16="http://schemas.microsoft.com/office/drawing/2014/main" id="{D7EB25CA-DA83-483D-AF83-0001BDF2DE2B}"/>
               </a:ext>
             </a:extLst>
           </p:cNvPr>
@@ -19927,8 +20269,8 @@
         </p:nvSpPr>
         <p:spPr>
           <a:xfrm>
-            <a:off x="4215104" y="1323231"/>
-            <a:ext cx="7663218" cy="1242416"/>
+            <a:off x="4205579" y="1428006"/>
+            <a:ext cx="7663218" cy="753219"/>
           </a:xfrm>
         </p:spPr>
         <p:txBody>
@@ -19939,7 +20281,7 @@
           <a:p>
             <a:pPr algn="just"/>
             <a:r>
-              <a:rPr lang="ru-RU" sz="1800" dirty="0">
+              <a:rPr lang="ru-RU" sz="2000" dirty="0">
                 <a:solidFill>
                   <a:schemeClr val="tx1"/>
                 </a:solidFill>
@@ -19949,196 +20291,16 @@
               <a:t>Блок с призывом изучать </a:t>
             </a:r>
             <a:r>
-              <a:rPr lang="ru-RU" sz="1800" dirty="0" smtClean="0">
+              <a:rPr lang="ru-RU" sz="2000" dirty="0" smtClean="0">
                 <a:solidFill>
                   <a:schemeClr val="tx1"/>
                 </a:solidFill>
                 <a:latin typeface="Times New Roman" panose="02020603050405020304" pitchFamily="18" charset="0"/>
                 <a:cs typeface="Times New Roman" panose="02020603050405020304" pitchFamily="18" charset="0"/>
               </a:rPr>
-              <a:t>курс.</a:t>
-            </a:r>
-            <a:r>
-              <a:rPr lang="en-US" sz="1800" dirty="0" smtClean="0">
-                <a:solidFill>
-                  <a:schemeClr val="tx1"/>
-                </a:solidFill>
-                <a:latin typeface="Times New Roman" panose="02020603050405020304" pitchFamily="18" charset="0"/>
-                <a:cs typeface="Times New Roman" panose="02020603050405020304" pitchFamily="18" charset="0"/>
-              </a:rPr>
-              <a:t> </a:t>
-            </a:r>
-            <a:r>
-              <a:rPr lang="ru-RU" sz="1800" dirty="0" smtClean="0">
-                <a:solidFill>
-                  <a:schemeClr val="tx1"/>
-                </a:solidFill>
-                <a:latin typeface="Times New Roman" panose="02020603050405020304" pitchFamily="18" charset="0"/>
-                <a:cs typeface="Times New Roman" panose="02020603050405020304" pitchFamily="18" charset="0"/>
-              </a:rPr>
-              <a:t>Описание </a:t>
-            </a:r>
-            <a:r>
-              <a:rPr lang="ru-RU" sz="1800" dirty="0">
-                <a:solidFill>
-                  <a:schemeClr val="tx1"/>
-                </a:solidFill>
-                <a:latin typeface="Times New Roman" panose="02020603050405020304" pitchFamily="18" charset="0"/>
-                <a:cs typeface="Times New Roman" panose="02020603050405020304" pitchFamily="18" charset="0"/>
-              </a:rPr>
-              <a:t>целей создания курса. </a:t>
-            </a:r>
-            <a:r>
-              <a:rPr lang="ru-RU" sz="1800" dirty="0" smtClean="0">
-                <a:solidFill>
-                  <a:schemeClr val="tx1"/>
-                </a:solidFill>
-                <a:latin typeface="Times New Roman" panose="02020603050405020304" pitchFamily="18" charset="0"/>
-                <a:cs typeface="Times New Roman" panose="02020603050405020304" pitchFamily="18" charset="0"/>
-              </a:rPr>
-              <a:t>Определение </a:t>
-            </a:r>
-            <a:r>
-              <a:rPr lang="ru-RU" sz="1800" dirty="0">
-                <a:solidFill>
-                  <a:schemeClr val="tx1"/>
-                </a:solidFill>
-                <a:latin typeface="Times New Roman" panose="02020603050405020304" pitchFamily="18" charset="0"/>
-                <a:cs typeface="Times New Roman" panose="02020603050405020304" pitchFamily="18" charset="0"/>
-              </a:rPr>
-              <a:t>понятия </a:t>
-            </a:r>
-            <a:r>
-              <a:rPr lang="ru-RU" sz="1800" dirty="0" smtClean="0">
-                <a:solidFill>
-                  <a:schemeClr val="tx1"/>
-                </a:solidFill>
-                <a:latin typeface="Times New Roman" panose="02020603050405020304" pitchFamily="18" charset="0"/>
-                <a:cs typeface="Times New Roman" panose="02020603050405020304" pitchFamily="18" charset="0"/>
-              </a:rPr>
-              <a:t>названия курса. Четыре </a:t>
-            </a:r>
-            <a:r>
-              <a:rPr lang="ru-RU" sz="1800" dirty="0">
-                <a:solidFill>
-                  <a:schemeClr val="tx1"/>
-                </a:solidFill>
-                <a:latin typeface="Times New Roman" panose="02020603050405020304" pitchFamily="18" charset="0"/>
-                <a:cs typeface="Times New Roman" panose="02020603050405020304" pitchFamily="18" charset="0"/>
-              </a:rPr>
-              <a:t>основных тематических раздела курса. </a:t>
-            </a:r>
-            <a:r>
-              <a:rPr lang="ru-RU" sz="1800" dirty="0" smtClean="0">
-                <a:solidFill>
-                  <a:schemeClr val="tx1"/>
-                </a:solidFill>
-                <a:latin typeface="Times New Roman" panose="02020603050405020304" pitchFamily="18" charset="0"/>
-                <a:cs typeface="Times New Roman" panose="02020603050405020304" pitchFamily="18" charset="0"/>
-              </a:rPr>
-              <a:t>Кнопка </a:t>
-            </a:r>
-            <a:r>
-              <a:rPr lang="ru-RU" sz="1800" dirty="0">
-                <a:solidFill>
-                  <a:schemeClr val="tx1"/>
-                </a:solidFill>
-                <a:latin typeface="Times New Roman" panose="02020603050405020304" pitchFamily="18" charset="0"/>
-                <a:cs typeface="Times New Roman" panose="02020603050405020304" pitchFamily="18" charset="0"/>
-              </a:rPr>
-              <a:t>«Начать обучение</a:t>
-            </a:r>
-            <a:r>
-              <a:rPr lang="ru-RU" sz="1800" dirty="0" smtClean="0">
-                <a:solidFill>
-                  <a:schemeClr val="tx1"/>
-                </a:solidFill>
-                <a:latin typeface="Times New Roman" panose="02020603050405020304" pitchFamily="18" charset="0"/>
-                <a:cs typeface="Times New Roman" panose="02020603050405020304" pitchFamily="18" charset="0"/>
-              </a:rPr>
-              <a:t>».</a:t>
-            </a:r>
-            <a:r>
-              <a:rPr lang="en-US" sz="1800" dirty="0" smtClean="0">
-                <a:solidFill>
-                  <a:schemeClr val="tx1"/>
-                </a:solidFill>
-                <a:latin typeface="Times New Roman" panose="02020603050405020304" pitchFamily="18" charset="0"/>
-                <a:cs typeface="Times New Roman" panose="02020603050405020304" pitchFamily="18" charset="0"/>
-              </a:rPr>
-              <a:t> </a:t>
-            </a:r>
-            <a:r>
-              <a:rPr lang="ru-RU" sz="1800" dirty="0" smtClean="0">
-                <a:solidFill>
-                  <a:schemeClr val="tx1"/>
-                </a:solidFill>
-                <a:latin typeface="Times New Roman" panose="02020603050405020304" pitchFamily="18" charset="0"/>
-                <a:cs typeface="Times New Roman" panose="02020603050405020304" pitchFamily="18" charset="0"/>
-              </a:rPr>
-              <a:t>Навигационная </a:t>
-            </a:r>
-            <a:r>
-              <a:rPr lang="ru-RU" sz="1800" dirty="0">
-                <a:solidFill>
-                  <a:schemeClr val="tx1"/>
-                </a:solidFill>
-                <a:latin typeface="Times New Roman" panose="02020603050405020304" pitchFamily="18" charset="0"/>
-                <a:cs typeface="Times New Roman" panose="02020603050405020304" pitchFamily="18" charset="0"/>
-              </a:rPr>
-              <a:t>панель с </a:t>
-            </a:r>
-            <a:r>
-              <a:rPr lang="ru-RU" sz="1800" dirty="0" smtClean="0">
-                <a:solidFill>
-                  <a:schemeClr val="tx1"/>
-                </a:solidFill>
-                <a:latin typeface="Times New Roman" panose="02020603050405020304" pitchFamily="18" charset="0"/>
-                <a:cs typeface="Times New Roman" panose="02020603050405020304" pitchFamily="18" charset="0"/>
-              </a:rPr>
-              <a:t>иконками.</a:t>
-            </a:r>
-            <a:r>
-              <a:rPr lang="en-US" sz="1800" dirty="0" smtClean="0">
-                <a:solidFill>
-                  <a:schemeClr val="tx1"/>
-                </a:solidFill>
-                <a:latin typeface="Times New Roman" panose="02020603050405020304" pitchFamily="18" charset="0"/>
-                <a:cs typeface="Times New Roman" panose="02020603050405020304" pitchFamily="18" charset="0"/>
-              </a:rPr>
-              <a:t> </a:t>
-            </a:r>
-            <a:r>
-              <a:rPr lang="ru-RU" sz="1800" dirty="0" smtClean="0">
-                <a:solidFill>
-                  <a:schemeClr val="tx1"/>
-                </a:solidFill>
-                <a:latin typeface="Times New Roman" panose="02020603050405020304" pitchFamily="18" charset="0"/>
-                <a:cs typeface="Times New Roman" panose="02020603050405020304" pitchFamily="18" charset="0"/>
-              </a:rPr>
-              <a:t>Футер </a:t>
-            </a:r>
-            <a:r>
-              <a:rPr lang="ru-RU" sz="1800" dirty="0">
-                <a:solidFill>
-                  <a:schemeClr val="tx1"/>
-                </a:solidFill>
-                <a:latin typeface="Times New Roman" panose="02020603050405020304" pitchFamily="18" charset="0"/>
-                <a:cs typeface="Times New Roman" panose="02020603050405020304" pitchFamily="18" charset="0"/>
-              </a:rPr>
-              <a:t>с информацией о сайте и авторскими </a:t>
-            </a:r>
-            <a:r>
-              <a:rPr lang="ru-RU" sz="1800" dirty="0" smtClean="0">
-                <a:solidFill>
-                  <a:schemeClr val="tx1"/>
-                </a:solidFill>
-                <a:latin typeface="Times New Roman" panose="02020603050405020304" pitchFamily="18" charset="0"/>
-                <a:cs typeface="Times New Roman" panose="02020603050405020304" pitchFamily="18" charset="0"/>
-              </a:rPr>
-              <a:t>правами.</a:t>
-            </a:r>
-            <a:endParaRPr lang="ru-RU" sz="1800" dirty="0">
+              <a:t>курс, описание целей, определение понятия, основные темы разделов, навигационная панель, футер.</a:t>
+            </a:r>
+            <a:endParaRPr lang="ru-RU" sz="2000" dirty="0">
               <a:solidFill>
                 <a:schemeClr val="tx1"/>
               </a:solidFill>
@@ -20153,7 +20315,7 @@
           <p:cNvPr id="8" name="Текст 7">
             <a:extLst>
               <a:ext uri="{FF2B5EF4-FFF2-40B4-BE49-F238E27FC236}">
-                <a16:creationId xmlns:a16="http://schemas.microsoft.com/office/drawing/2014/main" xmlns="" id="{B46CE8C6-E12D-4A0D-8553-7FFA31941D56}"/>
+                <a16:creationId xmlns="" xmlns:a16="http://schemas.microsoft.com/office/drawing/2014/main" id="{B46CE8C6-E12D-4A0D-8553-7FFA31941D56}"/>
               </a:ext>
             </a:extLst>
           </p:cNvPr>
@@ -20166,8 +20328,8 @@
         </p:nvSpPr>
         <p:spPr>
           <a:xfrm>
-            <a:off x="4909352" y="2611540"/>
-            <a:ext cx="6977848" cy="1010842"/>
+            <a:off x="4909352" y="2571750"/>
+            <a:ext cx="6977848" cy="860132"/>
           </a:xfrm>
         </p:spPr>
         <p:txBody>
@@ -20178,56 +20340,16 @@
           <a:p>
             <a:pPr algn="just"/>
             <a:r>
-              <a:rPr lang="ru-RU" sz="1800" dirty="0" smtClean="0">
+              <a:rPr lang="ru-RU" sz="2000" dirty="0" smtClean="0">
                 <a:solidFill>
                   <a:schemeClr val="tx1"/>
                 </a:solidFill>
                 <a:latin typeface="Times New Roman" panose="02020603050405020304" pitchFamily="18" charset="0"/>
                 <a:cs typeface="Times New Roman" panose="02020603050405020304" pitchFamily="18" charset="0"/>
               </a:rPr>
-              <a:t>Боковая панель </a:t>
-            </a:r>
-            <a:r>
-              <a:rPr lang="ru-RU" sz="1800" dirty="0">
-                <a:solidFill>
-                  <a:schemeClr val="tx1"/>
-                </a:solidFill>
-                <a:latin typeface="Times New Roman" panose="02020603050405020304" pitchFamily="18" charset="0"/>
-                <a:cs typeface="Times New Roman" panose="02020603050405020304" pitchFamily="18" charset="0"/>
-              </a:rPr>
-              <a:t>с лекциями, сгруппированными по разделам, </a:t>
-            </a:r>
-            <a:r>
-              <a:rPr lang="ru-RU" sz="1800" dirty="0" smtClean="0">
-                <a:solidFill>
-                  <a:schemeClr val="tx1"/>
-                </a:solidFill>
-                <a:latin typeface="Times New Roman" panose="02020603050405020304" pitchFamily="18" charset="0"/>
-                <a:cs typeface="Times New Roman" panose="02020603050405020304" pitchFamily="18" charset="0"/>
-              </a:rPr>
-              <a:t>интерфейс лекции, </a:t>
-            </a:r>
-            <a:r>
-              <a:rPr lang="ru-RU" sz="1800" dirty="0">
-                <a:solidFill>
-                  <a:schemeClr val="tx1"/>
-                </a:solidFill>
-                <a:latin typeface="Times New Roman" panose="02020603050405020304" pitchFamily="18" charset="0"/>
-                <a:cs typeface="Times New Roman" panose="02020603050405020304" pitchFamily="18" charset="0"/>
-              </a:rPr>
-              <a:t>тесты с вопросами и кнопкой «Отправить тест», блок отображения результатов </a:t>
-            </a:r>
-            <a:r>
-              <a:rPr lang="ru-RU" sz="1800" dirty="0" smtClean="0">
-                <a:solidFill>
-                  <a:schemeClr val="tx1"/>
-                </a:solidFill>
-                <a:latin typeface="Times New Roman" panose="02020603050405020304" pitchFamily="18" charset="0"/>
-                <a:cs typeface="Times New Roman" panose="02020603050405020304" pitchFamily="18" charset="0"/>
-              </a:rPr>
-              <a:t>тестирования.</a:t>
-            </a:r>
-            <a:endParaRPr lang="ru-RU" sz="1800" dirty="0">
+              <a:t>Навигационная панель учебника, контент лекции, тесты, результатов тестирования.</a:t>
+            </a:r>
+            <a:endParaRPr lang="ru-RU" sz="2000" dirty="0">
               <a:solidFill>
                 <a:schemeClr val="tx1"/>
               </a:solidFill>
@@ -20242,7 +20364,7 @@
           <p:cNvPr id="9" name="Текст 8">
             <a:extLst>
               <a:ext uri="{FF2B5EF4-FFF2-40B4-BE49-F238E27FC236}">
-                <a16:creationId xmlns:a16="http://schemas.microsoft.com/office/drawing/2014/main" xmlns="" id="{1C7D5285-85DF-4331-A6FA-1AE847CA47AE}"/>
+                <a16:creationId xmlns="" xmlns:a16="http://schemas.microsoft.com/office/drawing/2014/main" id="{1C7D5285-85DF-4331-A6FA-1AE847CA47AE}"/>
               </a:ext>
             </a:extLst>
           </p:cNvPr>
@@ -20255,19 +20377,19 @@
         </p:nvSpPr>
         <p:spPr>
           <a:xfrm>
-            <a:off x="5486401" y="3613346"/>
-            <a:ext cx="6383044" cy="1171718"/>
+            <a:off x="5486401" y="3636098"/>
+            <a:ext cx="6383044" cy="672904"/>
           </a:xfrm>
         </p:spPr>
         <p:txBody>
           <a:bodyPr rtlCol="0">
-            <a:normAutofit/>
+            <a:noAutofit/>
           </a:bodyPr>
           <a:lstStyle/>
           <a:p>
             <a:pPr algn="just"/>
             <a:r>
-              <a:rPr lang="ru-RU" sz="1800" dirty="0">
+              <a:rPr lang="ru-RU" sz="2000" dirty="0">
                 <a:solidFill>
                   <a:schemeClr val="tx1"/>
                 </a:solidFill>
@@ -20277,37 +20399,17 @@
               <a:t>Информация о </a:t>
             </a:r>
             <a:r>
-              <a:rPr lang="ru-RU" sz="1800" dirty="0" smtClean="0">
+              <a:rPr lang="ru-RU" sz="2000" dirty="0" smtClean="0">
                 <a:solidFill>
                   <a:schemeClr val="tx1"/>
                 </a:solidFill>
                 <a:latin typeface="Times New Roman" panose="02020603050405020304" pitchFamily="18" charset="0"/>
                 <a:cs typeface="Times New Roman" panose="02020603050405020304" pitchFamily="18" charset="0"/>
               </a:rPr>
-              <a:t>студенте, средний </a:t>
-            </a:r>
-            <a:r>
-              <a:rPr lang="ru-RU" sz="1800" dirty="0">
-                <a:solidFill>
-                  <a:schemeClr val="tx1"/>
-                </a:solidFill>
-                <a:latin typeface="Times New Roman" panose="02020603050405020304" pitchFamily="18" charset="0"/>
-                <a:cs typeface="Times New Roman" panose="02020603050405020304" pitchFamily="18" charset="0"/>
-              </a:rPr>
-              <a:t>балл за все </a:t>
-            </a:r>
-            <a:r>
-              <a:rPr lang="ru-RU" sz="1800" dirty="0" smtClean="0">
-                <a:solidFill>
-                  <a:schemeClr val="tx1"/>
-                </a:solidFill>
-                <a:latin typeface="Times New Roman" panose="02020603050405020304" pitchFamily="18" charset="0"/>
-                <a:cs typeface="Times New Roman" panose="02020603050405020304" pitchFamily="18" charset="0"/>
-              </a:rPr>
-              <a:t>тесты, список </a:t>
-            </a:r>
-            <a:r>
-              <a:rPr lang="ru-RU" sz="1800" dirty="0">
+              <a:t>студенте, список </a:t>
+            </a:r>
+            <a:r>
+              <a:rPr lang="ru-RU" sz="2000" dirty="0">
                 <a:solidFill>
                   <a:schemeClr val="tx1"/>
                 </a:solidFill>
@@ -20317,7 +20419,7 @@
               <a:t>пройденных </a:t>
             </a:r>
             <a:r>
-              <a:rPr lang="ru-RU" sz="1800" dirty="0" smtClean="0">
+              <a:rPr lang="ru-RU" sz="2000" dirty="0" smtClean="0">
                 <a:solidFill>
                   <a:schemeClr val="tx1"/>
                 </a:solidFill>
@@ -20327,7 +20429,7 @@
               <a:t>тестов, прогресс </a:t>
             </a:r>
             <a:r>
-              <a:rPr lang="ru-RU" sz="1800" dirty="0">
+              <a:rPr lang="ru-RU" sz="2000" dirty="0">
                 <a:solidFill>
                   <a:schemeClr val="tx1"/>
                 </a:solidFill>
@@ -20336,13 +20438,6 @@
               </a:rPr>
               <a:t>прохождения курса.</a:t>
             </a:r>
-            <a:endParaRPr lang="ru-RU" sz="4000" dirty="0">
-              <a:solidFill>
-                <a:schemeClr val="tx1"/>
-              </a:solidFill>
-              <a:latin typeface="Times New Roman" panose="02020603050405020304" pitchFamily="18" charset="0"/>
-              <a:cs typeface="Times New Roman" panose="02020603050405020304" pitchFamily="18" charset="0"/>
-            </a:endParaRPr>
           </a:p>
         </p:txBody>
       </p:sp>
@@ -20351,7 +20446,7 @@
           <p:cNvPr id="10" name="Текст 9">
             <a:extLst>
               <a:ext uri="{FF2B5EF4-FFF2-40B4-BE49-F238E27FC236}">
-                <a16:creationId xmlns:a16="http://schemas.microsoft.com/office/drawing/2014/main" xmlns="" id="{02D305EF-9A88-496B-BFC1-D589A01EE381}"/>
+                <a16:creationId xmlns="" xmlns:a16="http://schemas.microsoft.com/office/drawing/2014/main" id="{02D305EF-9A88-496B-BFC1-D589A01EE381}"/>
               </a:ext>
             </a:extLst>
           </p:cNvPr>
@@ -20364,7 +20459,7 @@
         </p:nvSpPr>
         <p:spPr>
           <a:xfrm>
-            <a:off x="6094521" y="4753409"/>
+            <a:off x="6084996" y="4737881"/>
             <a:ext cx="5792679" cy="1010842"/>
           </a:xfrm>
         </p:spPr>
@@ -20376,7 +20471,7 @@
           <a:p>
             <a:pPr algn="just"/>
             <a:r>
-              <a:rPr lang="ru-RU" sz="1800" dirty="0" smtClean="0">
+              <a:rPr lang="ru-RU" sz="2000" dirty="0" smtClean="0">
                 <a:solidFill>
                   <a:schemeClr val="tx1"/>
                 </a:solidFill>
@@ -20386,14 +20481,34 @@
               <a:t>Информация </a:t>
             </a:r>
             <a:r>
-              <a:rPr lang="ru-RU" sz="1800" dirty="0">
+              <a:rPr lang="ru-RU" sz="2000" dirty="0">
                 <a:solidFill>
                   <a:schemeClr val="tx1"/>
                 </a:solidFill>
                 <a:latin typeface="Times New Roman" panose="02020603050405020304" pitchFamily="18" charset="0"/>
                 <a:cs typeface="Times New Roman" panose="02020603050405020304" pitchFamily="18" charset="0"/>
               </a:rPr>
-              <a:t>о пройденных тестах студентов, функционал для создания, изменения, добавления и удаления материалов учебника, а также управление списками студентов.</a:t>
+              <a:t>о </a:t>
+            </a:r>
+            <a:r>
+              <a:rPr lang="ru-RU" sz="2000" dirty="0" smtClean="0">
+                <a:solidFill>
+                  <a:schemeClr val="tx1"/>
+                </a:solidFill>
+                <a:latin typeface="Times New Roman" panose="02020603050405020304" pitchFamily="18" charset="0"/>
+                <a:cs typeface="Times New Roman" panose="02020603050405020304" pitchFamily="18" charset="0"/>
+              </a:rPr>
+              <a:t>тестах студентов, панель управления материалами учебника, </a:t>
+            </a:r>
+            <a:r>
+              <a:rPr lang="ru-RU" sz="2000" dirty="0">
+                <a:solidFill>
+                  <a:schemeClr val="tx1"/>
+                </a:solidFill>
+                <a:latin typeface="Times New Roman" panose="02020603050405020304" pitchFamily="18" charset="0"/>
+                <a:cs typeface="Times New Roman" panose="02020603050405020304" pitchFamily="18" charset="0"/>
+              </a:rPr>
+              <a:t>а также управление списками студентов.</a:t>
             </a:r>
           </a:p>
         </p:txBody>
@@ -20403,7 +20518,7 @@
           <p:cNvPr id="13" name="Номер слайда 12">
             <a:extLst>
               <a:ext uri="{FF2B5EF4-FFF2-40B4-BE49-F238E27FC236}">
-                <a16:creationId xmlns:a16="http://schemas.microsoft.com/office/drawing/2014/main" xmlns="" id="{E3984D70-BD95-4E1F-9725-902B5D74DED6}"/>
+                <a16:creationId xmlns="" xmlns:a16="http://schemas.microsoft.com/office/drawing/2014/main" id="{E3984D70-BD95-4E1F-9725-902B5D74DED6}"/>
               </a:ext>
             </a:extLst>
           </p:cNvPr>
@@ -20454,8 +20569,8 @@
         </p:nvSpPr>
         <p:spPr>
           <a:xfrm>
-            <a:off x="1047565" y="756795"/>
-            <a:ext cx="10093912" cy="646331"/>
+            <a:off x="0" y="827819"/>
+            <a:ext cx="12192000" cy="400110"/>
           </a:xfrm>
           <a:prstGeom prst="rect">
             <a:avLst/>
@@ -20467,9 +20582,9 @@
           </a:bodyPr>
           <a:lstStyle/>
           <a:p>
-            <a:pPr algn="just"/>
-            <a:r>
-              <a:rPr lang="ru-RU" dirty="0" smtClean="0">
+            <a:pPr indent="444500" algn="ctr"/>
+            <a:r>
+              <a:rPr lang="ru-RU" sz="2000" dirty="0" smtClean="0">
                 <a:latin typeface="Times New Roman" panose="02020603050405020304" pitchFamily="18" charset="0"/>
                 <a:ea typeface="Times New Roman"/>
                 <a:cs typeface="Times New Roman" panose="02020603050405020304" pitchFamily="18" charset="0"/>
@@ -20477,36 +20592,21 @@
               <a:t>Разрабатываемый </a:t>
             </a:r>
             <a:r>
-              <a:rPr lang="ru-RU" dirty="0">
+              <a:rPr lang="ru-RU" sz="2000" dirty="0">
                 <a:latin typeface="Times New Roman" panose="02020603050405020304" pitchFamily="18" charset="0"/>
                 <a:cs typeface="Times New Roman" panose="02020603050405020304" pitchFamily="18" charset="0"/>
               </a:rPr>
-              <a:t>образовательный ресурс</a:t>
-            </a:r>
-            <a:r>
-              <a:rPr lang="ru-RU" dirty="0" smtClean="0">
-                <a:latin typeface="Times New Roman" panose="02020603050405020304" pitchFamily="18" charset="0"/>
-                <a:ea typeface="Times New Roman"/>
-                <a:cs typeface="Times New Roman" panose="02020603050405020304" pitchFamily="18" charset="0"/>
-              </a:rPr>
-              <a:t> </a:t>
-            </a:r>
-            <a:r>
-              <a:rPr lang="ru-RU" dirty="0">
+              <a:t>образовательный </a:t>
+            </a:r>
+            <a:r>
+              <a:rPr lang="ru-RU" sz="2000" dirty="0" smtClean="0">
                 <a:latin typeface="Times New Roman" panose="02020603050405020304" pitchFamily="18" charset="0"/>
                 <a:cs typeface="Times New Roman" panose="02020603050405020304" pitchFamily="18" charset="0"/>
               </a:rPr>
-              <a:t>дисциплины «Архитектура компьютерных систем</a:t>
-            </a:r>
-            <a:r>
-              <a:rPr lang="ru-RU" dirty="0" smtClean="0">
-                <a:latin typeface="Times New Roman" panose="02020603050405020304" pitchFamily="18" charset="0"/>
-                <a:cs typeface="Times New Roman" panose="02020603050405020304" pitchFamily="18" charset="0"/>
-              </a:rPr>
-              <a:t>» </a:t>
-            </a:r>
-            <a:r>
-              <a:rPr lang="ru-RU" dirty="0" smtClean="0">
+              <a:t>ресурс </a:t>
+            </a:r>
+            <a:r>
+              <a:rPr lang="ru-RU" sz="2000" dirty="0" smtClean="0">
                 <a:latin typeface="Times New Roman" panose="02020603050405020304" pitchFamily="18" charset="0"/>
                 <a:ea typeface="Times New Roman"/>
                 <a:cs typeface="Times New Roman" panose="02020603050405020304" pitchFamily="18" charset="0"/>
@@ -20514,14 +20614,14 @@
               <a:t>должен </a:t>
             </a:r>
             <a:r>
-              <a:rPr lang="ru-RU" dirty="0">
+              <a:rPr lang="ru-RU" sz="2000" dirty="0">
                 <a:latin typeface="Times New Roman" panose="02020603050405020304" pitchFamily="18" charset="0"/>
                 <a:ea typeface="Times New Roman"/>
                 <a:cs typeface="Times New Roman" panose="02020603050405020304" pitchFamily="18" charset="0"/>
               </a:rPr>
               <a:t>включать в себя:</a:t>
             </a:r>
-            <a:endParaRPr lang="ru-RU" sz="1600" dirty="0">
+            <a:endParaRPr lang="ru-RU" sz="2000" dirty="0">
               <a:latin typeface="Times New Roman" panose="02020603050405020304" pitchFamily="18" charset="0"/>
               <a:cs typeface="Times New Roman" panose="02020603050405020304" pitchFamily="18" charset="0"/>
             </a:endParaRPr>
@@ -20538,6 +20638,13 @@
   <p:clrMapOvr>
     <a:masterClrMapping/>
   </p:clrMapOvr>
+  <p:timing>
+    <p:tnLst>
+      <p:par>
+        <p:cTn id="1" dur="indefinite" restart="never" nodeType="tmRoot"/>
+      </p:par>
+    </p:tnLst>
+  </p:timing>
 </p:sld>
 </file>
 
@@ -20563,7 +20670,7 @@
           <p:cNvPr id="2" name="Заголовок 1">
             <a:extLst>
               <a:ext uri="{FF2B5EF4-FFF2-40B4-BE49-F238E27FC236}">
-                <a16:creationId xmlns:a16="http://schemas.microsoft.com/office/drawing/2014/main" xmlns="" id="{67708C79-A4AC-4B5D-92DF-600737E4D11A}"/>
+                <a16:creationId xmlns="" xmlns:a16="http://schemas.microsoft.com/office/drawing/2014/main" id="{67708C79-A4AC-4B5D-92DF-600737E4D11A}"/>
               </a:ext>
             </a:extLst>
           </p:cNvPr>
@@ -20588,7 +20695,7 @@
           <a:p>
             <a:pPr algn="ctr"/>
             <a:r>
-              <a:rPr lang="ru-RU" sz="1800" dirty="0">
+              <a:rPr lang="ru-RU" sz="3600" dirty="0" smtClean="0">
                 <a:solidFill>
                   <a:schemeClr val="tx1"/>
                 </a:solidFill>
@@ -20597,49 +20704,7 @@
               </a:rPr>
               <a:t>Постановка задачи</a:t>
             </a:r>
-          </a:p>
-        </p:txBody>
-      </p:sp>
-      <p:sp>
-        <p:nvSpPr>
-          <p:cNvPr id="3" name="Объект 2">
-            <a:extLst>
-              <a:ext uri="{FF2B5EF4-FFF2-40B4-BE49-F238E27FC236}">
-                <a16:creationId xmlns:a16="http://schemas.microsoft.com/office/drawing/2014/main" xmlns="" id="{7D779DE4-CAEA-4617-897E-FEC9A2AC2D6A}"/>
-              </a:ext>
-            </a:extLst>
-          </p:cNvPr>
-          <p:cNvSpPr>
-            <a:spLocks noGrp="1"/>
-          </p:cNvSpPr>
-          <p:nvPr>
-            <p:ph type="body" sz="quarter" idx="13"/>
-          </p:nvPr>
-        </p:nvSpPr>
-        <p:spPr>
-          <a:xfrm>
-            <a:off x="237098" y="1552162"/>
-            <a:ext cx="2141764" cy="514350"/>
-          </a:xfrm>
-        </p:spPr>
-        <p:txBody>
-          <a:bodyPr vert="horz" lIns="91440" tIns="45720" rIns="91440" bIns="45720" rtlCol="0" anchor="ctr">
-            <a:normAutofit fontScale="92500" lnSpcReduction="10000"/>
-          </a:bodyPr>
-          <a:lstStyle/>
-          <a:p>
-            <a:pPr rtl="0"/>
-            <a:r>
-              <a:rPr lang="ru-RU" sz="1800" dirty="0" smtClean="0">
-                <a:solidFill>
-                  <a:schemeClr val="tx1"/>
-                </a:solidFill>
-                <a:latin typeface="Times New Roman" panose="02020603050405020304" pitchFamily="18" charset="0"/>
-                <a:cs typeface="Times New Roman" panose="02020603050405020304" pitchFamily="18" charset="0"/>
-              </a:rPr>
-              <a:t>Главная страница</a:t>
-            </a:r>
-            <a:endParaRPr lang="ru-RU" sz="1800" dirty="0">
+            <a:endParaRPr lang="ru-RU" sz="3600" dirty="0">
               <a:solidFill>
                 <a:schemeClr val="tx1"/>
               </a:solidFill>
@@ -20651,42 +20716,44 @@
       </p:sp>
       <p:sp>
         <p:nvSpPr>
-          <p:cNvPr id="4" name="Текст 3">
-            <a:extLst>
-              <a:ext uri="{FF2B5EF4-FFF2-40B4-BE49-F238E27FC236}">
-                <a16:creationId xmlns:a16="http://schemas.microsoft.com/office/drawing/2014/main" xmlns="" id="{F5FF1291-56EB-4A7B-A198-1D91F9ECC5D3}"/>
-              </a:ext>
-            </a:extLst>
-          </p:cNvPr>
-          <p:cNvSpPr>
-            <a:spLocks noGrp="1"/>
-          </p:cNvSpPr>
-          <p:nvPr>
-            <p:ph type="body" sz="quarter" idx="14"/>
-          </p:nvPr>
-        </p:nvSpPr>
-        <p:spPr>
-          <a:xfrm>
-            <a:off x="874179" y="2628487"/>
+          <p:cNvPr id="3" name="Объект 2">
+            <a:extLst>
+              <a:ext uri="{FF2B5EF4-FFF2-40B4-BE49-F238E27FC236}">
+                <a16:creationId xmlns="" xmlns:a16="http://schemas.microsoft.com/office/drawing/2014/main" id="{7D779DE4-CAEA-4617-897E-FEC9A2AC2D6A}"/>
+              </a:ext>
+            </a:extLst>
+          </p:cNvPr>
+          <p:cNvSpPr>
+            <a:spLocks noGrp="1"/>
+          </p:cNvSpPr>
+          <p:nvPr>
+            <p:ph type="body" sz="quarter" idx="13"/>
+          </p:nvPr>
+        </p:nvSpPr>
+        <p:spPr>
+          <a:xfrm>
+            <a:off x="237098" y="1552162"/>
             <a:ext cx="2141764" cy="514350"/>
           </a:xfrm>
         </p:spPr>
         <p:txBody>
-          <a:bodyPr rtlCol="0"/>
+          <a:bodyPr vert="horz" lIns="91440" tIns="45720" rIns="91440" bIns="45720" rtlCol="0" anchor="ctr">
+            <a:noAutofit/>
+          </a:bodyPr>
           <a:lstStyle/>
           <a:p>
             <a:pPr rtl="0"/>
             <a:r>
-              <a:rPr lang="ru-RU" sz="1800" dirty="0" smtClean="0">
+              <a:rPr lang="ru-RU" sz="2000" dirty="0" smtClean="0">
                 <a:solidFill>
                   <a:schemeClr val="tx1"/>
                 </a:solidFill>
                 <a:latin typeface="Times New Roman" panose="02020603050405020304" pitchFamily="18" charset="0"/>
                 <a:cs typeface="Times New Roman" panose="02020603050405020304" pitchFamily="18" charset="0"/>
               </a:rPr>
-              <a:t>Учебник</a:t>
-            </a:r>
-            <a:endParaRPr lang="ru-RU" sz="1800" dirty="0">
+              <a:t>Главная страница</a:t>
+            </a:r>
+            <a:endParaRPr lang="ru-RU" sz="2000" dirty="0">
               <a:solidFill>
                 <a:schemeClr val="tx1"/>
               </a:solidFill>
@@ -20698,24 +20765,24 @@
       </p:sp>
       <p:sp>
         <p:nvSpPr>
-          <p:cNvPr id="5" name="Текст 4">
-            <a:extLst>
-              <a:ext uri="{FF2B5EF4-FFF2-40B4-BE49-F238E27FC236}">
-                <a16:creationId xmlns:a16="http://schemas.microsoft.com/office/drawing/2014/main" xmlns="" id="{6184E21C-7534-4FB5-9709-F7D1A11034F3}"/>
-              </a:ext>
-            </a:extLst>
-          </p:cNvPr>
-          <p:cNvSpPr>
-            <a:spLocks noGrp="1"/>
-          </p:cNvSpPr>
-          <p:nvPr>
-            <p:ph type="body" sz="quarter" idx="15"/>
-          </p:nvPr>
-        </p:nvSpPr>
-        <p:spPr>
-          <a:xfrm>
-            <a:off x="719090" y="3704812"/>
-            <a:ext cx="2903277" cy="514350"/>
+          <p:cNvPr id="4" name="Текст 3">
+            <a:extLst>
+              <a:ext uri="{FF2B5EF4-FFF2-40B4-BE49-F238E27FC236}">
+                <a16:creationId xmlns="" xmlns:a16="http://schemas.microsoft.com/office/drawing/2014/main" id="{F5FF1291-56EB-4A7B-A198-1D91F9ECC5D3}"/>
+              </a:ext>
+            </a:extLst>
+          </p:cNvPr>
+          <p:cNvSpPr>
+            <a:spLocks noGrp="1"/>
+          </p:cNvSpPr>
+          <p:nvPr>
+            <p:ph type="body" sz="quarter" idx="14"/>
+          </p:nvPr>
+        </p:nvSpPr>
+        <p:spPr>
+          <a:xfrm>
+            <a:off x="874179" y="2628487"/>
+            <a:ext cx="2141764" cy="514350"/>
           </a:xfrm>
         </p:spPr>
         <p:txBody>
@@ -20724,16 +20791,16 @@
           <a:p>
             <a:pPr rtl="0"/>
             <a:r>
-              <a:rPr lang="ru-RU" sz="1800" dirty="0" smtClean="0">
+              <a:rPr lang="ru-RU" sz="2000" dirty="0" smtClean="0">
                 <a:solidFill>
                   <a:schemeClr val="tx1"/>
                 </a:solidFill>
                 <a:latin typeface="Times New Roman" panose="02020603050405020304" pitchFamily="18" charset="0"/>
                 <a:cs typeface="Times New Roman" panose="02020603050405020304" pitchFamily="18" charset="0"/>
               </a:rPr>
-              <a:t>Личный кабинет студента</a:t>
-            </a:r>
-            <a:endParaRPr lang="ru-RU" sz="1800" dirty="0">
+              <a:t>Учебник</a:t>
+            </a:r>
+            <a:endParaRPr lang="ru-RU" sz="2000" dirty="0">
               <a:solidFill>
                 <a:schemeClr val="tx1"/>
               </a:solidFill>
@@ -20745,51 +20812,42 @@
       </p:sp>
       <p:sp>
         <p:nvSpPr>
-          <p:cNvPr id="6" name="Текст 5">
-            <a:extLst>
-              <a:ext uri="{FF2B5EF4-FFF2-40B4-BE49-F238E27FC236}">
-                <a16:creationId xmlns:a16="http://schemas.microsoft.com/office/drawing/2014/main" xmlns="" id="{5C594564-4FC6-401A-8586-44735EE819EC}"/>
-              </a:ext>
-            </a:extLst>
-          </p:cNvPr>
-          <p:cNvSpPr>
-            <a:spLocks noGrp="1"/>
-          </p:cNvSpPr>
-          <p:nvPr>
-            <p:ph type="body" sz="quarter" idx="16"/>
-          </p:nvPr>
-        </p:nvSpPr>
-        <p:spPr>
-          <a:xfrm>
-            <a:off x="612559" y="4781138"/>
-            <a:ext cx="3594009" cy="514350"/>
+          <p:cNvPr id="5" name="Текст 4">
+            <a:extLst>
+              <a:ext uri="{FF2B5EF4-FFF2-40B4-BE49-F238E27FC236}">
+                <a16:creationId xmlns="" xmlns:a16="http://schemas.microsoft.com/office/drawing/2014/main" id="{6184E21C-7534-4FB5-9709-F7D1A11034F3}"/>
+              </a:ext>
+            </a:extLst>
+          </p:cNvPr>
+          <p:cNvSpPr>
+            <a:spLocks noGrp="1"/>
+          </p:cNvSpPr>
+          <p:nvPr>
+            <p:ph type="body" sz="quarter" idx="15"/>
+          </p:nvPr>
+        </p:nvSpPr>
+        <p:spPr>
+          <a:xfrm>
+            <a:off x="719090" y="3704812"/>
+            <a:ext cx="2903277" cy="514350"/>
           </a:xfrm>
         </p:spPr>
         <p:txBody>
           <a:bodyPr rtlCol="0"/>
           <a:lstStyle/>
           <a:p>
-            <a:r>
-              <a:rPr lang="ru-RU" sz="1800" dirty="0">
+            <a:pPr rtl="0"/>
+            <a:r>
+              <a:rPr lang="ru-RU" sz="2000" dirty="0" smtClean="0">
                 <a:solidFill>
                   <a:schemeClr val="tx1"/>
                 </a:solidFill>
                 <a:latin typeface="Times New Roman" panose="02020603050405020304" pitchFamily="18" charset="0"/>
                 <a:cs typeface="Times New Roman" panose="02020603050405020304" pitchFamily="18" charset="0"/>
               </a:rPr>
-              <a:t>Личный кабинет </a:t>
-            </a:r>
-            <a:r>
-              <a:rPr lang="ru-RU" sz="1800" dirty="0" smtClean="0">
-                <a:solidFill>
-                  <a:schemeClr val="tx1"/>
-                </a:solidFill>
-                <a:latin typeface="Times New Roman" panose="02020603050405020304" pitchFamily="18" charset="0"/>
-                <a:cs typeface="Times New Roman" panose="02020603050405020304" pitchFamily="18" charset="0"/>
-              </a:rPr>
-              <a:t>преподавателя</a:t>
-            </a:r>
-            <a:endParaRPr lang="ru-RU" sz="1800" dirty="0">
+              <a:t>Личный кабинет студента</a:t>
+            </a:r>
+            <a:endParaRPr lang="ru-RU" sz="2000" dirty="0">
               <a:solidFill>
                 <a:schemeClr val="tx1"/>
               </a:solidFill>
@@ -20801,10 +20859,66 @@
       </p:sp>
       <p:sp>
         <p:nvSpPr>
+          <p:cNvPr id="6" name="Текст 5">
+            <a:extLst>
+              <a:ext uri="{FF2B5EF4-FFF2-40B4-BE49-F238E27FC236}">
+                <a16:creationId xmlns="" xmlns:a16="http://schemas.microsoft.com/office/drawing/2014/main" id="{5C594564-4FC6-401A-8586-44735EE819EC}"/>
+              </a:ext>
+            </a:extLst>
+          </p:cNvPr>
+          <p:cNvSpPr>
+            <a:spLocks noGrp="1"/>
+          </p:cNvSpPr>
+          <p:nvPr>
+            <p:ph type="body" sz="quarter" idx="16"/>
+          </p:nvPr>
+        </p:nvSpPr>
+        <p:spPr>
+          <a:xfrm>
+            <a:off x="612559" y="4781138"/>
+            <a:ext cx="3594009" cy="514350"/>
+          </a:xfrm>
+        </p:spPr>
+        <p:txBody>
+          <a:bodyPr rtlCol="0"/>
+          <a:lstStyle/>
+          <a:p>
+            <a:r>
+              <a:rPr lang="ru-RU" sz="2000" dirty="0">
+                <a:solidFill>
+                  <a:schemeClr val="tx1"/>
+                </a:solidFill>
+                <a:latin typeface="Times New Roman" panose="02020603050405020304" pitchFamily="18" charset="0"/>
+                <a:cs typeface="Times New Roman" panose="02020603050405020304" pitchFamily="18" charset="0"/>
+              </a:rPr>
+              <a:t>Личный кабинет </a:t>
+            </a:r>
+            <a:r>
+              <a:rPr lang="ru-RU" sz="2000" dirty="0" smtClean="0">
+                <a:solidFill>
+                  <a:schemeClr val="tx1"/>
+                </a:solidFill>
+                <a:latin typeface="Times New Roman" panose="02020603050405020304" pitchFamily="18" charset="0"/>
+                <a:cs typeface="Times New Roman" panose="02020603050405020304" pitchFamily="18" charset="0"/>
+              </a:rPr>
+              <a:t>преподавателя</a:t>
+            </a:r>
+            <a:endParaRPr lang="ru-RU" sz="2000" dirty="0">
+              <a:solidFill>
+                <a:schemeClr val="tx1"/>
+              </a:solidFill>
+              <a:latin typeface="Times New Roman" panose="02020603050405020304" pitchFamily="18" charset="0"/>
+              <a:cs typeface="Times New Roman" panose="02020603050405020304" pitchFamily="18" charset="0"/>
+            </a:endParaRPr>
+          </a:p>
+        </p:txBody>
+      </p:sp>
+      <p:sp>
+        <p:nvSpPr>
           <p:cNvPr id="7" name="Текст 6">
             <a:extLst>
               <a:ext uri="{FF2B5EF4-FFF2-40B4-BE49-F238E27FC236}">
-                <a16:creationId xmlns:a16="http://schemas.microsoft.com/office/drawing/2014/main" xmlns="" id="{D7EB25CA-DA83-483D-AF83-0001BDF2DE2B}"/>
+                <a16:creationId xmlns="" xmlns:a16="http://schemas.microsoft.com/office/drawing/2014/main" id="{D7EB25CA-DA83-483D-AF83-0001BDF2DE2B}"/>
               </a:ext>
             </a:extLst>
           </p:cNvPr>
@@ -20817,7 +20931,7 @@
         </p:nvSpPr>
         <p:spPr>
           <a:xfrm>
-            <a:off x="4144083" y="1580684"/>
+            <a:off x="4144083" y="1463329"/>
             <a:ext cx="7663218" cy="372404"/>
           </a:xfrm>
         </p:spPr>
@@ -20829,7 +20943,253 @@
           <a:p>
             <a:pPr algn="just"/>
             <a:r>
-              <a:rPr lang="ru-RU" sz="1800" dirty="0">
+              <a:rPr lang="ru-RU" sz="2000" dirty="0" smtClean="0">
+                <a:solidFill>
+                  <a:schemeClr val="tx1"/>
+                </a:solidFill>
+                <a:latin typeface="Times New Roman" panose="02020603050405020304" pitchFamily="18" charset="0"/>
+                <a:cs typeface="Times New Roman" panose="02020603050405020304" pitchFamily="18" charset="0"/>
+              </a:rPr>
+              <a:t>Информация </a:t>
+            </a:r>
+            <a:r>
+              <a:rPr lang="ru-RU" sz="2000" dirty="0">
+                <a:solidFill>
+                  <a:schemeClr val="tx1"/>
+                </a:solidFill>
+                <a:latin typeface="Times New Roman" panose="02020603050405020304" pitchFamily="18" charset="0"/>
+                <a:cs typeface="Times New Roman" panose="02020603050405020304" pitchFamily="18" charset="0"/>
+              </a:rPr>
+              <a:t>о курсе и навигация по разделам сайта.</a:t>
+            </a:r>
+          </a:p>
+        </p:txBody>
+      </p:sp>
+      <p:sp>
+        <p:nvSpPr>
+          <p:cNvPr id="8" name="Текст 7">
+            <a:extLst>
+              <a:ext uri="{FF2B5EF4-FFF2-40B4-BE49-F238E27FC236}">
+                <a16:creationId xmlns="" xmlns:a16="http://schemas.microsoft.com/office/drawing/2014/main" id="{B46CE8C6-E12D-4A0D-8553-7FFA31941D56}"/>
+              </a:ext>
+            </a:extLst>
+          </p:cNvPr>
+          <p:cNvSpPr>
+            <a:spLocks noGrp="1"/>
+          </p:cNvSpPr>
+          <p:nvPr>
+            <p:ph type="body" sz="quarter" idx="18"/>
+          </p:nvPr>
+        </p:nvSpPr>
+        <p:spPr>
+          <a:xfrm>
+            <a:off x="4758247" y="2567711"/>
+            <a:ext cx="6977848" cy="927784"/>
+          </a:xfrm>
+        </p:spPr>
+        <p:txBody>
+          <a:bodyPr rtlCol="0">
+            <a:noAutofit/>
+          </a:bodyPr>
+          <a:lstStyle/>
+          <a:p>
+            <a:pPr algn="just"/>
+            <a:r>
+              <a:rPr lang="ru-RU" sz="2000" dirty="0" smtClean="0">
+                <a:solidFill>
+                  <a:schemeClr val="tx1"/>
+                </a:solidFill>
+                <a:latin typeface="Times New Roman" panose="02020603050405020304" pitchFamily="18" charset="0"/>
+                <a:cs typeface="Times New Roman" panose="02020603050405020304" pitchFamily="18" charset="0"/>
+              </a:rPr>
+              <a:t>Меню учебника; </a:t>
+            </a:r>
+            <a:r>
+              <a:rPr lang="ru-RU" sz="2000" dirty="0">
+                <a:solidFill>
+                  <a:schemeClr val="tx1"/>
+                </a:solidFill>
+                <a:latin typeface="Times New Roman" panose="02020603050405020304" pitchFamily="18" charset="0"/>
+                <a:cs typeface="Times New Roman" panose="02020603050405020304" pitchFamily="18" charset="0"/>
+              </a:rPr>
+              <a:t>просмотр </a:t>
+            </a:r>
+            <a:r>
+              <a:rPr lang="ru-RU" sz="2000" dirty="0" smtClean="0">
+                <a:solidFill>
+                  <a:schemeClr val="tx1"/>
+                </a:solidFill>
+                <a:latin typeface="Times New Roman" panose="02020603050405020304" pitchFamily="18" charset="0"/>
+                <a:cs typeface="Times New Roman" panose="02020603050405020304" pitchFamily="18" charset="0"/>
+              </a:rPr>
+              <a:t>лекций; тестирование; проверка ответов; оценивание </a:t>
+            </a:r>
+            <a:r>
+              <a:rPr lang="ru-RU" sz="2000" dirty="0">
+                <a:solidFill>
+                  <a:schemeClr val="tx1"/>
+                </a:solidFill>
+                <a:latin typeface="Times New Roman" panose="02020603050405020304" pitchFamily="18" charset="0"/>
+                <a:cs typeface="Times New Roman" panose="02020603050405020304" pitchFamily="18" charset="0"/>
+              </a:rPr>
+              <a:t>и </a:t>
+            </a:r>
+            <a:r>
+              <a:rPr lang="ru-RU" sz="2000" dirty="0" smtClean="0">
+                <a:solidFill>
+                  <a:schemeClr val="tx1"/>
+                </a:solidFill>
+                <a:latin typeface="Times New Roman" panose="02020603050405020304" pitchFamily="18" charset="0"/>
+                <a:cs typeface="Times New Roman" panose="02020603050405020304" pitchFamily="18" charset="0"/>
+              </a:rPr>
+              <a:t>сохранение </a:t>
+            </a:r>
+            <a:r>
+              <a:rPr lang="ru-RU" sz="2000" dirty="0">
+                <a:solidFill>
+                  <a:schemeClr val="tx1"/>
+                </a:solidFill>
+                <a:latin typeface="Times New Roman" panose="02020603050405020304" pitchFamily="18" charset="0"/>
+                <a:cs typeface="Times New Roman" panose="02020603050405020304" pitchFamily="18" charset="0"/>
+              </a:rPr>
+              <a:t>результата.</a:t>
+            </a:r>
+          </a:p>
+        </p:txBody>
+      </p:sp>
+      <p:sp>
+        <p:nvSpPr>
+          <p:cNvPr id="9" name="Текст 8">
+            <a:extLst>
+              <a:ext uri="{FF2B5EF4-FFF2-40B4-BE49-F238E27FC236}">
+                <a16:creationId xmlns="" xmlns:a16="http://schemas.microsoft.com/office/drawing/2014/main" id="{1C7D5285-85DF-4331-A6FA-1AE847CA47AE}"/>
+              </a:ext>
+            </a:extLst>
+          </p:cNvPr>
+          <p:cNvSpPr>
+            <a:spLocks noGrp="1"/>
+          </p:cNvSpPr>
+          <p:nvPr>
+            <p:ph type="body" sz="quarter" idx="19"/>
+          </p:nvPr>
+        </p:nvSpPr>
+        <p:spPr>
+          <a:xfrm>
+            <a:off x="5468645" y="3644329"/>
+            <a:ext cx="6383044" cy="903445"/>
+          </a:xfrm>
+        </p:spPr>
+        <p:txBody>
+          <a:bodyPr rtlCol="0">
+            <a:noAutofit/>
+          </a:bodyPr>
+          <a:lstStyle/>
+          <a:p>
+            <a:pPr algn="just"/>
+            <a:r>
+              <a:rPr lang="ru-RU" sz="2000" dirty="0">
+                <a:solidFill>
+                  <a:schemeClr val="tx1"/>
+                </a:solidFill>
+                <a:latin typeface="Times New Roman" panose="02020603050405020304" pitchFamily="18" charset="0"/>
+                <a:cs typeface="Times New Roman" panose="02020603050405020304" pitchFamily="18" charset="0"/>
+              </a:rPr>
+              <a:t>О</a:t>
+            </a:r>
+            <a:r>
+              <a:rPr lang="ru-RU" sz="2000" dirty="0" smtClean="0">
+                <a:solidFill>
+                  <a:schemeClr val="tx1"/>
+                </a:solidFill>
+                <a:latin typeface="Times New Roman" panose="02020603050405020304" pitchFamily="18" charset="0"/>
+                <a:cs typeface="Times New Roman" panose="02020603050405020304" pitchFamily="18" charset="0"/>
+              </a:rPr>
+              <a:t>тображение </a:t>
+            </a:r>
+            <a:r>
+              <a:rPr lang="ru-RU" sz="2000" dirty="0">
+                <a:solidFill>
+                  <a:schemeClr val="tx1"/>
+                </a:solidFill>
+                <a:latin typeface="Times New Roman" panose="02020603050405020304" pitchFamily="18" charset="0"/>
+                <a:cs typeface="Times New Roman" panose="02020603050405020304" pitchFamily="18" charset="0"/>
+              </a:rPr>
+              <a:t>персональных </a:t>
+            </a:r>
+            <a:r>
+              <a:rPr lang="ru-RU" sz="2000" dirty="0" smtClean="0">
+                <a:solidFill>
+                  <a:schemeClr val="tx1"/>
+                </a:solidFill>
+                <a:latin typeface="Times New Roman" panose="02020603050405020304" pitchFamily="18" charset="0"/>
+                <a:cs typeface="Times New Roman" panose="02020603050405020304" pitchFamily="18" charset="0"/>
+              </a:rPr>
+              <a:t>данных; прогресс курса; информация </a:t>
+            </a:r>
+            <a:r>
+              <a:rPr lang="ru-RU" sz="2000" dirty="0">
+                <a:solidFill>
+                  <a:schemeClr val="tx1"/>
+                </a:solidFill>
+                <a:latin typeface="Times New Roman" panose="02020603050405020304" pitchFamily="18" charset="0"/>
+                <a:cs typeface="Times New Roman" panose="02020603050405020304" pitchFamily="18" charset="0"/>
+              </a:rPr>
+              <a:t>о </a:t>
+            </a:r>
+            <a:r>
+              <a:rPr lang="ru-RU" sz="2000" dirty="0" smtClean="0">
+                <a:solidFill>
+                  <a:schemeClr val="tx1"/>
+                </a:solidFill>
+                <a:latin typeface="Times New Roman" panose="02020603050405020304" pitchFamily="18" charset="0"/>
+                <a:cs typeface="Times New Roman" panose="02020603050405020304" pitchFamily="18" charset="0"/>
+              </a:rPr>
+              <a:t>пройденных тестах</a:t>
+            </a:r>
+            <a:r>
+              <a:rPr lang="ru-RU" sz="2000" dirty="0">
+                <a:solidFill>
+                  <a:schemeClr val="tx1"/>
+                </a:solidFill>
+                <a:latin typeface="Times New Roman" panose="02020603050405020304" pitchFamily="18" charset="0"/>
+                <a:cs typeface="Times New Roman" panose="02020603050405020304" pitchFamily="18" charset="0"/>
+              </a:rPr>
+              <a:t>.</a:t>
+            </a:r>
+          </a:p>
+        </p:txBody>
+      </p:sp>
+      <p:sp>
+        <p:nvSpPr>
+          <p:cNvPr id="10" name="Текст 9">
+            <a:extLst>
+              <a:ext uri="{FF2B5EF4-FFF2-40B4-BE49-F238E27FC236}">
+                <a16:creationId xmlns="" xmlns:a16="http://schemas.microsoft.com/office/drawing/2014/main" id="{02D305EF-9A88-496B-BFC1-D589A01EE381}"/>
+              </a:ext>
+            </a:extLst>
+          </p:cNvPr>
+          <p:cNvSpPr>
+            <a:spLocks noGrp="1"/>
+          </p:cNvSpPr>
+          <p:nvPr>
+            <p:ph type="body" sz="quarter" idx="20"/>
+          </p:nvPr>
+        </p:nvSpPr>
+        <p:spPr>
+          <a:xfrm>
+            <a:off x="6094521" y="4567438"/>
+            <a:ext cx="5792679" cy="1010842"/>
+          </a:xfrm>
+        </p:spPr>
+        <p:txBody>
+          <a:bodyPr rtlCol="0">
+            <a:noAutofit/>
+          </a:bodyPr>
+          <a:lstStyle/>
+          <a:p>
+            <a:pPr algn="just"/>
+            <a:r>
+              <a:rPr lang="ru-RU" sz="2000" dirty="0">
                 <a:solidFill>
                   <a:schemeClr val="tx1"/>
                 </a:solidFill>
@@ -20839,313 +21199,7 @@
               <a:t>П</a:t>
             </a:r>
             <a:r>
-              <a:rPr lang="ru-RU" sz="1800" dirty="0" smtClean="0">
-                <a:solidFill>
-                  <a:schemeClr val="tx1"/>
-                </a:solidFill>
-                <a:latin typeface="Times New Roman" panose="02020603050405020304" pitchFamily="18" charset="0"/>
-                <a:cs typeface="Times New Roman" panose="02020603050405020304" pitchFamily="18" charset="0"/>
-              </a:rPr>
-              <a:t>редоставление </a:t>
-            </a:r>
-            <a:r>
-              <a:rPr lang="ru-RU" sz="1800" dirty="0">
-                <a:solidFill>
-                  <a:schemeClr val="tx1"/>
-                </a:solidFill>
-                <a:latin typeface="Times New Roman" panose="02020603050405020304" pitchFamily="18" charset="0"/>
-                <a:cs typeface="Times New Roman" panose="02020603050405020304" pitchFamily="18" charset="0"/>
-              </a:rPr>
-              <a:t>информации о курсе и навигация по разделам сайта.</a:t>
-            </a:r>
-          </a:p>
-        </p:txBody>
-      </p:sp>
-      <p:sp>
-        <p:nvSpPr>
-          <p:cNvPr id="8" name="Текст 7">
-            <a:extLst>
-              <a:ext uri="{FF2B5EF4-FFF2-40B4-BE49-F238E27FC236}">
-                <a16:creationId xmlns:a16="http://schemas.microsoft.com/office/drawing/2014/main" xmlns="" id="{B46CE8C6-E12D-4A0D-8553-7FFA31941D56}"/>
-              </a:ext>
-            </a:extLst>
-          </p:cNvPr>
-          <p:cNvSpPr>
-            <a:spLocks noGrp="1"/>
-          </p:cNvSpPr>
-          <p:nvPr>
-            <p:ph type="body" sz="quarter" idx="18"/>
-          </p:nvPr>
-        </p:nvSpPr>
-        <p:spPr>
-          <a:xfrm>
-            <a:off x="4891597" y="2034491"/>
-            <a:ext cx="6977848" cy="1489944"/>
-          </a:xfrm>
-        </p:spPr>
-        <p:txBody>
-          <a:bodyPr rtlCol="0">
-            <a:noAutofit/>
-          </a:bodyPr>
-          <a:lstStyle/>
-          <a:p>
-            <a:pPr algn="just"/>
-            <a:r>
-              <a:rPr lang="ru-RU" sz="1800" dirty="0">
-                <a:solidFill>
-                  <a:schemeClr val="tx1"/>
-                </a:solidFill>
-                <a:latin typeface="Times New Roman" panose="02020603050405020304" pitchFamily="18" charset="0"/>
-                <a:cs typeface="Times New Roman" panose="02020603050405020304" pitchFamily="18" charset="0"/>
-              </a:rPr>
-              <a:t>Структурированное меню с разделами и лекциями, просмотр </a:t>
-            </a:r>
-            <a:r>
-              <a:rPr lang="ru-RU" sz="1800" dirty="0" smtClean="0">
-                <a:solidFill>
-                  <a:schemeClr val="tx1"/>
-                </a:solidFill>
-                <a:latin typeface="Times New Roman" panose="02020603050405020304" pitchFamily="18" charset="0"/>
-                <a:cs typeface="Times New Roman" panose="02020603050405020304" pitchFamily="18" charset="0"/>
-              </a:rPr>
-              <a:t>контента лекций</a:t>
-            </a:r>
-            <a:r>
-              <a:rPr lang="ru-RU" sz="1800" dirty="0">
-                <a:solidFill>
-                  <a:schemeClr val="tx1"/>
-                </a:solidFill>
-                <a:latin typeface="Times New Roman" panose="02020603050405020304" pitchFamily="18" charset="0"/>
-                <a:cs typeface="Times New Roman" panose="02020603050405020304" pitchFamily="18" charset="0"/>
-              </a:rPr>
-              <a:t>;</a:t>
-            </a:r>
-            <a:r>
-              <a:rPr lang="ru-RU" sz="1800" dirty="0" smtClean="0">
-                <a:solidFill>
-                  <a:schemeClr val="tx1"/>
-                </a:solidFill>
-                <a:latin typeface="Times New Roman" panose="02020603050405020304" pitchFamily="18" charset="0"/>
-                <a:cs typeface="Times New Roman" panose="02020603050405020304" pitchFamily="18" charset="0"/>
-              </a:rPr>
-              <a:t> </a:t>
-            </a:r>
-            <a:r>
-              <a:rPr lang="ru-RU" sz="1800" dirty="0">
-                <a:solidFill>
-                  <a:schemeClr val="tx1"/>
-                </a:solidFill>
-                <a:latin typeface="Times New Roman" panose="02020603050405020304" pitchFamily="18" charset="0"/>
-                <a:cs typeface="Times New Roman" panose="02020603050405020304" pitchFamily="18" charset="0"/>
-              </a:rPr>
-              <a:t>завершение </a:t>
-            </a:r>
-            <a:r>
-              <a:rPr lang="ru-RU" sz="1800" dirty="0" smtClean="0">
-                <a:solidFill>
-                  <a:schemeClr val="tx1"/>
-                </a:solidFill>
-                <a:latin typeface="Times New Roman" panose="02020603050405020304" pitchFamily="18" charset="0"/>
-                <a:cs typeface="Times New Roman" panose="02020603050405020304" pitchFamily="18" charset="0"/>
-              </a:rPr>
-              <a:t>лекций, сохраняя прогресс; </a:t>
-            </a:r>
-            <a:r>
-              <a:rPr lang="ru-RU" sz="1800" dirty="0">
-                <a:solidFill>
-                  <a:schemeClr val="tx1"/>
-                </a:solidFill>
-                <a:latin typeface="Times New Roman" panose="02020603050405020304" pitchFamily="18" charset="0"/>
-                <a:cs typeface="Times New Roman" panose="02020603050405020304" pitchFamily="18" charset="0"/>
-              </a:rPr>
-              <a:t>переход к </a:t>
-            </a:r>
-            <a:r>
-              <a:rPr lang="ru-RU" sz="1800" dirty="0" smtClean="0">
-                <a:solidFill>
-                  <a:schemeClr val="tx1"/>
-                </a:solidFill>
-                <a:latin typeface="Times New Roman" panose="02020603050405020304" pitchFamily="18" charset="0"/>
-                <a:cs typeface="Times New Roman" panose="02020603050405020304" pitchFamily="18" charset="0"/>
-              </a:rPr>
-              <a:t>следующей лекции; </a:t>
-            </a:r>
-            <a:r>
-              <a:rPr lang="ru-RU" sz="1800" dirty="0">
-                <a:solidFill>
-                  <a:schemeClr val="tx1"/>
-                </a:solidFill>
-                <a:latin typeface="Times New Roman" panose="02020603050405020304" pitchFamily="18" charset="0"/>
-                <a:cs typeface="Times New Roman" panose="02020603050405020304" pitchFamily="18" charset="0"/>
-              </a:rPr>
-              <a:t>тестирование с контролем оставшихся </a:t>
-            </a:r>
-            <a:r>
-              <a:rPr lang="ru-RU" sz="1800" dirty="0" smtClean="0">
-                <a:solidFill>
-                  <a:schemeClr val="tx1"/>
-                </a:solidFill>
-                <a:latin typeface="Times New Roman" panose="02020603050405020304" pitchFamily="18" charset="0"/>
-                <a:cs typeface="Times New Roman" panose="02020603050405020304" pitchFamily="18" charset="0"/>
-              </a:rPr>
-              <a:t>попыток; проверка </a:t>
-            </a:r>
-            <a:r>
-              <a:rPr lang="ru-RU" sz="1800" dirty="0" err="1" smtClean="0">
-                <a:solidFill>
-                  <a:schemeClr val="tx1"/>
-                </a:solidFill>
-                <a:latin typeface="Times New Roman" panose="02020603050405020304" pitchFamily="18" charset="0"/>
-                <a:cs typeface="Times New Roman" panose="02020603050405020304" pitchFamily="18" charset="0"/>
-              </a:rPr>
-              <a:t>заполненности</a:t>
-            </a:r>
-            <a:r>
-              <a:rPr lang="ru-RU" sz="1800" dirty="0" smtClean="0">
-                <a:solidFill>
-                  <a:schemeClr val="tx1"/>
-                </a:solidFill>
-                <a:latin typeface="Times New Roman" panose="02020603050405020304" pitchFamily="18" charset="0"/>
-                <a:cs typeface="Times New Roman" panose="02020603050405020304" pitchFamily="18" charset="0"/>
-              </a:rPr>
-              <a:t> ответов; оценивание </a:t>
-            </a:r>
-            <a:r>
-              <a:rPr lang="ru-RU" sz="1800" dirty="0">
-                <a:solidFill>
-                  <a:schemeClr val="tx1"/>
-                </a:solidFill>
-                <a:latin typeface="Times New Roman" panose="02020603050405020304" pitchFamily="18" charset="0"/>
-                <a:cs typeface="Times New Roman" panose="02020603050405020304" pitchFamily="18" charset="0"/>
-              </a:rPr>
-              <a:t>и </a:t>
-            </a:r>
-            <a:r>
-              <a:rPr lang="ru-RU" sz="1800" dirty="0" smtClean="0">
-                <a:solidFill>
-                  <a:schemeClr val="tx1"/>
-                </a:solidFill>
-                <a:latin typeface="Times New Roman" panose="02020603050405020304" pitchFamily="18" charset="0"/>
-                <a:cs typeface="Times New Roman" panose="02020603050405020304" pitchFamily="18" charset="0"/>
-              </a:rPr>
-              <a:t>сохранение </a:t>
-            </a:r>
-            <a:r>
-              <a:rPr lang="ru-RU" sz="1800" dirty="0">
-                <a:solidFill>
-                  <a:schemeClr val="tx1"/>
-                </a:solidFill>
-                <a:latin typeface="Times New Roman" panose="02020603050405020304" pitchFamily="18" charset="0"/>
-                <a:cs typeface="Times New Roman" panose="02020603050405020304" pitchFamily="18" charset="0"/>
-              </a:rPr>
-              <a:t>результата.</a:t>
-            </a:r>
-          </a:p>
-        </p:txBody>
-      </p:sp>
-      <p:sp>
-        <p:nvSpPr>
-          <p:cNvPr id="9" name="Текст 8">
-            <a:extLst>
-              <a:ext uri="{FF2B5EF4-FFF2-40B4-BE49-F238E27FC236}">
-                <a16:creationId xmlns:a16="http://schemas.microsoft.com/office/drawing/2014/main" xmlns="" id="{1C7D5285-85DF-4331-A6FA-1AE847CA47AE}"/>
-              </a:ext>
-            </a:extLst>
-          </p:cNvPr>
-          <p:cNvSpPr>
-            <a:spLocks noGrp="1"/>
-          </p:cNvSpPr>
-          <p:nvPr>
-            <p:ph type="body" sz="quarter" idx="19"/>
-          </p:nvPr>
-        </p:nvSpPr>
-        <p:spPr>
-          <a:xfrm>
-            <a:off x="5486401" y="3639980"/>
-            <a:ext cx="6383044" cy="1171718"/>
-          </a:xfrm>
-        </p:spPr>
-        <p:txBody>
-          <a:bodyPr rtlCol="0">
-            <a:normAutofit/>
-          </a:bodyPr>
-          <a:lstStyle/>
-          <a:p>
-            <a:pPr algn="just"/>
-            <a:r>
-              <a:rPr lang="ru-RU" sz="1800" dirty="0">
-                <a:solidFill>
-                  <a:schemeClr val="tx1"/>
-                </a:solidFill>
-                <a:latin typeface="Times New Roman" panose="02020603050405020304" pitchFamily="18" charset="0"/>
-                <a:cs typeface="Times New Roman" panose="02020603050405020304" pitchFamily="18" charset="0"/>
-              </a:rPr>
-              <a:t>О</a:t>
-            </a:r>
-            <a:r>
-              <a:rPr lang="ru-RU" sz="1800" dirty="0" smtClean="0">
-                <a:solidFill>
-                  <a:schemeClr val="tx1"/>
-                </a:solidFill>
-                <a:latin typeface="Times New Roman" panose="02020603050405020304" pitchFamily="18" charset="0"/>
-                <a:cs typeface="Times New Roman" panose="02020603050405020304" pitchFamily="18" charset="0"/>
-              </a:rPr>
-              <a:t>тображение </a:t>
-            </a:r>
-            <a:r>
-              <a:rPr lang="ru-RU" sz="1800" dirty="0">
-                <a:solidFill>
-                  <a:schemeClr val="tx1"/>
-                </a:solidFill>
-                <a:latin typeface="Times New Roman" panose="02020603050405020304" pitchFamily="18" charset="0"/>
-                <a:cs typeface="Times New Roman" panose="02020603050405020304" pitchFamily="18" charset="0"/>
-              </a:rPr>
-              <a:t>персональных данных (ФИО, группа), средней оценки по тестам, прогресса прохождения курса и информации о пройденных тестах.</a:t>
-            </a:r>
-          </a:p>
-        </p:txBody>
-      </p:sp>
-      <p:sp>
-        <p:nvSpPr>
-          <p:cNvPr id="10" name="Текст 9">
-            <a:extLst>
-              <a:ext uri="{FF2B5EF4-FFF2-40B4-BE49-F238E27FC236}">
-                <a16:creationId xmlns:a16="http://schemas.microsoft.com/office/drawing/2014/main" xmlns="" id="{02D305EF-9A88-496B-BFC1-D589A01EE381}"/>
-              </a:ext>
-            </a:extLst>
-          </p:cNvPr>
-          <p:cNvSpPr>
-            <a:spLocks noGrp="1"/>
-          </p:cNvSpPr>
-          <p:nvPr>
-            <p:ph type="body" sz="quarter" idx="20"/>
-          </p:nvPr>
-        </p:nvSpPr>
-        <p:spPr>
-          <a:xfrm>
-            <a:off x="6094521" y="4691263"/>
-            <a:ext cx="5792679" cy="1010842"/>
-          </a:xfrm>
-        </p:spPr>
-        <p:txBody>
-          <a:bodyPr rtlCol="0">
-            <a:noAutofit/>
-          </a:bodyPr>
-          <a:lstStyle/>
-          <a:p>
-            <a:pPr algn="just"/>
-            <a:r>
-              <a:rPr lang="ru-RU" sz="1800" dirty="0">
-                <a:solidFill>
-                  <a:schemeClr val="tx1"/>
-                </a:solidFill>
-                <a:latin typeface="Times New Roman" panose="02020603050405020304" pitchFamily="18" charset="0"/>
-                <a:cs typeface="Times New Roman" panose="02020603050405020304" pitchFamily="18" charset="0"/>
-              </a:rPr>
-              <a:t>П</a:t>
-            </a:r>
-            <a:r>
-              <a:rPr lang="ru-RU" sz="1800" dirty="0" smtClean="0">
+              <a:rPr lang="ru-RU" sz="2000" dirty="0" smtClean="0">
                 <a:solidFill>
                   <a:schemeClr val="tx1"/>
                 </a:solidFill>
@@ -21155,15 +21209,72 @@
               <a:t>росмотр </a:t>
             </a:r>
             <a:r>
-              <a:rPr lang="ru-RU" sz="1800" dirty="0">
+              <a:rPr lang="ru-RU" sz="2000" dirty="0">
                 <a:solidFill>
                   <a:schemeClr val="tx1"/>
                 </a:solidFill>
                 <a:latin typeface="Times New Roman" panose="02020603050405020304" pitchFamily="18" charset="0"/>
                 <a:cs typeface="Times New Roman" panose="02020603050405020304" pitchFamily="18" charset="0"/>
               </a:rPr>
-              <a:t>и сортировка результатов всех студентов по тестам; управление кэшем учебника; создание, редактирование, удаление и сохранение материалов лекций и тестов.</a:t>
-            </a:r>
+              <a:t>и сортировка результатов </a:t>
+            </a:r>
+            <a:r>
+              <a:rPr lang="ru-RU" sz="2000" dirty="0" smtClean="0">
+                <a:solidFill>
+                  <a:schemeClr val="tx1"/>
+                </a:solidFill>
+                <a:latin typeface="Times New Roman" panose="02020603050405020304" pitchFamily="18" charset="0"/>
+                <a:cs typeface="Times New Roman" panose="02020603050405020304" pitchFamily="18" charset="0"/>
+              </a:rPr>
+              <a:t>тестов; </a:t>
+            </a:r>
+            <a:r>
+              <a:rPr lang="ru-RU" sz="2000" dirty="0">
+                <a:solidFill>
+                  <a:schemeClr val="tx1"/>
+                </a:solidFill>
+                <a:latin typeface="Times New Roman" panose="02020603050405020304" pitchFamily="18" charset="0"/>
+                <a:cs typeface="Times New Roman" panose="02020603050405020304" pitchFamily="18" charset="0"/>
+              </a:rPr>
+              <a:t>управление кэшем учебника; </a:t>
+            </a:r>
+            <a:r>
+              <a:rPr lang="ru-RU" sz="2000" dirty="0" smtClean="0">
+                <a:solidFill>
+                  <a:schemeClr val="tx1"/>
+                </a:solidFill>
+                <a:latin typeface="Times New Roman" panose="02020603050405020304" pitchFamily="18" charset="0"/>
+                <a:cs typeface="Times New Roman" panose="02020603050405020304" pitchFamily="18" charset="0"/>
+              </a:rPr>
+              <a:t>редактирование </a:t>
+            </a:r>
+            <a:r>
+              <a:rPr lang="ru-RU" sz="2000" dirty="0">
+                <a:solidFill>
+                  <a:schemeClr val="tx1"/>
+                </a:solidFill>
+                <a:latin typeface="Times New Roman" panose="02020603050405020304" pitchFamily="18" charset="0"/>
+                <a:cs typeface="Times New Roman" panose="02020603050405020304" pitchFamily="18" charset="0"/>
+              </a:rPr>
+              <a:t>материалов лекций и </a:t>
+            </a:r>
+            <a:r>
+              <a:rPr lang="ru-RU" sz="2000" dirty="0" smtClean="0">
+                <a:solidFill>
+                  <a:schemeClr val="tx1"/>
+                </a:solidFill>
+                <a:latin typeface="Times New Roman" panose="02020603050405020304" pitchFamily="18" charset="0"/>
+                <a:cs typeface="Times New Roman" panose="02020603050405020304" pitchFamily="18" charset="0"/>
+              </a:rPr>
+              <a:t>тестов; управление списками студентов</a:t>
+            </a:r>
+            <a:endParaRPr lang="ru-RU" sz="2000" dirty="0">
+              <a:solidFill>
+                <a:schemeClr val="tx1"/>
+              </a:solidFill>
+              <a:latin typeface="Times New Roman" panose="02020603050405020304" pitchFamily="18" charset="0"/>
+              <a:cs typeface="Times New Roman" panose="02020603050405020304" pitchFamily="18" charset="0"/>
+            </a:endParaRPr>
           </a:p>
         </p:txBody>
       </p:sp>
@@ -21172,7 +21283,7 @@
           <p:cNvPr id="13" name="Номер слайда 12">
             <a:extLst>
               <a:ext uri="{FF2B5EF4-FFF2-40B4-BE49-F238E27FC236}">
-                <a16:creationId xmlns:a16="http://schemas.microsoft.com/office/drawing/2014/main" xmlns="" id="{E3984D70-BD95-4E1F-9725-902B5D74DED6}"/>
+                <a16:creationId xmlns="" xmlns:a16="http://schemas.microsoft.com/office/drawing/2014/main" id="{E3984D70-BD95-4E1F-9725-902B5D74DED6}"/>
               </a:ext>
             </a:extLst>
           </p:cNvPr>
@@ -21223,8 +21334,8 @@
         </p:nvSpPr>
         <p:spPr>
           <a:xfrm>
-            <a:off x="1047565" y="756795"/>
-            <a:ext cx="10821880" cy="369332"/>
+            <a:off x="328474" y="756795"/>
+            <a:ext cx="11540971" cy="400110"/>
           </a:xfrm>
           <a:prstGeom prst="rect">
             <a:avLst/>
@@ -21236,9 +21347,9 @@
           </a:bodyPr>
           <a:lstStyle/>
           <a:p>
-            <a:pPr algn="just"/>
-            <a:r>
-              <a:rPr lang="ru-RU" dirty="0" smtClean="0">
+            <a:pPr indent="444500" algn="just"/>
+            <a:r>
+              <a:rPr lang="ru-RU" sz="2000" dirty="0" smtClean="0">
                 <a:latin typeface="Times New Roman" panose="02020603050405020304" pitchFamily="18" charset="0"/>
                 <a:ea typeface="Times New Roman"/>
                 <a:cs typeface="Times New Roman" panose="02020603050405020304" pitchFamily="18" charset="0"/>
@@ -21246,14 +21357,14 @@
               <a:t>Разрабатываемый </a:t>
             </a:r>
             <a:r>
-              <a:rPr lang="ru-RU" dirty="0">
+              <a:rPr lang="ru-RU" sz="2000" dirty="0">
                 <a:latin typeface="Times New Roman" panose="02020603050405020304" pitchFamily="18" charset="0"/>
                 <a:cs typeface="Times New Roman" panose="02020603050405020304" pitchFamily="18" charset="0"/>
               </a:rPr>
-              <a:t>электронно-образовательный ресурс  </a:t>
-            </a:r>
-            <a:r>
-              <a:rPr lang="ru-RU" dirty="0" smtClean="0">
+              <a:t>электронно-образовательный ресурс </a:t>
+            </a:r>
+            <a:r>
+              <a:rPr lang="ru-RU" sz="2000" dirty="0" smtClean="0">
                 <a:latin typeface="Times New Roman" panose="02020603050405020304" pitchFamily="18" charset="0"/>
                 <a:ea typeface="Times New Roman"/>
                 <a:cs typeface="Times New Roman" panose="02020603050405020304" pitchFamily="18" charset="0"/>
@@ -21271,8 +21382,8 @@
         </p:nvSpPr>
         <p:spPr>
           <a:xfrm>
-            <a:off x="766439" y="5902301"/>
-            <a:ext cx="11103006" cy="646331"/>
+            <a:off x="328474" y="5902301"/>
+            <a:ext cx="11540971" cy="707886"/>
           </a:xfrm>
           <a:prstGeom prst="rect">
             <a:avLst/>
@@ -21284,9 +21395,9 @@
           </a:bodyPr>
           <a:lstStyle/>
           <a:p>
-            <a:pPr algn="just"/>
-            <a:r>
-              <a:rPr lang="ru-RU" dirty="0">
+            <a:pPr indent="444500" algn="just"/>
+            <a:r>
+              <a:rPr lang="ru-RU" sz="2000" dirty="0">
                 <a:latin typeface="Times New Roman" panose="02020603050405020304" pitchFamily="18" charset="0"/>
                 <a:ea typeface="Times New Roman"/>
                 <a:cs typeface="Times New Roman" panose="02020603050405020304" pitchFamily="18" charset="0"/>
@@ -21294,7 +21405,7 @@
               <a:t>При разработке </a:t>
             </a:r>
             <a:r>
-              <a:rPr lang="ru-RU" dirty="0" smtClean="0">
+              <a:rPr lang="ru-RU" sz="2000" dirty="0" smtClean="0">
                 <a:latin typeface="Times New Roman" panose="02020603050405020304" pitchFamily="18" charset="0"/>
                 <a:ea typeface="Times New Roman"/>
                 <a:cs typeface="Times New Roman" panose="02020603050405020304" pitchFamily="18" charset="0"/>
@@ -21302,7 +21413,7 @@
               <a:t>будет </a:t>
             </a:r>
             <a:r>
-              <a:rPr lang="ru-RU" dirty="0">
+              <a:rPr lang="ru-RU" sz="2000" dirty="0">
                 <a:latin typeface="Times New Roman" panose="02020603050405020304" pitchFamily="18" charset="0"/>
                 <a:ea typeface="Times New Roman"/>
                 <a:cs typeface="Times New Roman" panose="02020603050405020304" pitchFamily="18" charset="0"/>
@@ -21322,6 +21433,13 @@
   <p:clrMapOvr>
     <a:masterClrMapping/>
   </p:clrMapOvr>
+  <p:timing>
+    <p:tnLst>
+      <p:par>
+        <p:cTn id="1" dur="indefinite" restart="never" nodeType="tmRoot"/>
+      </p:par>
+    </p:tnLst>
+  </p:timing>
 </p:sld>
 </file>
 
@@ -21344,67 +21462,24 @@
       </p:grpSpPr>
       <p:sp>
         <p:nvSpPr>
-          <p:cNvPr id="4" name="Заголовок 3">
-            <a:extLst>
-              <a:ext uri="{FF2B5EF4-FFF2-40B4-BE49-F238E27FC236}">
-                <a16:creationId xmlns:a16="http://schemas.microsoft.com/office/drawing/2014/main" xmlns="" id="{FAD2AE59-5630-4D5C-83A9-4CDEF4D7DCFB}"/>
-              </a:ext>
-            </a:extLst>
-          </p:cNvPr>
-          <p:cNvSpPr>
-            <a:spLocks noGrp="1"/>
-          </p:cNvSpPr>
-          <p:nvPr>
-            <p:ph type="title"/>
-          </p:nvPr>
-        </p:nvSpPr>
-        <p:spPr>
-          <a:xfrm>
-            <a:off x="0" y="0"/>
-            <a:ext cx="12192000" cy="1325563"/>
-          </a:xfrm>
-        </p:spPr>
-        <p:txBody>
-          <a:bodyPr rtlCol="0">
-            <a:normAutofit/>
-          </a:bodyPr>
-          <a:lstStyle/>
-          <a:p>
-            <a:pPr algn="ctr" rtl="0"/>
-            <a:r>
-              <a:rPr lang="ru-RU" sz="3600" dirty="0" smtClean="0">
-                <a:latin typeface="Times New Roman" panose="02020603050405020304" pitchFamily="18" charset="0"/>
-                <a:cs typeface="Times New Roman" panose="02020603050405020304" pitchFamily="18" charset="0"/>
-              </a:rPr>
-              <a:t>Структурная схема</a:t>
-            </a:r>
-            <a:endParaRPr lang="ru-RU" sz="3600" dirty="0">
-              <a:latin typeface="Times New Roman" panose="02020603050405020304" pitchFamily="18" charset="0"/>
-              <a:cs typeface="Times New Roman" panose="02020603050405020304" pitchFamily="18" charset="0"/>
-            </a:endParaRPr>
-          </a:p>
-        </p:txBody>
-      </p:sp>
-      <p:sp>
-        <p:nvSpPr>
-          <p:cNvPr id="14" name="Номер слайда 13">
-            <a:extLst>
-              <a:ext uri="{FF2B5EF4-FFF2-40B4-BE49-F238E27FC236}">
-                <a16:creationId xmlns:a16="http://schemas.microsoft.com/office/drawing/2014/main" xmlns="" id="{42152A75-1CD2-44EC-9374-C83D4604A5DD}"/>
-              </a:ext>
-            </a:extLst>
-          </p:cNvPr>
-          <p:cNvSpPr>
-            <a:spLocks noGrp="1"/>
-          </p:cNvSpPr>
-          <p:nvPr>
-            <p:ph type="sldNum" sz="quarter" idx="12"/>
-          </p:nvPr>
-        </p:nvSpPr>
-        <p:spPr>
-          <a:xfrm>
-            <a:off x="11079332" y="6356350"/>
-            <a:ext cx="274468" cy="365125"/>
+          <p:cNvPr id="22" name="Номер слайда 21">
+            <a:extLst>
+              <a:ext uri="{FF2B5EF4-FFF2-40B4-BE49-F238E27FC236}">
+                <a16:creationId xmlns="" xmlns:a16="http://schemas.microsoft.com/office/drawing/2014/main" id="{5D1BD041-3428-4D62-934F-F3FF6D36F90F}"/>
+              </a:ext>
+            </a:extLst>
+          </p:cNvPr>
+          <p:cNvSpPr>
+            <a:spLocks noGrp="1"/>
+          </p:cNvSpPr>
+          <p:nvPr>
+            <p:ph type="sldNum" sz="quarter" idx="22"/>
+          </p:nvPr>
+        </p:nvSpPr>
+        <p:spPr>
+          <a:xfrm>
+            <a:off x="10700656" y="6356350"/>
+            <a:ext cx="653143" cy="365125"/>
           </a:xfrm>
         </p:spPr>
         <p:txBody>
@@ -21421,9 +21496,80 @@
           </a:p>
         </p:txBody>
       </p:sp>
+      <p:sp>
+        <p:nvSpPr>
+          <p:cNvPr id="6" name="Заголовок 3">
+            <a:extLst>
+              <a:ext uri="{FF2B5EF4-FFF2-40B4-BE49-F238E27FC236}">
+                <a16:creationId xmlns="" xmlns:a16="http://schemas.microsoft.com/office/drawing/2014/main" id="{FAD2AE59-5630-4D5C-83A9-4CDEF4D7DCFB}"/>
+              </a:ext>
+            </a:extLst>
+          </p:cNvPr>
+          <p:cNvSpPr txBox="1">
+            <a:spLocks/>
+          </p:cNvSpPr>
+          <p:nvPr/>
+        </p:nvSpPr>
+        <p:spPr>
+          <a:xfrm>
+            <a:off x="0" y="1"/>
+            <a:ext cx="12192000" cy="745724"/>
+          </a:xfrm>
+          <a:prstGeom prst="rect">
+            <a:avLst/>
+          </a:prstGeom>
+        </p:spPr>
+        <p:txBody>
+          <a:bodyPr vert="horz" lIns="91440" tIns="45720" rIns="91440" bIns="45720" rtlCol="0" anchor="b">
+            <a:normAutofit/>
+          </a:bodyPr>
+          <a:lstStyle>
+            <a:lvl1pPr algn="l" defTabSz="914400" rtl="0" eaLnBrk="1" latinLnBrk="0" hangingPunct="1">
+              <a:lnSpc>
+                <a:spcPct val="90000"/>
+              </a:lnSpc>
+              <a:spcBef>
+                <a:spcPct val="0"/>
+              </a:spcBef>
+              <a:buNone/>
+              <a:defRPr lang="en-US" sz="2800" kern="1200" cap="all" spc="150" baseline="0" dirty="0">
+                <a:solidFill>
+                  <a:schemeClr val="tx1">
+                    <a:lumMod val="75000"/>
+                    <a:lumOff val="25000"/>
+                  </a:schemeClr>
+                </a:solidFill>
+                <a:latin typeface="Arial" panose="020B0604020202020204" pitchFamily="34" charset="0"/>
+                <a:ea typeface="+mj-ea"/>
+                <a:cs typeface="+mj-cs"/>
+              </a:defRPr>
+            </a:lvl1pPr>
+          </a:lstStyle>
+          <a:p>
+            <a:pPr algn="ctr"/>
+            <a:r>
+              <a:rPr lang="ru-RU" sz="3600" dirty="0" smtClean="0">
+                <a:solidFill>
+                  <a:schemeClr val="tx1"/>
+                </a:solidFill>
+                <a:latin typeface="Times New Roman" panose="02020603050405020304" pitchFamily="18" charset="0"/>
+                <a:cs typeface="Times New Roman" panose="02020603050405020304" pitchFamily="18" charset="0"/>
+              </a:rPr>
+              <a:t>Структурная схема</a:t>
+            </a:r>
+            <a:endParaRPr lang="ru-RU" sz="3600" dirty="0">
+              <a:solidFill>
+                <a:schemeClr val="tx1"/>
+              </a:solidFill>
+              <a:latin typeface="Times New Roman" panose="02020603050405020304" pitchFamily="18" charset="0"/>
+              <a:cs typeface="Times New Roman" panose="02020603050405020304" pitchFamily="18" charset="0"/>
+            </a:endParaRPr>
+          </a:p>
+        </p:txBody>
+      </p:sp>
       <p:pic>
         <p:nvPicPr>
-          <p:cNvPr id="12" name="Рисунок 11"/>
+          <p:cNvPr id="4" name="Рисунок 3"/>
           <p:cNvPicPr>
             <a:picLocks noChangeAspect="1"/>
           </p:cNvPicPr>
@@ -21443,8 +21589,8 @@
         </p:blipFill>
         <p:spPr>
           <a:xfrm>
-            <a:off x="861135" y="918560"/>
-            <a:ext cx="10049522" cy="5879971"/>
+            <a:off x="747218" y="745725"/>
+            <a:ext cx="10400787" cy="5814873"/>
           </a:xfrm>
           <a:prstGeom prst="rect">
             <a:avLst/>
@@ -21454,13 +21600,20 @@
     </p:spTree>
     <p:extLst>
       <p:ext uri="{BB962C8B-B14F-4D97-AF65-F5344CB8AC3E}">
-        <p14:creationId xmlns:p14="http://schemas.microsoft.com/office/powerpoint/2010/main" val="2295156281"/>
+        <p14:creationId xmlns:p14="http://schemas.microsoft.com/office/powerpoint/2010/main" val="1844941827"/>
       </p:ext>
     </p:extLst>
   </p:cSld>
   <p:clrMapOvr>
     <a:masterClrMapping/>
   </p:clrMapOvr>
+  <p:timing>
+    <p:tnLst>
+      <p:par>
+        <p:cTn id="1" dur="indefinite" restart="never" nodeType="tmRoot"/>
+      </p:par>
+    </p:tnLst>
+  </p:timing>
 </p:sld>
 </file>
 
@@ -21486,7 +21639,7 @@
           <p:cNvPr id="2" name="Заголовок 1">
             <a:extLst>
               <a:ext uri="{FF2B5EF4-FFF2-40B4-BE49-F238E27FC236}">
-                <a16:creationId xmlns:a16="http://schemas.microsoft.com/office/drawing/2014/main" xmlns="" id="{75031FE9-9059-4FE8-B4AC-9771F23A1B89}"/>
+                <a16:creationId xmlns="" xmlns:a16="http://schemas.microsoft.com/office/drawing/2014/main" id="{75031FE9-9059-4FE8-B4AC-9771F23A1B89}"/>
               </a:ext>
             </a:extLst>
           </p:cNvPr>
@@ -21529,7 +21682,7 @@
           <p:cNvPr id="22" name="Номер слайда 21">
             <a:extLst>
               <a:ext uri="{FF2B5EF4-FFF2-40B4-BE49-F238E27FC236}">
-                <a16:creationId xmlns:a16="http://schemas.microsoft.com/office/drawing/2014/main" xmlns="" id="{5D1BD041-3428-4D62-934F-F3FF6D36F90F}"/>
+                <a16:creationId xmlns="" xmlns:a16="http://schemas.microsoft.com/office/drawing/2014/main" id="{5D1BD041-3428-4D62-934F-F3FF6D36F90F}"/>
               </a:ext>
             </a:extLst>
           </p:cNvPr>
@@ -21556,7 +21709,7 @@
               <a:pPr rtl="0"/>
               <a:t>7</a:t>
             </a:fld>
-            <a:endParaRPr lang="ru-RU"/>
+            <a:endParaRPr lang="ru-RU" dirty="0"/>
           </a:p>
         </p:txBody>
       </p:sp>
@@ -21593,13 +21746,20 @@
     </p:spTree>
     <p:extLst>
       <p:ext uri="{BB962C8B-B14F-4D97-AF65-F5344CB8AC3E}">
-        <p14:creationId xmlns:p14="http://schemas.microsoft.com/office/powerpoint/2010/main" val="1844941827"/>
+        <p14:creationId xmlns:p14="http://schemas.microsoft.com/office/powerpoint/2010/main" val="906029431"/>
       </p:ext>
     </p:extLst>
   </p:cSld>
   <p:clrMapOvr>
     <a:masterClrMapping/>
   </p:clrMapOvr>
+  <p:timing>
+    <p:tnLst>
+      <p:par>
+        <p:cTn id="1" dur="indefinite" restart="never" nodeType="tmRoot"/>
+      </p:par>
+    </p:tnLst>
+  </p:timing>
 </p:sld>
 </file>
 
@@ -21622,153 +21782,73 @@
       </p:grpSpPr>
       <p:sp>
         <p:nvSpPr>
-          <p:cNvPr id="2" name="Заголовок 1">
-            <a:extLst>
-              <a:ext uri="{FF2B5EF4-FFF2-40B4-BE49-F238E27FC236}">
-                <a16:creationId xmlns:a16="http://schemas.microsoft.com/office/drawing/2014/main" xmlns="" id="{5CE54ABB-4929-4810-950B-2DAEA0A5BAB4}"/>
-              </a:ext>
-            </a:extLst>
-          </p:cNvPr>
-          <p:cNvSpPr>
-            <a:spLocks noGrp="1"/>
-          </p:cNvSpPr>
-          <p:nvPr>
-            <p:ph type="title"/>
-          </p:nvPr>
-        </p:nvSpPr>
-        <p:spPr>
-          <a:xfrm>
-            <a:off x="1858523" y="53268"/>
-            <a:ext cx="8421688" cy="1325563"/>
-          </a:xfrm>
-        </p:spPr>
-        <p:txBody>
-          <a:bodyPr rtlCol="0">
-            <a:normAutofit/>
-          </a:bodyPr>
-          <a:lstStyle/>
-          <a:p>
-            <a:pPr rtl="0"/>
-            <a:r>
-              <a:rPr lang="ru-RU" sz="3600" dirty="0" smtClean="0">
-                <a:solidFill>
-                  <a:schemeClr val="tx1"/>
-                </a:solidFill>
-                <a:latin typeface="Times New Roman" panose="02020603050405020304" pitchFamily="18" charset="0"/>
-                <a:cs typeface="Times New Roman" panose="02020603050405020304" pitchFamily="18" charset="0"/>
-              </a:rPr>
-              <a:t>Экономическая обоснование дипломной работы</a:t>
-            </a:r>
-            <a:endParaRPr lang="ru-RU" sz="3600" dirty="0">
-              <a:solidFill>
-                <a:schemeClr val="tx1"/>
-              </a:solidFill>
-              <a:latin typeface="Times New Roman" panose="02020603050405020304" pitchFamily="18" charset="0"/>
-              <a:cs typeface="Times New Roman" panose="02020603050405020304" pitchFamily="18" charset="0"/>
-            </a:endParaRPr>
-          </a:p>
-        </p:txBody>
-      </p:sp>
-      <p:sp>
-        <p:nvSpPr>
-          <p:cNvPr id="6" name="Текст 5">
-            <a:extLst>
-              <a:ext uri="{FF2B5EF4-FFF2-40B4-BE49-F238E27FC236}">
-                <a16:creationId xmlns:a16="http://schemas.microsoft.com/office/drawing/2014/main" xmlns="" id="{0FE22F9B-4BF8-41DC-8F1C-836B546E59AD}"/>
-              </a:ext>
-            </a:extLst>
-          </p:cNvPr>
-          <p:cNvSpPr>
-            <a:spLocks noGrp="1"/>
-          </p:cNvSpPr>
-          <p:nvPr>
-            <p:ph type="body" sz="quarter" idx="3"/>
-          </p:nvPr>
-        </p:nvSpPr>
-        <p:spPr>
-          <a:xfrm>
-            <a:off x="2657491" y="1981201"/>
-            <a:ext cx="2543159" cy="724052"/>
-          </a:xfrm>
-        </p:spPr>
-        <p:txBody>
-          <a:bodyPr rtlCol="0"/>
-          <a:lstStyle/>
-          <a:p>
-            <a:r>
-              <a:rPr lang="ru-RU" sz="1800" dirty="0" smtClean="0">
-                <a:solidFill>
-                  <a:schemeClr val="tx1"/>
-                </a:solidFill>
-                <a:latin typeface="Times New Roman" panose="02020603050405020304" pitchFamily="18" charset="0"/>
-                <a:cs typeface="Times New Roman" panose="02020603050405020304" pitchFamily="18" charset="0"/>
-              </a:rPr>
-              <a:t>Себестоимость разработки</a:t>
-            </a:r>
-            <a:endParaRPr lang="ru-RU" sz="1800" dirty="0">
-              <a:solidFill>
-                <a:schemeClr val="tx1"/>
-              </a:solidFill>
-              <a:latin typeface="Times New Roman" panose="02020603050405020304" pitchFamily="18" charset="0"/>
-              <a:cs typeface="Times New Roman" panose="02020603050405020304" pitchFamily="18" charset="0"/>
-            </a:endParaRPr>
-          </a:p>
-        </p:txBody>
-      </p:sp>
-      <p:sp>
-        <p:nvSpPr>
-          <p:cNvPr id="3" name="Текст 2">
-            <a:extLst>
-              <a:ext uri="{FF2B5EF4-FFF2-40B4-BE49-F238E27FC236}">
-                <a16:creationId xmlns:a16="http://schemas.microsoft.com/office/drawing/2014/main" xmlns="" id="{D5E1C399-8F48-44F5-9461-3C89866D4CE1}"/>
-              </a:ext>
-            </a:extLst>
-          </p:cNvPr>
-          <p:cNvSpPr>
-            <a:spLocks noGrp="1"/>
-          </p:cNvSpPr>
-          <p:nvPr>
-            <p:ph sz="quarter" idx="4"/>
-          </p:nvPr>
-        </p:nvSpPr>
-        <p:spPr>
-          <a:xfrm>
-            <a:off x="2733691" y="2872335"/>
-            <a:ext cx="1390634" cy="366165"/>
-          </a:xfrm>
-        </p:spPr>
-        <p:txBody>
-          <a:bodyPr rtlCol="0">
+          <p:cNvPr id="7" name="Заголовок 1">
+            <a:extLst>
+              <a:ext uri="{FF2B5EF4-FFF2-40B4-BE49-F238E27FC236}">
+                <a16:creationId xmlns="" xmlns:a16="http://schemas.microsoft.com/office/drawing/2014/main" id="{5CE54ABB-4929-4810-950B-2DAEA0A5BAB4}"/>
+              </a:ext>
+            </a:extLst>
+          </p:cNvPr>
+          <p:cNvSpPr txBox="1">
+            <a:spLocks/>
+          </p:cNvSpPr>
+          <p:nvPr/>
+        </p:nvSpPr>
+        <p:spPr>
+          <a:xfrm>
+            <a:off x="333375" y="224718"/>
+            <a:ext cx="11287125" cy="1325563"/>
+          </a:xfrm>
+          <a:prstGeom prst="rect">
+            <a:avLst/>
+          </a:prstGeom>
+        </p:spPr>
+        <p:txBody>
+          <a:bodyPr vert="horz" lIns="91440" tIns="45720" rIns="91440" bIns="45720" rtlCol="0" anchor="b">
             <a:noAutofit/>
           </a:bodyPr>
           <a:lstStyle/>
           <a:p>
-            <a:pPr algn="just"/>
-            <a:r>
-              <a:rPr lang="ru-RU" sz="1800" dirty="0">
-                <a:solidFill>
-                  <a:schemeClr val="tx1"/>
-                </a:solidFill>
+            <a:pPr marL="0" marR="0" lvl="0" indent="0" algn="l" defTabSz="914400" rtl="0" eaLnBrk="1" fontAlgn="auto" latinLnBrk="0" hangingPunct="1">
+              <a:lnSpc>
+                <a:spcPct val="90000"/>
+              </a:lnSpc>
+              <a:spcBef>
+                <a:spcPct val="0"/>
+              </a:spcBef>
+              <a:spcAft>
+                <a:spcPts val="0"/>
+              </a:spcAft>
+              <a:buClrTx/>
+              <a:buSzTx/>
+              <a:buFontTx/>
+              <a:buNone/>
+              <a:tabLst/>
+              <a:defRPr/>
+            </a:pPr>
+            <a:r>
+              <a:rPr kumimoji="0" lang="ru-RU" sz="3600" b="0" i="0" u="none" strike="noStrike" kern="1200" cap="all" spc="150" normalizeH="0" baseline="0" noProof="0" dirty="0" smtClean="0">
+                <a:ln>
+                  <a:noFill/>
+                </a:ln>
+                <a:effectLst/>
+                <a:uLnTx/>
+                <a:uFillTx/>
                 <a:latin typeface="Times New Roman" panose="02020603050405020304" pitchFamily="18" charset="0"/>
+                <a:ea typeface="+mj-ea"/>
                 <a:cs typeface="Times New Roman" panose="02020603050405020304" pitchFamily="18" charset="0"/>
               </a:rPr>
-              <a:t>33 750 </a:t>
-            </a:r>
-            <a:r>
-              <a:rPr lang="ru-RU" sz="1800" dirty="0" smtClean="0">
-                <a:solidFill>
-                  <a:schemeClr val="tx1"/>
-                </a:solidFill>
-                <a:latin typeface="Times New Roman" panose="02020603050405020304" pitchFamily="18" charset="0"/>
-                <a:cs typeface="Times New Roman" panose="02020603050405020304" pitchFamily="18" charset="0"/>
-              </a:rPr>
-              <a:t>руб.</a:t>
-            </a:r>
-            <a:endParaRPr lang="ru-RU" sz="1800" dirty="0">
-              <a:solidFill>
-                <a:schemeClr val="tx1"/>
-              </a:solidFill>
+              <a:t>Экономическое обоснование дипломной работы</a:t>
+            </a:r>
+            <a:endParaRPr kumimoji="0" lang="ru-RU" sz="3600" b="0" i="0" u="none" strike="noStrike" kern="1200" cap="all" spc="150" normalizeH="0" baseline="0" noProof="0" dirty="0">
+              <a:ln>
+                <a:noFill/>
+              </a:ln>
+              <a:effectLst/>
+              <a:uLnTx/>
+              <a:uFillTx/>
               <a:latin typeface="Times New Roman" panose="02020603050405020304" pitchFamily="18" charset="0"/>
+              <a:ea typeface="+mj-ea"/>
               <a:cs typeface="Times New Roman" panose="02020603050405020304" pitchFamily="18" charset="0"/>
             </a:endParaRPr>
           </a:p>
@@ -21776,58 +21856,10 @@
       </p:sp>
       <p:sp>
         <p:nvSpPr>
-          <p:cNvPr id="11" name="Номер слайда 10">
-            <a:extLst>
-              <a:ext uri="{FF2B5EF4-FFF2-40B4-BE49-F238E27FC236}">
-                <a16:creationId xmlns:a16="http://schemas.microsoft.com/office/drawing/2014/main" xmlns="" id="{BAD5B6F4-0A90-447A-A1AE-D75C934B6B29}"/>
-              </a:ext>
-            </a:extLst>
-          </p:cNvPr>
-          <p:cNvSpPr>
-            <a:spLocks noGrp="1"/>
-          </p:cNvSpPr>
-          <p:nvPr>
-            <p:ph type="sldNum" sz="quarter" idx="12"/>
-          </p:nvPr>
-        </p:nvSpPr>
-        <p:spPr>
-          <a:xfrm>
-            <a:off x="8610600" y="6356350"/>
-            <a:ext cx="2743200" cy="365125"/>
-          </a:xfrm>
-        </p:spPr>
-        <p:txBody>
-          <a:bodyPr rtlCol="0"/>
-          <a:lstStyle/>
-          <a:p>
-            <a:pPr rtl="0"/>
-            <a:fld id="{B5CEABB6-07DC-46E8-9B57-56EC44A396E5}" type="slidenum">
-              <a:rPr lang="ru-RU" sz="1800" smtClean="0">
-                <a:solidFill>
-                  <a:schemeClr val="tx1"/>
-                </a:solidFill>
-                <a:latin typeface="Times New Roman" panose="02020603050405020304" pitchFamily="18" charset="0"/>
-                <a:cs typeface="Times New Roman" panose="02020603050405020304" pitchFamily="18" charset="0"/>
-              </a:rPr>
-              <a:pPr rtl="0"/>
-              <a:t>8</a:t>
-            </a:fld>
-            <a:endParaRPr lang="ru-RU" sz="1800" dirty="0">
-              <a:solidFill>
-                <a:schemeClr val="tx1"/>
-              </a:solidFill>
-              <a:latin typeface="Times New Roman" panose="02020603050405020304" pitchFamily="18" charset="0"/>
-              <a:cs typeface="Times New Roman" panose="02020603050405020304" pitchFamily="18" charset="0"/>
-            </a:endParaRPr>
-          </a:p>
-        </p:txBody>
-      </p:sp>
-      <p:sp>
-        <p:nvSpPr>
-          <p:cNvPr id="21" name="Текст 5">
-            <a:extLst>
-              <a:ext uri="{FF2B5EF4-FFF2-40B4-BE49-F238E27FC236}">
-                <a16:creationId xmlns:a16="http://schemas.microsoft.com/office/drawing/2014/main" xmlns="" id="{0FE22F9B-4BF8-41DC-8F1C-836B546E59AD}"/>
+          <p:cNvPr id="8" name="Текст 5">
+            <a:extLst>
+              <a:ext uri="{FF2B5EF4-FFF2-40B4-BE49-F238E27FC236}">
+                <a16:creationId xmlns="" xmlns:a16="http://schemas.microsoft.com/office/drawing/2014/main" id="{0FE22F9B-4BF8-41DC-8F1C-836B546E59AD}"/>
               </a:ext>
             </a:extLst>
           </p:cNvPr>
@@ -21838,1151 +21870,398 @@
         </p:nvSpPr>
         <p:spPr>
           <a:xfrm>
-            <a:off x="4058622" y="4019171"/>
-            <a:ext cx="3923328" cy="611441"/>
+            <a:off x="704850" y="1685925"/>
+            <a:ext cx="5019675" cy="4533899"/>
           </a:xfrm>
           <a:prstGeom prst="rect">
             <a:avLst/>
           </a:prstGeom>
         </p:spPr>
         <p:txBody>
-          <a:bodyPr vert="horz" lIns="91440" tIns="45720" rIns="91440" bIns="45720" rtlCol="0" anchor="b">
-            <a:noAutofit/>
-          </a:bodyPr>
-          <a:lstStyle>
-            <a:lvl1pPr marL="0" indent="0" algn="l" defTabSz="914400" rtl="0" eaLnBrk="1" latinLnBrk="0" hangingPunct="1">
+          <a:bodyPr rtlCol="0"/>
+          <a:lstStyle/>
+          <a:p>
+            <a:pPr marL="228600" marR="0" lvl="0" indent="-228600" algn="l" defTabSz="914400" rtl="0" eaLnBrk="1" fontAlgn="auto" latinLnBrk="0" hangingPunct="1">
               <a:lnSpc>
                 <a:spcPct val="90000"/>
               </a:lnSpc>
               <a:spcBef>
                 <a:spcPts val="1000"/>
               </a:spcBef>
-              <a:buFont typeface="Arial" panose="020B0604020202020204" pitchFamily="34" charset="0"/>
-              <a:buNone/>
-              <a:defRPr lang="en-US" sz="2000" kern="1200" cap="all" spc="150" baseline="0" dirty="0" smtClean="0">
-                <a:solidFill>
-                  <a:schemeClr val="tx1">
-                    <a:lumMod val="75000"/>
-                    <a:lumOff val="25000"/>
-                  </a:schemeClr>
-                </a:solidFill>
-                <a:latin typeface="Arial" panose="020B0604020202020204" pitchFamily="34" charset="0"/>
-                <a:ea typeface="+mj-ea"/>
-                <a:cs typeface="+mj-cs"/>
-              </a:defRPr>
-            </a:lvl1pPr>
-            <a:lvl2pPr marL="457200" indent="0" algn="l" defTabSz="914400" rtl="0" eaLnBrk="1" latinLnBrk="0" hangingPunct="1">
-              <a:lnSpc>
-                <a:spcPct val="90000"/>
-              </a:lnSpc>
-              <a:spcBef>
-                <a:spcPts val="500"/>
-              </a:spcBef>
-              <a:buFont typeface="Arial" panose="020B0604020202020204" pitchFamily="34" charset="0"/>
-              <a:buNone/>
-              <a:defRPr sz="2000" b="1" kern="1200">
-                <a:solidFill>
-                  <a:schemeClr val="tx1">
-                    <a:lumMod val="75000"/>
-                    <a:lumOff val="25000"/>
-                  </a:schemeClr>
-                </a:solidFill>
-                <a:latin typeface="Arial" panose="020B0604020202020204" pitchFamily="34" charset="0"/>
-                <a:ea typeface="+mn-ea"/>
-                <a:cs typeface="Arial" panose="020B0604020202020204" pitchFamily="34" charset="0"/>
-              </a:defRPr>
-            </a:lvl2pPr>
-            <a:lvl3pPr marL="914400" indent="0" algn="l" defTabSz="914400" rtl="0" eaLnBrk="1" latinLnBrk="0" hangingPunct="1">
-              <a:lnSpc>
-                <a:spcPct val="90000"/>
-              </a:lnSpc>
-              <a:spcBef>
-                <a:spcPts val="500"/>
-              </a:spcBef>
-              <a:buFont typeface="Arial" panose="020B0604020202020204" pitchFamily="34" charset="0"/>
-              <a:buNone/>
-              <a:defRPr sz="1800" b="1" kern="1200">
-                <a:solidFill>
-                  <a:schemeClr val="tx1">
-                    <a:lumMod val="75000"/>
-                    <a:lumOff val="25000"/>
-                  </a:schemeClr>
-                </a:solidFill>
-                <a:latin typeface="Arial" panose="020B0604020202020204" pitchFamily="34" charset="0"/>
-                <a:ea typeface="+mn-ea"/>
-                <a:cs typeface="Arial" panose="020B0604020202020204" pitchFamily="34" charset="0"/>
-              </a:defRPr>
-            </a:lvl3pPr>
-            <a:lvl4pPr marL="1371600" indent="0" algn="l" defTabSz="914400" rtl="0" eaLnBrk="1" latinLnBrk="0" hangingPunct="1">
-              <a:lnSpc>
-                <a:spcPct val="90000"/>
-              </a:lnSpc>
-              <a:spcBef>
-                <a:spcPts val="500"/>
-              </a:spcBef>
-              <a:buFont typeface="Arial" panose="020B0604020202020204" pitchFamily="34" charset="0"/>
-              <a:buNone/>
-              <a:defRPr sz="1600" b="1" kern="1200">
-                <a:solidFill>
-                  <a:schemeClr val="tx1">
-                    <a:lumMod val="75000"/>
-                    <a:lumOff val="25000"/>
-                  </a:schemeClr>
-                </a:solidFill>
-                <a:latin typeface="Arial" panose="020B0604020202020204" pitchFamily="34" charset="0"/>
-                <a:ea typeface="+mn-ea"/>
-                <a:cs typeface="Arial" panose="020B0604020202020204" pitchFamily="34" charset="0"/>
-              </a:defRPr>
-            </a:lvl4pPr>
-            <a:lvl5pPr marL="1828800" indent="0" algn="l" defTabSz="914400" rtl="0" eaLnBrk="1" latinLnBrk="0" hangingPunct="1">
-              <a:lnSpc>
-                <a:spcPct val="90000"/>
-              </a:lnSpc>
-              <a:spcBef>
-                <a:spcPts val="500"/>
-              </a:spcBef>
-              <a:buFont typeface="Arial" panose="020B0604020202020204" pitchFamily="34" charset="0"/>
-              <a:buNone/>
-              <a:defRPr sz="1600" b="1" kern="1200">
-                <a:solidFill>
-                  <a:schemeClr val="tx1">
-                    <a:lumMod val="75000"/>
-                    <a:lumOff val="25000"/>
-                  </a:schemeClr>
-                </a:solidFill>
-                <a:latin typeface="Arial" panose="020B0604020202020204" pitchFamily="34" charset="0"/>
-                <a:ea typeface="+mn-ea"/>
-                <a:cs typeface="Arial" panose="020B0604020202020204" pitchFamily="34" charset="0"/>
-              </a:defRPr>
-            </a:lvl5pPr>
-            <a:lvl6pPr marL="2286000" indent="0" algn="l" defTabSz="914400" rtl="0" eaLnBrk="1" latinLnBrk="0" hangingPunct="1">
-              <a:lnSpc>
-                <a:spcPct val="90000"/>
-              </a:lnSpc>
-              <a:spcBef>
-                <a:spcPts val="500"/>
-              </a:spcBef>
-              <a:buFont typeface="Arial" panose="020B0604020202020204" pitchFamily="34" charset="0"/>
-              <a:buNone/>
-              <a:defRPr sz="1600" b="1" kern="1200">
-                <a:solidFill>
-                  <a:schemeClr val="tx1"/>
-                </a:solidFill>
-                <a:latin typeface="+mn-lt"/>
-                <a:ea typeface="+mn-ea"/>
-                <a:cs typeface="+mn-cs"/>
-              </a:defRPr>
-            </a:lvl6pPr>
-            <a:lvl7pPr marL="2743200" indent="0" algn="l" defTabSz="914400" rtl="0" eaLnBrk="1" latinLnBrk="0" hangingPunct="1">
-              <a:lnSpc>
-                <a:spcPct val="90000"/>
-              </a:lnSpc>
-              <a:spcBef>
-                <a:spcPts val="500"/>
-              </a:spcBef>
-              <a:buFont typeface="Arial" panose="020B0604020202020204" pitchFamily="34" charset="0"/>
-              <a:buNone/>
-              <a:defRPr sz="1600" b="1" kern="1200">
-                <a:solidFill>
-                  <a:schemeClr val="tx1"/>
-                </a:solidFill>
-                <a:latin typeface="+mn-lt"/>
-                <a:ea typeface="+mn-ea"/>
-                <a:cs typeface="+mn-cs"/>
-              </a:defRPr>
-            </a:lvl7pPr>
-            <a:lvl8pPr marL="3200400" indent="0" algn="l" defTabSz="914400" rtl="0" eaLnBrk="1" latinLnBrk="0" hangingPunct="1">
-              <a:lnSpc>
-                <a:spcPct val="90000"/>
-              </a:lnSpc>
-              <a:spcBef>
-                <a:spcPts val="500"/>
-              </a:spcBef>
-              <a:buFont typeface="Arial" panose="020B0604020202020204" pitchFamily="34" charset="0"/>
-              <a:buNone/>
-              <a:defRPr sz="1600" b="1" kern="1200">
-                <a:solidFill>
-                  <a:schemeClr val="tx1"/>
-                </a:solidFill>
-                <a:latin typeface="+mn-lt"/>
-                <a:ea typeface="+mn-ea"/>
-                <a:cs typeface="+mn-cs"/>
-              </a:defRPr>
-            </a:lvl8pPr>
-            <a:lvl9pPr marL="3657600" indent="0" algn="l" defTabSz="914400" rtl="0" eaLnBrk="1" latinLnBrk="0" hangingPunct="1">
-              <a:lnSpc>
-                <a:spcPct val="90000"/>
-              </a:lnSpc>
-              <a:spcBef>
-                <a:spcPts val="500"/>
-              </a:spcBef>
-              <a:buFont typeface="Arial" panose="020B0604020202020204" pitchFamily="34" charset="0"/>
-              <a:buNone/>
-              <a:defRPr sz="1600" b="1" kern="1200">
-                <a:solidFill>
-                  <a:schemeClr val="tx1"/>
-                </a:solidFill>
-                <a:latin typeface="+mn-lt"/>
-                <a:ea typeface="+mn-ea"/>
-                <a:cs typeface="+mn-cs"/>
-              </a:defRPr>
-            </a:lvl9pPr>
-          </a:lstStyle>
-          <a:p>
-            <a:r>
-              <a:rPr lang="ru-RU" sz="1800" dirty="0" smtClean="0">
-                <a:solidFill>
-                  <a:schemeClr val="tx1"/>
-                </a:solidFill>
-                <a:latin typeface="Times New Roman" panose="02020603050405020304" pitchFamily="18" charset="0"/>
-                <a:cs typeface="Times New Roman" panose="02020603050405020304" pitchFamily="18" charset="0"/>
-              </a:rPr>
-              <a:t>Годовой экономический эффект</a:t>
-            </a:r>
-            <a:endParaRPr lang="ru-RU" sz="1800" dirty="0">
-              <a:solidFill>
-                <a:schemeClr val="tx1"/>
-              </a:solidFill>
+              <a:spcAft>
+                <a:spcPts val="0"/>
+              </a:spcAft>
+              <a:buClrTx/>
+              <a:buSzTx/>
+              <a:tabLst/>
+              <a:defRPr/>
+            </a:pPr>
+            <a:endParaRPr kumimoji="0" lang="ru-RU" sz="2000" b="1" i="0" u="none" strike="noStrike" kern="1200" cap="none" spc="0" normalizeH="0" baseline="0" noProof="0" dirty="0" smtClean="0">
+              <a:ln>
+                <a:noFill/>
+              </a:ln>
+              <a:effectLst/>
+              <a:uLnTx/>
+              <a:uFillTx/>
               <a:latin typeface="Times New Roman" panose="02020603050405020304" pitchFamily="18" charset="0"/>
+              <a:ea typeface="+mn-ea"/>
               <a:cs typeface="Times New Roman" panose="02020603050405020304" pitchFamily="18" charset="0"/>
             </a:endParaRPr>
           </a:p>
-        </p:txBody>
-      </p:sp>
-      <p:sp>
-        <p:nvSpPr>
-          <p:cNvPr id="22" name="Текст 2">
-            <a:extLst>
-              <a:ext uri="{FF2B5EF4-FFF2-40B4-BE49-F238E27FC236}">
-                <a16:creationId xmlns:a16="http://schemas.microsoft.com/office/drawing/2014/main" xmlns="" id="{D5E1C399-8F48-44F5-9461-3C89866D4CE1}"/>
-              </a:ext>
-            </a:extLst>
-          </p:cNvPr>
-          <p:cNvSpPr txBox="1">
-            <a:spLocks/>
-          </p:cNvSpPr>
-          <p:nvPr/>
-        </p:nvSpPr>
-        <p:spPr>
-          <a:xfrm>
-            <a:off x="4163531" y="4617110"/>
-            <a:ext cx="2896671" cy="861743"/>
-          </a:xfrm>
-          <a:prstGeom prst="rect">
-            <a:avLst/>
-          </a:prstGeom>
-        </p:spPr>
-        <p:txBody>
-          <a:bodyPr vert="horz" lIns="91440" tIns="45720" rIns="91440" bIns="45720" rtlCol="0">
-            <a:normAutofit/>
-          </a:bodyPr>
-          <a:lstStyle>
-            <a:lvl1pPr marL="0" indent="0" algn="l" defTabSz="914400" rtl="0" eaLnBrk="1" latinLnBrk="0" hangingPunct="1">
-              <a:lnSpc>
-                <a:spcPct val="100000"/>
-              </a:lnSpc>
-              <a:spcBef>
-                <a:spcPts val="1000"/>
-              </a:spcBef>
-              <a:buFont typeface="Arial" panose="020B0604020202020204" pitchFamily="34" charset="0"/>
-              <a:buNone/>
-              <a:defRPr sz="1400" kern="1200" spc="50" baseline="0">
-                <a:solidFill>
-                  <a:schemeClr val="tx1">
-                    <a:lumMod val="75000"/>
-                    <a:lumOff val="25000"/>
-                  </a:schemeClr>
-                </a:solidFill>
-                <a:latin typeface="Arial" panose="020B0604020202020204" pitchFamily="34" charset="0"/>
-                <a:ea typeface="+mn-ea"/>
-                <a:cs typeface="Arial" panose="020B0604020202020204" pitchFamily="34" charset="0"/>
-              </a:defRPr>
-            </a:lvl1pPr>
-            <a:lvl2pPr marL="457200" indent="0" algn="l" defTabSz="914400" rtl="0" eaLnBrk="1" latinLnBrk="0" hangingPunct="1">
-              <a:lnSpc>
-                <a:spcPct val="100000"/>
-              </a:lnSpc>
-              <a:spcBef>
-                <a:spcPts val="500"/>
-              </a:spcBef>
-              <a:buFont typeface="Arial" panose="020B0604020202020204" pitchFamily="34" charset="0"/>
-              <a:buNone/>
-              <a:defRPr sz="1400" kern="1200" spc="50" baseline="0">
-                <a:solidFill>
-                  <a:schemeClr val="tx1">
-                    <a:lumMod val="75000"/>
-                    <a:lumOff val="25000"/>
-                  </a:schemeClr>
-                </a:solidFill>
-                <a:latin typeface="Arial" panose="020B0604020202020204" pitchFamily="34" charset="0"/>
-                <a:ea typeface="+mn-ea"/>
-                <a:cs typeface="Arial" panose="020B0604020202020204" pitchFamily="34" charset="0"/>
-              </a:defRPr>
-            </a:lvl2pPr>
-            <a:lvl3pPr marL="914400" indent="0" algn="l" defTabSz="914400" rtl="0" eaLnBrk="1" latinLnBrk="0" hangingPunct="1">
-              <a:lnSpc>
-                <a:spcPct val="100000"/>
-              </a:lnSpc>
-              <a:spcBef>
-                <a:spcPts val="500"/>
-              </a:spcBef>
-              <a:buFont typeface="Arial" panose="020B0604020202020204" pitchFamily="34" charset="0"/>
-              <a:buNone/>
-              <a:defRPr sz="1400" kern="1200" spc="50" baseline="0">
-                <a:solidFill>
-                  <a:schemeClr val="tx1">
-                    <a:lumMod val="75000"/>
-                    <a:lumOff val="25000"/>
-                  </a:schemeClr>
-                </a:solidFill>
-                <a:latin typeface="Arial" panose="020B0604020202020204" pitchFamily="34" charset="0"/>
-                <a:ea typeface="+mn-ea"/>
-                <a:cs typeface="Arial" panose="020B0604020202020204" pitchFamily="34" charset="0"/>
-              </a:defRPr>
-            </a:lvl3pPr>
-            <a:lvl4pPr marL="1371600" indent="0" algn="l" defTabSz="914400" rtl="0" eaLnBrk="1" latinLnBrk="0" hangingPunct="1">
-              <a:lnSpc>
-                <a:spcPct val="100000"/>
-              </a:lnSpc>
-              <a:spcBef>
-                <a:spcPts val="500"/>
-              </a:spcBef>
-              <a:buFont typeface="Arial" panose="020B0604020202020204" pitchFamily="34" charset="0"/>
-              <a:buNone/>
-              <a:defRPr sz="1400" kern="1200" spc="50" baseline="0">
-                <a:solidFill>
-                  <a:schemeClr val="tx1">
-                    <a:lumMod val="75000"/>
-                    <a:lumOff val="25000"/>
-                  </a:schemeClr>
-                </a:solidFill>
-                <a:latin typeface="Arial" panose="020B0604020202020204" pitchFamily="34" charset="0"/>
-                <a:ea typeface="+mn-ea"/>
-                <a:cs typeface="Arial" panose="020B0604020202020204" pitchFamily="34" charset="0"/>
-              </a:defRPr>
-            </a:lvl4pPr>
-            <a:lvl5pPr marL="1828800" indent="0" algn="l" defTabSz="914400" rtl="0" eaLnBrk="1" latinLnBrk="0" hangingPunct="1">
-              <a:lnSpc>
-                <a:spcPct val="100000"/>
-              </a:lnSpc>
-              <a:spcBef>
-                <a:spcPts val="500"/>
-              </a:spcBef>
-              <a:buFont typeface="Arial" panose="020B0604020202020204" pitchFamily="34" charset="0"/>
-              <a:buNone/>
-              <a:defRPr sz="1400" kern="1200" spc="50" baseline="0">
-                <a:solidFill>
-                  <a:schemeClr val="tx1">
-                    <a:lumMod val="75000"/>
-                    <a:lumOff val="25000"/>
-                  </a:schemeClr>
-                </a:solidFill>
-                <a:latin typeface="Arial" panose="020B0604020202020204" pitchFamily="34" charset="0"/>
-                <a:ea typeface="+mn-ea"/>
-                <a:cs typeface="Arial" panose="020B0604020202020204" pitchFamily="34" charset="0"/>
-              </a:defRPr>
-            </a:lvl5pPr>
-            <a:lvl6pPr marL="2514600" indent="-228600" algn="l" defTabSz="914400" rtl="0" eaLnBrk="1" latinLnBrk="0" hangingPunct="1">
-              <a:lnSpc>
-                <a:spcPct val="90000"/>
-              </a:lnSpc>
-              <a:spcBef>
-                <a:spcPts val="500"/>
-              </a:spcBef>
-              <a:buFont typeface="Arial" panose="020B0604020202020204" pitchFamily="34" charset="0"/>
-              <a:buChar char="•"/>
-              <a:defRPr sz="1800" kern="1200">
-                <a:solidFill>
-                  <a:schemeClr val="tx1"/>
-                </a:solidFill>
-                <a:latin typeface="+mn-lt"/>
-                <a:ea typeface="+mn-ea"/>
-                <a:cs typeface="+mn-cs"/>
-              </a:defRPr>
-            </a:lvl6pPr>
-            <a:lvl7pPr marL="2971800" indent="-228600" algn="l" defTabSz="914400" rtl="0" eaLnBrk="1" latinLnBrk="0" hangingPunct="1">
-              <a:lnSpc>
-                <a:spcPct val="90000"/>
-              </a:lnSpc>
-              <a:spcBef>
-                <a:spcPts val="500"/>
-              </a:spcBef>
-              <a:buFont typeface="Arial" panose="020B0604020202020204" pitchFamily="34" charset="0"/>
-              <a:buChar char="•"/>
-              <a:defRPr sz="1800" kern="1200">
-                <a:solidFill>
-                  <a:schemeClr val="tx1"/>
-                </a:solidFill>
-                <a:latin typeface="+mn-lt"/>
-                <a:ea typeface="+mn-ea"/>
-                <a:cs typeface="+mn-cs"/>
-              </a:defRPr>
-            </a:lvl7pPr>
-            <a:lvl8pPr marL="3429000" indent="-228600" algn="l" defTabSz="914400" rtl="0" eaLnBrk="1" latinLnBrk="0" hangingPunct="1">
-              <a:lnSpc>
-                <a:spcPct val="90000"/>
-              </a:lnSpc>
-              <a:spcBef>
-                <a:spcPts val="500"/>
-              </a:spcBef>
-              <a:buFont typeface="Arial" panose="020B0604020202020204" pitchFamily="34" charset="0"/>
-              <a:buChar char="•"/>
-              <a:defRPr sz="1800" kern="1200">
-                <a:solidFill>
-                  <a:schemeClr val="tx1"/>
-                </a:solidFill>
-                <a:latin typeface="+mn-lt"/>
-                <a:ea typeface="+mn-ea"/>
-                <a:cs typeface="+mn-cs"/>
-              </a:defRPr>
-            </a:lvl8pPr>
-            <a:lvl9pPr marL="3886200" indent="-228600" algn="l" defTabSz="914400" rtl="0" eaLnBrk="1" latinLnBrk="0" hangingPunct="1">
-              <a:lnSpc>
-                <a:spcPct val="90000"/>
-              </a:lnSpc>
-              <a:spcBef>
-                <a:spcPts val="500"/>
-              </a:spcBef>
-              <a:buFont typeface="Arial" panose="020B0604020202020204" pitchFamily="34" charset="0"/>
-              <a:buChar char="•"/>
-              <a:defRPr sz="1800" kern="1200">
-                <a:solidFill>
-                  <a:schemeClr val="tx1"/>
-                </a:solidFill>
-                <a:latin typeface="+mn-lt"/>
-                <a:ea typeface="+mn-ea"/>
-                <a:cs typeface="+mn-cs"/>
-              </a:defRPr>
-            </a:lvl9pPr>
-          </a:lstStyle>
-          <a:p>
-            <a:pPr algn="just"/>
-            <a:r>
-              <a:rPr lang="ru-RU" sz="1800" dirty="0" smtClean="0">
-                <a:solidFill>
-                  <a:schemeClr val="tx1"/>
-                </a:solidFill>
-                <a:latin typeface="Times New Roman" panose="02020603050405020304" pitchFamily="18" charset="0"/>
-                <a:cs typeface="Times New Roman" panose="02020603050405020304" pitchFamily="18" charset="0"/>
-              </a:rPr>
-              <a:t>284</a:t>
-            </a:r>
-            <a:r>
-              <a:rPr lang="ru-RU" sz="1800" dirty="0">
-                <a:solidFill>
-                  <a:schemeClr val="tx1"/>
-                </a:solidFill>
-                <a:latin typeface="Times New Roman" panose="02020603050405020304" pitchFamily="18" charset="0"/>
-                <a:cs typeface="Times New Roman" panose="02020603050405020304" pitchFamily="18" charset="0"/>
-              </a:rPr>
-              <a:t> 042,76 руб.</a:t>
-            </a:r>
-          </a:p>
-        </p:txBody>
-      </p:sp>
-      <p:sp>
-        <p:nvSpPr>
-          <p:cNvPr id="23" name="Объект 4">
-            <a:extLst>
-              <a:ext uri="{FF2B5EF4-FFF2-40B4-BE49-F238E27FC236}">
-                <a16:creationId xmlns:a16="http://schemas.microsoft.com/office/drawing/2014/main" xmlns="" id="{CF515C5D-2CDB-4E66-B2B8-1451BC44247F}"/>
-              </a:ext>
-            </a:extLst>
-          </p:cNvPr>
-          <p:cNvSpPr txBox="1">
-            <a:spLocks/>
-          </p:cNvSpPr>
-          <p:nvPr/>
-        </p:nvSpPr>
-        <p:spPr>
-          <a:xfrm>
-            <a:off x="6259159" y="1971676"/>
-            <a:ext cx="3018191" cy="476664"/>
-          </a:xfrm>
-          <a:prstGeom prst="rect">
-            <a:avLst/>
-          </a:prstGeom>
-        </p:spPr>
-        <p:txBody>
-          <a:bodyPr vert="horz" lIns="91440" tIns="45720" rIns="91440" bIns="45720" rtlCol="0" anchor="b">
-            <a:normAutofit/>
-          </a:bodyPr>
-          <a:lstStyle>
-            <a:lvl1pPr marL="0" indent="0" algn="l" defTabSz="914400" rtl="0" eaLnBrk="1" latinLnBrk="0" hangingPunct="1">
+          <a:p>
+            <a:pPr marL="228600" marR="0" lvl="0" indent="-228600" algn="l" defTabSz="914400" rtl="0" eaLnBrk="1" fontAlgn="auto" latinLnBrk="0" hangingPunct="1">
               <a:lnSpc>
                 <a:spcPct val="90000"/>
               </a:lnSpc>
               <a:spcBef>
                 <a:spcPts val="1000"/>
               </a:spcBef>
-              <a:buFont typeface="Arial" panose="020B0604020202020204" pitchFamily="34" charset="0"/>
-              <a:buNone/>
-              <a:defRPr lang="en-US" sz="2000" kern="1200" cap="all" spc="150" baseline="0" dirty="0" smtClean="0">
-                <a:solidFill>
-                  <a:schemeClr val="tx1">
-                    <a:lumMod val="75000"/>
-                    <a:lumOff val="25000"/>
-                  </a:schemeClr>
-                </a:solidFill>
-                <a:latin typeface="Arial" panose="020B0604020202020204" pitchFamily="34" charset="0"/>
-                <a:ea typeface="+mj-ea"/>
-                <a:cs typeface="+mj-cs"/>
-              </a:defRPr>
-            </a:lvl1pPr>
-            <a:lvl2pPr marL="457200" indent="0" algn="l" defTabSz="914400" rtl="0" eaLnBrk="1" latinLnBrk="0" hangingPunct="1">
+              <a:spcAft>
+                <a:spcPts val="0"/>
+              </a:spcAft>
+              <a:buClrTx/>
+              <a:buSzTx/>
+              <a:tabLst/>
+              <a:defRPr/>
+            </a:pPr>
+            <a:r>
+              <a:rPr kumimoji="0" lang="ru-RU" sz="2000" b="1" i="0" u="none" strike="noStrike" kern="1200" cap="none" spc="0" normalizeH="0" baseline="0" noProof="0" dirty="0" smtClean="0">
+                <a:ln>
+                  <a:noFill/>
+                </a:ln>
+                <a:effectLst/>
+                <a:uLnTx/>
+                <a:uFillTx/>
+                <a:latin typeface="Times New Roman" panose="02020603050405020304" pitchFamily="18" charset="0"/>
+                <a:ea typeface="+mn-ea"/>
+                <a:cs typeface="Times New Roman" panose="02020603050405020304" pitchFamily="18" charset="0"/>
+              </a:rPr>
+              <a:t>Себестоимость разработки</a:t>
+            </a:r>
+          </a:p>
+          <a:p>
+            <a:pPr marL="228600" indent="-228600">
               <a:lnSpc>
                 <a:spcPct val="90000"/>
               </a:lnSpc>
               <a:spcBef>
-                <a:spcPts val="500"/>
+                <a:spcPts val="1000"/>
               </a:spcBef>
-              <a:buFont typeface="Arial" panose="020B0604020202020204" pitchFamily="34" charset="0"/>
-              <a:buNone/>
-              <a:defRPr sz="2000" b="1" kern="1200">
-                <a:solidFill>
-                  <a:schemeClr val="tx1">
-                    <a:lumMod val="75000"/>
-                    <a:lumOff val="25000"/>
-                  </a:schemeClr>
-                </a:solidFill>
-                <a:latin typeface="Arial" panose="020B0604020202020204" pitchFamily="34" charset="0"/>
-                <a:ea typeface="+mn-ea"/>
-                <a:cs typeface="Arial" panose="020B0604020202020204" pitchFamily="34" charset="0"/>
-              </a:defRPr>
-            </a:lvl2pPr>
-            <a:lvl3pPr marL="914400" indent="0" algn="l" defTabSz="914400" rtl="0" eaLnBrk="1" latinLnBrk="0" hangingPunct="1">
+            </a:pPr>
+            <a:r>
+              <a:rPr lang="ru-RU" sz="2000" dirty="0" smtClean="0">
+                <a:latin typeface="Times New Roman" panose="02020603050405020304" pitchFamily="18" charset="0"/>
+                <a:cs typeface="Times New Roman" panose="02020603050405020304" pitchFamily="18" charset="0"/>
+              </a:rPr>
+              <a:t>33 тыс. руб.</a:t>
+            </a:r>
+          </a:p>
+          <a:p>
+            <a:pPr marL="228600" indent="-228600">
               <a:lnSpc>
                 <a:spcPct val="90000"/>
               </a:lnSpc>
               <a:spcBef>
-                <a:spcPts val="500"/>
+                <a:spcPts val="1000"/>
               </a:spcBef>
-              <a:buFont typeface="Arial" panose="020B0604020202020204" pitchFamily="34" charset="0"/>
-              <a:buNone/>
-              <a:defRPr sz="1800" b="1" kern="1200">
-                <a:solidFill>
-                  <a:schemeClr val="tx1">
-                    <a:lumMod val="75000"/>
-                    <a:lumOff val="25000"/>
-                  </a:schemeClr>
-                </a:solidFill>
-                <a:latin typeface="Arial" panose="020B0604020202020204" pitchFamily="34" charset="0"/>
-                <a:ea typeface="+mn-ea"/>
-                <a:cs typeface="Arial" panose="020B0604020202020204" pitchFamily="34" charset="0"/>
-              </a:defRPr>
-            </a:lvl3pPr>
-            <a:lvl4pPr marL="1371600" indent="0" algn="l" defTabSz="914400" rtl="0" eaLnBrk="1" latinLnBrk="0" hangingPunct="1">
+            </a:pPr>
+            <a:endParaRPr lang="ru-RU" sz="2000" dirty="0" smtClean="0">
+              <a:latin typeface="Times New Roman" panose="02020603050405020304" pitchFamily="18" charset="0"/>
+              <a:cs typeface="Times New Roman" panose="02020603050405020304" pitchFamily="18" charset="0"/>
+            </a:endParaRPr>
+          </a:p>
+          <a:p>
+            <a:pPr marL="228600" indent="-228600">
               <a:lnSpc>
                 <a:spcPct val="90000"/>
               </a:lnSpc>
               <a:spcBef>
-                <a:spcPts val="500"/>
+                <a:spcPts val="1000"/>
               </a:spcBef>
-              <a:buFont typeface="Arial" panose="020B0604020202020204" pitchFamily="34" charset="0"/>
-              <a:buNone/>
-              <a:defRPr sz="1600" b="1" kern="1200">
-                <a:solidFill>
-                  <a:schemeClr val="tx1">
-                    <a:lumMod val="75000"/>
-                    <a:lumOff val="25000"/>
-                  </a:schemeClr>
-                </a:solidFill>
-                <a:latin typeface="Arial" panose="020B0604020202020204" pitchFamily="34" charset="0"/>
-                <a:ea typeface="+mn-ea"/>
-                <a:cs typeface="Arial" panose="020B0604020202020204" pitchFamily="34" charset="0"/>
-              </a:defRPr>
-            </a:lvl4pPr>
-            <a:lvl5pPr marL="1828800" indent="0" algn="l" defTabSz="914400" rtl="0" eaLnBrk="1" latinLnBrk="0" hangingPunct="1">
+            </a:pPr>
+            <a:r>
+              <a:rPr lang="ru-RU" sz="2000" b="1" dirty="0" smtClean="0">
+                <a:latin typeface="Times New Roman" panose="02020603050405020304" pitchFamily="18" charset="0"/>
+                <a:cs typeface="Times New Roman" panose="02020603050405020304" pitchFamily="18" charset="0"/>
+              </a:rPr>
+              <a:t>Годовой экономический эффект</a:t>
+            </a:r>
+          </a:p>
+          <a:p>
+            <a:pPr marL="228600" indent="-228600">
               <a:lnSpc>
                 <a:spcPct val="90000"/>
               </a:lnSpc>
               <a:spcBef>
-                <a:spcPts val="500"/>
+                <a:spcPts val="1000"/>
               </a:spcBef>
-              <a:buFont typeface="Arial" panose="020B0604020202020204" pitchFamily="34" charset="0"/>
-              <a:buNone/>
-              <a:defRPr sz="1600" b="1" kern="1200">
-                <a:solidFill>
-                  <a:schemeClr val="tx1">
-                    <a:lumMod val="75000"/>
-                    <a:lumOff val="25000"/>
-                  </a:schemeClr>
-                </a:solidFill>
-                <a:latin typeface="Arial" panose="020B0604020202020204" pitchFamily="34" charset="0"/>
-                <a:ea typeface="+mn-ea"/>
-                <a:cs typeface="Arial" panose="020B0604020202020204" pitchFamily="34" charset="0"/>
-              </a:defRPr>
-            </a:lvl5pPr>
-            <a:lvl6pPr marL="2286000" indent="0" algn="l" defTabSz="914400" rtl="0" eaLnBrk="1" latinLnBrk="0" hangingPunct="1">
+            </a:pPr>
+            <a:r>
+              <a:rPr lang="ru-RU" sz="2000" dirty="0" smtClean="0">
+                <a:latin typeface="Times New Roman" panose="02020603050405020304" pitchFamily="18" charset="0"/>
+                <a:cs typeface="Times New Roman" panose="02020603050405020304" pitchFamily="18" charset="0"/>
+              </a:rPr>
+              <a:t>284 тыс. руб.</a:t>
+            </a:r>
+          </a:p>
+          <a:p>
+            <a:pPr marL="228600" indent="-228600">
               <a:lnSpc>
                 <a:spcPct val="90000"/>
               </a:lnSpc>
               <a:spcBef>
-                <a:spcPts val="500"/>
+                <a:spcPts val="1000"/>
               </a:spcBef>
-              <a:buFont typeface="Arial" panose="020B0604020202020204" pitchFamily="34" charset="0"/>
-              <a:buNone/>
-              <a:defRPr sz="1600" b="1" kern="1200">
-                <a:solidFill>
-                  <a:schemeClr val="tx1"/>
-                </a:solidFill>
-                <a:latin typeface="+mn-lt"/>
-                <a:ea typeface="+mn-ea"/>
-                <a:cs typeface="+mn-cs"/>
-              </a:defRPr>
-            </a:lvl6pPr>
-            <a:lvl7pPr marL="2743200" indent="0" algn="l" defTabSz="914400" rtl="0" eaLnBrk="1" latinLnBrk="0" hangingPunct="1">
+            </a:pPr>
+            <a:endParaRPr lang="ru-RU" sz="2000" dirty="0" smtClean="0">
+              <a:latin typeface="Times New Roman" panose="02020603050405020304" pitchFamily="18" charset="0"/>
+              <a:cs typeface="Times New Roman" panose="02020603050405020304" pitchFamily="18" charset="0"/>
+            </a:endParaRPr>
+          </a:p>
+          <a:p>
+            <a:pPr marL="228600" indent="-228600">
               <a:lnSpc>
                 <a:spcPct val="90000"/>
               </a:lnSpc>
               <a:spcBef>
-                <a:spcPts val="500"/>
+                <a:spcPts val="1000"/>
               </a:spcBef>
-              <a:buFont typeface="Arial" panose="020B0604020202020204" pitchFamily="34" charset="0"/>
-              <a:buNone/>
-              <a:defRPr sz="1600" b="1" kern="1200">
-                <a:solidFill>
-                  <a:schemeClr val="tx1"/>
-                </a:solidFill>
-                <a:latin typeface="+mn-lt"/>
-                <a:ea typeface="+mn-ea"/>
-                <a:cs typeface="+mn-cs"/>
-              </a:defRPr>
-            </a:lvl7pPr>
-            <a:lvl8pPr marL="3200400" indent="0" algn="l" defTabSz="914400" rtl="0" eaLnBrk="1" latinLnBrk="0" hangingPunct="1">
+            </a:pPr>
+            <a:r>
+              <a:rPr lang="ru-RU" sz="2000" b="1" dirty="0" smtClean="0">
+                <a:latin typeface="Times New Roman" panose="02020603050405020304" pitchFamily="18" charset="0"/>
+                <a:cs typeface="Times New Roman" panose="02020603050405020304" pitchFamily="18" charset="0"/>
+              </a:rPr>
+              <a:t>Срок окупаемости</a:t>
+            </a:r>
+          </a:p>
+          <a:p>
+            <a:pPr marL="228600" indent="-228600">
               <a:lnSpc>
                 <a:spcPct val="90000"/>
               </a:lnSpc>
               <a:spcBef>
-                <a:spcPts val="500"/>
+                <a:spcPts val="1000"/>
               </a:spcBef>
-              <a:buFont typeface="Arial" panose="020B0604020202020204" pitchFamily="34" charset="0"/>
-              <a:buNone/>
-              <a:defRPr sz="1600" b="1" kern="1200">
-                <a:solidFill>
-                  <a:schemeClr val="tx1"/>
-                </a:solidFill>
-                <a:latin typeface="+mn-lt"/>
-                <a:ea typeface="+mn-ea"/>
-                <a:cs typeface="+mn-cs"/>
-              </a:defRPr>
-            </a:lvl8pPr>
-            <a:lvl9pPr marL="3657600" indent="0" algn="l" defTabSz="914400" rtl="0" eaLnBrk="1" latinLnBrk="0" hangingPunct="1">
+            </a:pPr>
+            <a:r>
+              <a:rPr lang="ru-RU" sz="2000" dirty="0" smtClean="0">
+                <a:latin typeface="Times New Roman" panose="02020603050405020304" pitchFamily="18" charset="0"/>
+                <a:cs typeface="Times New Roman" panose="02020603050405020304" pitchFamily="18" charset="0"/>
+              </a:rPr>
+              <a:t>2 месяца</a:t>
+            </a:r>
+          </a:p>
+          <a:p>
+            <a:pPr marL="228600" indent="-228600">
               <a:lnSpc>
                 <a:spcPct val="90000"/>
               </a:lnSpc>
               <a:spcBef>
-                <a:spcPts val="500"/>
+                <a:spcPts val="1000"/>
               </a:spcBef>
-              <a:buFont typeface="Arial" panose="020B0604020202020204" pitchFamily="34" charset="0"/>
-              <a:buNone/>
-              <a:defRPr sz="1600" b="1" kern="1200">
-                <a:solidFill>
-                  <a:schemeClr val="tx1"/>
-                </a:solidFill>
-                <a:latin typeface="+mn-lt"/>
-                <a:ea typeface="+mn-ea"/>
-                <a:cs typeface="+mn-cs"/>
-              </a:defRPr>
-            </a:lvl9pPr>
-          </a:lstStyle>
-          <a:p>
-            <a:r>
-              <a:rPr lang="ru-RU" sz="1800" dirty="0">
-                <a:solidFill>
-                  <a:schemeClr val="tx1"/>
-                </a:solidFill>
-                <a:latin typeface="Times New Roman" panose="02020603050405020304" pitchFamily="18" charset="0"/>
-                <a:cs typeface="Times New Roman" panose="02020603050405020304" pitchFamily="18" charset="0"/>
-              </a:rPr>
-              <a:t>Срок окупаемости</a:t>
-            </a:r>
-          </a:p>
-        </p:txBody>
-      </p:sp>
-      <p:sp>
-        <p:nvSpPr>
-          <p:cNvPr id="24" name="Текст 7">
-            <a:extLst>
-              <a:ext uri="{FF2B5EF4-FFF2-40B4-BE49-F238E27FC236}">
-                <a16:creationId xmlns:a16="http://schemas.microsoft.com/office/drawing/2014/main" xmlns="" id="{E92B9716-8D44-4864-8986-720957B34362}"/>
-              </a:ext>
-            </a:extLst>
-          </p:cNvPr>
-          <p:cNvSpPr txBox="1">
-            <a:spLocks/>
-          </p:cNvSpPr>
-          <p:nvPr/>
-        </p:nvSpPr>
-        <p:spPr>
-          <a:xfrm>
-            <a:off x="6335360" y="2872869"/>
-            <a:ext cx="2227616" cy="356106"/>
-          </a:xfrm>
-          <a:prstGeom prst="rect">
-            <a:avLst/>
-          </a:prstGeom>
-        </p:spPr>
-        <p:txBody>
-          <a:bodyPr vert="horz" lIns="91440" tIns="45720" rIns="91440" bIns="45720" rtlCol="0">
-            <a:noAutofit/>
-          </a:bodyPr>
-          <a:lstStyle>
-            <a:lvl1pPr marL="0" indent="0" algn="l" defTabSz="914400" rtl="0" eaLnBrk="1" latinLnBrk="0" hangingPunct="1">
+            </a:pPr>
+            <a:endParaRPr lang="ru-RU" sz="2000" dirty="0" smtClean="0">
+              <a:latin typeface="Times New Roman" panose="02020603050405020304" pitchFamily="18" charset="0"/>
+              <a:cs typeface="Times New Roman" panose="02020603050405020304" pitchFamily="18" charset="0"/>
+            </a:endParaRPr>
+          </a:p>
+          <a:p>
+            <a:pPr marL="228600" indent="-228600">
               <a:lnSpc>
-                <a:spcPct val="100000"/>
+                <a:spcPct val="90000"/>
               </a:lnSpc>
               <a:spcBef>
                 <a:spcPts val="1000"/>
               </a:spcBef>
-              <a:buFont typeface="Arial" panose="020B0604020202020204" pitchFamily="34" charset="0"/>
-              <a:buNone/>
-              <a:defRPr sz="1400" kern="1200" spc="50" baseline="0">
-                <a:solidFill>
-                  <a:schemeClr val="tx1">
-                    <a:lumMod val="75000"/>
-                    <a:lumOff val="25000"/>
-                  </a:schemeClr>
-                </a:solidFill>
-                <a:latin typeface="Arial" panose="020B0604020202020204" pitchFamily="34" charset="0"/>
-                <a:ea typeface="+mn-ea"/>
-                <a:cs typeface="Arial" panose="020B0604020202020204" pitchFamily="34" charset="0"/>
-              </a:defRPr>
-            </a:lvl1pPr>
-            <a:lvl2pPr marL="457200" indent="0" algn="l" defTabSz="914400" rtl="0" eaLnBrk="1" latinLnBrk="0" hangingPunct="1">
-              <a:lnSpc>
-                <a:spcPct val="100000"/>
-              </a:lnSpc>
-              <a:spcBef>
-                <a:spcPts val="500"/>
-              </a:spcBef>
-              <a:buFont typeface="Arial" panose="020B0604020202020204" pitchFamily="34" charset="0"/>
-              <a:buNone/>
-              <a:defRPr sz="1400" kern="1200" spc="50" baseline="0">
-                <a:solidFill>
-                  <a:schemeClr val="tx1">
-                    <a:lumMod val="75000"/>
-                    <a:lumOff val="25000"/>
-                  </a:schemeClr>
-                </a:solidFill>
-                <a:latin typeface="Arial" panose="020B0604020202020204" pitchFamily="34" charset="0"/>
-                <a:ea typeface="+mn-ea"/>
-                <a:cs typeface="Arial" panose="020B0604020202020204" pitchFamily="34" charset="0"/>
-              </a:defRPr>
-            </a:lvl2pPr>
-            <a:lvl3pPr marL="914400" indent="0" algn="l" defTabSz="914400" rtl="0" eaLnBrk="1" latinLnBrk="0" hangingPunct="1">
-              <a:lnSpc>
-                <a:spcPct val="100000"/>
-              </a:lnSpc>
-              <a:spcBef>
-                <a:spcPts val="500"/>
-              </a:spcBef>
-              <a:buFont typeface="Arial" panose="020B0604020202020204" pitchFamily="34" charset="0"/>
-              <a:buNone/>
-              <a:defRPr sz="1400" kern="1200" spc="50" baseline="0">
-                <a:solidFill>
-                  <a:schemeClr val="tx1">
-                    <a:lumMod val="75000"/>
-                    <a:lumOff val="25000"/>
-                  </a:schemeClr>
-                </a:solidFill>
-                <a:latin typeface="Arial" panose="020B0604020202020204" pitchFamily="34" charset="0"/>
-                <a:ea typeface="+mn-ea"/>
-                <a:cs typeface="Arial" panose="020B0604020202020204" pitchFamily="34" charset="0"/>
-              </a:defRPr>
-            </a:lvl3pPr>
-            <a:lvl4pPr marL="1371600" indent="0" algn="l" defTabSz="914400" rtl="0" eaLnBrk="1" latinLnBrk="0" hangingPunct="1">
-              <a:lnSpc>
-                <a:spcPct val="100000"/>
-              </a:lnSpc>
-              <a:spcBef>
-                <a:spcPts val="500"/>
-              </a:spcBef>
-              <a:buFont typeface="Arial" panose="020B0604020202020204" pitchFamily="34" charset="0"/>
-              <a:buNone/>
-              <a:defRPr sz="1400" kern="1200" spc="50" baseline="0">
-                <a:solidFill>
-                  <a:schemeClr val="tx1">
-                    <a:lumMod val="75000"/>
-                    <a:lumOff val="25000"/>
-                  </a:schemeClr>
-                </a:solidFill>
-                <a:latin typeface="Arial" panose="020B0604020202020204" pitchFamily="34" charset="0"/>
-                <a:ea typeface="+mn-ea"/>
-                <a:cs typeface="Arial" panose="020B0604020202020204" pitchFamily="34" charset="0"/>
-              </a:defRPr>
-            </a:lvl4pPr>
-            <a:lvl5pPr marL="1828800" indent="0" algn="l" defTabSz="914400" rtl="0" eaLnBrk="1" latinLnBrk="0" hangingPunct="1">
-              <a:lnSpc>
-                <a:spcPct val="100000"/>
-              </a:lnSpc>
-              <a:spcBef>
-                <a:spcPts val="500"/>
-              </a:spcBef>
-              <a:buFont typeface="Arial" panose="020B0604020202020204" pitchFamily="34" charset="0"/>
-              <a:buNone/>
-              <a:defRPr sz="1400" kern="1200" spc="50" baseline="0">
-                <a:solidFill>
-                  <a:schemeClr val="tx1">
-                    <a:lumMod val="75000"/>
-                    <a:lumOff val="25000"/>
-                  </a:schemeClr>
-                </a:solidFill>
-                <a:latin typeface="Arial" panose="020B0604020202020204" pitchFamily="34" charset="0"/>
-                <a:ea typeface="+mn-ea"/>
-                <a:cs typeface="Arial" panose="020B0604020202020204" pitchFamily="34" charset="0"/>
-              </a:defRPr>
-            </a:lvl5pPr>
-            <a:lvl6pPr marL="2514600" indent="-228600" algn="l" defTabSz="914400" rtl="0" eaLnBrk="1" latinLnBrk="0" hangingPunct="1">
+            </a:pPr>
+            <a:endParaRPr lang="ru-RU" sz="2000" dirty="0" smtClean="0">
+              <a:latin typeface="Times New Roman" panose="02020603050405020304" pitchFamily="18" charset="0"/>
+              <a:cs typeface="Times New Roman" panose="02020603050405020304" pitchFamily="18" charset="0"/>
+            </a:endParaRPr>
+          </a:p>
+          <a:p>
+            <a:pPr marL="228600" marR="0" lvl="0" indent="-228600" algn="l" defTabSz="914400" rtl="0" eaLnBrk="1" fontAlgn="auto" latinLnBrk="0" hangingPunct="1">
               <a:lnSpc>
                 <a:spcPct val="90000"/>
               </a:lnSpc>
               <a:spcBef>
-                <a:spcPts val="500"/>
+                <a:spcPts val="1000"/>
               </a:spcBef>
-              <a:buFont typeface="Arial" panose="020B0604020202020204" pitchFamily="34" charset="0"/>
-              <a:buChar char="•"/>
-              <a:defRPr sz="1800" kern="1200">
-                <a:solidFill>
-                  <a:schemeClr val="tx1"/>
-                </a:solidFill>
-                <a:latin typeface="+mn-lt"/>
-                <a:ea typeface="+mn-ea"/>
-                <a:cs typeface="+mn-cs"/>
-              </a:defRPr>
-            </a:lvl6pPr>
-            <a:lvl7pPr marL="2971800" indent="-228600" algn="l" defTabSz="914400" rtl="0" eaLnBrk="1" latinLnBrk="0" hangingPunct="1">
-              <a:lnSpc>
-                <a:spcPct val="90000"/>
-              </a:lnSpc>
-              <a:spcBef>
-                <a:spcPts val="500"/>
-              </a:spcBef>
-              <a:buFont typeface="Arial" panose="020B0604020202020204" pitchFamily="34" charset="0"/>
-              <a:buChar char="•"/>
-              <a:defRPr sz="1800" kern="1200">
-                <a:solidFill>
-                  <a:schemeClr val="tx1"/>
-                </a:solidFill>
-                <a:latin typeface="+mn-lt"/>
-                <a:ea typeface="+mn-ea"/>
-                <a:cs typeface="+mn-cs"/>
-              </a:defRPr>
-            </a:lvl7pPr>
-            <a:lvl8pPr marL="3429000" indent="-228600" algn="l" defTabSz="914400" rtl="0" eaLnBrk="1" latinLnBrk="0" hangingPunct="1">
-              <a:lnSpc>
-                <a:spcPct val="90000"/>
-              </a:lnSpc>
-              <a:spcBef>
-                <a:spcPts val="500"/>
-              </a:spcBef>
-              <a:buFont typeface="Arial" panose="020B0604020202020204" pitchFamily="34" charset="0"/>
-              <a:buChar char="•"/>
-              <a:defRPr sz="1800" kern="1200">
-                <a:solidFill>
-                  <a:schemeClr val="tx1"/>
-                </a:solidFill>
-                <a:latin typeface="+mn-lt"/>
-                <a:ea typeface="+mn-ea"/>
-                <a:cs typeface="+mn-cs"/>
-              </a:defRPr>
-            </a:lvl8pPr>
-            <a:lvl9pPr marL="3886200" indent="-228600" algn="l" defTabSz="914400" rtl="0" eaLnBrk="1" latinLnBrk="0" hangingPunct="1">
-              <a:lnSpc>
-                <a:spcPct val="90000"/>
-              </a:lnSpc>
-              <a:spcBef>
-                <a:spcPts val="500"/>
-              </a:spcBef>
-              <a:buFont typeface="Arial" panose="020B0604020202020204" pitchFamily="34" charset="0"/>
-              <a:buChar char="•"/>
-              <a:defRPr sz="1800" kern="1200">
-                <a:solidFill>
-                  <a:schemeClr val="tx1"/>
-                </a:solidFill>
-                <a:latin typeface="+mn-lt"/>
-                <a:ea typeface="+mn-ea"/>
-                <a:cs typeface="+mn-cs"/>
-              </a:defRPr>
-            </a:lvl9pPr>
-          </a:lstStyle>
-          <a:p>
-            <a:pPr algn="just"/>
-            <a:r>
-              <a:rPr lang="ru-RU" sz="1800" dirty="0" smtClean="0">
-                <a:solidFill>
-                  <a:schemeClr val="tx1"/>
-                </a:solidFill>
-                <a:latin typeface="Times New Roman" panose="02020603050405020304" pitchFamily="18" charset="0"/>
-                <a:cs typeface="Times New Roman" panose="02020603050405020304" pitchFamily="18" charset="0"/>
-              </a:rPr>
-              <a:t>0,2 </a:t>
-            </a:r>
-            <a:r>
-              <a:rPr lang="ru-RU" sz="1800" dirty="0">
-                <a:solidFill>
-                  <a:schemeClr val="tx1"/>
-                </a:solidFill>
-                <a:latin typeface="Times New Roman" panose="02020603050405020304" pitchFamily="18" charset="0"/>
-                <a:cs typeface="Times New Roman" panose="02020603050405020304" pitchFamily="18" charset="0"/>
-              </a:rPr>
-              <a:t>года </a:t>
-            </a:r>
-            <a:r>
-              <a:rPr lang="ru-RU" sz="1800" dirty="0" smtClean="0">
-                <a:solidFill>
-                  <a:schemeClr val="tx1"/>
-                </a:solidFill>
-                <a:latin typeface="Times New Roman" panose="02020603050405020304" pitchFamily="18" charset="0"/>
-                <a:cs typeface="Times New Roman" panose="02020603050405020304" pitchFamily="18" charset="0"/>
-              </a:rPr>
-              <a:t>(2 месяца).</a:t>
-            </a:r>
-            <a:endParaRPr lang="ru-RU" sz="1800" dirty="0">
-              <a:solidFill>
-                <a:schemeClr val="tx1"/>
-              </a:solidFill>
+              <a:spcAft>
+                <a:spcPts val="0"/>
+              </a:spcAft>
+              <a:buClrTx/>
+              <a:buSzTx/>
+              <a:tabLst/>
+              <a:defRPr/>
+            </a:pPr>
+            <a:endParaRPr kumimoji="0" lang="ru-RU" sz="2000" b="0" i="0" u="none" strike="noStrike" kern="1200" cap="none" spc="0" normalizeH="0" baseline="0" noProof="0" dirty="0">
+              <a:ln>
+                <a:noFill/>
+              </a:ln>
+              <a:effectLst/>
+              <a:uLnTx/>
+              <a:uFillTx/>
               <a:latin typeface="Times New Roman" panose="02020603050405020304" pitchFamily="18" charset="0"/>
+              <a:ea typeface="+mn-ea"/>
               <a:cs typeface="Times New Roman" panose="02020603050405020304" pitchFamily="18" charset="0"/>
             </a:endParaRPr>
           </a:p>
         </p:txBody>
       </p:sp>
-      <p:grpSp>
-        <p:nvGrpSpPr>
-          <p:cNvPr id="28" name="Группа 27"/>
-          <p:cNvGrpSpPr/>
+      <p:sp>
+        <p:nvSpPr>
+          <p:cNvPr id="25" name="Номер слайда 21">
+            <a:extLst>
+              <a:ext uri="{FF2B5EF4-FFF2-40B4-BE49-F238E27FC236}">
+                <a16:creationId xmlns="" xmlns:a16="http://schemas.microsoft.com/office/drawing/2014/main" id="{5D1BD041-3428-4D62-934F-F3FF6D36F90F}"/>
+              </a:ext>
+            </a:extLst>
+          </p:cNvPr>
+          <p:cNvSpPr>
+            <a:spLocks noGrp="1"/>
+          </p:cNvSpPr>
+          <p:nvPr>
+            <p:ph type="sldNum" sz="quarter" idx="4294967295"/>
+          </p:nvPr>
+        </p:nvSpPr>
+        <p:spPr>
+          <a:xfrm>
+            <a:off x="10700656" y="6356350"/>
+            <a:ext cx="653143" cy="365125"/>
+          </a:xfrm>
+          <a:prstGeom prst="rect">
+            <a:avLst/>
+          </a:prstGeom>
+        </p:spPr>
+        <p:txBody>
+          <a:bodyPr rtlCol="0"/>
+          <a:lstStyle/>
+          <a:p>
+            <a:pPr rtl="0"/>
+            <a:fld id="{B5CEABB6-07DC-46E8-9B57-56EC44A396E5}" type="slidenum">
+              <a:rPr lang="ru-RU" sz="900" smtClean="0">
+                <a:latin typeface="Arial" pitchFamily="34" charset="0"/>
+                <a:cs typeface="Arial" pitchFamily="34" charset="0"/>
+              </a:rPr>
+              <a:pPr rtl="0"/>
+              <a:t>8</a:t>
+            </a:fld>
+            <a:endParaRPr lang="ru-RU" sz="900" dirty="0">
+              <a:latin typeface="Arial" pitchFamily="34" charset="0"/>
+              <a:cs typeface="Arial" pitchFamily="34" charset="0"/>
+            </a:endParaRPr>
+          </a:p>
+        </p:txBody>
+      </p:sp>
+      <p:cxnSp>
+        <p:nvCxnSpPr>
+          <p:cNvPr id="40" name="Прямая соединительная линия 39"/>
+          <p:cNvCxnSpPr/>
           <p:nvPr/>
-        </p:nvGrpSpPr>
-        <p:grpSpPr>
-          <a:xfrm>
-            <a:off x="4562233" y="2001714"/>
-            <a:ext cx="541538" cy="461639"/>
-            <a:chOff x="4998128" y="2752078"/>
-            <a:chExt cx="541538" cy="461639"/>
-          </a:xfrm>
-        </p:grpSpPr>
-        <p:cxnSp>
-          <p:nvCxnSpPr>
-            <p:cNvPr id="29" name="Прямая соединительная линия 28"/>
-            <p:cNvCxnSpPr/>
-            <p:nvPr/>
-          </p:nvCxnSpPr>
-          <p:spPr>
-            <a:xfrm>
-              <a:off x="4998128" y="2752078"/>
-              <a:ext cx="541538" cy="0"/>
-            </a:xfrm>
-            <a:prstGeom prst="line">
-              <a:avLst/>
-            </a:prstGeom>
-          </p:spPr>
-          <p:style>
-            <a:lnRef idx="1">
-              <a:schemeClr val="dk1"/>
-            </a:lnRef>
-            <a:fillRef idx="0">
-              <a:schemeClr val="dk1"/>
-            </a:fillRef>
-            <a:effectRef idx="0">
-              <a:schemeClr val="dk1"/>
-            </a:effectRef>
-            <a:fontRef idx="minor">
-              <a:schemeClr val="tx1"/>
-            </a:fontRef>
-          </p:style>
-        </p:cxnSp>
-        <p:cxnSp>
-          <p:nvCxnSpPr>
-            <p:cNvPr id="30" name="Прямая соединительная линия 29"/>
-            <p:cNvCxnSpPr/>
-            <p:nvPr/>
-          </p:nvCxnSpPr>
-          <p:spPr>
-            <a:xfrm flipV="1">
-              <a:off x="5539666" y="2752078"/>
-              <a:ext cx="0" cy="461639"/>
-            </a:xfrm>
-            <a:prstGeom prst="line">
-              <a:avLst/>
-            </a:prstGeom>
-          </p:spPr>
-          <p:style>
-            <a:lnRef idx="1">
-              <a:schemeClr val="dk1"/>
-            </a:lnRef>
-            <a:fillRef idx="0">
-              <a:schemeClr val="dk1"/>
-            </a:fillRef>
-            <a:effectRef idx="0">
-              <a:schemeClr val="dk1"/>
-            </a:effectRef>
-            <a:fontRef idx="minor">
-              <a:schemeClr val="tx1"/>
-            </a:fontRef>
-          </p:style>
-        </p:cxnSp>
-      </p:grpSp>
-      <p:grpSp>
-        <p:nvGrpSpPr>
-          <p:cNvPr id="37" name="Группа 36"/>
-          <p:cNvGrpSpPr/>
+        </p:nvCxnSpPr>
+        <p:spPr>
+          <a:xfrm>
+            <a:off x="800100" y="3667126"/>
+            <a:ext cx="3867150" cy="9524"/>
+          </a:xfrm>
+          <a:prstGeom prst="line">
+            <a:avLst/>
+          </a:prstGeom>
+        </p:spPr>
+        <p:style>
+          <a:lnRef idx="1">
+            <a:schemeClr val="accent3"/>
+          </a:lnRef>
+          <a:fillRef idx="0">
+            <a:schemeClr val="accent3"/>
+          </a:fillRef>
+          <a:effectRef idx="0">
+            <a:schemeClr val="accent3"/>
+          </a:effectRef>
+          <a:fontRef idx="minor">
+            <a:schemeClr val="tx1"/>
+          </a:fontRef>
+        </p:style>
+      </p:cxnSp>
+      <p:cxnSp>
+        <p:nvCxnSpPr>
+          <p:cNvPr id="44" name="Прямая соединительная линия 43"/>
+          <p:cNvCxnSpPr/>
           <p:nvPr/>
-        </p:nvGrpSpPr>
-        <p:grpSpPr>
-          <a:xfrm>
-            <a:off x="7388047" y="3892478"/>
-            <a:ext cx="541538" cy="461639"/>
-            <a:chOff x="4998128" y="2752078"/>
-            <a:chExt cx="541538" cy="461639"/>
-          </a:xfrm>
-        </p:grpSpPr>
-        <p:cxnSp>
-          <p:nvCxnSpPr>
-            <p:cNvPr id="38" name="Прямая соединительная линия 37"/>
-            <p:cNvCxnSpPr/>
-            <p:nvPr/>
-          </p:nvCxnSpPr>
-          <p:spPr>
-            <a:xfrm>
-              <a:off x="4998128" y="2752078"/>
-              <a:ext cx="541538" cy="0"/>
-            </a:xfrm>
-            <a:prstGeom prst="line">
-              <a:avLst/>
-            </a:prstGeom>
-          </p:spPr>
-          <p:style>
-            <a:lnRef idx="1">
-              <a:schemeClr val="dk1"/>
-            </a:lnRef>
-            <a:fillRef idx="0">
-              <a:schemeClr val="dk1"/>
-            </a:fillRef>
-            <a:effectRef idx="0">
-              <a:schemeClr val="dk1"/>
-            </a:effectRef>
-            <a:fontRef idx="minor">
-              <a:schemeClr val="tx1"/>
-            </a:fontRef>
-          </p:style>
-        </p:cxnSp>
-        <p:cxnSp>
-          <p:nvCxnSpPr>
-            <p:cNvPr id="39" name="Прямая соединительная линия 38"/>
-            <p:cNvCxnSpPr/>
-            <p:nvPr/>
-          </p:nvCxnSpPr>
-          <p:spPr>
-            <a:xfrm flipV="1">
-              <a:off x="5539666" y="2752078"/>
-              <a:ext cx="0" cy="461639"/>
-            </a:xfrm>
-            <a:prstGeom prst="line">
-              <a:avLst/>
-            </a:prstGeom>
-          </p:spPr>
-          <p:style>
-            <a:lnRef idx="1">
-              <a:schemeClr val="dk1"/>
-            </a:lnRef>
-            <a:fillRef idx="0">
-              <a:schemeClr val="dk1"/>
-            </a:fillRef>
-            <a:effectRef idx="0">
-              <a:schemeClr val="dk1"/>
-            </a:effectRef>
-            <a:fontRef idx="minor">
-              <a:schemeClr val="tx1"/>
-            </a:fontRef>
-          </p:style>
-        </p:cxnSp>
-      </p:grpSp>
-      <p:grpSp>
-        <p:nvGrpSpPr>
-          <p:cNvPr id="40" name="Группа 39"/>
-          <p:cNvGrpSpPr/>
+        </p:nvCxnSpPr>
+        <p:spPr>
+          <a:xfrm flipV="1">
+            <a:off x="819150" y="4876800"/>
+            <a:ext cx="2286000" cy="1"/>
+          </a:xfrm>
+          <a:prstGeom prst="line">
+            <a:avLst/>
+          </a:prstGeom>
+        </p:spPr>
+        <p:style>
+          <a:lnRef idx="1">
+            <a:schemeClr val="accent3"/>
+          </a:lnRef>
+          <a:fillRef idx="0">
+            <a:schemeClr val="accent3"/>
+          </a:fillRef>
+          <a:effectRef idx="0">
+            <a:schemeClr val="accent3"/>
+          </a:effectRef>
+          <a:fontRef idx="minor">
+            <a:schemeClr val="tx1"/>
+          </a:fontRef>
+        </p:style>
+      </p:cxnSp>
+      <p:cxnSp>
+        <p:nvCxnSpPr>
+          <p:cNvPr id="45" name="Прямая соединительная линия 44"/>
+          <p:cNvCxnSpPr/>
           <p:nvPr/>
-        </p:nvGrpSpPr>
-        <p:grpSpPr>
-          <a:xfrm>
-            <a:off x="8655772" y="1996225"/>
-            <a:ext cx="541538" cy="461639"/>
-            <a:chOff x="4998128" y="2752078"/>
-            <a:chExt cx="541538" cy="461639"/>
-          </a:xfrm>
-        </p:grpSpPr>
-        <p:cxnSp>
-          <p:nvCxnSpPr>
-            <p:cNvPr id="41" name="Прямая соединительная линия 40"/>
-            <p:cNvCxnSpPr/>
-            <p:nvPr/>
-          </p:nvCxnSpPr>
-          <p:spPr>
-            <a:xfrm>
-              <a:off x="4998128" y="2752078"/>
-              <a:ext cx="541538" cy="0"/>
-            </a:xfrm>
-            <a:prstGeom prst="line">
-              <a:avLst/>
-            </a:prstGeom>
-          </p:spPr>
-          <p:style>
-            <a:lnRef idx="1">
-              <a:schemeClr val="dk1"/>
-            </a:lnRef>
-            <a:fillRef idx="0">
-              <a:schemeClr val="dk1"/>
-            </a:fillRef>
-            <a:effectRef idx="0">
-              <a:schemeClr val="dk1"/>
-            </a:effectRef>
-            <a:fontRef idx="minor">
-              <a:schemeClr val="tx1"/>
-            </a:fontRef>
-          </p:style>
-        </p:cxnSp>
-        <p:cxnSp>
-          <p:nvCxnSpPr>
-            <p:cNvPr id="42" name="Прямая соединительная линия 41"/>
-            <p:cNvCxnSpPr/>
-            <p:nvPr/>
-          </p:nvCxnSpPr>
-          <p:spPr>
-            <a:xfrm flipV="1">
-              <a:off x="5539666" y="2752078"/>
-              <a:ext cx="0" cy="461639"/>
-            </a:xfrm>
-            <a:prstGeom prst="line">
-              <a:avLst/>
-            </a:prstGeom>
-          </p:spPr>
-          <p:style>
-            <a:lnRef idx="1">
-              <a:schemeClr val="dk1"/>
-            </a:lnRef>
-            <a:fillRef idx="0">
-              <a:schemeClr val="dk1"/>
-            </a:fillRef>
-            <a:effectRef idx="0">
-              <a:schemeClr val="dk1"/>
-            </a:effectRef>
-            <a:fontRef idx="minor">
-              <a:schemeClr val="tx1"/>
-            </a:fontRef>
-          </p:style>
-        </p:cxnSp>
-      </p:grpSp>
+        </p:nvCxnSpPr>
+        <p:spPr>
+          <a:xfrm>
+            <a:off x="819150" y="2390776"/>
+            <a:ext cx="3314700" cy="9524"/>
+          </a:xfrm>
+          <a:prstGeom prst="line">
+            <a:avLst/>
+          </a:prstGeom>
+        </p:spPr>
+        <p:style>
+          <a:lnRef idx="1">
+            <a:schemeClr val="accent3"/>
+          </a:lnRef>
+          <a:fillRef idx="0">
+            <a:schemeClr val="accent3"/>
+          </a:fillRef>
+          <a:effectRef idx="0">
+            <a:schemeClr val="accent3"/>
+          </a:effectRef>
+          <a:fontRef idx="minor">
+            <a:schemeClr val="tx1"/>
+          </a:fontRef>
+        </p:style>
+      </p:cxnSp>
     </p:spTree>
     <p:extLst>
       <p:ext uri="{BB962C8B-B14F-4D97-AF65-F5344CB8AC3E}">
-        <p14:creationId xmlns:p14="http://schemas.microsoft.com/office/powerpoint/2010/main" val="1676891624"/>
+        <p14:creationId xmlns:p14="http://schemas.microsoft.com/office/powerpoint/2010/main" val="2243494996"/>
       </p:ext>
     </p:extLst>
   </p:cSld>
   <p:clrMapOvr>
     <a:masterClrMapping/>
   </p:clrMapOvr>
+  <p:timing>
+    <p:tnLst>
+      <p:par>
+        <p:cTn id="1" dur="indefinite" restart="never" nodeType="tmRoot"/>
+      </p:par>
+    </p:tnLst>
+  </p:timing>
 </p:sld>
 </file>
 
@@ -23008,7 +22287,7 @@
           <p:cNvPr id="4" name="Заголовок 3">
             <a:extLst>
               <a:ext uri="{FF2B5EF4-FFF2-40B4-BE49-F238E27FC236}">
-                <a16:creationId xmlns:a16="http://schemas.microsoft.com/office/drawing/2014/main" xmlns="" id="{FAD2AE59-5630-4D5C-83A9-4CDEF4D7DCFB}"/>
+                <a16:creationId xmlns="" xmlns:a16="http://schemas.microsoft.com/office/drawing/2014/main" id="{FAD2AE59-5630-4D5C-83A9-4CDEF4D7DCFB}"/>
               </a:ext>
             </a:extLst>
           </p:cNvPr>
@@ -23057,7 +22336,7 @@
           <p:cNvPr id="14" name="Номер слайда 13">
             <a:extLst>
               <a:ext uri="{FF2B5EF4-FFF2-40B4-BE49-F238E27FC236}">
-                <a16:creationId xmlns:a16="http://schemas.microsoft.com/office/drawing/2014/main" xmlns="" id="{42152A75-1CD2-44EC-9374-C83D4604A5DD}"/>
+                <a16:creationId xmlns="" xmlns:a16="http://schemas.microsoft.com/office/drawing/2014/main" id="{42152A75-1CD2-44EC-9374-C83D4604A5DD}"/>
               </a:ext>
             </a:extLst>
           </p:cNvPr>
@@ -23216,6 +22495,13 @@
   <p:clrMapOvr>
     <a:masterClrMapping/>
   </p:clrMapOvr>
+  <p:timing>
+    <p:tnLst>
+      <p:par>
+        <p:cTn id="1" dur="indefinite" restart="never" nodeType="tmRoot"/>
+      </p:par>
+    </p:tnLst>
+  </p:timing>
 </p:sld>
 </file>
 
@@ -23414,7 +22700,7 @@
   <a:extraClrSchemeLst/>
   <a:extLst>
     <a:ext uri="{05A4C25C-085E-4340-85A3-A5531E510DB2}">
-      <thm15:themeFamily xmlns:thm15="http://schemas.microsoft.com/office/thememl/2012/main" xmlns="" name="Monoline" id="{080CB5C6-FA0A-40B0-8C1A-A4BA88D91EE0}" vid="{DC98E595-77B2-413A-A4EA-B47400BD13CB}"/>
+      <thm15:themeFamily xmlns="" xmlns:thm15="http://schemas.microsoft.com/office/thememl/2012/main" name="Monoline" id="{080CB5C6-FA0A-40B0-8C1A-A4BA88D91EE0}" vid="{DC98E595-77B2-413A-A4EA-B47400BD13CB}"/>
     </a:ext>
   </a:extLst>
 </a:theme>
@@ -23709,7 +22995,7 @@
   <a:extraClrSchemeLst/>
   <a:extLst>
     <a:ext uri="{05A4C25C-085E-4340-85A3-A5531E510DB2}">
-      <thm15:themeFamily xmlns:thm15="http://schemas.microsoft.com/office/thememl/2012/main" xmlns="" name="Office Theme" id="{62F939B6-93AF-4DB8-9C6B-D6C7DFDC589F}" vid="{4A3C46E8-61CC-4603-A589-7422A47A8E4A}"/>
+      <thm15:themeFamily xmlns="" xmlns:thm15="http://schemas.microsoft.com/office/thememl/2012/main" name="Office Theme" id="{62F939B6-93AF-4DB8-9C6B-D6C7DFDC589F}" vid="{4A3C46E8-61CC-4603-A589-7422A47A8E4A}"/>
     </a:ext>
   </a:extLst>
 </a:theme>
@@ -24004,13 +23290,41 @@
   <a:extraClrSchemeLst/>
   <a:extLst>
     <a:ext uri="{05A4C25C-085E-4340-85A3-A5531E510DB2}">
-      <thm15:themeFamily xmlns:thm15="http://schemas.microsoft.com/office/thememl/2012/main" xmlns="" name="Office Theme" id="{62F939B6-93AF-4DB8-9C6B-D6C7DFDC589F}" vid="{4A3C46E8-61CC-4603-A589-7422A47A8E4A}"/>
+      <thm15:themeFamily xmlns="" xmlns:thm15="http://schemas.microsoft.com/office/thememl/2012/main" name="Office Theme" id="{62F939B6-93AF-4DB8-9C6B-D6C7DFDC589F}" vid="{4A3C46E8-61CC-4603-A589-7422A47A8E4A}"/>
     </a:ext>
   </a:extLst>
 </a:theme>
 </file>
 
 <file path=customXml/item1.xml><?xml version="1.0" encoding="utf-8"?>
+<?mso-contentType ?>
+<FormTemplates xmlns="http://schemas.microsoft.com/sharepoint/v3/contenttype/forms">
+  <Display>DocumentLibraryForm</Display>
+  <Edit>DocumentLibraryForm</Edit>
+  <New>DocumentLibraryForm</New>
+</FormTemplates>
+</file>
+
+<file path=customXml/item2.xml><?xml version="1.0" encoding="utf-8"?>
+<p:properties xmlns:p="http://schemas.microsoft.com/office/2006/metadata/properties" xmlns:xsi="http://www.w3.org/2001/XMLSchema-instance" xmlns:pc="http://schemas.microsoft.com/office/infopath/2007/PartnerControls">
+  <documentManagement>
+    <_ip_UnifiedCompliancePolicyUIAction xmlns="http://schemas.microsoft.com/sharepoint/v3" xsi:nil="true"/>
+    <Image xmlns="71af3243-3dd4-4a8d-8c0d-dd76da1f02a5">
+      <Url xsi:nil="true"/>
+      <Description xsi:nil="true"/>
+    </Image>
+    <Status xmlns="71af3243-3dd4-4a8d-8c0d-dd76da1f02a5">Not started</Status>
+    <_ip_UnifiedCompliancePolicyProperties xmlns="http://schemas.microsoft.com/sharepoint/v3" xsi:nil="true"/>
+    <ImageTagsTaxHTField xmlns="71af3243-3dd4-4a8d-8c0d-dd76da1f02a5">
+      <Terms xmlns="http://schemas.microsoft.com/office/infopath/2007/PartnerControls"/>
+    </ImageTagsTaxHTField>
+    <TaxCatchAll xmlns="230e9df3-be65-4c73-a93b-d1236ebd677e"/>
+    <MediaServiceKeyPoints xmlns="71af3243-3dd4-4a8d-8c0d-dd76da1f02a5" xsi:nil="true"/>
+  </documentManagement>
+</p:properties>
+</file>
+
+<file path=customXml/item3.xml><?xml version="1.0" encoding="utf-8"?>
 <ct:contentTypeSchema xmlns:ct="http://schemas.microsoft.com/office/2006/metadata/contentType" xmlns:ma="http://schemas.microsoft.com/office/2006/metadata/properties/metaAttributes" ct:_="" ma:_="" ma:contentTypeName="Document" ma:contentTypeID="0x01010079F111ED35F8CC479449609E8A0923A6" ma:contentTypeVersion="20" ma:contentTypeDescription="Create a new document." ma:contentTypeScope="" ma:versionID="1267097ee5f5874adfcc408041ae252e">
   <xsd:schema xmlns:xsd="http://www.w3.org/2001/XMLSchema" xmlns:xs="http://www.w3.org/2001/XMLSchema" xmlns:p="http://schemas.microsoft.com/office/2006/metadata/properties" xmlns:ns1="http://schemas.microsoft.com/sharepoint/v3" xmlns:ns2="71af3243-3dd4-4a8d-8c0d-dd76da1f02a5" xmlns:ns3="16c05727-aa75-4e4a-9b5f-8a80a1165891" xmlns:ns4="230e9df3-be65-4c73-a93b-d1236ebd677e" targetNamespace="http://schemas.microsoft.com/office/2006/metadata/properties" ma:root="true" ma:fieldsID="395891a93df65b14727750f2c06c306c" ns1:_="" ns2:_="" ns3:_="" ns4:_="">
     <xsd:import namespace="http://schemas.microsoft.com/sharepoint/v3"/>
@@ -24286,35 +23600,27 @@
 </ct:contentTypeSchema>
 </file>
 
-<file path=customXml/item2.xml><?xml version="1.0" encoding="utf-8"?>
-<p:properties xmlns:p="http://schemas.microsoft.com/office/2006/metadata/properties" xmlns:xsi="http://www.w3.org/2001/XMLSchema-instance" xmlns:pc="http://schemas.microsoft.com/office/infopath/2007/PartnerControls">
-  <documentManagement>
-    <_ip_UnifiedCompliancePolicyUIAction xmlns="http://schemas.microsoft.com/sharepoint/v3" xsi:nil="true"/>
-    <Image xmlns="71af3243-3dd4-4a8d-8c0d-dd76da1f02a5">
-      <Url xsi:nil="true"/>
-      <Description xsi:nil="true"/>
-    </Image>
-    <Status xmlns="71af3243-3dd4-4a8d-8c0d-dd76da1f02a5">Not started</Status>
-    <_ip_UnifiedCompliancePolicyProperties xmlns="http://schemas.microsoft.com/sharepoint/v3" xsi:nil="true"/>
-    <ImageTagsTaxHTField xmlns="71af3243-3dd4-4a8d-8c0d-dd76da1f02a5">
-      <Terms xmlns="http://schemas.microsoft.com/office/infopath/2007/PartnerControls"/>
-    </ImageTagsTaxHTField>
-    <TaxCatchAll xmlns="230e9df3-be65-4c73-a93b-d1236ebd677e"/>
-    <MediaServiceKeyPoints xmlns="71af3243-3dd4-4a8d-8c0d-dd76da1f02a5" xsi:nil="true"/>
-  </documentManagement>
-</p:properties>
+<file path=customXml/itemProps1.xml><?xml version="1.0" encoding="utf-8"?>
+<ds:datastoreItem xmlns:ds="http://schemas.openxmlformats.org/officeDocument/2006/customXml" ds:itemID="{BC4BA2C8-4C3C-4809-AD4F-FED9B4D74B8F}">
+  <ds:schemaRefs>
+    <ds:schemaRef ds:uri="http://schemas.microsoft.com/sharepoint/v3/contenttype/forms"/>
+  </ds:schemaRefs>
+</ds:datastoreItem>
 </file>
 
-<file path=customXml/item3.xml><?xml version="1.0" encoding="utf-8"?>
-<?mso-contentType ?>
-<FormTemplates xmlns="http://schemas.microsoft.com/sharepoint/v3/contenttype/forms">
-  <Display>DocumentLibraryForm</Display>
-  <Edit>DocumentLibraryForm</Edit>
-  <New>DocumentLibraryForm</New>
-</FormTemplates>
+<file path=customXml/itemProps2.xml><?xml version="1.0" encoding="utf-8"?>
+<ds:datastoreItem xmlns:ds="http://schemas.openxmlformats.org/officeDocument/2006/customXml" ds:itemID="{0C14FED0-9A95-4A83-8CAA-A3BB5938F805}">
+  <ds:schemaRefs>
+    <ds:schemaRef ds:uri="http://schemas.microsoft.com/office/2006/metadata/properties"/>
+    <ds:schemaRef ds:uri="http://schemas.microsoft.com/office/infopath/2007/PartnerControls"/>
+    <ds:schemaRef ds:uri="http://schemas.microsoft.com/sharepoint/v3"/>
+    <ds:schemaRef ds:uri="71af3243-3dd4-4a8d-8c0d-dd76da1f02a5"/>
+    <ds:schemaRef ds:uri="230e9df3-be65-4c73-a93b-d1236ebd677e"/>
+  </ds:schemaRefs>
+</ds:datastoreItem>
 </file>
 
-<file path=customXml/itemProps1.xml><?xml version="1.0" encoding="utf-8"?>
+<file path=customXml/itemProps3.xml><?xml version="1.0" encoding="utf-8"?>
 <ds:datastoreItem xmlns:ds="http://schemas.openxmlformats.org/officeDocument/2006/customXml" ds:itemID="{875DC67E-4FAC-4989-A1C6-9CCFAE7240BA}">
   <ds:schemaRefs>
     <ds:schemaRef ds:uri="http://schemas.microsoft.com/office/2006/metadata/contentType"/>
@@ -24335,26 +23641,6 @@
 </ds:datastoreItem>
 </file>
 
-<file path=customXml/itemProps2.xml><?xml version="1.0" encoding="utf-8"?>
-<ds:datastoreItem xmlns:ds="http://schemas.openxmlformats.org/officeDocument/2006/customXml" ds:itemID="{0C14FED0-9A95-4A83-8CAA-A3BB5938F805}">
-  <ds:schemaRefs>
-    <ds:schemaRef ds:uri="http://schemas.microsoft.com/office/2006/metadata/properties"/>
-    <ds:schemaRef ds:uri="http://schemas.microsoft.com/office/infopath/2007/PartnerControls"/>
-    <ds:schemaRef ds:uri="http://schemas.microsoft.com/sharepoint/v3"/>
-    <ds:schemaRef ds:uri="71af3243-3dd4-4a8d-8c0d-dd76da1f02a5"/>
-    <ds:schemaRef ds:uri="230e9df3-be65-4c73-a93b-d1236ebd677e"/>
-  </ds:schemaRefs>
-</ds:datastoreItem>
-</file>
-
-<file path=customXml/itemProps3.xml><?xml version="1.0" encoding="utf-8"?>
-<ds:datastoreItem xmlns:ds="http://schemas.openxmlformats.org/officeDocument/2006/customXml" ds:itemID="{BC4BA2C8-4C3C-4809-AD4F-FED9B4D74B8F}">
-  <ds:schemaRefs>
-    <ds:schemaRef ds:uri="http://schemas.microsoft.com/sharepoint/v3/contenttype/forms"/>
-  </ds:schemaRefs>
-</ds:datastoreItem>
-</file>
-
 <file path=docMetadata/LabelInfo.xml><?xml version="1.0" encoding="utf-8"?>
 <clbl:labelList xmlns:clbl="http://schemas.microsoft.com/office/2020/mipLabelMetadata">
   <clbl:label id="{f42aa342-8706-4288-bd11-ebb85995028c}" enabled="1" method="Standard" siteId="{72f988bf-86f1-41af-91ab-2d7cd011db47}" removed="0"/>
